--- a/static/assets/3_embedded_img.pptx
+++ b/static/assets/3_embedded_img.pptx
@@ -6,10 +6,11 @@
     <p:sldMasterId id="2147483660" r:id="rId2"/>
   </p:sldMasterIdLst>
   <p:notesMasterIdLst>
-    <p:notesMasterId r:id="rId4"/>
+    <p:notesMasterId r:id="rId5"/>
   </p:notesMasterIdLst>
   <p:sldIdLst>
     <p:sldId id="358" r:id="rId3"/>
+    <p:sldId id="359" r:id="rId4"/>
   </p:sldIdLst>
   <p:sldSz cx="18288000" cy="14039850"/>
   <p:notesSz cx="6858000" cy="9144000"/>
@@ -217,7 +218,7 @@
           <a:p>
             <a:fld id="{CABFA58B-201B-41D2-AA3E-28483B84FD7B}" type="datetimeFigureOut">
               <a:rPr lang="ko-KR" altLang="en-US" smtClean="0"/>
-              <a:t>2022-03-08</a:t>
+              <a:t>2022-03-14</a:t>
             </a:fld>
             <a:endParaRPr lang="ko-KR" altLang="en-US"/>
           </a:p>
@@ -663,7 +664,7 @@
           <a:p>
             <a:fld id="{C33163C4-65CF-48D2-8124-E2CEDBD7A0C5}" type="datetimeFigureOut">
               <a:rPr lang="ko-KR" altLang="en-US" smtClean="0"/>
-              <a:t>2022-03-08</a:t>
+              <a:t>2022-03-14</a:t>
             </a:fld>
             <a:endParaRPr lang="ko-KR" altLang="en-US"/>
           </a:p>
@@ -985,7 +986,7 @@
           <a:p>
             <a:fld id="{C33163C4-65CF-48D2-8124-E2CEDBD7A0C5}" type="datetimeFigureOut">
               <a:rPr lang="ko-KR" altLang="en-US" smtClean="0"/>
-              <a:t>2022-03-08</a:t>
+              <a:t>2022-03-14</a:t>
             </a:fld>
             <a:endParaRPr lang="ko-KR" altLang="en-US"/>
           </a:p>
@@ -1163,7 +1164,7 @@
           <a:p>
             <a:fld id="{C33163C4-65CF-48D2-8124-E2CEDBD7A0C5}" type="datetimeFigureOut">
               <a:rPr lang="ko-KR" altLang="en-US" smtClean="0"/>
-              <a:t>2022-03-08</a:t>
+              <a:t>2022-03-14</a:t>
             </a:fld>
             <a:endParaRPr lang="ko-KR" altLang="en-US"/>
           </a:p>
@@ -1403,7 +1404,7 @@
           <a:p>
             <a:fld id="{29936F60-83FB-4643-B7D2-F169DF4090A4}" type="datetimeFigureOut">
               <a:rPr lang="ko-KR" altLang="en-US" smtClean="0"/>
-              <a:t>2022-03-08</a:t>
+              <a:t>2022-03-14</a:t>
             </a:fld>
             <a:endParaRPr lang="ko-KR" altLang="en-US"/>
           </a:p>
@@ -1571,7 +1572,7 @@
           <a:p>
             <a:fld id="{29936F60-83FB-4643-B7D2-F169DF4090A4}" type="datetimeFigureOut">
               <a:rPr lang="ko-KR" altLang="en-US" smtClean="0"/>
-              <a:t>2022-03-08</a:t>
+              <a:t>2022-03-14</a:t>
             </a:fld>
             <a:endParaRPr lang="ko-KR" altLang="en-US"/>
           </a:p>
@@ -1816,7 +1817,7 @@
           <a:p>
             <a:fld id="{29936F60-83FB-4643-B7D2-F169DF4090A4}" type="datetimeFigureOut">
               <a:rPr lang="ko-KR" altLang="en-US" smtClean="0"/>
-              <a:t>2022-03-08</a:t>
+              <a:t>2022-03-14</a:t>
             </a:fld>
             <a:endParaRPr lang="ko-KR" altLang="en-US"/>
           </a:p>
@@ -2101,7 +2102,7 @@
           <a:p>
             <a:fld id="{29936F60-83FB-4643-B7D2-F169DF4090A4}" type="datetimeFigureOut">
               <a:rPr lang="ko-KR" altLang="en-US" smtClean="0"/>
-              <a:t>2022-03-08</a:t>
+              <a:t>2022-03-14</a:t>
             </a:fld>
             <a:endParaRPr lang="ko-KR" altLang="en-US"/>
           </a:p>
@@ -2520,7 +2521,7 @@
           <a:p>
             <a:fld id="{29936F60-83FB-4643-B7D2-F169DF4090A4}" type="datetimeFigureOut">
               <a:rPr lang="ko-KR" altLang="en-US" smtClean="0"/>
-              <a:t>2022-03-08</a:t>
+              <a:t>2022-03-14</a:t>
             </a:fld>
             <a:endParaRPr lang="ko-KR" altLang="en-US"/>
           </a:p>
@@ -2637,7 +2638,7 @@
           <a:p>
             <a:fld id="{29936F60-83FB-4643-B7D2-F169DF4090A4}" type="datetimeFigureOut">
               <a:rPr lang="ko-KR" altLang="en-US" smtClean="0"/>
-              <a:t>2022-03-08</a:t>
+              <a:t>2022-03-14</a:t>
             </a:fld>
             <a:endParaRPr lang="ko-KR" altLang="en-US"/>
           </a:p>
@@ -2732,7 +2733,7 @@
           <a:p>
             <a:fld id="{29936F60-83FB-4643-B7D2-F169DF4090A4}" type="datetimeFigureOut">
               <a:rPr lang="ko-KR" altLang="en-US" smtClean="0"/>
-              <a:t>2022-03-08</a:t>
+              <a:t>2022-03-14</a:t>
             </a:fld>
             <a:endParaRPr lang="ko-KR" altLang="en-US"/>
           </a:p>
@@ -3007,7 +3008,7 @@
           <a:p>
             <a:fld id="{29936F60-83FB-4643-B7D2-F169DF4090A4}" type="datetimeFigureOut">
               <a:rPr lang="ko-KR" altLang="en-US" smtClean="0"/>
-              <a:t>2022-03-08</a:t>
+              <a:t>2022-03-14</a:t>
             </a:fld>
             <a:endParaRPr lang="ko-KR" altLang="en-US"/>
           </a:p>
@@ -3197,7 +3198,7 @@
           <a:p>
             <a:fld id="{C33163C4-65CF-48D2-8124-E2CEDBD7A0C5}" type="datetimeFigureOut">
               <a:rPr lang="ko-KR" altLang="en-US" smtClean="0"/>
-              <a:t>2022-03-08</a:t>
+              <a:t>2022-03-14</a:t>
             </a:fld>
             <a:endParaRPr lang="ko-KR" altLang="en-US"/>
           </a:p>
@@ -3810,7 +3811,7 @@
           <a:p>
             <a:fld id="{29936F60-83FB-4643-B7D2-F169DF4090A4}" type="datetimeFigureOut">
               <a:rPr lang="ko-KR" altLang="en-US" smtClean="0"/>
-              <a:t>2022-03-08</a:t>
+              <a:t>2022-03-14</a:t>
             </a:fld>
             <a:endParaRPr lang="ko-KR" altLang="en-US"/>
           </a:p>
@@ -3978,7 +3979,7 @@
           <a:p>
             <a:fld id="{29936F60-83FB-4643-B7D2-F169DF4090A4}" type="datetimeFigureOut">
               <a:rPr lang="ko-KR" altLang="en-US" smtClean="0"/>
-              <a:t>2022-03-08</a:t>
+              <a:t>2022-03-14</a:t>
             </a:fld>
             <a:endParaRPr lang="ko-KR" altLang="en-US"/>
           </a:p>
@@ -4156,7 +4157,7 @@
           <a:p>
             <a:fld id="{29936F60-83FB-4643-B7D2-F169DF4090A4}" type="datetimeFigureOut">
               <a:rPr lang="ko-KR" altLang="en-US" smtClean="0"/>
-              <a:t>2022-03-08</a:t>
+              <a:t>2022-03-14</a:t>
             </a:fld>
             <a:endParaRPr lang="ko-KR" altLang="en-US"/>
           </a:p>
@@ -4401,7 +4402,7 @@
           <a:p>
             <a:fld id="{C33163C4-65CF-48D2-8124-E2CEDBD7A0C5}" type="datetimeFigureOut">
               <a:rPr lang="ko-KR" altLang="en-US" smtClean="0"/>
-              <a:t>2022-03-08</a:t>
+              <a:t>2022-03-14</a:t>
             </a:fld>
             <a:endParaRPr lang="ko-KR" altLang="en-US"/>
           </a:p>
@@ -4527,7 +4528,7 @@
           <a:p>
             <a:fld id="{C33163C4-65CF-48D2-8124-E2CEDBD7A0C5}" type="datetimeFigureOut">
               <a:rPr lang="ko-KR" altLang="en-US" smtClean="0"/>
-              <a:t>2022-03-08</a:t>
+              <a:t>2022-03-14</a:t>
             </a:fld>
             <a:endParaRPr lang="ko-KR" altLang="en-US"/>
           </a:p>
@@ -5430,7 +5431,7 @@
           <a:p>
             <a:fld id="{C33163C4-65CF-48D2-8124-E2CEDBD7A0C5}" type="datetimeFigureOut">
               <a:rPr lang="ko-KR" altLang="en-US" smtClean="0"/>
-              <a:t>2022-03-08</a:t>
+              <a:t>2022-03-14</a:t>
             </a:fld>
             <a:endParaRPr lang="ko-KR" altLang="en-US"/>
           </a:p>
@@ -5547,7 +5548,7 @@
           <a:p>
             <a:fld id="{C33163C4-65CF-48D2-8124-E2CEDBD7A0C5}" type="datetimeFigureOut">
               <a:rPr lang="ko-KR" altLang="en-US" smtClean="0"/>
-              <a:t>2022-03-08</a:t>
+              <a:t>2022-03-14</a:t>
             </a:fld>
             <a:endParaRPr lang="ko-KR" altLang="en-US"/>
           </a:p>
@@ -5642,7 +5643,7 @@
           <a:p>
             <a:fld id="{C33163C4-65CF-48D2-8124-E2CEDBD7A0C5}" type="datetimeFigureOut">
               <a:rPr lang="ko-KR" altLang="en-US" smtClean="0"/>
-              <a:t>2022-03-08</a:t>
+              <a:t>2022-03-14</a:t>
             </a:fld>
             <a:endParaRPr lang="ko-KR" altLang="en-US"/>
           </a:p>
@@ -5917,7 +5918,7 @@
           <a:p>
             <a:fld id="{C33163C4-65CF-48D2-8124-E2CEDBD7A0C5}" type="datetimeFigureOut">
               <a:rPr lang="ko-KR" altLang="en-US" smtClean="0"/>
-              <a:t>2022-03-08</a:t>
+              <a:t>2022-03-14</a:t>
             </a:fld>
             <a:endParaRPr lang="ko-KR" altLang="en-US"/>
           </a:p>
@@ -6169,7 +6170,7 @@
           <a:p>
             <a:fld id="{C33163C4-65CF-48D2-8124-E2CEDBD7A0C5}" type="datetimeFigureOut">
               <a:rPr lang="ko-KR" altLang="en-US" smtClean="0"/>
-              <a:t>2022-03-08</a:t>
+              <a:t>2022-03-14</a:t>
             </a:fld>
             <a:endParaRPr lang="ko-KR" altLang="en-US"/>
           </a:p>
@@ -6404,7 +6405,7 @@
           <a:p>
             <a:fld id="{C33163C4-65CF-48D2-8124-E2CEDBD7A0C5}" type="datetimeFigureOut">
               <a:rPr lang="ko-KR" altLang="en-US" smtClean="0"/>
-              <a:t>2022-03-08</a:t>
+              <a:t>2022-03-14</a:t>
             </a:fld>
             <a:endParaRPr lang="ko-KR" altLang="en-US"/>
           </a:p>
@@ -6914,7 +6915,7 @@
           <a:p>
             <a:fld id="{29936F60-83FB-4643-B7D2-F169DF4090A4}" type="datetimeFigureOut">
               <a:rPr lang="ko-KR" altLang="en-US" smtClean="0"/>
-              <a:t>2022-03-08</a:t>
+              <a:t>2022-03-14</a:t>
             </a:fld>
             <a:endParaRPr lang="ko-KR" altLang="en-US"/>
           </a:p>
@@ -7331,6 +7332,30 @@
           </a:p>
         </p:txBody>
       </p:sp>
+      <p:pic>
+        <p:nvPicPr>
+          <p:cNvPr id="2" name="그림 1"/>
+          <p:cNvPicPr>
+            <a:picLocks noChangeAspect="1"/>
+          </p:cNvPicPr>
+          <p:nvPr/>
+        </p:nvPicPr>
+        <p:blipFill>
+          <a:blip r:embed="rId2"/>
+          <a:stretch>
+            <a:fillRect/>
+          </a:stretch>
+        </p:blipFill>
+        <p:spPr>
+          <a:xfrm>
+            <a:off x="2347912" y="2319337"/>
+            <a:ext cx="13592175" cy="9401175"/>
+          </a:xfrm>
+          <a:prstGeom prst="rect">
+            <a:avLst/>
+          </a:prstGeom>
+        </p:spPr>
+      </p:pic>
     </p:spTree>
     <p:extLst>
       <p:ext uri="{BB962C8B-B14F-4D97-AF65-F5344CB8AC3E}">
@@ -7348,6 +7373,1157 @@
       </p:par>
     </p:tnLst>
   </p:timing>
+</p:sld>
+</file>
+
+<file path=ppt/slides/slide2.xml><?xml version="1.0" encoding="utf-8"?>
+<p:sld xmlns:a="http://schemas.openxmlformats.org/drawingml/2006/main" xmlns:r="http://schemas.openxmlformats.org/officeDocument/2006/relationships" xmlns:p="http://schemas.openxmlformats.org/presentationml/2006/main">
+  <p:cSld>
+    <p:spTree>
+      <p:nvGrpSpPr>
+        <p:cNvPr id="1" name=""/>
+        <p:cNvGrpSpPr/>
+        <p:nvPr/>
+      </p:nvGrpSpPr>
+      <p:grpSpPr>
+        <a:xfrm>
+          <a:off x="0" y="0"/>
+          <a:ext cx="0" cy="0"/>
+          <a:chOff x="0" y="0"/>
+          <a:chExt cx="0" cy="0"/>
+        </a:xfrm>
+      </p:grpSpPr>
+      <p:sp>
+        <p:nvSpPr>
+          <p:cNvPr id="3" name="슬라이드 번호 개체 틀 2"/>
+          <p:cNvSpPr>
+            <a:spLocks noGrp="1"/>
+          </p:cNvSpPr>
+          <p:nvPr>
+            <p:ph type="sldNum" sz="quarter" idx="12"/>
+          </p:nvPr>
+        </p:nvSpPr>
+        <p:spPr/>
+        <p:txBody>
+          <a:bodyPr/>
+          <a:lstStyle/>
+          <a:p>
+            <a:fld id="{83FD6675-1775-473F-B12B-1A4033AC630B}" type="slidenum">
+              <a:rPr lang="ko-KR" altLang="en-US" smtClean="0"/>
+              <a:t>2</a:t>
+            </a:fld>
+            <a:endParaRPr lang="ko-KR" altLang="en-US"/>
+          </a:p>
+        </p:txBody>
+      </p:sp>
+      <p:sp>
+        <p:nvSpPr>
+          <p:cNvPr id="4" name="제목 3"/>
+          <p:cNvSpPr>
+            <a:spLocks noGrp="1"/>
+          </p:cNvSpPr>
+          <p:nvPr>
+            <p:ph type="title"/>
+          </p:nvPr>
+        </p:nvSpPr>
+        <p:spPr/>
+        <p:txBody>
+          <a:bodyPr/>
+          <a:lstStyle/>
+          <a:p>
+            <a:endParaRPr lang="ko-KR" altLang="en-US"/>
+          </a:p>
+        </p:txBody>
+      </p:sp>
+      <p:grpSp>
+        <p:nvGrpSpPr>
+          <p:cNvPr id="12" name="그룹 11"/>
+          <p:cNvGrpSpPr/>
+          <p:nvPr/>
+        </p:nvGrpSpPr>
+        <p:grpSpPr>
+          <a:xfrm>
+            <a:off x="1727176" y="1979365"/>
+            <a:ext cx="11693911" cy="4724400"/>
+            <a:chOff x="2051212" y="4546096"/>
+            <a:chExt cx="11693911" cy="4724400"/>
+          </a:xfrm>
+        </p:grpSpPr>
+        <p:grpSp>
+          <p:nvGrpSpPr>
+            <p:cNvPr id="9" name="그룹 8"/>
+            <p:cNvGrpSpPr>
+              <a:grpSpLocks noChangeAspect="1"/>
+            </p:cNvGrpSpPr>
+            <p:nvPr/>
+          </p:nvGrpSpPr>
+          <p:grpSpPr>
+            <a:xfrm>
+              <a:off x="8891972" y="4546096"/>
+              <a:ext cx="4853151" cy="4724400"/>
+              <a:chOff x="1979204" y="1649845"/>
+              <a:chExt cx="5904656" cy="5748009"/>
+            </a:xfrm>
+          </p:grpSpPr>
+          <p:pic>
+            <p:nvPicPr>
+              <p:cNvPr id="6" name="그림 5"/>
+              <p:cNvPicPr>
+                <a:picLocks noChangeAspect="1"/>
+              </p:cNvPicPr>
+              <p:nvPr/>
+            </p:nvPicPr>
+            <p:blipFill>
+              <a:blip r:embed="rId2">
+                <a:extLst>
+                  <a:ext uri="{28A0092B-C50C-407E-A947-70E740481C1C}">
+                    <a14:useLocalDpi xmlns:a14="http://schemas.microsoft.com/office/drawing/2010/main" val="0"/>
+                  </a:ext>
+                </a:extLst>
+              </a:blip>
+              <a:srcRect/>
+              <a:stretch>
+                <a:fillRect/>
+              </a:stretch>
+            </p:blipFill>
+            <p:spPr bwMode="auto">
+              <a:xfrm>
+                <a:off x="1979204" y="2051373"/>
+                <a:ext cx="5904656" cy="4036725"/>
+              </a:xfrm>
+              <a:prstGeom prst="rect">
+                <a:avLst/>
+              </a:prstGeom>
+              <a:noFill/>
+              <a:ln>
+                <a:noFill/>
+              </a:ln>
+            </p:spPr>
+          </p:pic>
+          <p:pic>
+            <p:nvPicPr>
+              <p:cNvPr id="7" name="그림 6"/>
+              <p:cNvPicPr>
+                <a:picLocks noChangeAspect="1"/>
+              </p:cNvPicPr>
+              <p:nvPr/>
+            </p:nvPicPr>
+            <p:blipFill>
+              <a:blip r:embed="rId3">
+                <a:extLst>
+                  <a:ext uri="{28A0092B-C50C-407E-A947-70E740481C1C}">
+                    <a14:useLocalDpi xmlns:a14="http://schemas.microsoft.com/office/drawing/2010/main" val="0"/>
+                  </a:ext>
+                </a:extLst>
+              </a:blip>
+              <a:srcRect/>
+              <a:stretch>
+                <a:fillRect/>
+              </a:stretch>
+            </p:blipFill>
+            <p:spPr bwMode="auto">
+              <a:xfrm>
+                <a:off x="1991867" y="1649845"/>
+                <a:ext cx="5525855" cy="1963085"/>
+              </a:xfrm>
+              <a:prstGeom prst="rect">
+                <a:avLst/>
+              </a:prstGeom>
+              <a:noFill/>
+              <a:ln>
+                <a:noFill/>
+              </a:ln>
+            </p:spPr>
+          </p:pic>
+          <p:pic>
+            <p:nvPicPr>
+              <p:cNvPr id="8" name="그림 7"/>
+              <p:cNvPicPr>
+                <a:picLocks noChangeAspect="1"/>
+              </p:cNvPicPr>
+              <p:nvPr/>
+            </p:nvPicPr>
+            <p:blipFill>
+              <a:blip r:embed="rId4">
+                <a:extLst>
+                  <a:ext uri="{28A0092B-C50C-407E-A947-70E740481C1C}">
+                    <a14:useLocalDpi xmlns:a14="http://schemas.microsoft.com/office/drawing/2010/main" val="0"/>
+                  </a:ext>
+                </a:extLst>
+              </a:blip>
+              <a:srcRect/>
+              <a:stretch>
+                <a:fillRect/>
+              </a:stretch>
+            </p:blipFill>
+            <p:spPr bwMode="auto">
+              <a:xfrm>
+                <a:off x="1991867" y="5132506"/>
+                <a:ext cx="5525856" cy="2265348"/>
+              </a:xfrm>
+              <a:prstGeom prst="rect">
+                <a:avLst/>
+              </a:prstGeom>
+              <a:noFill/>
+              <a:ln>
+                <a:noFill/>
+              </a:ln>
+            </p:spPr>
+          </p:pic>
+        </p:grpSp>
+        <p:pic>
+          <p:nvPicPr>
+            <p:cNvPr id="10" name="그림 9"/>
+            <p:cNvPicPr>
+              <a:picLocks noChangeAspect="1"/>
+            </p:cNvPicPr>
+            <p:nvPr/>
+          </p:nvPicPr>
+          <p:blipFill>
+            <a:blip r:embed="rId5"/>
+            <a:stretch>
+              <a:fillRect/>
+            </a:stretch>
+          </p:blipFill>
+          <p:spPr>
+            <a:xfrm>
+              <a:off x="2051212" y="5058871"/>
+              <a:ext cx="5391670" cy="3698850"/>
+            </a:xfrm>
+            <a:prstGeom prst="rect">
+              <a:avLst/>
+            </a:prstGeom>
+          </p:spPr>
+        </p:pic>
+        <p:sp>
+          <p:nvSpPr>
+            <p:cNvPr id="11" name="오른쪽 화살표 10"/>
+            <p:cNvSpPr/>
+            <p:nvPr/>
+          </p:nvSpPr>
+          <p:spPr>
+            <a:xfrm>
+              <a:off x="7739844" y="5986855"/>
+              <a:ext cx="999715" cy="2207128"/>
+            </a:xfrm>
+            <a:prstGeom prst="rightArrow">
+              <a:avLst/>
+            </a:prstGeom>
+            <a:solidFill>
+              <a:schemeClr val="accent1">
+                <a:lumMod val="60000"/>
+                <a:lumOff val="40000"/>
+              </a:schemeClr>
+            </a:solidFill>
+            <a:ln>
+              <a:noFill/>
+            </a:ln>
+          </p:spPr>
+          <p:style>
+            <a:lnRef idx="2">
+              <a:schemeClr val="accent1">
+                <a:shade val="50000"/>
+              </a:schemeClr>
+            </a:lnRef>
+            <a:fillRef idx="1">
+              <a:schemeClr val="accent1"/>
+            </a:fillRef>
+            <a:effectRef idx="0">
+              <a:schemeClr val="accent1"/>
+            </a:effectRef>
+            <a:fontRef idx="minor">
+              <a:schemeClr val="lt1"/>
+            </a:fontRef>
+          </p:style>
+          <p:txBody>
+            <a:bodyPr rtlCol="0" anchor="ctr"/>
+            <a:lstStyle/>
+            <a:p>
+              <a:pPr algn="ctr"/>
+              <a:r>
+                <a:rPr lang="ko-KR" altLang="en-US" b="1" smtClean="0"/>
+                <a:t>분석</a:t>
+              </a:r>
+              <a:endParaRPr lang="ko-KR" altLang="en-US" b="1"/>
+            </a:p>
+          </p:txBody>
+        </p:sp>
+      </p:grpSp>
+      <p:grpSp>
+        <p:nvGrpSpPr>
+          <p:cNvPr id="13" name="그룹 12"/>
+          <p:cNvGrpSpPr/>
+          <p:nvPr/>
+        </p:nvGrpSpPr>
+        <p:grpSpPr>
+          <a:xfrm>
+            <a:off x="3527376" y="7222911"/>
+            <a:ext cx="13164671" cy="5397105"/>
+            <a:chOff x="3276600" y="2993860"/>
+            <a:chExt cx="13164671" cy="5397105"/>
+          </a:xfrm>
+        </p:grpSpPr>
+        <p:sp>
+          <p:nvSpPr>
+            <p:cNvPr id="14" name="직사각형 13"/>
+            <p:cNvSpPr/>
+            <p:nvPr/>
+          </p:nvSpPr>
+          <p:spPr>
+            <a:xfrm>
+              <a:off x="5791199" y="2993860"/>
+              <a:ext cx="1631577" cy="484094"/>
+            </a:xfrm>
+            <a:prstGeom prst="rect">
+              <a:avLst/>
+            </a:prstGeom>
+          </p:spPr>
+          <p:style>
+            <a:lnRef idx="2">
+              <a:schemeClr val="accent1">
+                <a:shade val="50000"/>
+              </a:schemeClr>
+            </a:lnRef>
+            <a:fillRef idx="1">
+              <a:schemeClr val="accent1"/>
+            </a:fillRef>
+            <a:effectRef idx="0">
+              <a:schemeClr val="accent1"/>
+            </a:effectRef>
+            <a:fontRef idx="minor">
+              <a:schemeClr val="lt1"/>
+            </a:fontRef>
+          </p:style>
+          <p:txBody>
+            <a:bodyPr rtlCol="0" anchor="ctr"/>
+            <a:lstStyle/>
+            <a:p>
+              <a:pPr algn="ctr"/>
+              <a:r>
+                <a:rPr lang="en-US" altLang="ko-KR" sz="2800" smtClean="0"/>
+                <a:t>Updater</a:t>
+              </a:r>
+              <a:endParaRPr lang="ko-KR" altLang="en-US" sz="2800"/>
+            </a:p>
+          </p:txBody>
+        </p:sp>
+        <p:sp>
+          <p:nvSpPr>
+            <p:cNvPr id="15" name="직사각형 14"/>
+            <p:cNvSpPr/>
+            <p:nvPr/>
+          </p:nvSpPr>
+          <p:spPr>
+            <a:xfrm>
+              <a:off x="10703859" y="2993860"/>
+              <a:ext cx="1452282" cy="484094"/>
+            </a:xfrm>
+            <a:prstGeom prst="rect">
+              <a:avLst/>
+            </a:prstGeom>
+          </p:spPr>
+          <p:style>
+            <a:lnRef idx="2">
+              <a:schemeClr val="accent1">
+                <a:shade val="50000"/>
+              </a:schemeClr>
+            </a:lnRef>
+            <a:fillRef idx="1">
+              <a:schemeClr val="accent1"/>
+            </a:fillRef>
+            <a:effectRef idx="0">
+              <a:schemeClr val="accent1"/>
+            </a:effectRef>
+            <a:fontRef idx="minor">
+              <a:schemeClr val="lt1"/>
+            </a:fontRef>
+          </p:style>
+          <p:txBody>
+            <a:bodyPr rtlCol="0" anchor="ctr"/>
+            <a:lstStyle/>
+            <a:p>
+              <a:pPr algn="ctr"/>
+              <a:r>
+                <a:rPr lang="en-US" altLang="ko-KR" sz="2800" smtClean="0"/>
+                <a:t>BL</a:t>
+              </a:r>
+              <a:endParaRPr lang="ko-KR" altLang="en-US" sz="2800"/>
+            </a:p>
+          </p:txBody>
+        </p:sp>
+        <p:grpSp>
+          <p:nvGrpSpPr>
+            <p:cNvPr id="16" name="그룹 15"/>
+            <p:cNvGrpSpPr/>
+            <p:nvPr/>
+          </p:nvGrpSpPr>
+          <p:grpSpPr>
+            <a:xfrm>
+              <a:off x="6606988" y="3460376"/>
+              <a:ext cx="4823012" cy="4930589"/>
+              <a:chOff x="6606988" y="3047999"/>
+              <a:chExt cx="4823012" cy="7602071"/>
+            </a:xfrm>
+          </p:grpSpPr>
+          <p:cxnSp>
+            <p:nvCxnSpPr>
+              <p:cNvPr id="39" name="직선 연결선 38"/>
+              <p:cNvCxnSpPr/>
+              <p:nvPr/>
+            </p:nvCxnSpPr>
+            <p:spPr>
+              <a:xfrm>
+                <a:off x="6606988" y="3047999"/>
+                <a:ext cx="0" cy="7602071"/>
+              </a:xfrm>
+              <a:prstGeom prst="line">
+                <a:avLst/>
+              </a:prstGeom>
+              <a:ln w="57150"/>
+            </p:spPr>
+            <p:style>
+              <a:lnRef idx="1">
+                <a:schemeClr val="accent1"/>
+              </a:lnRef>
+              <a:fillRef idx="0">
+                <a:schemeClr val="accent1"/>
+              </a:fillRef>
+              <a:effectRef idx="0">
+                <a:schemeClr val="accent1"/>
+              </a:effectRef>
+              <a:fontRef idx="minor">
+                <a:schemeClr val="tx1"/>
+              </a:fontRef>
+            </p:style>
+          </p:cxnSp>
+          <p:cxnSp>
+            <p:nvCxnSpPr>
+              <p:cNvPr id="40" name="직선 연결선 39"/>
+              <p:cNvCxnSpPr/>
+              <p:nvPr/>
+            </p:nvCxnSpPr>
+            <p:spPr>
+              <a:xfrm>
+                <a:off x="11430000" y="3047999"/>
+                <a:ext cx="0" cy="7602071"/>
+              </a:xfrm>
+              <a:prstGeom prst="line">
+                <a:avLst/>
+              </a:prstGeom>
+              <a:ln w="57150"/>
+            </p:spPr>
+            <p:style>
+              <a:lnRef idx="1">
+                <a:schemeClr val="accent1"/>
+              </a:lnRef>
+              <a:fillRef idx="0">
+                <a:schemeClr val="accent1"/>
+              </a:fillRef>
+              <a:effectRef idx="0">
+                <a:schemeClr val="accent1"/>
+              </a:effectRef>
+              <a:fontRef idx="minor">
+                <a:schemeClr val="tx1"/>
+              </a:fontRef>
+            </p:style>
+          </p:cxnSp>
+        </p:grpSp>
+        <p:grpSp>
+          <p:nvGrpSpPr>
+            <p:cNvPr id="17" name="그룹 16"/>
+            <p:cNvGrpSpPr/>
+            <p:nvPr/>
+          </p:nvGrpSpPr>
+          <p:grpSpPr>
+            <a:xfrm>
+              <a:off x="6624917" y="3649333"/>
+              <a:ext cx="4823012" cy="384784"/>
+              <a:chOff x="2644588" y="3039734"/>
+              <a:chExt cx="4823012" cy="384784"/>
+            </a:xfrm>
+          </p:grpSpPr>
+          <p:sp>
+            <p:nvSpPr>
+              <p:cNvPr id="37" name="TextBox 36"/>
+              <p:cNvSpPr txBox="1"/>
+              <p:nvPr/>
+            </p:nvSpPr>
+            <p:spPr>
+              <a:xfrm>
+                <a:off x="3348320" y="3039734"/>
+                <a:ext cx="3630702" cy="338554"/>
+              </a:xfrm>
+              <a:prstGeom prst="rect">
+                <a:avLst/>
+              </a:prstGeom>
+              <a:noFill/>
+            </p:spPr>
+            <p:txBody>
+              <a:bodyPr wrap="square" rtlCol="0">
+                <a:spAutoFit/>
+              </a:bodyPr>
+              <a:lstStyle/>
+              <a:p>
+                <a:pPr algn="ctr"/>
+                <a:r>
+                  <a:rPr lang="en-US" altLang="ko-KR" sz="1600" b="1" smtClean="0"/>
+                  <a:t>0x53 0x04</a:t>
+                </a:r>
+              </a:p>
+            </p:txBody>
+          </p:sp>
+          <p:cxnSp>
+            <p:nvCxnSpPr>
+              <p:cNvPr id="38" name="직선 화살표 연결선 37"/>
+              <p:cNvCxnSpPr/>
+              <p:nvPr/>
+            </p:nvCxnSpPr>
+            <p:spPr>
+              <a:xfrm>
+                <a:off x="2644588" y="3424518"/>
+                <a:ext cx="4823012" cy="0"/>
+              </a:xfrm>
+              <a:prstGeom prst="straightConnector1">
+                <a:avLst/>
+              </a:prstGeom>
+              <a:ln w="76200">
+                <a:tailEnd type="triangle"/>
+              </a:ln>
+            </p:spPr>
+            <p:style>
+              <a:lnRef idx="1">
+                <a:schemeClr val="accent1"/>
+              </a:lnRef>
+              <a:fillRef idx="0">
+                <a:schemeClr val="accent1"/>
+              </a:fillRef>
+              <a:effectRef idx="0">
+                <a:schemeClr val="accent1"/>
+              </a:effectRef>
+              <a:fontRef idx="minor">
+                <a:schemeClr val="tx1"/>
+              </a:fontRef>
+            </p:style>
+          </p:cxnSp>
+        </p:grpSp>
+        <p:sp>
+          <p:nvSpPr>
+            <p:cNvPr id="18" name="TextBox 17"/>
+            <p:cNvSpPr txBox="1"/>
+            <p:nvPr/>
+          </p:nvSpPr>
+          <p:spPr>
+            <a:xfrm>
+              <a:off x="11483786" y="3668168"/>
+              <a:ext cx="2142564" cy="1077218"/>
+            </a:xfrm>
+            <a:prstGeom prst="rect">
+              <a:avLst/>
+            </a:prstGeom>
+            <a:noFill/>
+          </p:spPr>
+          <p:txBody>
+            <a:bodyPr wrap="square" rtlCol="0">
+              <a:spAutoFit/>
+            </a:bodyPr>
+            <a:lstStyle/>
+            <a:p>
+              <a:pPr>
+                <a:lnSpc>
+                  <a:spcPct val="200000"/>
+                </a:lnSpc>
+              </a:pPr>
+              <a:r>
+                <a:rPr lang="en-US" altLang="ko-KR" sz="1600" b="1" smtClean="0"/>
+                <a:t>Erase App Sector</a:t>
+              </a:r>
+            </a:p>
+            <a:p>
+              <a:pPr>
+                <a:lnSpc>
+                  <a:spcPct val="200000"/>
+                </a:lnSpc>
+              </a:pPr>
+              <a:r>
+                <a:rPr lang="en-US" altLang="ko-KR" sz="1600" b="1" smtClean="0"/>
+                <a:t>Erase Finished</a:t>
+              </a:r>
+              <a:endParaRPr lang="ko-KR" altLang="en-US" sz="1600" b="1"/>
+            </a:p>
+          </p:txBody>
+        </p:sp>
+        <p:grpSp>
+          <p:nvGrpSpPr>
+            <p:cNvPr id="19" name="그룹 18"/>
+            <p:cNvGrpSpPr/>
+            <p:nvPr/>
+          </p:nvGrpSpPr>
+          <p:grpSpPr>
+            <a:xfrm>
+              <a:off x="6606987" y="4170129"/>
+              <a:ext cx="4823012" cy="356350"/>
+              <a:chOff x="2644588" y="3866027"/>
+              <a:chExt cx="4823012" cy="356350"/>
+            </a:xfrm>
+          </p:grpSpPr>
+          <p:cxnSp>
+            <p:nvCxnSpPr>
+              <p:cNvPr id="35" name="직선 화살표 연결선 34"/>
+              <p:cNvCxnSpPr/>
+              <p:nvPr/>
+            </p:nvCxnSpPr>
+            <p:spPr>
+              <a:xfrm flipH="1">
+                <a:off x="2644588" y="4222377"/>
+                <a:ext cx="4823012" cy="0"/>
+              </a:xfrm>
+              <a:prstGeom prst="straightConnector1">
+                <a:avLst/>
+              </a:prstGeom>
+              <a:ln w="76200">
+                <a:tailEnd type="triangle"/>
+              </a:ln>
+            </p:spPr>
+            <p:style>
+              <a:lnRef idx="1">
+                <a:schemeClr val="accent1"/>
+              </a:lnRef>
+              <a:fillRef idx="0">
+                <a:schemeClr val="accent1"/>
+              </a:fillRef>
+              <a:effectRef idx="0">
+                <a:schemeClr val="accent1"/>
+              </a:effectRef>
+              <a:fontRef idx="minor">
+                <a:schemeClr val="tx1"/>
+              </a:fontRef>
+            </p:style>
+          </p:cxnSp>
+          <p:sp>
+            <p:nvSpPr>
+              <p:cNvPr id="36" name="TextBox 35"/>
+              <p:cNvSpPr txBox="1"/>
+              <p:nvPr/>
+            </p:nvSpPr>
+            <p:spPr>
+              <a:xfrm>
+                <a:off x="3841377" y="3866027"/>
+                <a:ext cx="2680447" cy="338554"/>
+              </a:xfrm>
+              <a:prstGeom prst="rect">
+                <a:avLst/>
+              </a:prstGeom>
+              <a:noFill/>
+            </p:spPr>
+            <p:txBody>
+              <a:bodyPr wrap="square" rtlCol="0">
+                <a:spAutoFit/>
+              </a:bodyPr>
+              <a:lstStyle/>
+              <a:p>
+                <a:pPr algn="ctr"/>
+                <a:r>
+                  <a:rPr lang="en-US" altLang="ko-KR" sz="1600" b="1" smtClean="0"/>
+                  <a:t>0x41 0x31 0x31 (ACK)</a:t>
+                </a:r>
+              </a:p>
+            </p:txBody>
+          </p:sp>
+        </p:grpSp>
+        <p:grpSp>
+          <p:nvGrpSpPr>
+            <p:cNvPr id="20" name="그룹 19"/>
+            <p:cNvGrpSpPr/>
+            <p:nvPr/>
+          </p:nvGrpSpPr>
+          <p:grpSpPr>
+            <a:xfrm>
+              <a:off x="6624916" y="5460262"/>
+              <a:ext cx="4823012" cy="365949"/>
+              <a:chOff x="2644588" y="3058569"/>
+              <a:chExt cx="4823012" cy="365949"/>
+            </a:xfrm>
+          </p:grpSpPr>
+          <p:sp>
+            <p:nvSpPr>
+              <p:cNvPr id="33" name="TextBox 32"/>
+              <p:cNvSpPr txBox="1"/>
+              <p:nvPr/>
+            </p:nvSpPr>
+            <p:spPr>
+              <a:xfrm>
+                <a:off x="3890683" y="3058569"/>
+                <a:ext cx="2680447" cy="338554"/>
+              </a:xfrm>
+              <a:prstGeom prst="rect">
+                <a:avLst/>
+              </a:prstGeom>
+              <a:noFill/>
+            </p:spPr>
+            <p:txBody>
+              <a:bodyPr wrap="square" rtlCol="0">
+                <a:spAutoFit/>
+              </a:bodyPr>
+              <a:lstStyle/>
+              <a:p>
+                <a:pPr algn="ctr"/>
+                <a:r>
+                  <a:rPr lang="en-US" altLang="ko-KR" sz="1600" b="1" smtClean="0"/>
+                  <a:t>Tx App Binary</a:t>
+                </a:r>
+              </a:p>
+            </p:txBody>
+          </p:sp>
+          <p:cxnSp>
+            <p:nvCxnSpPr>
+              <p:cNvPr id="34" name="직선 화살표 연결선 33"/>
+              <p:cNvCxnSpPr/>
+              <p:nvPr/>
+            </p:nvCxnSpPr>
+            <p:spPr>
+              <a:xfrm>
+                <a:off x="2644588" y="3424518"/>
+                <a:ext cx="4823012" cy="0"/>
+              </a:xfrm>
+              <a:prstGeom prst="straightConnector1">
+                <a:avLst/>
+              </a:prstGeom>
+              <a:ln w="76200">
+                <a:tailEnd type="triangle"/>
+              </a:ln>
+            </p:spPr>
+            <p:style>
+              <a:lnRef idx="1">
+                <a:schemeClr val="accent1"/>
+              </a:lnRef>
+              <a:fillRef idx="0">
+                <a:schemeClr val="accent1"/>
+              </a:fillRef>
+              <a:effectRef idx="0">
+                <a:schemeClr val="accent1"/>
+              </a:effectRef>
+              <a:fontRef idx="minor">
+                <a:schemeClr val="tx1"/>
+              </a:fontRef>
+            </p:style>
+          </p:cxnSp>
+        </p:grpSp>
+        <p:sp>
+          <p:nvSpPr>
+            <p:cNvPr id="21" name="TextBox 20"/>
+            <p:cNvSpPr txBox="1"/>
+            <p:nvPr/>
+          </p:nvSpPr>
+          <p:spPr>
+            <a:xfrm>
+              <a:off x="11483786" y="5667571"/>
+              <a:ext cx="4240308" cy="978729"/>
+            </a:xfrm>
+            <a:prstGeom prst="rect">
+              <a:avLst/>
+            </a:prstGeom>
+            <a:noFill/>
+          </p:spPr>
+          <p:txBody>
+            <a:bodyPr wrap="square" rtlCol="0">
+              <a:spAutoFit/>
+            </a:bodyPr>
+            <a:lstStyle>
+              <a:defPPr>
+                <a:defRPr lang="ko-KR"/>
+              </a:defPPr>
+              <a:lvl1pPr>
+                <a:lnSpc>
+                  <a:spcPct val="120000"/>
+                </a:lnSpc>
+                <a:defRPr sz="1600" b="1"/>
+              </a:lvl1pPr>
+            </a:lstStyle>
+            <a:p>
+              <a:r>
+                <a:rPr lang="en-US" altLang="ko-KR"/>
+                <a:t>Write App</a:t>
+              </a:r>
+            </a:p>
+            <a:p>
+              <a:r>
+                <a:rPr lang="en-US" altLang="ko-KR"/>
+                <a:t>Restore Registor when write app finished</a:t>
+              </a:r>
+            </a:p>
+            <a:p>
+              <a:r>
+                <a:rPr lang="en-US" altLang="ko-KR"/>
+                <a:t>Write App Finished</a:t>
+              </a:r>
+              <a:endParaRPr lang="ko-KR" altLang="en-US"/>
+            </a:p>
+          </p:txBody>
+        </p:sp>
+        <p:grpSp>
+          <p:nvGrpSpPr>
+            <p:cNvPr id="22" name="그룹 21"/>
+            <p:cNvGrpSpPr/>
+            <p:nvPr/>
+          </p:nvGrpSpPr>
+          <p:grpSpPr>
+            <a:xfrm>
+              <a:off x="6606987" y="6106582"/>
+              <a:ext cx="4823012" cy="355618"/>
+              <a:chOff x="2644588" y="3866759"/>
+              <a:chExt cx="4823012" cy="355618"/>
+            </a:xfrm>
+          </p:grpSpPr>
+          <p:cxnSp>
+            <p:nvCxnSpPr>
+              <p:cNvPr id="31" name="직선 화살표 연결선 30"/>
+              <p:cNvCxnSpPr/>
+              <p:nvPr/>
+            </p:nvCxnSpPr>
+            <p:spPr>
+              <a:xfrm flipH="1">
+                <a:off x="2644588" y="4222377"/>
+                <a:ext cx="4823012" cy="0"/>
+              </a:xfrm>
+              <a:prstGeom prst="straightConnector1">
+                <a:avLst/>
+              </a:prstGeom>
+              <a:ln w="76200">
+                <a:tailEnd type="triangle"/>
+              </a:ln>
+            </p:spPr>
+            <p:style>
+              <a:lnRef idx="1">
+                <a:schemeClr val="accent1"/>
+              </a:lnRef>
+              <a:fillRef idx="0">
+                <a:schemeClr val="accent1"/>
+              </a:fillRef>
+              <a:effectRef idx="0">
+                <a:schemeClr val="accent1"/>
+              </a:effectRef>
+              <a:fontRef idx="minor">
+                <a:schemeClr val="tx1"/>
+              </a:fontRef>
+            </p:style>
+          </p:cxnSp>
+          <p:sp>
+            <p:nvSpPr>
+              <p:cNvPr id="32" name="TextBox 31"/>
+              <p:cNvSpPr txBox="1"/>
+              <p:nvPr/>
+            </p:nvSpPr>
+            <p:spPr>
+              <a:xfrm>
+                <a:off x="3890682" y="3866759"/>
+                <a:ext cx="2680447" cy="338554"/>
+              </a:xfrm>
+              <a:prstGeom prst="rect">
+                <a:avLst/>
+              </a:prstGeom>
+              <a:noFill/>
+            </p:spPr>
+            <p:txBody>
+              <a:bodyPr wrap="square" rtlCol="0">
+                <a:spAutoFit/>
+              </a:bodyPr>
+              <a:lstStyle/>
+              <a:p>
+                <a:pPr algn="ctr"/>
+                <a:r>
+                  <a:rPr lang="en-US" altLang="ko-KR" sz="1600" b="1"/>
+                  <a:t>0x41(ACK)</a:t>
+                </a:r>
+              </a:p>
+            </p:txBody>
+          </p:sp>
+        </p:grpSp>
+        <p:grpSp>
+          <p:nvGrpSpPr>
+            <p:cNvPr id="23" name="그룹 22"/>
+            <p:cNvGrpSpPr/>
+            <p:nvPr/>
+          </p:nvGrpSpPr>
+          <p:grpSpPr>
+            <a:xfrm>
+              <a:off x="6642846" y="6948529"/>
+              <a:ext cx="4823012" cy="365949"/>
+              <a:chOff x="2644588" y="3058569"/>
+              <a:chExt cx="4823012" cy="365949"/>
+            </a:xfrm>
+          </p:grpSpPr>
+          <p:sp>
+            <p:nvSpPr>
+              <p:cNvPr id="29" name="TextBox 28"/>
+              <p:cNvSpPr txBox="1"/>
+              <p:nvPr/>
+            </p:nvSpPr>
+            <p:spPr>
+              <a:xfrm>
+                <a:off x="3890683" y="3058569"/>
+                <a:ext cx="2680447" cy="338554"/>
+              </a:xfrm>
+              <a:prstGeom prst="rect">
+                <a:avLst/>
+              </a:prstGeom>
+              <a:noFill/>
+            </p:spPr>
+            <p:txBody>
+              <a:bodyPr wrap="square" rtlCol="0">
+                <a:spAutoFit/>
+              </a:bodyPr>
+              <a:lstStyle/>
+              <a:p>
+                <a:pPr algn="ctr"/>
+                <a:r>
+                  <a:rPr lang="en-US" altLang="ko-KR" sz="1600" b="1" smtClean="0"/>
+                  <a:t>Tx Vector Binary</a:t>
+                </a:r>
+              </a:p>
+            </p:txBody>
+          </p:sp>
+          <p:cxnSp>
+            <p:nvCxnSpPr>
+              <p:cNvPr id="30" name="직선 화살표 연결선 29"/>
+              <p:cNvCxnSpPr/>
+              <p:nvPr/>
+            </p:nvCxnSpPr>
+            <p:spPr>
+              <a:xfrm>
+                <a:off x="2644588" y="3424518"/>
+                <a:ext cx="4823012" cy="0"/>
+              </a:xfrm>
+              <a:prstGeom prst="straightConnector1">
+                <a:avLst/>
+              </a:prstGeom>
+              <a:ln w="76200">
+                <a:tailEnd type="triangle"/>
+              </a:ln>
+            </p:spPr>
+            <p:style>
+              <a:lnRef idx="1">
+                <a:schemeClr val="accent1"/>
+              </a:lnRef>
+              <a:fillRef idx="0">
+                <a:schemeClr val="accent1"/>
+              </a:fillRef>
+              <a:effectRef idx="0">
+                <a:schemeClr val="accent1"/>
+              </a:effectRef>
+              <a:fontRef idx="minor">
+                <a:schemeClr val="tx1"/>
+              </a:fontRef>
+            </p:style>
+          </p:cxnSp>
+        </p:grpSp>
+        <p:sp>
+          <p:nvSpPr>
+            <p:cNvPr id="24" name="TextBox 23"/>
+            <p:cNvSpPr txBox="1"/>
+            <p:nvPr/>
+          </p:nvSpPr>
+          <p:spPr>
+            <a:xfrm>
+              <a:off x="11501715" y="7155838"/>
+              <a:ext cx="4939556" cy="978729"/>
+            </a:xfrm>
+            <a:prstGeom prst="rect">
+              <a:avLst/>
+            </a:prstGeom>
+            <a:noFill/>
+          </p:spPr>
+          <p:txBody>
+            <a:bodyPr wrap="square" rtlCol="0">
+              <a:spAutoFit/>
+            </a:bodyPr>
+            <a:lstStyle>
+              <a:defPPr>
+                <a:defRPr lang="ko-KR"/>
+              </a:defPPr>
+              <a:lvl1pPr>
+                <a:lnSpc>
+                  <a:spcPct val="120000"/>
+                </a:lnSpc>
+                <a:defRPr sz="1600" b="1"/>
+              </a:lvl1pPr>
+            </a:lstStyle>
+            <a:p>
+              <a:r>
+                <a:rPr lang="en-US" altLang="ko-KR"/>
+                <a:t>Write </a:t>
+              </a:r>
+              <a:r>
+                <a:rPr lang="en-US" altLang="ko-KR" smtClean="0"/>
+                <a:t>Vector</a:t>
+              </a:r>
+              <a:endParaRPr lang="en-US" altLang="ko-KR"/>
+            </a:p>
+            <a:p>
+              <a:r>
+                <a:rPr lang="en-US" altLang="ko-KR"/>
+                <a:t>Restore </a:t>
+              </a:r>
+              <a:r>
+                <a:rPr lang="en-US" altLang="ko-KR" smtClean="0"/>
+                <a:t>Reset Vector </a:t>
+              </a:r>
+              <a:r>
+                <a:rPr lang="en-US" altLang="ko-KR"/>
+                <a:t>when write </a:t>
+              </a:r>
+              <a:r>
+                <a:rPr lang="en-US" altLang="ko-KR" smtClean="0"/>
+                <a:t>vector </a:t>
+              </a:r>
+              <a:r>
+                <a:rPr lang="en-US" altLang="ko-KR"/>
+                <a:t>finished</a:t>
+              </a:r>
+            </a:p>
+            <a:p>
+              <a:r>
+                <a:rPr lang="en-US" altLang="ko-KR"/>
+                <a:t>Write </a:t>
+              </a:r>
+              <a:r>
+                <a:rPr lang="en-US" altLang="ko-KR" smtClean="0"/>
+                <a:t>Vector </a:t>
+              </a:r>
+              <a:r>
+                <a:rPr lang="en-US" altLang="ko-KR"/>
+                <a:t>Finished</a:t>
+              </a:r>
+              <a:endParaRPr lang="ko-KR" altLang="en-US"/>
+            </a:p>
+          </p:txBody>
+        </p:sp>
+        <p:grpSp>
+          <p:nvGrpSpPr>
+            <p:cNvPr id="25" name="그룹 24"/>
+            <p:cNvGrpSpPr/>
+            <p:nvPr/>
+          </p:nvGrpSpPr>
+          <p:grpSpPr>
+            <a:xfrm>
+              <a:off x="6624917" y="7594849"/>
+              <a:ext cx="4823012" cy="355618"/>
+              <a:chOff x="2644588" y="3866759"/>
+              <a:chExt cx="4823012" cy="355618"/>
+            </a:xfrm>
+          </p:grpSpPr>
+          <p:cxnSp>
+            <p:nvCxnSpPr>
+              <p:cNvPr id="27" name="직선 화살표 연결선 26"/>
+              <p:cNvCxnSpPr/>
+              <p:nvPr/>
+            </p:nvCxnSpPr>
+            <p:spPr>
+              <a:xfrm flipH="1">
+                <a:off x="2644588" y="4222377"/>
+                <a:ext cx="4823012" cy="0"/>
+              </a:xfrm>
+              <a:prstGeom prst="straightConnector1">
+                <a:avLst/>
+              </a:prstGeom>
+              <a:ln w="76200">
+                <a:tailEnd type="triangle"/>
+              </a:ln>
+            </p:spPr>
+            <p:style>
+              <a:lnRef idx="1">
+                <a:schemeClr val="accent1"/>
+              </a:lnRef>
+              <a:fillRef idx="0">
+                <a:schemeClr val="accent1"/>
+              </a:fillRef>
+              <a:effectRef idx="0">
+                <a:schemeClr val="accent1"/>
+              </a:effectRef>
+              <a:fontRef idx="minor">
+                <a:schemeClr val="tx1"/>
+              </a:fontRef>
+            </p:style>
+          </p:cxnSp>
+          <p:sp>
+            <p:nvSpPr>
+              <p:cNvPr id="28" name="TextBox 27"/>
+              <p:cNvSpPr txBox="1"/>
+              <p:nvPr/>
+            </p:nvSpPr>
+            <p:spPr>
+              <a:xfrm>
+                <a:off x="3890682" y="3866759"/>
+                <a:ext cx="2680447" cy="338554"/>
+              </a:xfrm>
+              <a:prstGeom prst="rect">
+                <a:avLst/>
+              </a:prstGeom>
+              <a:noFill/>
+            </p:spPr>
+            <p:txBody>
+              <a:bodyPr wrap="square" rtlCol="0">
+                <a:spAutoFit/>
+              </a:bodyPr>
+              <a:lstStyle/>
+              <a:p>
+                <a:pPr algn="ctr"/>
+                <a:r>
+                  <a:rPr lang="en-US" altLang="ko-KR" sz="1600" b="1"/>
+                  <a:t>0x41(ACK)</a:t>
+                </a:r>
+              </a:p>
+            </p:txBody>
+          </p:sp>
+        </p:grpSp>
+        <p:sp>
+          <p:nvSpPr>
+            <p:cNvPr id="26" name="TextBox 25"/>
+            <p:cNvSpPr txBox="1"/>
+            <p:nvPr/>
+          </p:nvSpPr>
+          <p:spPr>
+            <a:xfrm>
+              <a:off x="3276600" y="3837445"/>
+              <a:ext cx="3603813" cy="338554"/>
+            </a:xfrm>
+            <a:prstGeom prst="rect">
+              <a:avLst/>
+            </a:prstGeom>
+            <a:noFill/>
+          </p:spPr>
+          <p:txBody>
+            <a:bodyPr wrap="square" rtlCol="0">
+              <a:spAutoFit/>
+            </a:bodyPr>
+            <a:lstStyle/>
+            <a:p>
+              <a:pPr algn="ctr"/>
+              <a:r>
+                <a:rPr lang="en-US" altLang="ko-KR" sz="1600" b="1"/>
+                <a:t>Erase </a:t>
+              </a:r>
+              <a:r>
+                <a:rPr lang="en-US" altLang="ko-KR" sz="1600" b="1" smtClean="0"/>
+                <a:t>App </a:t>
+              </a:r>
+              <a:r>
+                <a:rPr lang="en-US" altLang="ko-KR" sz="1600" b="1"/>
+                <a:t>Sector Command</a:t>
+              </a:r>
+            </a:p>
+          </p:txBody>
+        </p:sp>
+      </p:grpSp>
+    </p:spTree>
+    <p:extLst>
+      <p:ext uri="{BB962C8B-B14F-4D97-AF65-F5344CB8AC3E}">
+        <p14:creationId xmlns:p14="http://schemas.microsoft.com/office/powerpoint/2010/main" val="4201645198"/>
+      </p:ext>
+    </p:extLst>
+  </p:cSld>
+  <p:clrMapOvr>
+    <a:masterClrMapping/>
+  </p:clrMapOvr>
 </p:sld>
 </file>
 

--- a/static/assets/3_embedded_img.pptx
+++ b/static/assets/3_embedded_img.pptx
@@ -117,11 +117,6 @@
             <a:srgbClr val="A4A3A4"/>
           </p15:clr>
         </p15:guide>
-        <p15:guide id="4" orient="horz" pos="7665" userDrawn="1">
-          <p15:clr>
-            <a:srgbClr val="A4A3A4"/>
-          </p15:clr>
-        </p15:guide>
         <p15:guide id="5" pos="11135" userDrawn="1">
           <p15:clr>
             <a:srgbClr val="A4A3A4"/>
@@ -218,7 +213,7 @@
           <a:p>
             <a:fld id="{CABFA58B-201B-41D2-AA3E-28483B84FD7B}" type="datetimeFigureOut">
               <a:rPr lang="ko-KR" altLang="en-US" smtClean="0"/>
-              <a:t>2022-03-14</a:t>
+              <a:t>2022-04-26</a:t>
             </a:fld>
             <a:endParaRPr lang="ko-KR" altLang="en-US"/>
           </a:p>
@@ -664,7 +659,7 @@
           <a:p>
             <a:fld id="{C33163C4-65CF-48D2-8124-E2CEDBD7A0C5}" type="datetimeFigureOut">
               <a:rPr lang="ko-KR" altLang="en-US" smtClean="0"/>
-              <a:t>2022-03-14</a:t>
+              <a:t>2022-04-26</a:t>
             </a:fld>
             <a:endParaRPr lang="ko-KR" altLang="en-US"/>
           </a:p>
@@ -986,7 +981,7 @@
           <a:p>
             <a:fld id="{C33163C4-65CF-48D2-8124-E2CEDBD7A0C5}" type="datetimeFigureOut">
               <a:rPr lang="ko-KR" altLang="en-US" smtClean="0"/>
-              <a:t>2022-03-14</a:t>
+              <a:t>2022-04-26</a:t>
             </a:fld>
             <a:endParaRPr lang="ko-KR" altLang="en-US"/>
           </a:p>
@@ -1164,7 +1159,7 @@
           <a:p>
             <a:fld id="{C33163C4-65CF-48D2-8124-E2CEDBD7A0C5}" type="datetimeFigureOut">
               <a:rPr lang="ko-KR" altLang="en-US" smtClean="0"/>
-              <a:t>2022-03-14</a:t>
+              <a:t>2022-04-26</a:t>
             </a:fld>
             <a:endParaRPr lang="ko-KR" altLang="en-US"/>
           </a:p>
@@ -1404,7 +1399,7 @@
           <a:p>
             <a:fld id="{29936F60-83FB-4643-B7D2-F169DF4090A4}" type="datetimeFigureOut">
               <a:rPr lang="ko-KR" altLang="en-US" smtClean="0"/>
-              <a:t>2022-03-14</a:t>
+              <a:t>2022-04-26</a:t>
             </a:fld>
             <a:endParaRPr lang="ko-KR" altLang="en-US"/>
           </a:p>
@@ -1572,7 +1567,7 @@
           <a:p>
             <a:fld id="{29936F60-83FB-4643-B7D2-F169DF4090A4}" type="datetimeFigureOut">
               <a:rPr lang="ko-KR" altLang="en-US" smtClean="0"/>
-              <a:t>2022-03-14</a:t>
+              <a:t>2022-04-26</a:t>
             </a:fld>
             <a:endParaRPr lang="ko-KR" altLang="en-US"/>
           </a:p>
@@ -1817,7 +1812,7 @@
           <a:p>
             <a:fld id="{29936F60-83FB-4643-B7D2-F169DF4090A4}" type="datetimeFigureOut">
               <a:rPr lang="ko-KR" altLang="en-US" smtClean="0"/>
-              <a:t>2022-03-14</a:t>
+              <a:t>2022-04-26</a:t>
             </a:fld>
             <a:endParaRPr lang="ko-KR" altLang="en-US"/>
           </a:p>
@@ -2102,7 +2097,7 @@
           <a:p>
             <a:fld id="{29936F60-83FB-4643-B7D2-F169DF4090A4}" type="datetimeFigureOut">
               <a:rPr lang="ko-KR" altLang="en-US" smtClean="0"/>
-              <a:t>2022-03-14</a:t>
+              <a:t>2022-04-26</a:t>
             </a:fld>
             <a:endParaRPr lang="ko-KR" altLang="en-US"/>
           </a:p>
@@ -2521,7 +2516,7 @@
           <a:p>
             <a:fld id="{29936F60-83FB-4643-B7D2-F169DF4090A4}" type="datetimeFigureOut">
               <a:rPr lang="ko-KR" altLang="en-US" smtClean="0"/>
-              <a:t>2022-03-14</a:t>
+              <a:t>2022-04-26</a:t>
             </a:fld>
             <a:endParaRPr lang="ko-KR" altLang="en-US"/>
           </a:p>
@@ -2638,7 +2633,7 @@
           <a:p>
             <a:fld id="{29936F60-83FB-4643-B7D2-F169DF4090A4}" type="datetimeFigureOut">
               <a:rPr lang="ko-KR" altLang="en-US" smtClean="0"/>
-              <a:t>2022-03-14</a:t>
+              <a:t>2022-04-26</a:t>
             </a:fld>
             <a:endParaRPr lang="ko-KR" altLang="en-US"/>
           </a:p>
@@ -2733,7 +2728,7 @@
           <a:p>
             <a:fld id="{29936F60-83FB-4643-B7D2-F169DF4090A4}" type="datetimeFigureOut">
               <a:rPr lang="ko-KR" altLang="en-US" smtClean="0"/>
-              <a:t>2022-03-14</a:t>
+              <a:t>2022-04-26</a:t>
             </a:fld>
             <a:endParaRPr lang="ko-KR" altLang="en-US"/>
           </a:p>
@@ -3008,7 +3003,7 @@
           <a:p>
             <a:fld id="{29936F60-83FB-4643-B7D2-F169DF4090A4}" type="datetimeFigureOut">
               <a:rPr lang="ko-KR" altLang="en-US" smtClean="0"/>
-              <a:t>2022-03-14</a:t>
+              <a:t>2022-04-26</a:t>
             </a:fld>
             <a:endParaRPr lang="ko-KR" altLang="en-US"/>
           </a:p>
@@ -3198,7 +3193,7 @@
           <a:p>
             <a:fld id="{C33163C4-65CF-48D2-8124-E2CEDBD7A0C5}" type="datetimeFigureOut">
               <a:rPr lang="ko-KR" altLang="en-US" smtClean="0"/>
-              <a:t>2022-03-14</a:t>
+              <a:t>2022-04-26</a:t>
             </a:fld>
             <a:endParaRPr lang="ko-KR" altLang="en-US"/>
           </a:p>
@@ -3811,7 +3806,7 @@
           <a:p>
             <a:fld id="{29936F60-83FB-4643-B7D2-F169DF4090A4}" type="datetimeFigureOut">
               <a:rPr lang="ko-KR" altLang="en-US" smtClean="0"/>
-              <a:t>2022-03-14</a:t>
+              <a:t>2022-04-26</a:t>
             </a:fld>
             <a:endParaRPr lang="ko-KR" altLang="en-US"/>
           </a:p>
@@ -3979,7 +3974,7 @@
           <a:p>
             <a:fld id="{29936F60-83FB-4643-B7D2-F169DF4090A4}" type="datetimeFigureOut">
               <a:rPr lang="ko-KR" altLang="en-US" smtClean="0"/>
-              <a:t>2022-03-14</a:t>
+              <a:t>2022-04-26</a:t>
             </a:fld>
             <a:endParaRPr lang="ko-KR" altLang="en-US"/>
           </a:p>
@@ -4157,7 +4152,7 @@
           <a:p>
             <a:fld id="{29936F60-83FB-4643-B7D2-F169DF4090A4}" type="datetimeFigureOut">
               <a:rPr lang="ko-KR" altLang="en-US" smtClean="0"/>
-              <a:t>2022-03-14</a:t>
+              <a:t>2022-04-26</a:t>
             </a:fld>
             <a:endParaRPr lang="ko-KR" altLang="en-US"/>
           </a:p>
@@ -4402,7 +4397,7 @@
           <a:p>
             <a:fld id="{C33163C4-65CF-48D2-8124-E2CEDBD7A0C5}" type="datetimeFigureOut">
               <a:rPr lang="ko-KR" altLang="en-US" smtClean="0"/>
-              <a:t>2022-03-14</a:t>
+              <a:t>2022-04-26</a:t>
             </a:fld>
             <a:endParaRPr lang="ko-KR" altLang="en-US"/>
           </a:p>
@@ -4528,7 +4523,7 @@
           <a:p>
             <a:fld id="{C33163C4-65CF-48D2-8124-E2CEDBD7A0C5}" type="datetimeFigureOut">
               <a:rPr lang="ko-KR" altLang="en-US" smtClean="0"/>
-              <a:t>2022-03-14</a:t>
+              <a:t>2022-04-26</a:t>
             </a:fld>
             <a:endParaRPr lang="ko-KR" altLang="en-US"/>
           </a:p>
@@ -5431,7 +5426,7 @@
           <a:p>
             <a:fld id="{C33163C4-65CF-48D2-8124-E2CEDBD7A0C5}" type="datetimeFigureOut">
               <a:rPr lang="ko-KR" altLang="en-US" smtClean="0"/>
-              <a:t>2022-03-14</a:t>
+              <a:t>2022-04-26</a:t>
             </a:fld>
             <a:endParaRPr lang="ko-KR" altLang="en-US"/>
           </a:p>
@@ -5548,7 +5543,7 @@
           <a:p>
             <a:fld id="{C33163C4-65CF-48D2-8124-E2CEDBD7A0C5}" type="datetimeFigureOut">
               <a:rPr lang="ko-KR" altLang="en-US" smtClean="0"/>
-              <a:t>2022-03-14</a:t>
+              <a:t>2022-04-26</a:t>
             </a:fld>
             <a:endParaRPr lang="ko-KR" altLang="en-US"/>
           </a:p>
@@ -5643,7 +5638,7 @@
           <a:p>
             <a:fld id="{C33163C4-65CF-48D2-8124-E2CEDBD7A0C5}" type="datetimeFigureOut">
               <a:rPr lang="ko-KR" altLang="en-US" smtClean="0"/>
-              <a:t>2022-03-14</a:t>
+              <a:t>2022-04-26</a:t>
             </a:fld>
             <a:endParaRPr lang="ko-KR" altLang="en-US"/>
           </a:p>
@@ -5918,7 +5913,7 @@
           <a:p>
             <a:fld id="{C33163C4-65CF-48D2-8124-E2CEDBD7A0C5}" type="datetimeFigureOut">
               <a:rPr lang="ko-KR" altLang="en-US" smtClean="0"/>
-              <a:t>2022-03-14</a:t>
+              <a:t>2022-04-26</a:t>
             </a:fld>
             <a:endParaRPr lang="ko-KR" altLang="en-US"/>
           </a:p>
@@ -6170,7 +6165,7 @@
           <a:p>
             <a:fld id="{C33163C4-65CF-48D2-8124-E2CEDBD7A0C5}" type="datetimeFigureOut">
               <a:rPr lang="ko-KR" altLang="en-US" smtClean="0"/>
-              <a:t>2022-03-14</a:t>
+              <a:t>2022-04-26</a:t>
             </a:fld>
             <a:endParaRPr lang="ko-KR" altLang="en-US"/>
           </a:p>
@@ -6405,7 +6400,7 @@
           <a:p>
             <a:fld id="{C33163C4-65CF-48D2-8124-E2CEDBD7A0C5}" type="datetimeFigureOut">
               <a:rPr lang="ko-KR" altLang="en-US" smtClean="0"/>
-              <a:t>2022-03-14</a:t>
+              <a:t>2022-04-26</a:t>
             </a:fld>
             <a:endParaRPr lang="ko-KR" altLang="en-US"/>
           </a:p>
@@ -6915,7 +6910,7 @@
           <a:p>
             <a:fld id="{29936F60-83FB-4643-B7D2-F169DF4090A4}" type="datetimeFigureOut">
               <a:rPr lang="ko-KR" altLang="en-US" smtClean="0"/>
-              <a:t>2022-03-14</a:t>
+              <a:t>2022-04-26</a:t>
             </a:fld>
             <a:endParaRPr lang="ko-KR" altLang="en-US"/>
           </a:p>
@@ -7651,32 +7646,38 @@
       </p:grpSp>
       <p:grpSp>
         <p:nvGrpSpPr>
-          <p:cNvPr id="13" name="그룹 12"/>
+          <p:cNvPr id="5" name="그룹 4"/>
           <p:cNvGrpSpPr/>
           <p:nvPr/>
         </p:nvGrpSpPr>
         <p:grpSpPr>
           <a:xfrm>
-            <a:off x="3527376" y="7222911"/>
-            <a:ext cx="13164671" cy="5397105"/>
-            <a:chOff x="3276600" y="2993860"/>
-            <a:chExt cx="13164671" cy="5397105"/>
+            <a:off x="5019348" y="7115695"/>
+            <a:ext cx="11584995" cy="5602778"/>
+            <a:chOff x="5019348" y="7115695"/>
+            <a:chExt cx="11584995" cy="5602778"/>
           </a:xfrm>
         </p:grpSpPr>
         <p:sp>
           <p:nvSpPr>
-            <p:cNvPr id="14" name="직사각형 13"/>
+            <p:cNvPr id="2" name="직사각형 1"/>
             <p:cNvSpPr/>
             <p:nvPr/>
           </p:nvSpPr>
           <p:spPr>
             <a:xfrm>
-              <a:off x="5791199" y="2993860"/>
-              <a:ext cx="1631577" cy="484094"/>
+              <a:off x="5019348" y="7115695"/>
+              <a:ext cx="11539605" cy="5602778"/>
             </a:xfrm>
             <a:prstGeom prst="rect">
               <a:avLst/>
             </a:prstGeom>
+            <a:solidFill>
+              <a:schemeClr val="bg1"/>
+            </a:solidFill>
+            <a:ln>
+              <a:noFill/>
+            </a:ln>
           </p:spPr>
           <p:style>
             <a:lnRef idx="2">
@@ -7699,159 +7700,277 @@
             <a:lstStyle/>
             <a:p>
               <a:pPr algn="ctr"/>
-              <a:r>
-                <a:rPr lang="en-US" altLang="ko-KR" sz="2800" smtClean="0"/>
-                <a:t>Updater</a:t>
-              </a:r>
-              <a:endParaRPr lang="ko-KR" altLang="en-US" sz="2800"/>
-            </a:p>
-          </p:txBody>
-        </p:sp>
-        <p:sp>
-          <p:nvSpPr>
-            <p:cNvPr id="15" name="직사각형 14"/>
-            <p:cNvSpPr/>
-            <p:nvPr/>
-          </p:nvSpPr>
-          <p:spPr>
-            <a:xfrm>
-              <a:off x="10703859" y="2993860"/>
-              <a:ext cx="1452282" cy="484094"/>
-            </a:xfrm>
-            <a:prstGeom prst="rect">
-              <a:avLst/>
-            </a:prstGeom>
-          </p:spPr>
-          <p:style>
-            <a:lnRef idx="2">
-              <a:schemeClr val="accent1">
-                <a:shade val="50000"/>
-              </a:schemeClr>
-            </a:lnRef>
-            <a:fillRef idx="1">
-              <a:schemeClr val="accent1"/>
-            </a:fillRef>
-            <a:effectRef idx="0">
-              <a:schemeClr val="accent1"/>
-            </a:effectRef>
-            <a:fontRef idx="minor">
-              <a:schemeClr val="lt1"/>
-            </a:fontRef>
-          </p:style>
-          <p:txBody>
-            <a:bodyPr rtlCol="0" anchor="ctr"/>
-            <a:lstStyle/>
-            <a:p>
-              <a:pPr algn="ctr"/>
-              <a:r>
-                <a:rPr lang="en-US" altLang="ko-KR" sz="2800" smtClean="0"/>
-                <a:t>BL</a:t>
-              </a:r>
-              <a:endParaRPr lang="ko-KR" altLang="en-US" sz="2800"/>
+              <a:endParaRPr lang="ko-KR" altLang="en-US"/>
             </a:p>
           </p:txBody>
         </p:sp>
         <p:grpSp>
           <p:nvGrpSpPr>
-            <p:cNvPr id="16" name="그룹 15"/>
+            <p:cNvPr id="13" name="그룹 12"/>
             <p:cNvGrpSpPr/>
             <p:nvPr/>
           </p:nvGrpSpPr>
           <p:grpSpPr>
             <a:xfrm>
-              <a:off x="6606988" y="3460376"/>
-              <a:ext cx="4823012" cy="4930589"/>
-              <a:chOff x="6606988" y="3047999"/>
-              <a:chExt cx="4823012" cy="7602071"/>
+              <a:off x="5019348" y="7222911"/>
+              <a:ext cx="11584995" cy="5397105"/>
+              <a:chOff x="4768572" y="2993860"/>
+              <a:chExt cx="11584995" cy="5397105"/>
             </a:xfrm>
           </p:grpSpPr>
-          <p:cxnSp>
-            <p:nvCxnSpPr>
-              <p:cNvPr id="39" name="직선 연결선 38"/>
-              <p:cNvCxnSpPr/>
+          <p:sp>
+            <p:nvSpPr>
+              <p:cNvPr id="14" name="직사각형 13"/>
+              <p:cNvSpPr/>
               <p:nvPr/>
-            </p:nvCxnSpPr>
+            </p:nvSpPr>
             <p:spPr>
               <a:xfrm>
-                <a:off x="6606988" y="3047999"/>
-                <a:ext cx="0" cy="7602071"/>
+                <a:off x="5791199" y="2993860"/>
+                <a:ext cx="1631577" cy="484094"/>
               </a:xfrm>
-              <a:prstGeom prst="line">
+              <a:prstGeom prst="rect">
                 <a:avLst/>
               </a:prstGeom>
-              <a:ln w="57150"/>
             </p:spPr>
             <p:style>
-              <a:lnRef idx="1">
-                <a:schemeClr val="accent1"/>
+              <a:lnRef idx="2">
+                <a:schemeClr val="accent1">
+                  <a:shade val="50000"/>
+                </a:schemeClr>
               </a:lnRef>
-              <a:fillRef idx="0">
+              <a:fillRef idx="1">
                 <a:schemeClr val="accent1"/>
               </a:fillRef>
               <a:effectRef idx="0">
                 <a:schemeClr val="accent1"/>
               </a:effectRef>
               <a:fontRef idx="minor">
-                <a:schemeClr val="tx1"/>
+                <a:schemeClr val="lt1"/>
               </a:fontRef>
             </p:style>
-          </p:cxnSp>
-          <p:cxnSp>
-            <p:nvCxnSpPr>
-              <p:cNvPr id="40" name="직선 연결선 39"/>
-              <p:cNvCxnSpPr/>
+            <p:txBody>
+              <a:bodyPr rtlCol="0" anchor="ctr"/>
+              <a:lstStyle/>
+              <a:p>
+                <a:pPr algn="ctr"/>
+                <a:r>
+                  <a:rPr lang="en-US" altLang="ko-KR" sz="2800" smtClean="0"/>
+                  <a:t>Updater</a:t>
+                </a:r>
+                <a:endParaRPr lang="ko-KR" altLang="en-US" sz="2800"/>
+              </a:p>
+            </p:txBody>
+          </p:sp>
+          <p:sp>
+            <p:nvSpPr>
+              <p:cNvPr id="15" name="직사각형 14"/>
+              <p:cNvSpPr/>
               <p:nvPr/>
-            </p:nvCxnSpPr>
+            </p:nvSpPr>
             <p:spPr>
               <a:xfrm>
-                <a:off x="11430000" y="3047999"/>
-                <a:ext cx="0" cy="7602071"/>
+                <a:off x="10703859" y="2993860"/>
+                <a:ext cx="1452282" cy="484094"/>
               </a:xfrm>
-              <a:prstGeom prst="line">
+              <a:prstGeom prst="rect">
                 <a:avLst/>
               </a:prstGeom>
-              <a:ln w="57150"/>
             </p:spPr>
             <p:style>
-              <a:lnRef idx="1">
-                <a:schemeClr val="accent1"/>
+              <a:lnRef idx="2">
+                <a:schemeClr val="accent1">
+                  <a:shade val="50000"/>
+                </a:schemeClr>
               </a:lnRef>
-              <a:fillRef idx="0">
+              <a:fillRef idx="1">
                 <a:schemeClr val="accent1"/>
               </a:fillRef>
               <a:effectRef idx="0">
                 <a:schemeClr val="accent1"/>
               </a:effectRef>
               <a:fontRef idx="minor">
-                <a:schemeClr val="tx1"/>
+                <a:schemeClr val="lt1"/>
               </a:fontRef>
             </p:style>
-          </p:cxnSp>
-        </p:grpSp>
-        <p:grpSp>
-          <p:nvGrpSpPr>
-            <p:cNvPr id="17" name="그룹 16"/>
-            <p:cNvGrpSpPr/>
-            <p:nvPr/>
-          </p:nvGrpSpPr>
-          <p:grpSpPr>
-            <a:xfrm>
-              <a:off x="6624917" y="3649333"/>
-              <a:ext cx="4823012" cy="384784"/>
-              <a:chOff x="2644588" y="3039734"/>
-              <a:chExt cx="4823012" cy="384784"/>
-            </a:xfrm>
-          </p:grpSpPr>
+            <p:txBody>
+              <a:bodyPr rtlCol="0" anchor="ctr"/>
+              <a:lstStyle/>
+              <a:p>
+                <a:pPr algn="ctr"/>
+                <a:r>
+                  <a:rPr lang="en-US" altLang="ko-KR" sz="2800" smtClean="0"/>
+                  <a:t>BL</a:t>
+                </a:r>
+                <a:endParaRPr lang="ko-KR" altLang="en-US" sz="2800"/>
+              </a:p>
+            </p:txBody>
+          </p:sp>
+          <p:grpSp>
+            <p:nvGrpSpPr>
+              <p:cNvPr id="16" name="그룹 15"/>
+              <p:cNvGrpSpPr/>
+              <p:nvPr/>
+            </p:nvGrpSpPr>
+            <p:grpSpPr>
+              <a:xfrm>
+                <a:off x="6606988" y="3460376"/>
+                <a:ext cx="4823012" cy="4930589"/>
+                <a:chOff x="6606988" y="3047999"/>
+                <a:chExt cx="4823012" cy="7602071"/>
+              </a:xfrm>
+            </p:grpSpPr>
+            <p:cxnSp>
+              <p:nvCxnSpPr>
+                <p:cNvPr id="39" name="직선 연결선 38"/>
+                <p:cNvCxnSpPr/>
+                <p:nvPr/>
+              </p:nvCxnSpPr>
+              <p:spPr>
+                <a:xfrm>
+                  <a:off x="6606988" y="3047999"/>
+                  <a:ext cx="0" cy="7602071"/>
+                </a:xfrm>
+                <a:prstGeom prst="line">
+                  <a:avLst/>
+                </a:prstGeom>
+                <a:ln w="57150"/>
+              </p:spPr>
+              <p:style>
+                <a:lnRef idx="1">
+                  <a:schemeClr val="accent1"/>
+                </a:lnRef>
+                <a:fillRef idx="0">
+                  <a:schemeClr val="accent1"/>
+                </a:fillRef>
+                <a:effectRef idx="0">
+                  <a:schemeClr val="accent1"/>
+                </a:effectRef>
+                <a:fontRef idx="minor">
+                  <a:schemeClr val="tx1"/>
+                </a:fontRef>
+              </p:style>
+            </p:cxnSp>
+            <p:cxnSp>
+              <p:nvCxnSpPr>
+                <p:cNvPr id="40" name="직선 연결선 39"/>
+                <p:cNvCxnSpPr/>
+                <p:nvPr/>
+              </p:nvCxnSpPr>
+              <p:spPr>
+                <a:xfrm>
+                  <a:off x="11430000" y="3047999"/>
+                  <a:ext cx="0" cy="7602071"/>
+                </a:xfrm>
+                <a:prstGeom prst="line">
+                  <a:avLst/>
+                </a:prstGeom>
+                <a:ln w="57150"/>
+              </p:spPr>
+              <p:style>
+                <a:lnRef idx="1">
+                  <a:schemeClr val="accent1"/>
+                </a:lnRef>
+                <a:fillRef idx="0">
+                  <a:schemeClr val="accent1"/>
+                </a:fillRef>
+                <a:effectRef idx="0">
+                  <a:schemeClr val="accent1"/>
+                </a:effectRef>
+                <a:fontRef idx="minor">
+                  <a:schemeClr val="tx1"/>
+                </a:fontRef>
+              </p:style>
+            </p:cxnSp>
+          </p:grpSp>
+          <p:grpSp>
+            <p:nvGrpSpPr>
+              <p:cNvPr id="17" name="그룹 16"/>
+              <p:cNvGrpSpPr/>
+              <p:nvPr/>
+            </p:nvGrpSpPr>
+            <p:grpSpPr>
+              <a:xfrm>
+                <a:off x="6624917" y="3649333"/>
+                <a:ext cx="4823012" cy="384784"/>
+                <a:chOff x="2644588" y="3039734"/>
+                <a:chExt cx="4823012" cy="384784"/>
+              </a:xfrm>
+            </p:grpSpPr>
+            <p:sp>
+              <p:nvSpPr>
+                <p:cNvPr id="37" name="TextBox 36"/>
+                <p:cNvSpPr txBox="1"/>
+                <p:nvPr/>
+              </p:nvSpPr>
+              <p:spPr>
+                <a:xfrm>
+                  <a:off x="3348320" y="3039734"/>
+                  <a:ext cx="3630702" cy="338554"/>
+                </a:xfrm>
+                <a:prstGeom prst="rect">
+                  <a:avLst/>
+                </a:prstGeom>
+                <a:noFill/>
+              </p:spPr>
+              <p:txBody>
+                <a:bodyPr wrap="square" rtlCol="0">
+                  <a:spAutoFit/>
+                </a:bodyPr>
+                <a:lstStyle/>
+                <a:p>
+                  <a:pPr algn="ctr"/>
+                  <a:r>
+                    <a:rPr lang="en-US" altLang="ko-KR" sz="1600" b="1" smtClean="0"/>
+                    <a:t>0x53 0x04</a:t>
+                  </a:r>
+                </a:p>
+              </p:txBody>
+            </p:sp>
+            <p:cxnSp>
+              <p:nvCxnSpPr>
+                <p:cNvPr id="38" name="직선 화살표 연결선 37"/>
+                <p:cNvCxnSpPr/>
+                <p:nvPr/>
+              </p:nvCxnSpPr>
+              <p:spPr>
+                <a:xfrm>
+                  <a:off x="2644588" y="3424518"/>
+                  <a:ext cx="4823012" cy="0"/>
+                </a:xfrm>
+                <a:prstGeom prst="straightConnector1">
+                  <a:avLst/>
+                </a:prstGeom>
+                <a:ln w="76200">
+                  <a:tailEnd type="triangle"/>
+                </a:ln>
+              </p:spPr>
+              <p:style>
+                <a:lnRef idx="1">
+                  <a:schemeClr val="accent1"/>
+                </a:lnRef>
+                <a:fillRef idx="0">
+                  <a:schemeClr val="accent1"/>
+                </a:fillRef>
+                <a:effectRef idx="0">
+                  <a:schemeClr val="accent1"/>
+                </a:effectRef>
+                <a:fontRef idx="minor">
+                  <a:schemeClr val="tx1"/>
+                </a:fontRef>
+              </p:style>
+            </p:cxnSp>
+          </p:grpSp>
           <p:sp>
             <p:nvSpPr>
-              <p:cNvPr id="37" name="TextBox 36"/>
+              <p:cNvPr id="18" name="TextBox 17"/>
               <p:cNvSpPr txBox="1"/>
               <p:nvPr/>
             </p:nvSpPr>
             <p:spPr>
               <a:xfrm>
-                <a:off x="3348320" y="3039734"/>
-                <a:ext cx="3630702" cy="338554"/>
+                <a:off x="11483786" y="3668168"/>
+                <a:ext cx="2142564" cy="1077218"/>
               </a:xfrm>
               <a:prstGeom prst="rect">
                 <a:avLst/>
@@ -7864,151 +7983,196 @@
               </a:bodyPr>
               <a:lstStyle/>
               <a:p>
-                <a:pPr algn="ctr"/>
+                <a:pPr>
+                  <a:lnSpc>
+                    <a:spcPct val="200000"/>
+                  </a:lnSpc>
+                </a:pPr>
                 <a:r>
                   <a:rPr lang="en-US" altLang="ko-KR" sz="1600" b="1" smtClean="0"/>
-                  <a:t>0x53 0x04</a:t>
+                  <a:t>Erase App Sector</a:t>
                 </a:r>
+              </a:p>
+              <a:p>
+                <a:pPr>
+                  <a:lnSpc>
+                    <a:spcPct val="200000"/>
+                  </a:lnSpc>
+                </a:pPr>
+                <a:r>
+                  <a:rPr lang="en-US" altLang="ko-KR" sz="1600" b="1" smtClean="0"/>
+                  <a:t>Erase Finished</a:t>
+                </a:r>
+                <a:endParaRPr lang="ko-KR" altLang="en-US" sz="1600" b="1"/>
               </a:p>
             </p:txBody>
           </p:sp>
-          <p:cxnSp>
-            <p:nvCxnSpPr>
-              <p:cNvPr id="38" name="직선 화살표 연결선 37"/>
-              <p:cNvCxnSpPr/>
+          <p:grpSp>
+            <p:nvGrpSpPr>
+              <p:cNvPr id="19" name="그룹 18"/>
+              <p:cNvGrpSpPr/>
               <p:nvPr/>
-            </p:nvCxnSpPr>
-            <p:spPr>
+            </p:nvGrpSpPr>
+            <p:grpSpPr>
               <a:xfrm>
-                <a:off x="2644588" y="3424518"/>
-                <a:ext cx="4823012" cy="0"/>
+                <a:off x="6606987" y="4170129"/>
+                <a:ext cx="4823012" cy="356350"/>
+                <a:chOff x="2644588" y="3866027"/>
+                <a:chExt cx="4823012" cy="356350"/>
               </a:xfrm>
-              <a:prstGeom prst="straightConnector1">
-                <a:avLst/>
-              </a:prstGeom>
-              <a:ln w="76200">
-                <a:tailEnd type="triangle"/>
-              </a:ln>
-            </p:spPr>
-            <p:style>
-              <a:lnRef idx="1">
-                <a:schemeClr val="accent1"/>
-              </a:lnRef>
-              <a:fillRef idx="0">
-                <a:schemeClr val="accent1"/>
-              </a:fillRef>
-              <a:effectRef idx="0">
-                <a:schemeClr val="accent1"/>
-              </a:effectRef>
-              <a:fontRef idx="minor">
-                <a:schemeClr val="tx1"/>
-              </a:fontRef>
-            </p:style>
-          </p:cxnSp>
-        </p:grpSp>
-        <p:sp>
-          <p:nvSpPr>
-            <p:cNvPr id="18" name="TextBox 17"/>
-            <p:cNvSpPr txBox="1"/>
-            <p:nvPr/>
-          </p:nvSpPr>
-          <p:spPr>
-            <a:xfrm>
-              <a:off x="11483786" y="3668168"/>
-              <a:ext cx="2142564" cy="1077218"/>
-            </a:xfrm>
-            <a:prstGeom prst="rect">
-              <a:avLst/>
-            </a:prstGeom>
-            <a:noFill/>
-          </p:spPr>
-          <p:txBody>
-            <a:bodyPr wrap="square" rtlCol="0">
-              <a:spAutoFit/>
-            </a:bodyPr>
-            <a:lstStyle/>
-            <a:p>
-              <a:pPr>
-                <a:lnSpc>
-                  <a:spcPct val="200000"/>
-                </a:lnSpc>
-              </a:pPr>
-              <a:r>
-                <a:rPr lang="en-US" altLang="ko-KR" sz="1600" b="1" smtClean="0"/>
-                <a:t>Erase App Sector</a:t>
-              </a:r>
-            </a:p>
-            <a:p>
-              <a:pPr>
-                <a:lnSpc>
-                  <a:spcPct val="200000"/>
-                </a:lnSpc>
-              </a:pPr>
-              <a:r>
-                <a:rPr lang="en-US" altLang="ko-KR" sz="1600" b="1" smtClean="0"/>
-                <a:t>Erase Finished</a:t>
-              </a:r>
-              <a:endParaRPr lang="ko-KR" altLang="en-US" sz="1600" b="1"/>
-            </a:p>
-          </p:txBody>
-        </p:sp>
-        <p:grpSp>
-          <p:nvGrpSpPr>
-            <p:cNvPr id="19" name="그룹 18"/>
-            <p:cNvGrpSpPr/>
-            <p:nvPr/>
-          </p:nvGrpSpPr>
-          <p:grpSpPr>
-            <a:xfrm>
-              <a:off x="6606987" y="4170129"/>
-              <a:ext cx="4823012" cy="356350"/>
-              <a:chOff x="2644588" y="3866027"/>
-              <a:chExt cx="4823012" cy="356350"/>
-            </a:xfrm>
-          </p:grpSpPr>
-          <p:cxnSp>
-            <p:nvCxnSpPr>
-              <p:cNvPr id="35" name="직선 화살표 연결선 34"/>
-              <p:cNvCxnSpPr/>
+            </p:grpSpPr>
+            <p:cxnSp>
+              <p:nvCxnSpPr>
+                <p:cNvPr id="35" name="직선 화살표 연결선 34"/>
+                <p:cNvCxnSpPr/>
+                <p:nvPr/>
+              </p:nvCxnSpPr>
+              <p:spPr>
+                <a:xfrm flipH="1">
+                  <a:off x="2644588" y="4222377"/>
+                  <a:ext cx="4823012" cy="0"/>
+                </a:xfrm>
+                <a:prstGeom prst="straightConnector1">
+                  <a:avLst/>
+                </a:prstGeom>
+                <a:ln w="76200">
+                  <a:tailEnd type="triangle"/>
+                </a:ln>
+              </p:spPr>
+              <p:style>
+                <a:lnRef idx="1">
+                  <a:schemeClr val="accent1"/>
+                </a:lnRef>
+                <a:fillRef idx="0">
+                  <a:schemeClr val="accent1"/>
+                </a:fillRef>
+                <a:effectRef idx="0">
+                  <a:schemeClr val="accent1"/>
+                </a:effectRef>
+                <a:fontRef idx="minor">
+                  <a:schemeClr val="tx1"/>
+                </a:fontRef>
+              </p:style>
+            </p:cxnSp>
+            <p:sp>
+              <p:nvSpPr>
+                <p:cNvPr id="36" name="TextBox 35"/>
+                <p:cNvSpPr txBox="1"/>
+                <p:nvPr/>
+              </p:nvSpPr>
+              <p:spPr>
+                <a:xfrm>
+                  <a:off x="3841377" y="3866027"/>
+                  <a:ext cx="2680447" cy="338554"/>
+                </a:xfrm>
+                <a:prstGeom prst="rect">
+                  <a:avLst/>
+                </a:prstGeom>
+                <a:noFill/>
+              </p:spPr>
+              <p:txBody>
+                <a:bodyPr wrap="square" rtlCol="0">
+                  <a:spAutoFit/>
+                </a:bodyPr>
+                <a:lstStyle/>
+                <a:p>
+                  <a:pPr algn="ctr"/>
+                  <a:r>
+                    <a:rPr lang="en-US" altLang="ko-KR" sz="1600" b="1" smtClean="0"/>
+                    <a:t>0x41 0x31 0x31 (ACK)</a:t>
+                  </a:r>
+                </a:p>
+              </p:txBody>
+            </p:sp>
+          </p:grpSp>
+          <p:grpSp>
+            <p:nvGrpSpPr>
+              <p:cNvPr id="20" name="그룹 19"/>
+              <p:cNvGrpSpPr/>
               <p:nvPr/>
-            </p:nvCxnSpPr>
-            <p:spPr>
-              <a:xfrm flipH="1">
-                <a:off x="2644588" y="4222377"/>
-                <a:ext cx="4823012" cy="0"/>
+            </p:nvGrpSpPr>
+            <p:grpSpPr>
+              <a:xfrm>
+                <a:off x="6624916" y="5460262"/>
+                <a:ext cx="4823012" cy="365949"/>
+                <a:chOff x="2644588" y="3058569"/>
+                <a:chExt cx="4823012" cy="365949"/>
               </a:xfrm>
-              <a:prstGeom prst="straightConnector1">
-                <a:avLst/>
-              </a:prstGeom>
-              <a:ln w="76200">
-                <a:tailEnd type="triangle"/>
-              </a:ln>
-            </p:spPr>
-            <p:style>
-              <a:lnRef idx="1">
-                <a:schemeClr val="accent1"/>
-              </a:lnRef>
-              <a:fillRef idx="0">
-                <a:schemeClr val="accent1"/>
-              </a:fillRef>
-              <a:effectRef idx="0">
-                <a:schemeClr val="accent1"/>
-              </a:effectRef>
-              <a:fontRef idx="minor">
-                <a:schemeClr val="tx1"/>
-              </a:fontRef>
-            </p:style>
-          </p:cxnSp>
+            </p:grpSpPr>
+            <p:sp>
+              <p:nvSpPr>
+                <p:cNvPr id="33" name="TextBox 32"/>
+                <p:cNvSpPr txBox="1"/>
+                <p:nvPr/>
+              </p:nvSpPr>
+              <p:spPr>
+                <a:xfrm>
+                  <a:off x="3890683" y="3058569"/>
+                  <a:ext cx="2680447" cy="338554"/>
+                </a:xfrm>
+                <a:prstGeom prst="rect">
+                  <a:avLst/>
+                </a:prstGeom>
+                <a:noFill/>
+              </p:spPr>
+              <p:txBody>
+                <a:bodyPr wrap="square" rtlCol="0">
+                  <a:spAutoFit/>
+                </a:bodyPr>
+                <a:lstStyle/>
+                <a:p>
+                  <a:pPr algn="ctr"/>
+                  <a:r>
+                    <a:rPr lang="en-US" altLang="ko-KR" sz="1600" b="1" smtClean="0"/>
+                    <a:t>Tx App Binary</a:t>
+                  </a:r>
+                </a:p>
+              </p:txBody>
+            </p:sp>
+            <p:cxnSp>
+              <p:nvCxnSpPr>
+                <p:cNvPr id="34" name="직선 화살표 연결선 33"/>
+                <p:cNvCxnSpPr/>
+                <p:nvPr/>
+              </p:nvCxnSpPr>
+              <p:spPr>
+                <a:xfrm>
+                  <a:off x="2644588" y="3424518"/>
+                  <a:ext cx="4823012" cy="0"/>
+                </a:xfrm>
+                <a:prstGeom prst="straightConnector1">
+                  <a:avLst/>
+                </a:prstGeom>
+                <a:ln w="76200">
+                  <a:tailEnd type="triangle"/>
+                </a:ln>
+              </p:spPr>
+              <p:style>
+                <a:lnRef idx="1">
+                  <a:schemeClr val="accent1"/>
+                </a:lnRef>
+                <a:fillRef idx="0">
+                  <a:schemeClr val="accent1"/>
+                </a:fillRef>
+                <a:effectRef idx="0">
+                  <a:schemeClr val="accent1"/>
+                </a:effectRef>
+                <a:fontRef idx="minor">
+                  <a:schemeClr val="tx1"/>
+                </a:fontRef>
+              </p:style>
+            </p:cxnSp>
+          </p:grpSp>
           <p:sp>
             <p:nvSpPr>
-              <p:cNvPr id="36" name="TextBox 35"/>
+              <p:cNvPr id="21" name="TextBox 20"/>
               <p:cNvSpPr txBox="1"/>
               <p:nvPr/>
             </p:nvSpPr>
             <p:spPr>
               <a:xfrm>
-                <a:off x="3841377" y="3866027"/>
-                <a:ext cx="2680447" cy="338554"/>
+                <a:off x="11483786" y="5667571"/>
+                <a:ext cx="4214194" cy="978729"/>
               </a:xfrm>
               <a:prstGeom prst="rect">
                 <a:avLst/>
@@ -8019,41 +8183,204 @@
               <a:bodyPr wrap="square" rtlCol="0">
                 <a:spAutoFit/>
               </a:bodyPr>
-              <a:lstStyle/>
+              <a:lstStyle>
+                <a:defPPr>
+                  <a:defRPr lang="ko-KR"/>
+                </a:defPPr>
+                <a:lvl1pPr>
+                  <a:lnSpc>
+                    <a:spcPct val="120000"/>
+                  </a:lnSpc>
+                  <a:defRPr sz="1600" b="1"/>
+                </a:lvl1pPr>
+              </a:lstStyle>
               <a:p>
-                <a:pPr algn="ctr"/>
                 <a:r>
-                  <a:rPr lang="en-US" altLang="ko-KR" sz="1600" b="1" smtClean="0"/>
-                  <a:t>0x41 0x31 0x31 (ACK)</a:t>
+                  <a:rPr lang="en-US" altLang="ko-KR"/>
+                  <a:t>Write App</a:t>
                 </a:r>
+              </a:p>
+              <a:p>
+                <a:r>
+                  <a:rPr lang="en-US" altLang="ko-KR"/>
+                  <a:t>Restore Registor when write app finished</a:t>
+                </a:r>
+              </a:p>
+              <a:p>
+                <a:r>
+                  <a:rPr lang="en-US" altLang="ko-KR"/>
+                  <a:t>Write App Finished</a:t>
+                </a:r>
+                <a:endParaRPr lang="ko-KR" altLang="en-US"/>
               </a:p>
             </p:txBody>
           </p:sp>
-        </p:grpSp>
-        <p:grpSp>
-          <p:nvGrpSpPr>
-            <p:cNvPr id="20" name="그룹 19"/>
-            <p:cNvGrpSpPr/>
-            <p:nvPr/>
-          </p:nvGrpSpPr>
-          <p:grpSpPr>
-            <a:xfrm>
-              <a:off x="6624916" y="5460262"/>
-              <a:ext cx="4823012" cy="365949"/>
-              <a:chOff x="2644588" y="3058569"/>
-              <a:chExt cx="4823012" cy="365949"/>
-            </a:xfrm>
-          </p:grpSpPr>
+          <p:grpSp>
+            <p:nvGrpSpPr>
+              <p:cNvPr id="22" name="그룹 21"/>
+              <p:cNvGrpSpPr/>
+              <p:nvPr/>
+            </p:nvGrpSpPr>
+            <p:grpSpPr>
+              <a:xfrm>
+                <a:off x="6606987" y="6106582"/>
+                <a:ext cx="4823012" cy="355618"/>
+                <a:chOff x="2644588" y="3866759"/>
+                <a:chExt cx="4823012" cy="355618"/>
+              </a:xfrm>
+            </p:grpSpPr>
+            <p:cxnSp>
+              <p:nvCxnSpPr>
+                <p:cNvPr id="31" name="직선 화살표 연결선 30"/>
+                <p:cNvCxnSpPr/>
+                <p:nvPr/>
+              </p:nvCxnSpPr>
+              <p:spPr>
+                <a:xfrm flipH="1">
+                  <a:off x="2644588" y="4222377"/>
+                  <a:ext cx="4823012" cy="0"/>
+                </a:xfrm>
+                <a:prstGeom prst="straightConnector1">
+                  <a:avLst/>
+                </a:prstGeom>
+                <a:ln w="76200">
+                  <a:tailEnd type="triangle"/>
+                </a:ln>
+              </p:spPr>
+              <p:style>
+                <a:lnRef idx="1">
+                  <a:schemeClr val="accent1"/>
+                </a:lnRef>
+                <a:fillRef idx="0">
+                  <a:schemeClr val="accent1"/>
+                </a:fillRef>
+                <a:effectRef idx="0">
+                  <a:schemeClr val="accent1"/>
+                </a:effectRef>
+                <a:fontRef idx="minor">
+                  <a:schemeClr val="tx1"/>
+                </a:fontRef>
+              </p:style>
+            </p:cxnSp>
+            <p:sp>
+              <p:nvSpPr>
+                <p:cNvPr id="32" name="TextBox 31"/>
+                <p:cNvSpPr txBox="1"/>
+                <p:nvPr/>
+              </p:nvSpPr>
+              <p:spPr>
+                <a:xfrm>
+                  <a:off x="3890682" y="3866759"/>
+                  <a:ext cx="2680447" cy="338554"/>
+                </a:xfrm>
+                <a:prstGeom prst="rect">
+                  <a:avLst/>
+                </a:prstGeom>
+                <a:noFill/>
+              </p:spPr>
+              <p:txBody>
+                <a:bodyPr wrap="square" rtlCol="0">
+                  <a:spAutoFit/>
+                </a:bodyPr>
+                <a:lstStyle/>
+                <a:p>
+                  <a:pPr algn="ctr"/>
+                  <a:r>
+                    <a:rPr lang="en-US" altLang="ko-KR" sz="1600" b="1"/>
+                    <a:t>0x41(ACK)</a:t>
+                  </a:r>
+                </a:p>
+              </p:txBody>
+            </p:sp>
+          </p:grpSp>
+          <p:grpSp>
+            <p:nvGrpSpPr>
+              <p:cNvPr id="23" name="그룹 22"/>
+              <p:cNvGrpSpPr/>
+              <p:nvPr/>
+            </p:nvGrpSpPr>
+            <p:grpSpPr>
+              <a:xfrm>
+                <a:off x="6642846" y="6948529"/>
+                <a:ext cx="4823012" cy="365949"/>
+                <a:chOff x="2644588" y="3058569"/>
+                <a:chExt cx="4823012" cy="365949"/>
+              </a:xfrm>
+            </p:grpSpPr>
+            <p:sp>
+              <p:nvSpPr>
+                <p:cNvPr id="29" name="TextBox 28"/>
+                <p:cNvSpPr txBox="1"/>
+                <p:nvPr/>
+              </p:nvSpPr>
+              <p:spPr>
+                <a:xfrm>
+                  <a:off x="3890683" y="3058569"/>
+                  <a:ext cx="2680447" cy="338554"/>
+                </a:xfrm>
+                <a:prstGeom prst="rect">
+                  <a:avLst/>
+                </a:prstGeom>
+                <a:noFill/>
+              </p:spPr>
+              <p:txBody>
+                <a:bodyPr wrap="square" rtlCol="0">
+                  <a:spAutoFit/>
+                </a:bodyPr>
+                <a:lstStyle/>
+                <a:p>
+                  <a:pPr algn="ctr"/>
+                  <a:r>
+                    <a:rPr lang="en-US" altLang="ko-KR" sz="1600" b="1" smtClean="0"/>
+                    <a:t>Tx Vector Binary</a:t>
+                  </a:r>
+                </a:p>
+              </p:txBody>
+            </p:sp>
+            <p:cxnSp>
+              <p:nvCxnSpPr>
+                <p:cNvPr id="30" name="직선 화살표 연결선 29"/>
+                <p:cNvCxnSpPr/>
+                <p:nvPr/>
+              </p:nvCxnSpPr>
+              <p:spPr>
+                <a:xfrm>
+                  <a:off x="2644588" y="3424518"/>
+                  <a:ext cx="4823012" cy="0"/>
+                </a:xfrm>
+                <a:prstGeom prst="straightConnector1">
+                  <a:avLst/>
+                </a:prstGeom>
+                <a:ln w="76200">
+                  <a:tailEnd type="triangle"/>
+                </a:ln>
+              </p:spPr>
+              <p:style>
+                <a:lnRef idx="1">
+                  <a:schemeClr val="accent1"/>
+                </a:lnRef>
+                <a:fillRef idx="0">
+                  <a:schemeClr val="accent1"/>
+                </a:fillRef>
+                <a:effectRef idx="0">
+                  <a:schemeClr val="accent1"/>
+                </a:effectRef>
+                <a:fontRef idx="minor">
+                  <a:schemeClr val="tx1"/>
+                </a:fontRef>
+              </p:style>
+            </p:cxnSp>
+          </p:grpSp>
           <p:sp>
             <p:nvSpPr>
-              <p:cNvPr id="33" name="TextBox 32"/>
+              <p:cNvPr id="24" name="TextBox 23"/>
               <p:cNvSpPr txBox="1"/>
               <p:nvPr/>
             </p:nvSpPr>
             <p:spPr>
               <a:xfrm>
-                <a:off x="3890683" y="3058569"/>
-                <a:ext cx="2680447" cy="338554"/>
+                <a:off x="11501715" y="7155838"/>
+                <a:ext cx="4851852" cy="978729"/>
               </a:xfrm>
               <a:prstGeom prst="rect">
                 <a:avLst/>
@@ -8064,159 +8391,155 @@
               <a:bodyPr wrap="square" rtlCol="0">
                 <a:spAutoFit/>
               </a:bodyPr>
-              <a:lstStyle/>
+              <a:lstStyle>
+                <a:defPPr>
+                  <a:defRPr lang="ko-KR"/>
+                </a:defPPr>
+                <a:lvl1pPr>
+                  <a:lnSpc>
+                    <a:spcPct val="120000"/>
+                  </a:lnSpc>
+                  <a:defRPr sz="1600" b="1"/>
+                </a:lvl1pPr>
+              </a:lstStyle>
               <a:p>
-                <a:pPr algn="ctr"/>
                 <a:r>
-                  <a:rPr lang="en-US" altLang="ko-KR" sz="1600" b="1" smtClean="0"/>
-                  <a:t>Tx App Binary</a:t>
+                  <a:rPr lang="en-US" altLang="ko-KR"/>
+                  <a:t>Write </a:t>
                 </a:r>
+                <a:r>
+                  <a:rPr lang="en-US" altLang="ko-KR" smtClean="0"/>
+                  <a:t>Vector</a:t>
+                </a:r>
+                <a:endParaRPr lang="en-US" altLang="ko-KR"/>
+              </a:p>
+              <a:p>
+                <a:r>
+                  <a:rPr lang="en-US" altLang="ko-KR"/>
+                  <a:t>Restore </a:t>
+                </a:r>
+                <a:r>
+                  <a:rPr lang="en-US" altLang="ko-KR" smtClean="0"/>
+                  <a:t>Reset Vector </a:t>
+                </a:r>
+                <a:r>
+                  <a:rPr lang="en-US" altLang="ko-KR"/>
+                  <a:t>when write </a:t>
+                </a:r>
+                <a:r>
+                  <a:rPr lang="en-US" altLang="ko-KR" smtClean="0"/>
+                  <a:t>vector </a:t>
+                </a:r>
+                <a:r>
+                  <a:rPr lang="en-US" altLang="ko-KR"/>
+                  <a:t>finished</a:t>
+                </a:r>
+              </a:p>
+              <a:p>
+                <a:r>
+                  <a:rPr lang="en-US" altLang="ko-KR"/>
+                  <a:t>Write </a:t>
+                </a:r>
+                <a:r>
+                  <a:rPr lang="en-US" altLang="ko-KR" smtClean="0"/>
+                  <a:t>Vector </a:t>
+                </a:r>
+                <a:r>
+                  <a:rPr lang="en-US" altLang="ko-KR"/>
+                  <a:t>Finished</a:t>
+                </a:r>
+                <a:endParaRPr lang="ko-KR" altLang="en-US"/>
               </a:p>
             </p:txBody>
           </p:sp>
-          <p:cxnSp>
-            <p:nvCxnSpPr>
-              <p:cNvPr id="34" name="직선 화살표 연결선 33"/>
-              <p:cNvCxnSpPr/>
+          <p:grpSp>
+            <p:nvGrpSpPr>
+              <p:cNvPr id="25" name="그룹 24"/>
+              <p:cNvGrpSpPr/>
               <p:nvPr/>
-            </p:nvCxnSpPr>
-            <p:spPr>
+            </p:nvGrpSpPr>
+            <p:grpSpPr>
               <a:xfrm>
-                <a:off x="2644588" y="3424518"/>
-                <a:ext cx="4823012" cy="0"/>
+                <a:off x="6624917" y="7594849"/>
+                <a:ext cx="4823012" cy="355618"/>
+                <a:chOff x="2644588" y="3866759"/>
+                <a:chExt cx="4823012" cy="355618"/>
               </a:xfrm>
-              <a:prstGeom prst="straightConnector1">
-                <a:avLst/>
-              </a:prstGeom>
-              <a:ln w="76200">
-                <a:tailEnd type="triangle"/>
-              </a:ln>
-            </p:spPr>
-            <p:style>
-              <a:lnRef idx="1">
-                <a:schemeClr val="accent1"/>
-              </a:lnRef>
-              <a:fillRef idx="0">
-                <a:schemeClr val="accent1"/>
-              </a:fillRef>
-              <a:effectRef idx="0">
-                <a:schemeClr val="accent1"/>
-              </a:effectRef>
-              <a:fontRef idx="minor">
-                <a:schemeClr val="tx1"/>
-              </a:fontRef>
-            </p:style>
-          </p:cxnSp>
-        </p:grpSp>
-        <p:sp>
-          <p:nvSpPr>
-            <p:cNvPr id="21" name="TextBox 20"/>
-            <p:cNvSpPr txBox="1"/>
-            <p:nvPr/>
-          </p:nvSpPr>
-          <p:spPr>
-            <a:xfrm>
-              <a:off x="11483786" y="5667571"/>
-              <a:ext cx="4240308" cy="978729"/>
-            </a:xfrm>
-            <a:prstGeom prst="rect">
-              <a:avLst/>
-            </a:prstGeom>
-            <a:noFill/>
-          </p:spPr>
-          <p:txBody>
-            <a:bodyPr wrap="square" rtlCol="0">
-              <a:spAutoFit/>
-            </a:bodyPr>
-            <a:lstStyle>
-              <a:defPPr>
-                <a:defRPr lang="ko-KR"/>
-              </a:defPPr>
-              <a:lvl1pPr>
-                <a:lnSpc>
-                  <a:spcPct val="120000"/>
-                </a:lnSpc>
-                <a:defRPr sz="1600" b="1"/>
-              </a:lvl1pPr>
-            </a:lstStyle>
-            <a:p>
-              <a:r>
-                <a:rPr lang="en-US" altLang="ko-KR"/>
-                <a:t>Write App</a:t>
-              </a:r>
-            </a:p>
-            <a:p>
-              <a:r>
-                <a:rPr lang="en-US" altLang="ko-KR"/>
-                <a:t>Restore Registor when write app finished</a:t>
-              </a:r>
-            </a:p>
-            <a:p>
-              <a:r>
-                <a:rPr lang="en-US" altLang="ko-KR"/>
-                <a:t>Write App Finished</a:t>
-              </a:r>
-              <a:endParaRPr lang="ko-KR" altLang="en-US"/>
-            </a:p>
-          </p:txBody>
-        </p:sp>
-        <p:grpSp>
-          <p:nvGrpSpPr>
-            <p:cNvPr id="22" name="그룹 21"/>
-            <p:cNvGrpSpPr/>
-            <p:nvPr/>
-          </p:nvGrpSpPr>
-          <p:grpSpPr>
-            <a:xfrm>
-              <a:off x="6606987" y="6106582"/>
-              <a:ext cx="4823012" cy="355618"/>
-              <a:chOff x="2644588" y="3866759"/>
-              <a:chExt cx="4823012" cy="355618"/>
-            </a:xfrm>
-          </p:grpSpPr>
-          <p:cxnSp>
-            <p:nvCxnSpPr>
-              <p:cNvPr id="31" name="직선 화살표 연결선 30"/>
-              <p:cNvCxnSpPr/>
-              <p:nvPr/>
-            </p:nvCxnSpPr>
-            <p:spPr>
-              <a:xfrm flipH="1">
-                <a:off x="2644588" y="4222377"/>
-                <a:ext cx="4823012" cy="0"/>
-              </a:xfrm>
-              <a:prstGeom prst="straightConnector1">
-                <a:avLst/>
-              </a:prstGeom>
-              <a:ln w="76200">
-                <a:tailEnd type="triangle"/>
-              </a:ln>
-            </p:spPr>
-            <p:style>
-              <a:lnRef idx="1">
-                <a:schemeClr val="accent1"/>
-              </a:lnRef>
-              <a:fillRef idx="0">
-                <a:schemeClr val="accent1"/>
-              </a:fillRef>
-              <a:effectRef idx="0">
-                <a:schemeClr val="accent1"/>
-              </a:effectRef>
-              <a:fontRef idx="minor">
-                <a:schemeClr val="tx1"/>
-              </a:fontRef>
-            </p:style>
-          </p:cxnSp>
+            </p:grpSpPr>
+            <p:cxnSp>
+              <p:nvCxnSpPr>
+                <p:cNvPr id="27" name="직선 화살표 연결선 26"/>
+                <p:cNvCxnSpPr/>
+                <p:nvPr/>
+              </p:nvCxnSpPr>
+              <p:spPr>
+                <a:xfrm flipH="1">
+                  <a:off x="2644588" y="4222377"/>
+                  <a:ext cx="4823012" cy="0"/>
+                </a:xfrm>
+                <a:prstGeom prst="straightConnector1">
+                  <a:avLst/>
+                </a:prstGeom>
+                <a:ln w="76200">
+                  <a:tailEnd type="triangle"/>
+                </a:ln>
+              </p:spPr>
+              <p:style>
+                <a:lnRef idx="1">
+                  <a:schemeClr val="accent1"/>
+                </a:lnRef>
+                <a:fillRef idx="0">
+                  <a:schemeClr val="accent1"/>
+                </a:fillRef>
+                <a:effectRef idx="0">
+                  <a:schemeClr val="accent1"/>
+                </a:effectRef>
+                <a:fontRef idx="minor">
+                  <a:schemeClr val="tx1"/>
+                </a:fontRef>
+              </p:style>
+            </p:cxnSp>
+            <p:sp>
+              <p:nvSpPr>
+                <p:cNvPr id="28" name="TextBox 27"/>
+                <p:cNvSpPr txBox="1"/>
+                <p:nvPr/>
+              </p:nvSpPr>
+              <p:spPr>
+                <a:xfrm>
+                  <a:off x="3890682" y="3866759"/>
+                  <a:ext cx="2680447" cy="338554"/>
+                </a:xfrm>
+                <a:prstGeom prst="rect">
+                  <a:avLst/>
+                </a:prstGeom>
+                <a:noFill/>
+              </p:spPr>
+              <p:txBody>
+                <a:bodyPr wrap="square" rtlCol="0">
+                  <a:spAutoFit/>
+                </a:bodyPr>
+                <a:lstStyle/>
+                <a:p>
+                  <a:pPr algn="ctr"/>
+                  <a:r>
+                    <a:rPr lang="en-US" altLang="ko-KR" sz="1600" b="1"/>
+                    <a:t>0x41(ACK)</a:t>
+                  </a:r>
+                </a:p>
+              </p:txBody>
+            </p:sp>
+          </p:grpSp>
           <p:sp>
             <p:nvSpPr>
-              <p:cNvPr id="32" name="TextBox 31"/>
+              <p:cNvPr id="26" name="TextBox 25"/>
               <p:cNvSpPr txBox="1"/>
               <p:nvPr/>
             </p:nvSpPr>
             <p:spPr>
               <a:xfrm>
-                <a:off x="3890682" y="3866759"/>
-                <a:ext cx="2680447" cy="338554"/>
+                <a:off x="4768572" y="3746005"/>
+                <a:ext cx="1875621" cy="584775"/>
               </a:xfrm>
               <a:prstGeom prst="rect">
                 <a:avLst/>
@@ -8232,287 +8555,20 @@
                 <a:pPr algn="ctr"/>
                 <a:r>
                   <a:rPr lang="en-US" altLang="ko-KR" sz="1600" b="1"/>
-                  <a:t>0x41(ACK)</a:t>
+                  <a:t>Erase </a:t>
+                </a:r>
+                <a:r>
+                  <a:rPr lang="en-US" altLang="ko-KR" sz="1600" b="1" smtClean="0"/>
+                  <a:t>App </a:t>
+                </a:r>
+                <a:r>
+                  <a:rPr lang="en-US" altLang="ko-KR" sz="1600" b="1"/>
+                  <a:t>Sector Command</a:t>
                 </a:r>
               </a:p>
             </p:txBody>
           </p:sp>
         </p:grpSp>
-        <p:grpSp>
-          <p:nvGrpSpPr>
-            <p:cNvPr id="23" name="그룹 22"/>
-            <p:cNvGrpSpPr/>
-            <p:nvPr/>
-          </p:nvGrpSpPr>
-          <p:grpSpPr>
-            <a:xfrm>
-              <a:off x="6642846" y="6948529"/>
-              <a:ext cx="4823012" cy="365949"/>
-              <a:chOff x="2644588" y="3058569"/>
-              <a:chExt cx="4823012" cy="365949"/>
-            </a:xfrm>
-          </p:grpSpPr>
-          <p:sp>
-            <p:nvSpPr>
-              <p:cNvPr id="29" name="TextBox 28"/>
-              <p:cNvSpPr txBox="1"/>
-              <p:nvPr/>
-            </p:nvSpPr>
-            <p:spPr>
-              <a:xfrm>
-                <a:off x="3890683" y="3058569"/>
-                <a:ext cx="2680447" cy="338554"/>
-              </a:xfrm>
-              <a:prstGeom prst="rect">
-                <a:avLst/>
-              </a:prstGeom>
-              <a:noFill/>
-            </p:spPr>
-            <p:txBody>
-              <a:bodyPr wrap="square" rtlCol="0">
-                <a:spAutoFit/>
-              </a:bodyPr>
-              <a:lstStyle/>
-              <a:p>
-                <a:pPr algn="ctr"/>
-                <a:r>
-                  <a:rPr lang="en-US" altLang="ko-KR" sz="1600" b="1" smtClean="0"/>
-                  <a:t>Tx Vector Binary</a:t>
-                </a:r>
-              </a:p>
-            </p:txBody>
-          </p:sp>
-          <p:cxnSp>
-            <p:nvCxnSpPr>
-              <p:cNvPr id="30" name="직선 화살표 연결선 29"/>
-              <p:cNvCxnSpPr/>
-              <p:nvPr/>
-            </p:nvCxnSpPr>
-            <p:spPr>
-              <a:xfrm>
-                <a:off x="2644588" y="3424518"/>
-                <a:ext cx="4823012" cy="0"/>
-              </a:xfrm>
-              <a:prstGeom prst="straightConnector1">
-                <a:avLst/>
-              </a:prstGeom>
-              <a:ln w="76200">
-                <a:tailEnd type="triangle"/>
-              </a:ln>
-            </p:spPr>
-            <p:style>
-              <a:lnRef idx="1">
-                <a:schemeClr val="accent1"/>
-              </a:lnRef>
-              <a:fillRef idx="0">
-                <a:schemeClr val="accent1"/>
-              </a:fillRef>
-              <a:effectRef idx="0">
-                <a:schemeClr val="accent1"/>
-              </a:effectRef>
-              <a:fontRef idx="minor">
-                <a:schemeClr val="tx1"/>
-              </a:fontRef>
-            </p:style>
-          </p:cxnSp>
-        </p:grpSp>
-        <p:sp>
-          <p:nvSpPr>
-            <p:cNvPr id="24" name="TextBox 23"/>
-            <p:cNvSpPr txBox="1"/>
-            <p:nvPr/>
-          </p:nvSpPr>
-          <p:spPr>
-            <a:xfrm>
-              <a:off x="11501715" y="7155838"/>
-              <a:ext cx="4939556" cy="978729"/>
-            </a:xfrm>
-            <a:prstGeom prst="rect">
-              <a:avLst/>
-            </a:prstGeom>
-            <a:noFill/>
-          </p:spPr>
-          <p:txBody>
-            <a:bodyPr wrap="square" rtlCol="0">
-              <a:spAutoFit/>
-            </a:bodyPr>
-            <a:lstStyle>
-              <a:defPPr>
-                <a:defRPr lang="ko-KR"/>
-              </a:defPPr>
-              <a:lvl1pPr>
-                <a:lnSpc>
-                  <a:spcPct val="120000"/>
-                </a:lnSpc>
-                <a:defRPr sz="1600" b="1"/>
-              </a:lvl1pPr>
-            </a:lstStyle>
-            <a:p>
-              <a:r>
-                <a:rPr lang="en-US" altLang="ko-KR"/>
-                <a:t>Write </a:t>
-              </a:r>
-              <a:r>
-                <a:rPr lang="en-US" altLang="ko-KR" smtClean="0"/>
-                <a:t>Vector</a:t>
-              </a:r>
-              <a:endParaRPr lang="en-US" altLang="ko-KR"/>
-            </a:p>
-            <a:p>
-              <a:r>
-                <a:rPr lang="en-US" altLang="ko-KR"/>
-                <a:t>Restore </a:t>
-              </a:r>
-              <a:r>
-                <a:rPr lang="en-US" altLang="ko-KR" smtClean="0"/>
-                <a:t>Reset Vector </a:t>
-              </a:r>
-              <a:r>
-                <a:rPr lang="en-US" altLang="ko-KR"/>
-                <a:t>when write </a:t>
-              </a:r>
-              <a:r>
-                <a:rPr lang="en-US" altLang="ko-KR" smtClean="0"/>
-                <a:t>vector </a:t>
-              </a:r>
-              <a:r>
-                <a:rPr lang="en-US" altLang="ko-KR"/>
-                <a:t>finished</a:t>
-              </a:r>
-            </a:p>
-            <a:p>
-              <a:r>
-                <a:rPr lang="en-US" altLang="ko-KR"/>
-                <a:t>Write </a:t>
-              </a:r>
-              <a:r>
-                <a:rPr lang="en-US" altLang="ko-KR" smtClean="0"/>
-                <a:t>Vector </a:t>
-              </a:r>
-              <a:r>
-                <a:rPr lang="en-US" altLang="ko-KR"/>
-                <a:t>Finished</a:t>
-              </a:r>
-              <a:endParaRPr lang="ko-KR" altLang="en-US"/>
-            </a:p>
-          </p:txBody>
-        </p:sp>
-        <p:grpSp>
-          <p:nvGrpSpPr>
-            <p:cNvPr id="25" name="그룹 24"/>
-            <p:cNvGrpSpPr/>
-            <p:nvPr/>
-          </p:nvGrpSpPr>
-          <p:grpSpPr>
-            <a:xfrm>
-              <a:off x="6624917" y="7594849"/>
-              <a:ext cx="4823012" cy="355618"/>
-              <a:chOff x="2644588" y="3866759"/>
-              <a:chExt cx="4823012" cy="355618"/>
-            </a:xfrm>
-          </p:grpSpPr>
-          <p:cxnSp>
-            <p:nvCxnSpPr>
-              <p:cNvPr id="27" name="직선 화살표 연결선 26"/>
-              <p:cNvCxnSpPr/>
-              <p:nvPr/>
-            </p:nvCxnSpPr>
-            <p:spPr>
-              <a:xfrm flipH="1">
-                <a:off x="2644588" y="4222377"/>
-                <a:ext cx="4823012" cy="0"/>
-              </a:xfrm>
-              <a:prstGeom prst="straightConnector1">
-                <a:avLst/>
-              </a:prstGeom>
-              <a:ln w="76200">
-                <a:tailEnd type="triangle"/>
-              </a:ln>
-            </p:spPr>
-            <p:style>
-              <a:lnRef idx="1">
-                <a:schemeClr val="accent1"/>
-              </a:lnRef>
-              <a:fillRef idx="0">
-                <a:schemeClr val="accent1"/>
-              </a:fillRef>
-              <a:effectRef idx="0">
-                <a:schemeClr val="accent1"/>
-              </a:effectRef>
-              <a:fontRef idx="minor">
-                <a:schemeClr val="tx1"/>
-              </a:fontRef>
-            </p:style>
-          </p:cxnSp>
-          <p:sp>
-            <p:nvSpPr>
-              <p:cNvPr id="28" name="TextBox 27"/>
-              <p:cNvSpPr txBox="1"/>
-              <p:nvPr/>
-            </p:nvSpPr>
-            <p:spPr>
-              <a:xfrm>
-                <a:off x="3890682" y="3866759"/>
-                <a:ext cx="2680447" cy="338554"/>
-              </a:xfrm>
-              <a:prstGeom prst="rect">
-                <a:avLst/>
-              </a:prstGeom>
-              <a:noFill/>
-            </p:spPr>
-            <p:txBody>
-              <a:bodyPr wrap="square" rtlCol="0">
-                <a:spAutoFit/>
-              </a:bodyPr>
-              <a:lstStyle/>
-              <a:p>
-                <a:pPr algn="ctr"/>
-                <a:r>
-                  <a:rPr lang="en-US" altLang="ko-KR" sz="1600" b="1"/>
-                  <a:t>0x41(ACK)</a:t>
-                </a:r>
-              </a:p>
-            </p:txBody>
-          </p:sp>
-        </p:grpSp>
-        <p:sp>
-          <p:nvSpPr>
-            <p:cNvPr id="26" name="TextBox 25"/>
-            <p:cNvSpPr txBox="1"/>
-            <p:nvPr/>
-          </p:nvSpPr>
-          <p:spPr>
-            <a:xfrm>
-              <a:off x="3276600" y="3837445"/>
-              <a:ext cx="3603813" cy="338554"/>
-            </a:xfrm>
-            <a:prstGeom prst="rect">
-              <a:avLst/>
-            </a:prstGeom>
-            <a:noFill/>
-          </p:spPr>
-          <p:txBody>
-            <a:bodyPr wrap="square" rtlCol="0">
-              <a:spAutoFit/>
-            </a:bodyPr>
-            <a:lstStyle/>
-            <a:p>
-              <a:pPr algn="ctr"/>
-              <a:r>
-                <a:rPr lang="en-US" altLang="ko-KR" sz="1600" b="1"/>
-                <a:t>Erase </a:t>
-              </a:r>
-              <a:r>
-                <a:rPr lang="en-US" altLang="ko-KR" sz="1600" b="1" smtClean="0"/>
-                <a:t>App </a:t>
-              </a:r>
-              <a:r>
-                <a:rPr lang="en-US" altLang="ko-KR" sz="1600" b="1"/>
-                <a:t>Sector Command</a:t>
-              </a:r>
-            </a:p>
-          </p:txBody>
-        </p:sp>
       </p:grpSp>
     </p:spTree>
     <p:extLst>

--- a/static/assets/3_embedded_img.pptx
+++ b/static/assets/3_embedded_img.pptx
@@ -6,11 +6,17 @@
     <p:sldMasterId id="2147483660" r:id="rId2"/>
   </p:sldMasterIdLst>
   <p:notesMasterIdLst>
-    <p:notesMasterId r:id="rId5"/>
+    <p:notesMasterId r:id="rId11"/>
   </p:notesMasterIdLst>
   <p:sldIdLst>
-    <p:sldId id="358" r:id="rId3"/>
-    <p:sldId id="359" r:id="rId4"/>
+    <p:sldId id="365" r:id="rId3"/>
+    <p:sldId id="358" r:id="rId4"/>
+    <p:sldId id="359" r:id="rId5"/>
+    <p:sldId id="360" r:id="rId6"/>
+    <p:sldId id="361" r:id="rId7"/>
+    <p:sldId id="362" r:id="rId8"/>
+    <p:sldId id="363" r:id="rId9"/>
+    <p:sldId id="364" r:id="rId10"/>
   </p:sldIdLst>
   <p:sldSz cx="18288000" cy="14039850"/>
   <p:notesSz cx="6858000" cy="9144000"/>
@@ -122,6 +128,11 @@
             <a:srgbClr val="A4A3A4"/>
           </p15:clr>
         </p15:guide>
+        <p15:guide id="6" orient="horz" pos="4422">
+          <p15:clr>
+            <a:srgbClr val="A4A3A4"/>
+          </p15:clr>
+        </p15:guide>
       </p15:sldGuideLst>
     </p:ext>
     <p:ext uri="{2D200454-40CA-4A62-9FC3-DE9A4176ACB9}">
@@ -213,7 +224,7 @@
           <a:p>
             <a:fld id="{CABFA58B-201B-41D2-AA3E-28483B84FD7B}" type="datetimeFigureOut">
               <a:rPr lang="ko-KR" altLang="en-US" smtClean="0"/>
-              <a:t>2022-04-26</a:t>
+              <a:t>2022-11-24</a:t>
             </a:fld>
             <a:endParaRPr lang="ko-KR" altLang="en-US"/>
           </a:p>
@@ -480,6 +491,259 @@
 </p:notesMaster>
 </file>
 
+<file path=ppt/notesSlides/notesSlide1.xml><?xml version="1.0" encoding="utf-8"?>
+<p:notes xmlns:a="http://schemas.openxmlformats.org/drawingml/2006/main" xmlns:r="http://schemas.openxmlformats.org/officeDocument/2006/relationships" xmlns:p="http://schemas.openxmlformats.org/presentationml/2006/main">
+  <p:cSld>
+    <p:spTree>
+      <p:nvGrpSpPr>
+        <p:cNvPr id="1" name=""/>
+        <p:cNvGrpSpPr/>
+        <p:nvPr/>
+      </p:nvGrpSpPr>
+      <p:grpSpPr>
+        <a:xfrm>
+          <a:off x="0" y="0"/>
+          <a:ext cx="0" cy="0"/>
+          <a:chOff x="0" y="0"/>
+          <a:chExt cx="0" cy="0"/>
+        </a:xfrm>
+      </p:grpSpPr>
+      <p:sp>
+        <p:nvSpPr>
+          <p:cNvPr id="18434" name="Rectangle 7"/>
+          <p:cNvSpPr>
+            <a:spLocks noGrp="1" noChangeArrowheads="1"/>
+          </p:cNvSpPr>
+          <p:nvPr>
+            <p:ph type="sldNum" sz="quarter" idx="5"/>
+          </p:nvPr>
+        </p:nvSpPr>
+        <p:spPr>
+          <a:noFill/>
+          <a:ln/>
+          <a:extLst>
+            <a:ext uri="{909E8E84-426E-40DD-AFC4-6F175D3DCCD1}">
+              <a14:hiddenFill xmlns:a14="http://schemas.microsoft.com/office/drawing/2010/main">
+                <a:solidFill>
+                  <a:srgbClr val="FFFFFF"/>
+                </a:solidFill>
+              </a14:hiddenFill>
+            </a:ext>
+            <a:ext uri="{91240B29-F687-4F45-9708-019B960494DF}">
+              <a14:hiddenLine xmlns:a14="http://schemas.microsoft.com/office/drawing/2010/main" w="9525">
+                <a:solidFill>
+                  <a:srgbClr val="000000"/>
+                </a:solidFill>
+                <a:miter lim="800000"/>
+                <a:headEnd/>
+                <a:tailEnd/>
+              </a14:hiddenLine>
+            </a:ext>
+          </a:extLst>
+        </p:spPr>
+        <p:txBody>
+          <a:bodyPr/>
+          <a:lstStyle>
+            <a:lvl1pPr eaLnBrk="0" hangingPunct="0">
+              <a:defRPr kumimoji="1" sz="1200" b="1">
+                <a:solidFill>
+                  <a:schemeClr val="tx1"/>
+                </a:solidFill>
+                <a:latin typeface="Arial" pitchFamily="34" charset="0"/>
+                <a:ea typeface="맑은 고딕" pitchFamily="50" charset="-127"/>
+              </a:defRPr>
+            </a:lvl1pPr>
+            <a:lvl2pPr marL="772572" indent="-297143" eaLnBrk="0" hangingPunct="0">
+              <a:defRPr kumimoji="1" sz="1200" b="1">
+                <a:solidFill>
+                  <a:schemeClr val="tx1"/>
+                </a:solidFill>
+                <a:latin typeface="Arial" pitchFamily="34" charset="0"/>
+                <a:ea typeface="맑은 고딕" pitchFamily="50" charset="-127"/>
+              </a:defRPr>
+            </a:lvl2pPr>
+            <a:lvl3pPr marL="1188574" indent="-237715" eaLnBrk="0" hangingPunct="0">
+              <a:defRPr kumimoji="1" sz="1200" b="1">
+                <a:solidFill>
+                  <a:schemeClr val="tx1"/>
+                </a:solidFill>
+                <a:latin typeface="Arial" pitchFamily="34" charset="0"/>
+                <a:ea typeface="맑은 고딕" pitchFamily="50" charset="-127"/>
+              </a:defRPr>
+            </a:lvl3pPr>
+            <a:lvl4pPr marL="1664004" indent="-237715" eaLnBrk="0" hangingPunct="0">
+              <a:defRPr kumimoji="1" sz="1200" b="1">
+                <a:solidFill>
+                  <a:schemeClr val="tx1"/>
+                </a:solidFill>
+                <a:latin typeface="Arial" pitchFamily="34" charset="0"/>
+                <a:ea typeface="맑은 고딕" pitchFamily="50" charset="-127"/>
+              </a:defRPr>
+            </a:lvl4pPr>
+            <a:lvl5pPr marL="2139433" indent="-237715" eaLnBrk="0" hangingPunct="0">
+              <a:defRPr kumimoji="1" sz="1200" b="1">
+                <a:solidFill>
+                  <a:schemeClr val="tx1"/>
+                </a:solidFill>
+                <a:latin typeface="Arial" pitchFamily="34" charset="0"/>
+                <a:ea typeface="맑은 고딕" pitchFamily="50" charset="-127"/>
+              </a:defRPr>
+            </a:lvl5pPr>
+            <a:lvl6pPr marL="2614862" indent="-237715" eaLnBrk="0" fontAlgn="base" hangingPunct="0">
+              <a:spcBef>
+                <a:spcPct val="50000"/>
+              </a:spcBef>
+              <a:spcAft>
+                <a:spcPct val="0"/>
+              </a:spcAft>
+              <a:defRPr kumimoji="1" sz="1200" b="1">
+                <a:solidFill>
+                  <a:schemeClr val="tx1"/>
+                </a:solidFill>
+                <a:latin typeface="Arial" pitchFamily="34" charset="0"/>
+                <a:ea typeface="맑은 고딕" pitchFamily="50" charset="-127"/>
+              </a:defRPr>
+            </a:lvl6pPr>
+            <a:lvl7pPr marL="3090292" indent="-237715" eaLnBrk="0" fontAlgn="base" hangingPunct="0">
+              <a:spcBef>
+                <a:spcPct val="50000"/>
+              </a:spcBef>
+              <a:spcAft>
+                <a:spcPct val="0"/>
+              </a:spcAft>
+              <a:defRPr kumimoji="1" sz="1200" b="1">
+                <a:solidFill>
+                  <a:schemeClr val="tx1"/>
+                </a:solidFill>
+                <a:latin typeface="Arial" pitchFamily="34" charset="0"/>
+                <a:ea typeface="맑은 고딕" pitchFamily="50" charset="-127"/>
+              </a:defRPr>
+            </a:lvl7pPr>
+            <a:lvl8pPr marL="3565721" indent="-237715" eaLnBrk="0" fontAlgn="base" hangingPunct="0">
+              <a:spcBef>
+                <a:spcPct val="50000"/>
+              </a:spcBef>
+              <a:spcAft>
+                <a:spcPct val="0"/>
+              </a:spcAft>
+              <a:defRPr kumimoji="1" sz="1200" b="1">
+                <a:solidFill>
+                  <a:schemeClr val="tx1"/>
+                </a:solidFill>
+                <a:latin typeface="Arial" pitchFamily="34" charset="0"/>
+                <a:ea typeface="맑은 고딕" pitchFamily="50" charset="-127"/>
+              </a:defRPr>
+            </a:lvl8pPr>
+            <a:lvl9pPr marL="4041151" indent="-237715" eaLnBrk="0" fontAlgn="base" hangingPunct="0">
+              <a:spcBef>
+                <a:spcPct val="50000"/>
+              </a:spcBef>
+              <a:spcAft>
+                <a:spcPct val="0"/>
+              </a:spcAft>
+              <a:defRPr kumimoji="1" sz="1200" b="1">
+                <a:solidFill>
+                  <a:schemeClr val="tx1"/>
+                </a:solidFill>
+                <a:latin typeface="Arial" pitchFamily="34" charset="0"/>
+                <a:ea typeface="맑은 고딕" pitchFamily="50" charset="-127"/>
+              </a:defRPr>
+            </a:lvl9pPr>
+          </a:lstStyle>
+          <a:p>
+            <a:pPr eaLnBrk="1" hangingPunct="1"/>
+            <a:fld id="{9EC1D0FC-2211-4335-8351-BE07C2026A2F}" type="slidenum">
+              <a:rPr lang="en-US" altLang="ko-KR" b="0" smtClean="0">
+                <a:latin typeface="굴림" pitchFamily="50" charset="-127"/>
+                <a:ea typeface="굴림" pitchFamily="50" charset="-127"/>
+              </a:rPr>
+              <a:pPr eaLnBrk="1" hangingPunct="1"/>
+              <a:t>1</a:t>
+            </a:fld>
+            <a:endParaRPr lang="en-US" altLang="ko-KR" b="0">
+              <a:latin typeface="굴림" pitchFamily="50" charset="-127"/>
+              <a:ea typeface="굴림" pitchFamily="50" charset="-127"/>
+            </a:endParaRPr>
+          </a:p>
+        </p:txBody>
+      </p:sp>
+      <p:sp>
+        <p:nvSpPr>
+          <p:cNvPr id="18435" name="Rectangle 2"/>
+          <p:cNvSpPr>
+            <a:spLocks noGrp="1" noRot="1" noChangeAspect="1" noChangeArrowheads="1" noTextEdit="1"/>
+          </p:cNvSpPr>
+          <p:nvPr>
+            <p:ph type="sldImg"/>
+          </p:nvPr>
+        </p:nvSpPr>
+        <p:spPr>
+          <a:xfrm>
+            <a:off x="1195388" y="685800"/>
+            <a:ext cx="4467225" cy="3429000"/>
+          </a:xfrm>
+          <a:ln/>
+        </p:spPr>
+      </p:sp>
+      <p:sp>
+        <p:nvSpPr>
+          <p:cNvPr id="18436" name="Rectangle 3"/>
+          <p:cNvSpPr>
+            <a:spLocks noGrp="1" noChangeArrowheads="1"/>
+          </p:cNvSpPr>
+          <p:nvPr>
+            <p:ph type="body" idx="1"/>
+          </p:nvPr>
+        </p:nvSpPr>
+        <p:spPr>
+          <a:xfrm>
+            <a:off x="687390" y="4343400"/>
+            <a:ext cx="5483225" cy="4114800"/>
+          </a:xfrm>
+          <a:noFill/>
+          <a:ln/>
+          <a:extLst>
+            <a:ext uri="{909E8E84-426E-40DD-AFC4-6F175D3DCCD1}">
+              <a14:hiddenFill xmlns:a14="http://schemas.microsoft.com/office/drawing/2010/main">
+                <a:solidFill>
+                  <a:srgbClr val="FFFFFF"/>
+                </a:solidFill>
+              </a14:hiddenFill>
+            </a:ext>
+            <a:ext uri="{91240B29-F687-4F45-9708-019B960494DF}">
+              <a14:hiddenLine xmlns:a14="http://schemas.microsoft.com/office/drawing/2010/main" w="9525">
+                <a:solidFill>
+                  <a:srgbClr val="000000"/>
+                </a:solidFill>
+                <a:miter lim="800000"/>
+                <a:headEnd/>
+                <a:tailEnd/>
+              </a14:hiddenLine>
+            </a:ext>
+          </a:extLst>
+        </p:spPr>
+        <p:txBody>
+          <a:bodyPr/>
+          <a:lstStyle/>
+          <a:p>
+            <a:pPr eaLnBrk="1" hangingPunct="1"/>
+            <a:endParaRPr lang="ko-KR" altLang="ko-KR"/>
+          </a:p>
+        </p:txBody>
+      </p:sp>
+    </p:spTree>
+    <p:extLst>
+      <p:ext uri="{BB962C8B-B14F-4D97-AF65-F5344CB8AC3E}">
+        <p14:creationId xmlns:p14="http://schemas.microsoft.com/office/powerpoint/2010/main" val="3953674762"/>
+      </p:ext>
+    </p:extLst>
+  </p:cSld>
+  <p:clrMapOvr>
+    <a:masterClrMapping/>
+  </p:clrMapOvr>
+</p:notes>
+</file>
+
 <file path=ppt/slideLayouts/slideLayout1.xml><?xml version="1.0" encoding="utf-8"?>
 <p:sldLayout xmlns:a="http://schemas.openxmlformats.org/drawingml/2006/main" xmlns:r="http://schemas.openxmlformats.org/officeDocument/2006/relationships" xmlns:p="http://schemas.openxmlformats.org/presentationml/2006/main" type="title" preserve="1">
   <p:cSld name="제목 슬라이드">
@@ -659,7 +923,7 @@
           <a:p>
             <a:fld id="{C33163C4-65CF-48D2-8124-E2CEDBD7A0C5}" type="datetimeFigureOut">
               <a:rPr lang="ko-KR" altLang="en-US" smtClean="0"/>
-              <a:t>2022-04-26</a:t>
+              <a:t>2022-11-24</a:t>
             </a:fld>
             <a:endParaRPr lang="ko-KR" altLang="en-US"/>
           </a:p>
@@ -981,7 +1245,7 @@
           <a:p>
             <a:fld id="{C33163C4-65CF-48D2-8124-E2CEDBD7A0C5}" type="datetimeFigureOut">
               <a:rPr lang="ko-KR" altLang="en-US" smtClean="0"/>
-              <a:t>2022-04-26</a:t>
+              <a:t>2022-11-24</a:t>
             </a:fld>
             <a:endParaRPr lang="ko-KR" altLang="en-US"/>
           </a:p>
@@ -1159,7 +1423,7 @@
           <a:p>
             <a:fld id="{C33163C4-65CF-48D2-8124-E2CEDBD7A0C5}" type="datetimeFigureOut">
               <a:rPr lang="ko-KR" altLang="en-US" smtClean="0"/>
-              <a:t>2022-04-26</a:t>
+              <a:t>2022-11-24</a:t>
             </a:fld>
             <a:endParaRPr lang="ko-KR" altLang="en-US"/>
           </a:p>
@@ -1399,7 +1663,7 @@
           <a:p>
             <a:fld id="{29936F60-83FB-4643-B7D2-F169DF4090A4}" type="datetimeFigureOut">
               <a:rPr lang="ko-KR" altLang="en-US" smtClean="0"/>
-              <a:t>2022-04-26</a:t>
+              <a:t>2022-11-24</a:t>
             </a:fld>
             <a:endParaRPr lang="ko-KR" altLang="en-US"/>
           </a:p>
@@ -1567,7 +1831,7 @@
           <a:p>
             <a:fld id="{29936F60-83FB-4643-B7D2-F169DF4090A4}" type="datetimeFigureOut">
               <a:rPr lang="ko-KR" altLang="en-US" smtClean="0"/>
-              <a:t>2022-04-26</a:t>
+              <a:t>2022-11-24</a:t>
             </a:fld>
             <a:endParaRPr lang="ko-KR" altLang="en-US"/>
           </a:p>
@@ -1812,7 +2076,7 @@
           <a:p>
             <a:fld id="{29936F60-83FB-4643-B7D2-F169DF4090A4}" type="datetimeFigureOut">
               <a:rPr lang="ko-KR" altLang="en-US" smtClean="0"/>
-              <a:t>2022-04-26</a:t>
+              <a:t>2022-11-24</a:t>
             </a:fld>
             <a:endParaRPr lang="ko-KR" altLang="en-US"/>
           </a:p>
@@ -2097,7 +2361,7 @@
           <a:p>
             <a:fld id="{29936F60-83FB-4643-B7D2-F169DF4090A4}" type="datetimeFigureOut">
               <a:rPr lang="ko-KR" altLang="en-US" smtClean="0"/>
-              <a:t>2022-04-26</a:t>
+              <a:t>2022-11-24</a:t>
             </a:fld>
             <a:endParaRPr lang="ko-KR" altLang="en-US"/>
           </a:p>
@@ -2516,7 +2780,7 @@
           <a:p>
             <a:fld id="{29936F60-83FB-4643-B7D2-F169DF4090A4}" type="datetimeFigureOut">
               <a:rPr lang="ko-KR" altLang="en-US" smtClean="0"/>
-              <a:t>2022-04-26</a:t>
+              <a:t>2022-11-24</a:t>
             </a:fld>
             <a:endParaRPr lang="ko-KR" altLang="en-US"/>
           </a:p>
@@ -2633,7 +2897,7 @@
           <a:p>
             <a:fld id="{29936F60-83FB-4643-B7D2-F169DF4090A4}" type="datetimeFigureOut">
               <a:rPr lang="ko-KR" altLang="en-US" smtClean="0"/>
-              <a:t>2022-04-26</a:t>
+              <a:t>2022-11-24</a:t>
             </a:fld>
             <a:endParaRPr lang="ko-KR" altLang="en-US"/>
           </a:p>
@@ -2728,7 +2992,7 @@
           <a:p>
             <a:fld id="{29936F60-83FB-4643-B7D2-F169DF4090A4}" type="datetimeFigureOut">
               <a:rPr lang="ko-KR" altLang="en-US" smtClean="0"/>
-              <a:t>2022-04-26</a:t>
+              <a:t>2022-11-24</a:t>
             </a:fld>
             <a:endParaRPr lang="ko-KR" altLang="en-US"/>
           </a:p>
@@ -3003,7 +3267,7 @@
           <a:p>
             <a:fld id="{29936F60-83FB-4643-B7D2-F169DF4090A4}" type="datetimeFigureOut">
               <a:rPr lang="ko-KR" altLang="en-US" smtClean="0"/>
-              <a:t>2022-04-26</a:t>
+              <a:t>2022-11-24</a:t>
             </a:fld>
             <a:endParaRPr lang="ko-KR" altLang="en-US"/>
           </a:p>
@@ -3193,7 +3457,7 @@
           <a:p>
             <a:fld id="{C33163C4-65CF-48D2-8124-E2CEDBD7A0C5}" type="datetimeFigureOut">
               <a:rPr lang="ko-KR" altLang="en-US" smtClean="0"/>
-              <a:t>2022-04-26</a:t>
+              <a:t>2022-11-24</a:t>
             </a:fld>
             <a:endParaRPr lang="ko-KR" altLang="en-US"/>
           </a:p>
@@ -3806,7 +4070,7 @@
           <a:p>
             <a:fld id="{29936F60-83FB-4643-B7D2-F169DF4090A4}" type="datetimeFigureOut">
               <a:rPr lang="ko-KR" altLang="en-US" smtClean="0"/>
-              <a:t>2022-04-26</a:t>
+              <a:t>2022-11-24</a:t>
             </a:fld>
             <a:endParaRPr lang="ko-KR" altLang="en-US"/>
           </a:p>
@@ -3974,7 +4238,7 @@
           <a:p>
             <a:fld id="{29936F60-83FB-4643-B7D2-F169DF4090A4}" type="datetimeFigureOut">
               <a:rPr lang="ko-KR" altLang="en-US" smtClean="0"/>
-              <a:t>2022-04-26</a:t>
+              <a:t>2022-11-24</a:t>
             </a:fld>
             <a:endParaRPr lang="ko-KR" altLang="en-US"/>
           </a:p>
@@ -4152,7 +4416,7 @@
           <a:p>
             <a:fld id="{29936F60-83FB-4643-B7D2-F169DF4090A4}" type="datetimeFigureOut">
               <a:rPr lang="ko-KR" altLang="en-US" smtClean="0"/>
-              <a:t>2022-04-26</a:t>
+              <a:t>2022-11-24</a:t>
             </a:fld>
             <a:endParaRPr lang="ko-KR" altLang="en-US"/>
           </a:p>
@@ -4397,7 +4661,7 @@
           <a:p>
             <a:fld id="{C33163C4-65CF-48D2-8124-E2CEDBD7A0C5}" type="datetimeFigureOut">
               <a:rPr lang="ko-KR" altLang="en-US" smtClean="0"/>
-              <a:t>2022-04-26</a:t>
+              <a:t>2022-11-24</a:t>
             </a:fld>
             <a:endParaRPr lang="ko-KR" altLang="en-US"/>
           </a:p>
@@ -4523,7 +4787,7 @@
           <a:p>
             <a:fld id="{C33163C4-65CF-48D2-8124-E2CEDBD7A0C5}" type="datetimeFigureOut">
               <a:rPr lang="ko-KR" altLang="en-US" smtClean="0"/>
-              <a:t>2022-04-26</a:t>
+              <a:t>2022-11-24</a:t>
             </a:fld>
             <a:endParaRPr lang="ko-KR" altLang="en-US"/>
           </a:p>
@@ -5426,7 +5690,7 @@
           <a:p>
             <a:fld id="{C33163C4-65CF-48D2-8124-E2CEDBD7A0C5}" type="datetimeFigureOut">
               <a:rPr lang="ko-KR" altLang="en-US" smtClean="0"/>
-              <a:t>2022-04-26</a:t>
+              <a:t>2022-11-24</a:t>
             </a:fld>
             <a:endParaRPr lang="ko-KR" altLang="en-US"/>
           </a:p>
@@ -5543,7 +5807,7 @@
           <a:p>
             <a:fld id="{C33163C4-65CF-48D2-8124-E2CEDBD7A0C5}" type="datetimeFigureOut">
               <a:rPr lang="ko-KR" altLang="en-US" smtClean="0"/>
-              <a:t>2022-04-26</a:t>
+              <a:t>2022-11-24</a:t>
             </a:fld>
             <a:endParaRPr lang="ko-KR" altLang="en-US"/>
           </a:p>
@@ -5638,7 +5902,7 @@
           <a:p>
             <a:fld id="{C33163C4-65CF-48D2-8124-E2CEDBD7A0C5}" type="datetimeFigureOut">
               <a:rPr lang="ko-KR" altLang="en-US" smtClean="0"/>
-              <a:t>2022-04-26</a:t>
+              <a:t>2022-11-24</a:t>
             </a:fld>
             <a:endParaRPr lang="ko-KR" altLang="en-US"/>
           </a:p>
@@ -5913,7 +6177,7 @@
           <a:p>
             <a:fld id="{C33163C4-65CF-48D2-8124-E2CEDBD7A0C5}" type="datetimeFigureOut">
               <a:rPr lang="ko-KR" altLang="en-US" smtClean="0"/>
-              <a:t>2022-04-26</a:t>
+              <a:t>2022-11-24</a:t>
             </a:fld>
             <a:endParaRPr lang="ko-KR" altLang="en-US"/>
           </a:p>
@@ -6165,7 +6429,7 @@
           <a:p>
             <a:fld id="{C33163C4-65CF-48D2-8124-E2CEDBD7A0C5}" type="datetimeFigureOut">
               <a:rPr lang="ko-KR" altLang="en-US" smtClean="0"/>
-              <a:t>2022-04-26</a:t>
+              <a:t>2022-11-24</a:t>
             </a:fld>
             <a:endParaRPr lang="ko-KR" altLang="en-US"/>
           </a:p>
@@ -6400,7 +6664,7 @@
           <a:p>
             <a:fld id="{C33163C4-65CF-48D2-8124-E2CEDBD7A0C5}" type="datetimeFigureOut">
               <a:rPr lang="ko-KR" altLang="en-US" smtClean="0"/>
-              <a:t>2022-04-26</a:t>
+              <a:t>2022-11-24</a:t>
             </a:fld>
             <a:endParaRPr lang="ko-KR" altLang="en-US"/>
           </a:p>
@@ -6910,7 +7174,7 @@
           <a:p>
             <a:fld id="{29936F60-83FB-4643-B7D2-F169DF4090A4}" type="datetimeFigureOut">
               <a:rPr lang="ko-KR" altLang="en-US" smtClean="0"/>
-              <a:t>2022-04-26</a:t>
+              <a:t>2022-11-24</a:t>
             </a:fld>
             <a:endParaRPr lang="ko-KR" altLang="en-US"/>
           </a:p>
@@ -7287,6 +7551,453 @@
       </p:grpSpPr>
       <p:sp>
         <p:nvSpPr>
+          <p:cNvPr id="10" name="Rectangle 5"/>
+          <p:cNvSpPr txBox="1">
+            <a:spLocks noChangeArrowheads="1"/>
+          </p:cNvSpPr>
+          <p:nvPr/>
+        </p:nvSpPr>
+        <p:spPr bwMode="auto">
+          <a:xfrm>
+            <a:off x="7" y="7459966"/>
+            <a:ext cx="18287998" cy="1000126"/>
+          </a:xfrm>
+          <a:prstGeom prst="rect">
+            <a:avLst/>
+          </a:prstGeom>
+          <a:noFill/>
+          <a:ln w="9525">
+            <a:noFill/>
+            <a:miter lim="800000"/>
+            <a:headEnd/>
+            <a:tailEnd/>
+          </a:ln>
+          <a:effectLst/>
+        </p:spPr>
+        <p:txBody>
+          <a:bodyPr/>
+          <a:lstStyle/>
+          <a:p>
+            <a:pPr algn="ctr" latinLnBrk="0">
+              <a:lnSpc>
+                <a:spcPct val="150000"/>
+              </a:lnSpc>
+              <a:spcBef>
+                <a:spcPct val="20000"/>
+              </a:spcBef>
+              <a:buClr>
+                <a:schemeClr val="accent1"/>
+              </a:buClr>
+              <a:buFont typeface="Wingdings" pitchFamily="2" charset="2"/>
+              <a:buNone/>
+              <a:defRPr/>
+            </a:pPr>
+            <a:r>
+              <a:rPr lang="en-US" altLang="ko-KR" sz="4000" kern="0">
+                <a:ln w="12700">
+                  <a:noFill/>
+                  <a:prstDash val="solid"/>
+                </a:ln>
+                <a:effectLst>
+                  <a:outerShdw blurRad="41275" dist="20320" dir="1800000" algn="tl" rotWithShape="0">
+                    <a:srgbClr val="000000">
+                      <a:alpha val="40000"/>
+                    </a:srgbClr>
+                  </a:outerShdw>
+                </a:effectLst>
+                <a:latin typeface="HY헤드라인M" pitchFamily="18" charset="-127"/>
+                <a:ea typeface="HY헤드라인M" pitchFamily="18" charset="-127"/>
+              </a:rPr>
+              <a:t>2021.  10.  02</a:t>
+            </a:r>
+            <a:endParaRPr lang="ko-KR" altLang="en-US" sz="4000" kern="0" dirty="0">
+              <a:ln w="12700">
+                <a:noFill/>
+                <a:prstDash val="solid"/>
+              </a:ln>
+              <a:effectLst>
+                <a:outerShdw blurRad="41275" dist="20320" dir="1800000" algn="tl" rotWithShape="0">
+                  <a:srgbClr val="000000">
+                    <a:alpha val="40000"/>
+                  </a:srgbClr>
+                </a:outerShdw>
+              </a:effectLst>
+              <a:latin typeface="HY헤드라인M" pitchFamily="18" charset="-127"/>
+              <a:ea typeface="HY헤드라인M" pitchFamily="18" charset="-127"/>
+            </a:endParaRPr>
+          </a:p>
+        </p:txBody>
+      </p:sp>
+      <p:sp>
+        <p:nvSpPr>
+          <p:cNvPr id="12" name="Rectangle 4"/>
+          <p:cNvSpPr txBox="1">
+            <a:spLocks noChangeArrowheads="1"/>
+          </p:cNvSpPr>
+          <p:nvPr/>
+        </p:nvSpPr>
+        <p:spPr>
+          <a:xfrm>
+            <a:off x="0" y="3707557"/>
+            <a:ext cx="18288000" cy="2724856"/>
+          </a:xfrm>
+          <a:prstGeom prst="rect">
+            <a:avLst/>
+          </a:prstGeom>
+        </p:spPr>
+        <p:txBody>
+          <a:bodyPr>
+            <a:scene3d>
+              <a:camera prst="orthographicFront"/>
+              <a:lightRig rig="soft" dir="tl">
+                <a:rot lat="0" lon="0" rev="0"/>
+              </a:lightRig>
+            </a:scene3d>
+            <a:sp3d contourW="25400" prstMaterial="matte">
+              <a:bevelT w="25400" h="55880" prst="artDeco"/>
+              <a:contourClr>
+                <a:schemeClr val="accent2">
+                  <a:tint val="20000"/>
+                </a:schemeClr>
+              </a:contourClr>
+            </a:sp3d>
+          </a:bodyPr>
+          <a:lstStyle/>
+          <a:p>
+            <a:pPr algn="ctr">
+              <a:lnSpc>
+                <a:spcPct val="150000"/>
+              </a:lnSpc>
+              <a:defRPr/>
+            </a:pPr>
+            <a:r>
+              <a:rPr lang="en-US" altLang="ko-KR" sz="5600" b="1" kern="0" spc="100">
+                <a:ln w="11430"/>
+                <a:solidFill>
+                  <a:srgbClr val="002060"/>
+                </a:solidFill>
+                <a:effectLst>
+                  <a:outerShdw blurRad="76200" dist="50800" dir="5400000" algn="tl" rotWithShape="0">
+                    <a:srgbClr val="000000">
+                      <a:alpha val="65000"/>
+                    </a:srgbClr>
+                  </a:outerShdw>
+                </a:effectLst>
+                <a:latin typeface="HY헤드라인M" pitchFamily="18" charset="-127"/>
+                <a:ea typeface="HY헤드라인M" pitchFamily="18" charset="-127"/>
+                <a:cs typeface="+mj-cs"/>
+              </a:rPr>
+              <a:t>ewServer Figure</a:t>
+            </a:r>
+            <a:endParaRPr lang="en-US" altLang="ko-KR" sz="5600" b="1" kern="0" spc="100" dirty="0">
+              <a:ln w="11430"/>
+              <a:solidFill>
+                <a:srgbClr val="002060"/>
+              </a:solidFill>
+              <a:effectLst>
+                <a:outerShdw blurRad="76200" dist="50800" dir="5400000" algn="tl" rotWithShape="0">
+                  <a:srgbClr val="000000">
+                    <a:alpha val="65000"/>
+                  </a:srgbClr>
+                </a:outerShdw>
+              </a:effectLst>
+              <a:latin typeface="HY헤드라인M" pitchFamily="18" charset="-127"/>
+              <a:ea typeface="HY헤드라인M" pitchFamily="18" charset="-127"/>
+              <a:cs typeface="+mj-cs"/>
+            </a:endParaRPr>
+          </a:p>
+          <a:p>
+            <a:pPr algn="ctr">
+              <a:lnSpc>
+                <a:spcPct val="150000"/>
+              </a:lnSpc>
+              <a:defRPr/>
+            </a:pPr>
+            <a:r>
+              <a:rPr lang="ko-KR" altLang="en-US" sz="5600" b="1" kern="0" spc="100" dirty="0">
+                <a:ln w="11430"/>
+                <a:solidFill>
+                  <a:srgbClr val="002060"/>
+                </a:solidFill>
+                <a:effectLst>
+                  <a:outerShdw blurRad="76200" dist="50800" dir="5400000" algn="tl" rotWithShape="0">
+                    <a:srgbClr val="000000">
+                      <a:alpha val="65000"/>
+                    </a:srgbClr>
+                  </a:outerShdw>
+                </a:effectLst>
+                <a:latin typeface="HY헤드라인M" pitchFamily="18" charset="-127"/>
+                <a:ea typeface="HY헤드라인M" pitchFamily="18" charset="-127"/>
+                <a:cs typeface="+mj-cs"/>
+              </a:rPr>
+              <a:t>부제목</a:t>
+            </a:r>
+          </a:p>
+        </p:txBody>
+      </p:sp>
+      <p:sp>
+        <p:nvSpPr>
+          <p:cNvPr id="13" name="TextBox 10"/>
+          <p:cNvSpPr txBox="1">
+            <a:spLocks noChangeArrowheads="1"/>
+          </p:cNvSpPr>
+          <p:nvPr/>
+        </p:nvSpPr>
+        <p:spPr bwMode="auto">
+          <a:xfrm>
+            <a:off x="8274731" y="8859891"/>
+            <a:ext cx="1723549" cy="707886"/>
+          </a:xfrm>
+          <a:prstGeom prst="rect">
+            <a:avLst/>
+          </a:prstGeom>
+          <a:noFill/>
+          <a:ln>
+            <a:noFill/>
+          </a:ln>
+          <a:extLst>
+            <a:ext uri="{909E8E84-426E-40DD-AFC4-6F175D3DCCD1}">
+              <a14:hiddenFill xmlns:a14="http://schemas.microsoft.com/office/drawing/2010/main">
+                <a:solidFill>
+                  <a:srgbClr val="FFFFFF"/>
+                </a:solidFill>
+              </a14:hiddenFill>
+            </a:ext>
+            <a:ext uri="{91240B29-F687-4F45-9708-019B960494DF}">
+              <a14:hiddenLine xmlns:a14="http://schemas.microsoft.com/office/drawing/2010/main" w="9525">
+                <a:solidFill>
+                  <a:srgbClr val="000000"/>
+                </a:solidFill>
+                <a:miter lim="800000"/>
+                <a:headEnd/>
+                <a:tailEnd/>
+              </a14:hiddenLine>
+            </a:ext>
+          </a:extLst>
+        </p:spPr>
+        <p:txBody>
+          <a:bodyPr wrap="none">
+            <a:spAutoFit/>
+          </a:bodyPr>
+          <a:lstStyle>
+            <a:lvl1pPr eaLnBrk="0" hangingPunct="0">
+              <a:defRPr kumimoji="1" sz="2400">
+                <a:solidFill>
+                  <a:schemeClr val="tx1"/>
+                </a:solidFill>
+                <a:latin typeface="굴림" charset="-127"/>
+                <a:ea typeface="굴림" charset="-127"/>
+              </a:defRPr>
+            </a:lvl1pPr>
+            <a:lvl2pPr marL="742950" indent="-285750" eaLnBrk="0" hangingPunct="0">
+              <a:defRPr kumimoji="1" sz="2400">
+                <a:solidFill>
+                  <a:schemeClr val="tx1"/>
+                </a:solidFill>
+                <a:latin typeface="굴림" charset="-127"/>
+                <a:ea typeface="굴림" charset="-127"/>
+              </a:defRPr>
+            </a:lvl2pPr>
+            <a:lvl3pPr marL="1143000" indent="-228600" eaLnBrk="0" hangingPunct="0">
+              <a:defRPr kumimoji="1" sz="2400">
+                <a:solidFill>
+                  <a:schemeClr val="tx1"/>
+                </a:solidFill>
+                <a:latin typeface="굴림" charset="-127"/>
+                <a:ea typeface="굴림" charset="-127"/>
+              </a:defRPr>
+            </a:lvl3pPr>
+            <a:lvl4pPr marL="1600200" indent="-228600" eaLnBrk="0" hangingPunct="0">
+              <a:defRPr kumimoji="1" sz="2400">
+                <a:solidFill>
+                  <a:schemeClr val="tx1"/>
+                </a:solidFill>
+                <a:latin typeface="굴림" charset="-127"/>
+                <a:ea typeface="굴림" charset="-127"/>
+              </a:defRPr>
+            </a:lvl4pPr>
+            <a:lvl5pPr marL="2057400" indent="-228600" eaLnBrk="0" hangingPunct="0">
+              <a:defRPr kumimoji="1" sz="2400">
+                <a:solidFill>
+                  <a:schemeClr val="tx1"/>
+                </a:solidFill>
+                <a:latin typeface="굴림" charset="-127"/>
+                <a:ea typeface="굴림" charset="-127"/>
+              </a:defRPr>
+            </a:lvl5pPr>
+            <a:lvl6pPr marL="2514600" indent="-228600" eaLnBrk="0" fontAlgn="base" hangingPunct="0">
+              <a:spcBef>
+                <a:spcPct val="0"/>
+              </a:spcBef>
+              <a:spcAft>
+                <a:spcPct val="0"/>
+              </a:spcAft>
+              <a:defRPr kumimoji="1" sz="2400">
+                <a:solidFill>
+                  <a:schemeClr val="tx1"/>
+                </a:solidFill>
+                <a:latin typeface="굴림" charset="-127"/>
+                <a:ea typeface="굴림" charset="-127"/>
+              </a:defRPr>
+            </a:lvl6pPr>
+            <a:lvl7pPr marL="2971800" indent="-228600" eaLnBrk="0" fontAlgn="base" hangingPunct="0">
+              <a:spcBef>
+                <a:spcPct val="0"/>
+              </a:spcBef>
+              <a:spcAft>
+                <a:spcPct val="0"/>
+              </a:spcAft>
+              <a:defRPr kumimoji="1" sz="2400">
+                <a:solidFill>
+                  <a:schemeClr val="tx1"/>
+                </a:solidFill>
+                <a:latin typeface="굴림" charset="-127"/>
+                <a:ea typeface="굴림" charset="-127"/>
+              </a:defRPr>
+            </a:lvl7pPr>
+            <a:lvl8pPr marL="3429000" indent="-228600" eaLnBrk="0" fontAlgn="base" hangingPunct="0">
+              <a:spcBef>
+                <a:spcPct val="0"/>
+              </a:spcBef>
+              <a:spcAft>
+                <a:spcPct val="0"/>
+              </a:spcAft>
+              <a:defRPr kumimoji="1" sz="2400">
+                <a:solidFill>
+                  <a:schemeClr val="tx1"/>
+                </a:solidFill>
+                <a:latin typeface="굴림" charset="-127"/>
+                <a:ea typeface="굴림" charset="-127"/>
+              </a:defRPr>
+            </a:lvl8pPr>
+            <a:lvl9pPr marL="3886200" indent="-228600" eaLnBrk="0" fontAlgn="base" hangingPunct="0">
+              <a:spcBef>
+                <a:spcPct val="0"/>
+              </a:spcBef>
+              <a:spcAft>
+                <a:spcPct val="0"/>
+              </a:spcAft>
+              <a:defRPr kumimoji="1" sz="2400">
+                <a:solidFill>
+                  <a:schemeClr val="tx1"/>
+                </a:solidFill>
+                <a:latin typeface="굴림" charset="-127"/>
+                <a:ea typeface="굴림" charset="-127"/>
+              </a:defRPr>
+            </a:lvl9pPr>
+          </a:lstStyle>
+          <a:p>
+            <a:pPr algn="ctr" eaLnBrk="1" hangingPunct="1"/>
+            <a:r>
+              <a:rPr lang="ko-KR" altLang="en-US" sz="4000">
+                <a:latin typeface="HY헤드라인M" pitchFamily="18" charset="-127"/>
+                <a:ea typeface="HY헤드라인M" pitchFamily="18" charset="-127"/>
+              </a:rPr>
+              <a:t>심철동</a:t>
+            </a:r>
+            <a:endParaRPr lang="en-US" altLang="ko-KR" sz="4000" dirty="0">
+              <a:latin typeface="HY헤드라인M" pitchFamily="18" charset="-127"/>
+              <a:ea typeface="HY헤드라인M" pitchFamily="18" charset="-127"/>
+            </a:endParaRPr>
+          </a:p>
+        </p:txBody>
+      </p:sp>
+      <p:sp>
+        <p:nvSpPr>
+          <p:cNvPr id="2" name="직사각형 1"/>
+          <p:cNvSpPr/>
+          <p:nvPr/>
+        </p:nvSpPr>
+        <p:spPr bwMode="auto">
+          <a:xfrm>
+            <a:off x="0" y="-1358"/>
+            <a:ext cx="18281948" cy="1241376"/>
+          </a:xfrm>
+          <a:prstGeom prst="rect">
+            <a:avLst/>
+          </a:prstGeom>
+          <a:solidFill>
+            <a:srgbClr val="002060">
+              <a:alpha val="95000"/>
+            </a:srgbClr>
+          </a:solidFill>
+          <a:ln w="9525" cap="flat" cmpd="sng" algn="ctr">
+            <a:solidFill>
+              <a:schemeClr val="tx1"/>
+            </a:solidFill>
+            <a:prstDash val="solid"/>
+            <a:round/>
+            <a:headEnd type="none" w="med" len="med"/>
+            <a:tailEnd type="none" w="med" len="med"/>
+          </a:ln>
+          <a:effectLst/>
+        </p:spPr>
+        <p:txBody>
+          <a:bodyPr vert="horz" wrap="none" lIns="182880" tIns="91440" rIns="182880" bIns="91440" numCol="1" rtlCol="0" anchor="ctr" anchorCtr="0" compatLnSpc="1">
+            <a:prstTxWarp prst="textNoShape">
+              <a:avLst/>
+            </a:prstTxWarp>
+          </a:bodyPr>
+          <a:lstStyle/>
+          <a:p>
+            <a:pPr algn="ctr" defTabSz="1828800" fontAlgn="base">
+              <a:spcBef>
+                <a:spcPct val="0"/>
+              </a:spcBef>
+              <a:spcAft>
+                <a:spcPct val="0"/>
+              </a:spcAft>
+            </a:pPr>
+            <a:endParaRPr kumimoji="1" lang="ko-KR" altLang="en-US" sz="3600">
+              <a:solidFill>
+                <a:srgbClr val="002060"/>
+              </a:solidFill>
+              <a:latin typeface="굴림" pitchFamily="50" charset="-127"/>
+              <a:ea typeface="굴림" pitchFamily="50" charset="-127"/>
+            </a:endParaRPr>
+          </a:p>
+        </p:txBody>
+      </p:sp>
+    </p:spTree>
+    <p:extLst>
+      <p:ext uri="{BB962C8B-B14F-4D97-AF65-F5344CB8AC3E}">
+        <p14:creationId xmlns:p14="http://schemas.microsoft.com/office/powerpoint/2010/main" val="2504605748"/>
+      </p:ext>
+    </p:extLst>
+  </p:cSld>
+  <p:clrMapOvr>
+    <a:masterClrMapping/>
+  </p:clrMapOvr>
+  <mc:AlternateContent xmlns:mc="http://schemas.openxmlformats.org/markup-compatibility/2006" xmlns:p14="http://schemas.microsoft.com/office/powerpoint/2010/main">
+    <mc:Choice Requires="p14">
+      <p:transition p14:dur="10"/>
+    </mc:Choice>
+    <mc:Fallback xmlns="">
+      <p:transition/>
+    </mc:Fallback>
+  </mc:AlternateContent>
+</p:sld>
+</file>
+
+<file path=ppt/slides/slide2.xml><?xml version="1.0" encoding="utf-8"?>
+<p:sld xmlns:a="http://schemas.openxmlformats.org/drawingml/2006/main" xmlns:r="http://schemas.openxmlformats.org/officeDocument/2006/relationships" xmlns:p="http://schemas.openxmlformats.org/presentationml/2006/main">
+  <p:cSld>
+    <p:spTree>
+      <p:nvGrpSpPr>
+        <p:cNvPr id="1" name=""/>
+        <p:cNvGrpSpPr/>
+        <p:nvPr/>
+      </p:nvGrpSpPr>
+      <p:grpSpPr>
+        <a:xfrm>
+          <a:off x="0" y="0"/>
+          <a:ext cx="0" cy="0"/>
+          <a:chOff x="0" y="0"/>
+          <a:chExt cx="0" cy="0"/>
+        </a:xfrm>
+      </p:grpSpPr>
+      <p:sp>
+        <p:nvSpPr>
           <p:cNvPr id="3" name="슬라이드 번호 개체 틀 2"/>
           <p:cNvSpPr>
             <a:spLocks noGrp="1"/>
@@ -7302,7 +8013,7 @@
           <a:p>
             <a:fld id="{83FD6675-1775-473F-B12B-1A4033AC630B}" type="slidenum">
               <a:rPr lang="ko-KR" altLang="en-US" smtClean="0"/>
-              <a:t>1</a:t>
+              <a:t>2</a:t>
             </a:fld>
             <a:endParaRPr lang="ko-KR" altLang="en-US"/>
           </a:p>
@@ -7371,7 +8082,7 @@
 </p:sld>
 </file>
 
-<file path=ppt/slides/slide2.xml><?xml version="1.0" encoding="utf-8"?>
+<file path=ppt/slides/slide3.xml><?xml version="1.0" encoding="utf-8"?>
 <p:sld xmlns:a="http://schemas.openxmlformats.org/drawingml/2006/main" xmlns:r="http://schemas.openxmlformats.org/officeDocument/2006/relationships" xmlns:p="http://schemas.openxmlformats.org/presentationml/2006/main">
   <p:cSld>
     <p:spTree>
@@ -7405,7 +8116,7 @@
           <a:p>
             <a:fld id="{83FD6675-1775-473F-B12B-1A4033AC630B}" type="slidenum">
               <a:rPr lang="ko-KR" altLang="en-US" smtClean="0"/>
-              <a:t>2</a:t>
+              <a:t>3</a:t>
             </a:fld>
             <a:endParaRPr lang="ko-KR" altLang="en-US"/>
           </a:p>
@@ -8583,6 +9294,5979 @@
 </p:sld>
 </file>
 
+<file path=ppt/slides/slide4.xml><?xml version="1.0" encoding="utf-8"?>
+<p:sld xmlns:a="http://schemas.openxmlformats.org/drawingml/2006/main" xmlns:r="http://schemas.openxmlformats.org/officeDocument/2006/relationships" xmlns:p="http://schemas.openxmlformats.org/presentationml/2006/main">
+  <p:cSld>
+    <p:spTree>
+      <p:nvGrpSpPr>
+        <p:cNvPr id="1" name=""/>
+        <p:cNvGrpSpPr/>
+        <p:nvPr/>
+      </p:nvGrpSpPr>
+      <p:grpSpPr>
+        <a:xfrm>
+          <a:off x="0" y="0"/>
+          <a:ext cx="0" cy="0"/>
+          <a:chOff x="0" y="0"/>
+          <a:chExt cx="0" cy="0"/>
+        </a:xfrm>
+      </p:grpSpPr>
+      <p:sp>
+        <p:nvSpPr>
+          <p:cNvPr id="3" name="슬라이드 번호 개체 틀 2"/>
+          <p:cNvSpPr>
+            <a:spLocks noGrp="1"/>
+          </p:cNvSpPr>
+          <p:nvPr>
+            <p:ph type="sldNum" sz="quarter" idx="12"/>
+          </p:nvPr>
+        </p:nvSpPr>
+        <p:spPr/>
+        <p:txBody>
+          <a:bodyPr/>
+          <a:lstStyle/>
+          <a:p>
+            <a:fld id="{83FD6675-1775-473F-B12B-1A4033AC630B}" type="slidenum">
+              <a:rPr lang="ko-KR" altLang="en-US" smtClean="0"/>
+              <a:t>4</a:t>
+            </a:fld>
+            <a:endParaRPr lang="ko-KR" altLang="en-US"/>
+          </a:p>
+        </p:txBody>
+      </p:sp>
+      <p:sp>
+        <p:nvSpPr>
+          <p:cNvPr id="4" name="제목 3"/>
+          <p:cNvSpPr>
+            <a:spLocks noGrp="1"/>
+          </p:cNvSpPr>
+          <p:nvPr>
+            <p:ph type="title"/>
+          </p:nvPr>
+        </p:nvSpPr>
+        <p:spPr/>
+        <p:txBody>
+          <a:bodyPr/>
+          <a:lstStyle/>
+          <a:p>
+            <a:r>
+              <a:rPr lang="en-US" altLang="ko-KR"/>
+              <a:t>ewServer</a:t>
+            </a:r>
+            <a:r>
+              <a:rPr lang="ko-KR" altLang="en-US"/>
+              <a:t> 컨셉</a:t>
+            </a:r>
+          </a:p>
+        </p:txBody>
+      </p:sp>
+      <p:sp>
+        <p:nvSpPr>
+          <p:cNvPr id="63" name="직사각형 62">
+            <a:extLst>
+              <a:ext uri="{FF2B5EF4-FFF2-40B4-BE49-F238E27FC236}">
+                <a16:creationId xmlns:a16="http://schemas.microsoft.com/office/drawing/2014/main" id="{02FB78D4-135D-4A55-8CB8-04C547A50278}"/>
+              </a:ext>
+            </a:extLst>
+          </p:cNvPr>
+          <p:cNvSpPr/>
+          <p:nvPr/>
+        </p:nvSpPr>
+        <p:spPr>
+          <a:xfrm>
+            <a:off x="9505395" y="4495070"/>
+            <a:ext cx="752330" cy="446063"/>
+          </a:xfrm>
+          <a:prstGeom prst="rect">
+            <a:avLst/>
+          </a:prstGeom>
+          <a:noFill/>
+        </p:spPr>
+        <p:style>
+          <a:lnRef idx="2">
+            <a:schemeClr val="accent1">
+              <a:shade val="50000"/>
+            </a:schemeClr>
+          </a:lnRef>
+          <a:fillRef idx="1">
+            <a:schemeClr val="accent1"/>
+          </a:fillRef>
+          <a:effectRef idx="0">
+            <a:schemeClr val="accent1"/>
+          </a:effectRef>
+          <a:fontRef idx="minor">
+            <a:schemeClr val="lt1"/>
+          </a:fontRef>
+        </p:style>
+        <p:txBody>
+          <a:bodyPr lIns="18000" tIns="36000" rIns="18000" bIns="36000" rtlCol="0" anchor="ctr" anchorCtr="0"/>
+          <a:lstStyle/>
+          <a:p>
+            <a:pPr algn="ctr"/>
+            <a:r>
+              <a:rPr lang="en-US" altLang="ko-KR" sz="1600" b="1">
+                <a:solidFill>
+                  <a:schemeClr val="tx1">
+                    <a:lumMod val="65000"/>
+                    <a:lumOff val="35000"/>
+                  </a:schemeClr>
+                </a:solidFill>
+              </a:rPr>
+              <a:t>ESP32</a:t>
+            </a:r>
+            <a:endParaRPr lang="ko-KR" altLang="en-US" sz="1600" b="1">
+              <a:solidFill>
+                <a:schemeClr val="tx1">
+                  <a:lumMod val="65000"/>
+                  <a:lumOff val="35000"/>
+                </a:schemeClr>
+              </a:solidFill>
+            </a:endParaRPr>
+          </a:p>
+        </p:txBody>
+      </p:sp>
+      <p:grpSp>
+        <p:nvGrpSpPr>
+          <p:cNvPr id="8" name="그룹 7"/>
+          <p:cNvGrpSpPr/>
+          <p:nvPr/>
+        </p:nvGrpSpPr>
+        <p:grpSpPr>
+          <a:xfrm>
+            <a:off x="3776666" y="2699445"/>
+            <a:ext cx="2678157" cy="3552656"/>
+            <a:chOff x="4671638" y="5257755"/>
+            <a:chExt cx="3350937" cy="4445120"/>
+          </a:xfrm>
+        </p:grpSpPr>
+        <p:pic>
+          <p:nvPicPr>
+            <p:cNvPr id="7" name="그림 6"/>
+            <p:cNvPicPr>
+              <a:picLocks noChangeAspect="1"/>
+            </p:cNvPicPr>
+            <p:nvPr/>
+          </p:nvPicPr>
+          <p:blipFill>
+            <a:blip r:embed="rId2"/>
+            <a:stretch>
+              <a:fillRect/>
+            </a:stretch>
+          </p:blipFill>
+          <p:spPr>
+            <a:xfrm>
+              <a:off x="4671638" y="5257755"/>
+              <a:ext cx="3350937" cy="4445120"/>
+            </a:xfrm>
+            <a:prstGeom prst="rect">
+              <a:avLst/>
+            </a:prstGeom>
+          </p:spPr>
+        </p:pic>
+        <p:pic>
+          <p:nvPicPr>
+            <p:cNvPr id="6" name="그림 5"/>
+            <p:cNvPicPr>
+              <a:picLocks noChangeAspect="1"/>
+            </p:cNvPicPr>
+            <p:nvPr/>
+          </p:nvPicPr>
+          <p:blipFill>
+            <a:blip r:embed="rId3"/>
+            <a:stretch>
+              <a:fillRect/>
+            </a:stretch>
+          </p:blipFill>
+          <p:spPr>
+            <a:xfrm>
+              <a:off x="5083652" y="6250545"/>
+              <a:ext cx="1926747" cy="2772327"/>
+            </a:xfrm>
+            <a:prstGeom prst="rect">
+              <a:avLst/>
+            </a:prstGeom>
+          </p:spPr>
+        </p:pic>
+      </p:grpSp>
+      <p:pic>
+        <p:nvPicPr>
+          <p:cNvPr id="9" name="그림 8"/>
+          <p:cNvPicPr>
+            <a:picLocks noChangeAspect="1"/>
+          </p:cNvPicPr>
+          <p:nvPr/>
+        </p:nvPicPr>
+        <p:blipFill>
+          <a:blip r:embed="rId4"/>
+          <a:stretch>
+            <a:fillRect/>
+          </a:stretch>
+        </p:blipFill>
+        <p:spPr>
+          <a:xfrm>
+            <a:off x="11336219" y="4453335"/>
+            <a:ext cx="898290" cy="928741"/>
+          </a:xfrm>
+          <a:prstGeom prst="rect">
+            <a:avLst/>
+          </a:prstGeom>
+        </p:spPr>
+      </p:pic>
+      <p:pic>
+        <p:nvPicPr>
+          <p:cNvPr id="10" name="그림 9"/>
+          <p:cNvPicPr>
+            <a:picLocks noChangeAspect="1"/>
+          </p:cNvPicPr>
+          <p:nvPr/>
+        </p:nvPicPr>
+        <p:blipFill>
+          <a:blip r:embed="rId5"/>
+          <a:stretch>
+            <a:fillRect/>
+          </a:stretch>
+        </p:blipFill>
+        <p:spPr>
+          <a:xfrm>
+            <a:off x="2591272" y="4185878"/>
+            <a:ext cx="776488" cy="829777"/>
+          </a:xfrm>
+          <a:prstGeom prst="rect">
+            <a:avLst/>
+          </a:prstGeom>
+        </p:spPr>
+      </p:pic>
+      <p:sp>
+        <p:nvSpPr>
+          <p:cNvPr id="67" name="직사각형 66">
+            <a:extLst>
+              <a:ext uri="{FF2B5EF4-FFF2-40B4-BE49-F238E27FC236}">
+                <a16:creationId xmlns:a16="http://schemas.microsoft.com/office/drawing/2014/main" id="{02FB78D4-135D-4A55-8CB8-04C547A50278}"/>
+              </a:ext>
+            </a:extLst>
+          </p:cNvPr>
+          <p:cNvSpPr/>
+          <p:nvPr/>
+        </p:nvSpPr>
+        <p:spPr>
+          <a:xfrm>
+            <a:off x="11336219" y="3961666"/>
+            <a:ext cx="898290" cy="1512870"/>
+          </a:xfrm>
+          <a:prstGeom prst="rect">
+            <a:avLst/>
+          </a:prstGeom>
+          <a:noFill/>
+        </p:spPr>
+        <p:style>
+          <a:lnRef idx="2">
+            <a:schemeClr val="accent1">
+              <a:shade val="50000"/>
+            </a:schemeClr>
+          </a:lnRef>
+          <a:fillRef idx="1">
+            <a:schemeClr val="accent1"/>
+          </a:fillRef>
+          <a:effectRef idx="0">
+            <a:schemeClr val="accent1"/>
+          </a:effectRef>
+          <a:fontRef idx="minor">
+            <a:schemeClr val="lt1"/>
+          </a:fontRef>
+        </p:style>
+        <p:txBody>
+          <a:bodyPr lIns="18000" tIns="36000" rIns="18000" bIns="36000" rtlCol="0" anchor="t" anchorCtr="0"/>
+          <a:lstStyle/>
+          <a:p>
+            <a:pPr algn="ctr"/>
+            <a:r>
+              <a:rPr lang="ko-KR" altLang="en-US" sz="1600" b="1">
+                <a:solidFill>
+                  <a:schemeClr val="tx1">
+                    <a:lumMod val="65000"/>
+                    <a:lumOff val="35000"/>
+                  </a:schemeClr>
+                </a:solidFill>
+              </a:rPr>
+              <a:t>제어기</a:t>
+            </a:r>
+          </a:p>
+        </p:txBody>
+      </p:sp>
+      <p:cxnSp>
+        <p:nvCxnSpPr>
+          <p:cNvPr id="69" name="직선 화살표 연결선 68">
+            <a:extLst>
+              <a:ext uri="{FF2B5EF4-FFF2-40B4-BE49-F238E27FC236}">
+                <a16:creationId xmlns:a16="http://schemas.microsoft.com/office/drawing/2014/main" id="{960BB2C9-98BD-46C0-B99F-552099D9F855}"/>
+              </a:ext>
+            </a:extLst>
+          </p:cNvPr>
+          <p:cNvCxnSpPr>
+            <a:cxnSpLocks/>
+            <a:stCxn id="63" idx="3"/>
+            <a:endCxn id="67" idx="1"/>
+          </p:cNvCxnSpPr>
+          <p:nvPr/>
+        </p:nvCxnSpPr>
+        <p:spPr>
+          <a:xfrm>
+            <a:off x="10257725" y="4718101"/>
+            <a:ext cx="1078494" cy="1"/>
+          </a:xfrm>
+          <a:prstGeom prst="straightConnector1">
+            <a:avLst/>
+          </a:prstGeom>
+          <a:noFill/>
+          <a:ln w="38100">
+            <a:headEnd type="triangle"/>
+            <a:tailEnd type="triangle"/>
+          </a:ln>
+        </p:spPr>
+        <p:style>
+          <a:lnRef idx="2">
+            <a:schemeClr val="accent1">
+              <a:shade val="50000"/>
+            </a:schemeClr>
+          </a:lnRef>
+          <a:fillRef idx="1">
+            <a:schemeClr val="accent1"/>
+          </a:fillRef>
+          <a:effectRef idx="0">
+            <a:schemeClr val="accent1"/>
+          </a:effectRef>
+          <a:fontRef idx="minor">
+            <a:schemeClr val="lt1"/>
+          </a:fontRef>
+        </p:style>
+      </p:cxnSp>
+      <p:grpSp>
+        <p:nvGrpSpPr>
+          <p:cNvPr id="19" name="그룹 18"/>
+          <p:cNvGrpSpPr>
+            <a:grpSpLocks noChangeAspect="1"/>
+          </p:cNvGrpSpPr>
+          <p:nvPr/>
+        </p:nvGrpSpPr>
+        <p:grpSpPr>
+          <a:xfrm>
+            <a:off x="8728050" y="4449137"/>
+            <a:ext cx="631385" cy="660655"/>
+            <a:chOff x="9180004" y="6066840"/>
+            <a:chExt cx="1341946" cy="1404156"/>
+          </a:xfrm>
+        </p:grpSpPr>
+        <p:sp>
+          <p:nvSpPr>
+            <p:cNvPr id="17" name="원호 16"/>
+            <p:cNvSpPr/>
+            <p:nvPr/>
+          </p:nvSpPr>
+          <p:spPr>
+            <a:xfrm>
+              <a:off x="9180004" y="6066840"/>
+              <a:ext cx="1341946" cy="1404156"/>
+            </a:xfrm>
+            <a:prstGeom prst="arc">
+              <a:avLst>
+                <a:gd name="adj1" fmla="val 11222804"/>
+                <a:gd name="adj2" fmla="val 0"/>
+              </a:avLst>
+            </a:prstGeom>
+            <a:noFill/>
+            <a:ln w="50800">
+              <a:tailEnd type="none"/>
+            </a:ln>
+          </p:spPr>
+          <p:style>
+            <a:lnRef idx="2">
+              <a:schemeClr val="accent1">
+                <a:shade val="50000"/>
+              </a:schemeClr>
+            </a:lnRef>
+            <a:fillRef idx="1">
+              <a:schemeClr val="accent1"/>
+            </a:fillRef>
+            <a:effectRef idx="0">
+              <a:schemeClr val="accent1"/>
+            </a:effectRef>
+            <a:fontRef idx="minor">
+              <a:schemeClr val="lt1"/>
+            </a:fontRef>
+          </p:style>
+          <p:txBody>
+            <a:bodyPr rtlCol="0" anchor="ctr"/>
+            <a:lstStyle/>
+            <a:p>
+              <a:pPr algn="ctr"/>
+              <a:endParaRPr lang="ko-KR" altLang="en-US"/>
+            </a:p>
+          </p:txBody>
+        </p:sp>
+        <p:grpSp>
+          <p:nvGrpSpPr>
+            <p:cNvPr id="18" name="그룹 17"/>
+            <p:cNvGrpSpPr/>
+            <p:nvPr/>
+          </p:nvGrpSpPr>
+          <p:grpSpPr>
+            <a:xfrm>
+              <a:off x="9330951" y="6212468"/>
+              <a:ext cx="1040052" cy="1013130"/>
+              <a:chOff x="9330951" y="6212468"/>
+              <a:chExt cx="1040052" cy="1013130"/>
+            </a:xfrm>
+          </p:grpSpPr>
+          <p:sp>
+            <p:nvSpPr>
+              <p:cNvPr id="76" name="원호 75"/>
+              <p:cNvSpPr/>
+              <p:nvPr/>
+            </p:nvSpPr>
+            <p:spPr>
+              <a:xfrm>
+                <a:off x="9330951" y="6212468"/>
+                <a:ext cx="1040052" cy="1013130"/>
+              </a:xfrm>
+              <a:prstGeom prst="arc">
+                <a:avLst>
+                  <a:gd name="adj1" fmla="val 11222804"/>
+                  <a:gd name="adj2" fmla="val 0"/>
+                </a:avLst>
+              </a:prstGeom>
+              <a:noFill/>
+              <a:ln w="50800">
+                <a:tailEnd type="none"/>
+              </a:ln>
+            </p:spPr>
+            <p:style>
+              <a:lnRef idx="2">
+                <a:schemeClr val="accent1">
+                  <a:shade val="50000"/>
+                </a:schemeClr>
+              </a:lnRef>
+              <a:fillRef idx="1">
+                <a:schemeClr val="accent1"/>
+              </a:fillRef>
+              <a:effectRef idx="0">
+                <a:schemeClr val="accent1"/>
+              </a:effectRef>
+              <a:fontRef idx="minor">
+                <a:schemeClr val="lt1"/>
+              </a:fontRef>
+            </p:style>
+            <p:txBody>
+              <a:bodyPr rtlCol="0" anchor="ctr"/>
+              <a:lstStyle/>
+              <a:p>
+                <a:pPr algn="ctr"/>
+                <a:endParaRPr lang="ko-KR" altLang="en-US"/>
+              </a:p>
+            </p:txBody>
+          </p:sp>
+          <p:sp>
+            <p:nvSpPr>
+              <p:cNvPr id="77" name="원호 76"/>
+              <p:cNvSpPr/>
+              <p:nvPr/>
+            </p:nvSpPr>
+            <p:spPr>
+              <a:xfrm>
+                <a:off x="9435266" y="6389206"/>
+                <a:ext cx="831422" cy="759423"/>
+              </a:xfrm>
+              <a:prstGeom prst="arc">
+                <a:avLst>
+                  <a:gd name="adj1" fmla="val 11222804"/>
+                  <a:gd name="adj2" fmla="val 0"/>
+                </a:avLst>
+              </a:prstGeom>
+              <a:noFill/>
+              <a:ln w="50800">
+                <a:tailEnd type="none"/>
+              </a:ln>
+            </p:spPr>
+            <p:style>
+              <a:lnRef idx="2">
+                <a:schemeClr val="accent1">
+                  <a:shade val="50000"/>
+                </a:schemeClr>
+              </a:lnRef>
+              <a:fillRef idx="1">
+                <a:schemeClr val="accent1"/>
+              </a:fillRef>
+              <a:effectRef idx="0">
+                <a:schemeClr val="accent1"/>
+              </a:effectRef>
+              <a:fontRef idx="minor">
+                <a:schemeClr val="lt1"/>
+              </a:fontRef>
+            </p:style>
+            <p:txBody>
+              <a:bodyPr rtlCol="0" anchor="ctr"/>
+              <a:lstStyle/>
+              <a:p>
+                <a:pPr algn="ctr"/>
+                <a:endParaRPr lang="ko-KR" altLang="en-US"/>
+              </a:p>
+            </p:txBody>
+          </p:sp>
+        </p:grpSp>
+      </p:grpSp>
+      <p:grpSp>
+        <p:nvGrpSpPr>
+          <p:cNvPr id="80" name="그룹 79"/>
+          <p:cNvGrpSpPr>
+            <a:grpSpLocks noChangeAspect="1"/>
+          </p:cNvGrpSpPr>
+          <p:nvPr/>
+        </p:nvGrpSpPr>
+        <p:grpSpPr>
+          <a:xfrm>
+            <a:off x="6362684" y="4432151"/>
+            <a:ext cx="631385" cy="660655"/>
+            <a:chOff x="9180004" y="6066840"/>
+            <a:chExt cx="1341946" cy="1404156"/>
+          </a:xfrm>
+        </p:grpSpPr>
+        <p:sp>
+          <p:nvSpPr>
+            <p:cNvPr id="81" name="원호 80"/>
+            <p:cNvSpPr/>
+            <p:nvPr/>
+          </p:nvSpPr>
+          <p:spPr>
+            <a:xfrm>
+              <a:off x="9180004" y="6066840"/>
+              <a:ext cx="1341946" cy="1404156"/>
+            </a:xfrm>
+            <a:prstGeom prst="arc">
+              <a:avLst>
+                <a:gd name="adj1" fmla="val 11222804"/>
+                <a:gd name="adj2" fmla="val 0"/>
+              </a:avLst>
+            </a:prstGeom>
+            <a:noFill/>
+            <a:ln w="50800">
+              <a:tailEnd type="none"/>
+            </a:ln>
+          </p:spPr>
+          <p:style>
+            <a:lnRef idx="2">
+              <a:schemeClr val="accent1">
+                <a:shade val="50000"/>
+              </a:schemeClr>
+            </a:lnRef>
+            <a:fillRef idx="1">
+              <a:schemeClr val="accent1"/>
+            </a:fillRef>
+            <a:effectRef idx="0">
+              <a:schemeClr val="accent1"/>
+            </a:effectRef>
+            <a:fontRef idx="minor">
+              <a:schemeClr val="lt1"/>
+            </a:fontRef>
+          </p:style>
+          <p:txBody>
+            <a:bodyPr rtlCol="0" anchor="ctr"/>
+            <a:lstStyle/>
+            <a:p>
+              <a:pPr algn="ctr"/>
+              <a:endParaRPr lang="ko-KR" altLang="en-US"/>
+            </a:p>
+          </p:txBody>
+        </p:sp>
+        <p:grpSp>
+          <p:nvGrpSpPr>
+            <p:cNvPr id="82" name="그룹 81"/>
+            <p:cNvGrpSpPr/>
+            <p:nvPr/>
+          </p:nvGrpSpPr>
+          <p:grpSpPr>
+            <a:xfrm>
+              <a:off x="9330951" y="6212468"/>
+              <a:ext cx="1040052" cy="1013130"/>
+              <a:chOff x="9330951" y="6212468"/>
+              <a:chExt cx="1040052" cy="1013130"/>
+            </a:xfrm>
+          </p:grpSpPr>
+          <p:sp>
+            <p:nvSpPr>
+              <p:cNvPr id="83" name="원호 82"/>
+              <p:cNvSpPr/>
+              <p:nvPr/>
+            </p:nvSpPr>
+            <p:spPr>
+              <a:xfrm>
+                <a:off x="9330951" y="6212468"/>
+                <a:ext cx="1040052" cy="1013130"/>
+              </a:xfrm>
+              <a:prstGeom prst="arc">
+                <a:avLst>
+                  <a:gd name="adj1" fmla="val 11222804"/>
+                  <a:gd name="adj2" fmla="val 0"/>
+                </a:avLst>
+              </a:prstGeom>
+              <a:noFill/>
+              <a:ln w="50800">
+                <a:tailEnd type="none"/>
+              </a:ln>
+            </p:spPr>
+            <p:style>
+              <a:lnRef idx="2">
+                <a:schemeClr val="accent1">
+                  <a:shade val="50000"/>
+                </a:schemeClr>
+              </a:lnRef>
+              <a:fillRef idx="1">
+                <a:schemeClr val="accent1"/>
+              </a:fillRef>
+              <a:effectRef idx="0">
+                <a:schemeClr val="accent1"/>
+              </a:effectRef>
+              <a:fontRef idx="minor">
+                <a:schemeClr val="lt1"/>
+              </a:fontRef>
+            </p:style>
+            <p:txBody>
+              <a:bodyPr rtlCol="0" anchor="ctr"/>
+              <a:lstStyle/>
+              <a:p>
+                <a:pPr algn="ctr"/>
+                <a:endParaRPr lang="ko-KR" altLang="en-US"/>
+              </a:p>
+            </p:txBody>
+          </p:sp>
+          <p:sp>
+            <p:nvSpPr>
+              <p:cNvPr id="84" name="원호 83"/>
+              <p:cNvSpPr/>
+              <p:nvPr/>
+            </p:nvSpPr>
+            <p:spPr>
+              <a:xfrm>
+                <a:off x="9435266" y="6389206"/>
+                <a:ext cx="831422" cy="759423"/>
+              </a:xfrm>
+              <a:prstGeom prst="arc">
+                <a:avLst>
+                  <a:gd name="adj1" fmla="val 11222804"/>
+                  <a:gd name="adj2" fmla="val 0"/>
+                </a:avLst>
+              </a:prstGeom>
+              <a:noFill/>
+              <a:ln w="50800">
+                <a:tailEnd type="none"/>
+              </a:ln>
+            </p:spPr>
+            <p:style>
+              <a:lnRef idx="2">
+                <a:schemeClr val="accent1">
+                  <a:shade val="50000"/>
+                </a:schemeClr>
+              </a:lnRef>
+              <a:fillRef idx="1">
+                <a:schemeClr val="accent1"/>
+              </a:fillRef>
+              <a:effectRef idx="0">
+                <a:schemeClr val="accent1"/>
+              </a:effectRef>
+              <a:fontRef idx="minor">
+                <a:schemeClr val="lt1"/>
+              </a:fontRef>
+            </p:style>
+            <p:txBody>
+              <a:bodyPr rtlCol="0" anchor="ctr"/>
+              <a:lstStyle/>
+              <a:p>
+                <a:pPr algn="ctr"/>
+                <a:endParaRPr lang="ko-KR" altLang="en-US"/>
+              </a:p>
+            </p:txBody>
+          </p:sp>
+        </p:grpSp>
+      </p:grpSp>
+      <p:cxnSp>
+        <p:nvCxnSpPr>
+          <p:cNvPr id="85" name="직선 화살표 연결선 84">
+            <a:extLst>
+              <a:ext uri="{FF2B5EF4-FFF2-40B4-BE49-F238E27FC236}">
+                <a16:creationId xmlns:a16="http://schemas.microsoft.com/office/drawing/2014/main" id="{960BB2C9-98BD-46C0-B99F-552099D9F855}"/>
+              </a:ext>
+            </a:extLst>
+          </p:cNvPr>
+          <p:cNvCxnSpPr>
+            <a:cxnSpLocks/>
+            <a:stCxn id="10" idx="3"/>
+            <a:endCxn id="6" idx="1"/>
+          </p:cNvCxnSpPr>
+          <p:nvPr/>
+        </p:nvCxnSpPr>
+        <p:spPr>
+          <a:xfrm>
+            <a:off x="3367760" y="4600767"/>
+            <a:ext cx="738198" cy="1"/>
+          </a:xfrm>
+          <a:prstGeom prst="straightConnector1">
+            <a:avLst/>
+          </a:prstGeom>
+          <a:noFill/>
+          <a:ln w="38100">
+            <a:headEnd type="triangle"/>
+            <a:tailEnd type="triangle"/>
+          </a:ln>
+        </p:spPr>
+        <p:style>
+          <a:lnRef idx="2">
+            <a:schemeClr val="accent1">
+              <a:shade val="50000"/>
+            </a:schemeClr>
+          </a:lnRef>
+          <a:fillRef idx="1">
+            <a:schemeClr val="accent1"/>
+          </a:fillRef>
+          <a:effectRef idx="0">
+            <a:schemeClr val="accent1"/>
+          </a:effectRef>
+          <a:fontRef idx="minor">
+            <a:schemeClr val="lt1"/>
+          </a:fontRef>
+        </p:style>
+      </p:cxnSp>
+      <p:sp>
+        <p:nvSpPr>
+          <p:cNvPr id="23" name="번개 22"/>
+          <p:cNvSpPr/>
+          <p:nvPr/>
+        </p:nvSpPr>
+        <p:spPr>
+          <a:xfrm>
+            <a:off x="8428859" y="3962688"/>
+            <a:ext cx="557607" cy="432033"/>
+          </a:xfrm>
+          <a:prstGeom prst="lightningBolt">
+            <a:avLst/>
+          </a:prstGeom>
+        </p:spPr>
+        <p:style>
+          <a:lnRef idx="2">
+            <a:schemeClr val="accent1">
+              <a:shade val="50000"/>
+            </a:schemeClr>
+          </a:lnRef>
+          <a:fillRef idx="1">
+            <a:schemeClr val="accent1"/>
+          </a:fillRef>
+          <a:effectRef idx="0">
+            <a:schemeClr val="accent1"/>
+          </a:effectRef>
+          <a:fontRef idx="minor">
+            <a:schemeClr val="lt1"/>
+          </a:fontRef>
+        </p:style>
+        <p:txBody>
+          <a:bodyPr rtlCol="0" anchor="ctr"/>
+          <a:lstStyle/>
+          <a:p>
+            <a:pPr algn="ctr"/>
+            <a:endParaRPr lang="ko-KR" altLang="en-US"/>
+          </a:p>
+        </p:txBody>
+      </p:sp>
+      <p:sp>
+        <p:nvSpPr>
+          <p:cNvPr id="91" name="번개 90"/>
+          <p:cNvSpPr/>
+          <p:nvPr/>
+        </p:nvSpPr>
+        <p:spPr>
+          <a:xfrm flipH="1">
+            <a:off x="6798564" y="4000119"/>
+            <a:ext cx="557607" cy="432033"/>
+          </a:xfrm>
+          <a:prstGeom prst="lightningBolt">
+            <a:avLst/>
+          </a:prstGeom>
+        </p:spPr>
+        <p:style>
+          <a:lnRef idx="2">
+            <a:schemeClr val="accent1">
+              <a:shade val="50000"/>
+            </a:schemeClr>
+          </a:lnRef>
+          <a:fillRef idx="1">
+            <a:schemeClr val="accent1"/>
+          </a:fillRef>
+          <a:effectRef idx="0">
+            <a:schemeClr val="accent1"/>
+          </a:effectRef>
+          <a:fontRef idx="minor">
+            <a:schemeClr val="lt1"/>
+          </a:fontRef>
+        </p:style>
+        <p:txBody>
+          <a:bodyPr rtlCol="0" anchor="ctr"/>
+          <a:lstStyle/>
+          <a:p>
+            <a:pPr algn="ctr"/>
+            <a:endParaRPr lang="ko-KR" altLang="en-US"/>
+          </a:p>
+        </p:txBody>
+      </p:sp>
+      <p:sp>
+        <p:nvSpPr>
+          <p:cNvPr id="97" name="직사각형 96">
+            <a:extLst>
+              <a:ext uri="{FF2B5EF4-FFF2-40B4-BE49-F238E27FC236}">
+                <a16:creationId xmlns:a16="http://schemas.microsoft.com/office/drawing/2014/main" id="{02FB78D4-135D-4A55-8CB8-04C547A50278}"/>
+              </a:ext>
+            </a:extLst>
+          </p:cNvPr>
+          <p:cNvSpPr/>
+          <p:nvPr/>
+        </p:nvSpPr>
+        <p:spPr>
+          <a:xfrm>
+            <a:off x="12850582" y="3961667"/>
+            <a:ext cx="898290" cy="956039"/>
+          </a:xfrm>
+          <a:prstGeom prst="rect">
+            <a:avLst/>
+          </a:prstGeom>
+          <a:noFill/>
+        </p:spPr>
+        <p:style>
+          <a:lnRef idx="2">
+            <a:schemeClr val="accent1">
+              <a:shade val="50000"/>
+            </a:schemeClr>
+          </a:lnRef>
+          <a:fillRef idx="1">
+            <a:schemeClr val="accent1"/>
+          </a:fillRef>
+          <a:effectRef idx="0">
+            <a:schemeClr val="accent1"/>
+          </a:effectRef>
+          <a:fontRef idx="minor">
+            <a:schemeClr val="lt1"/>
+          </a:fontRef>
+        </p:style>
+        <p:txBody>
+          <a:bodyPr lIns="18000" tIns="36000" rIns="18000" bIns="36000" rtlCol="0" anchor="t" anchorCtr="0"/>
+          <a:lstStyle/>
+          <a:p>
+            <a:pPr algn="ctr"/>
+            <a:r>
+              <a:rPr lang="en-US" altLang="ko-KR" sz="1600" b="1">
+                <a:solidFill>
+                  <a:schemeClr val="tx1">
+                    <a:lumMod val="65000"/>
+                    <a:lumOff val="35000"/>
+                  </a:schemeClr>
+                </a:solidFill>
+              </a:rPr>
+              <a:t>Window</a:t>
+            </a:r>
+          </a:p>
+          <a:p>
+            <a:pPr algn="ctr"/>
+            <a:r>
+              <a:rPr lang="en-US" altLang="ko-KR" sz="1600" b="1">
+                <a:solidFill>
+                  <a:schemeClr val="tx1">
+                    <a:lumMod val="65000"/>
+                    <a:lumOff val="35000"/>
+                  </a:schemeClr>
+                </a:solidFill>
+              </a:rPr>
+              <a:t>System</a:t>
+            </a:r>
+            <a:endParaRPr lang="ko-KR" altLang="en-US" sz="1600" b="1">
+              <a:solidFill>
+                <a:schemeClr val="tx1">
+                  <a:lumMod val="65000"/>
+                  <a:lumOff val="35000"/>
+                </a:schemeClr>
+              </a:solidFill>
+            </a:endParaRPr>
+          </a:p>
+        </p:txBody>
+      </p:sp>
+      <p:sp>
+        <p:nvSpPr>
+          <p:cNvPr id="134" name="직사각형 133">
+            <a:extLst>
+              <a:ext uri="{FF2B5EF4-FFF2-40B4-BE49-F238E27FC236}">
+                <a16:creationId xmlns:a16="http://schemas.microsoft.com/office/drawing/2014/main" id="{02FB78D4-135D-4A55-8CB8-04C547A50278}"/>
+              </a:ext>
+            </a:extLst>
+          </p:cNvPr>
+          <p:cNvSpPr/>
+          <p:nvPr/>
+        </p:nvSpPr>
+        <p:spPr>
+          <a:xfrm>
+            <a:off x="12850582" y="5196121"/>
+            <a:ext cx="898290" cy="633057"/>
+          </a:xfrm>
+          <a:prstGeom prst="rect">
+            <a:avLst/>
+          </a:prstGeom>
+          <a:noFill/>
+        </p:spPr>
+        <p:style>
+          <a:lnRef idx="2">
+            <a:schemeClr val="accent1">
+              <a:shade val="50000"/>
+            </a:schemeClr>
+          </a:lnRef>
+          <a:fillRef idx="1">
+            <a:schemeClr val="accent1"/>
+          </a:fillRef>
+          <a:effectRef idx="0">
+            <a:schemeClr val="accent1"/>
+          </a:effectRef>
+          <a:fontRef idx="minor">
+            <a:schemeClr val="lt1"/>
+          </a:fontRef>
+        </p:style>
+        <p:txBody>
+          <a:bodyPr lIns="18000" tIns="36000" rIns="18000" bIns="36000" rtlCol="0" anchor="t" anchorCtr="0"/>
+          <a:lstStyle/>
+          <a:p>
+            <a:pPr algn="ctr"/>
+            <a:r>
+              <a:rPr lang="en-US" altLang="ko-KR" sz="1600" b="1">
+                <a:solidFill>
+                  <a:schemeClr val="tx1">
+                    <a:lumMod val="65000"/>
+                    <a:lumOff val="35000"/>
+                  </a:schemeClr>
+                </a:solidFill>
+              </a:rPr>
+              <a:t>Mirror</a:t>
+            </a:r>
+          </a:p>
+          <a:p>
+            <a:pPr algn="ctr"/>
+            <a:r>
+              <a:rPr lang="en-US" altLang="ko-KR" sz="1600" b="1">
+                <a:solidFill>
+                  <a:schemeClr val="tx1">
+                    <a:lumMod val="65000"/>
+                    <a:lumOff val="35000"/>
+                  </a:schemeClr>
+                </a:solidFill>
+              </a:rPr>
+              <a:t>System</a:t>
+            </a:r>
+            <a:endParaRPr lang="ko-KR" altLang="en-US" sz="1600" b="1">
+              <a:solidFill>
+                <a:schemeClr val="tx1">
+                  <a:lumMod val="65000"/>
+                  <a:lumOff val="35000"/>
+                </a:schemeClr>
+              </a:solidFill>
+            </a:endParaRPr>
+          </a:p>
+        </p:txBody>
+      </p:sp>
+      <p:cxnSp>
+        <p:nvCxnSpPr>
+          <p:cNvPr id="31" name="꺾인 연결선 30"/>
+          <p:cNvCxnSpPr>
+            <a:stCxn id="9" idx="3"/>
+            <a:endCxn id="134" idx="1"/>
+          </p:cNvCxnSpPr>
+          <p:nvPr/>
+        </p:nvCxnSpPr>
+        <p:spPr>
+          <a:xfrm>
+            <a:off x="12234509" y="4917705"/>
+            <a:ext cx="616072" cy="594945"/>
+          </a:xfrm>
+          <a:prstGeom prst="bentConnector3">
+            <a:avLst>
+              <a:gd name="adj1" fmla="val 50000"/>
+            </a:avLst>
+          </a:prstGeom>
+          <a:noFill/>
+          <a:ln w="50800">
+            <a:headEnd type="triangle"/>
+            <a:tailEnd type="triangle"/>
+          </a:ln>
+        </p:spPr>
+        <p:style>
+          <a:lnRef idx="2">
+            <a:schemeClr val="accent1">
+              <a:shade val="50000"/>
+            </a:schemeClr>
+          </a:lnRef>
+          <a:fillRef idx="1">
+            <a:schemeClr val="accent1"/>
+          </a:fillRef>
+          <a:effectRef idx="0">
+            <a:schemeClr val="accent1"/>
+          </a:effectRef>
+          <a:fontRef idx="minor">
+            <a:schemeClr val="lt1"/>
+          </a:fontRef>
+        </p:style>
+      </p:cxnSp>
+      <p:sp>
+        <p:nvSpPr>
+          <p:cNvPr id="136" name="직사각형 135">
+            <a:extLst>
+              <a:ext uri="{FF2B5EF4-FFF2-40B4-BE49-F238E27FC236}">
+                <a16:creationId xmlns:a16="http://schemas.microsoft.com/office/drawing/2014/main" id="{02FB78D4-135D-4A55-8CB8-04C547A50278}"/>
+              </a:ext>
+            </a:extLst>
+          </p:cNvPr>
+          <p:cNvSpPr/>
+          <p:nvPr/>
+        </p:nvSpPr>
+        <p:spPr>
+          <a:xfrm>
+            <a:off x="4144249" y="7341249"/>
+            <a:ext cx="1825630" cy="853282"/>
+          </a:xfrm>
+          <a:prstGeom prst="rect">
+            <a:avLst/>
+          </a:prstGeom>
+          <a:noFill/>
+        </p:spPr>
+        <p:style>
+          <a:lnRef idx="2">
+            <a:schemeClr val="accent1">
+              <a:shade val="50000"/>
+            </a:schemeClr>
+          </a:lnRef>
+          <a:fillRef idx="1">
+            <a:schemeClr val="accent1"/>
+          </a:fillRef>
+          <a:effectRef idx="0">
+            <a:schemeClr val="accent1"/>
+          </a:effectRef>
+          <a:fontRef idx="minor">
+            <a:schemeClr val="lt1"/>
+          </a:fontRef>
+        </p:style>
+        <p:txBody>
+          <a:bodyPr lIns="18000" tIns="36000" rIns="18000" bIns="36000" rtlCol="0" anchor="t" anchorCtr="0"/>
+          <a:lstStyle/>
+          <a:p>
+            <a:pPr algn="ctr"/>
+            <a:r>
+              <a:rPr lang="en-US" altLang="ko-KR" sz="1600" b="1">
+                <a:solidFill>
+                  <a:schemeClr val="tx1">
+                    <a:lumMod val="65000"/>
+                    <a:lumOff val="35000"/>
+                  </a:schemeClr>
+                </a:solidFill>
+              </a:rPr>
+              <a:t>PC</a:t>
+            </a:r>
+            <a:endParaRPr lang="ko-KR" altLang="en-US" sz="1600" b="1">
+              <a:solidFill>
+                <a:schemeClr val="tx1">
+                  <a:lumMod val="65000"/>
+                  <a:lumOff val="35000"/>
+                </a:schemeClr>
+              </a:solidFill>
+            </a:endParaRPr>
+          </a:p>
+        </p:txBody>
+      </p:sp>
+      <p:pic>
+        <p:nvPicPr>
+          <p:cNvPr id="137" name="그림 136"/>
+          <p:cNvPicPr>
+            <a:picLocks noChangeAspect="1"/>
+          </p:cNvPicPr>
+          <p:nvPr/>
+        </p:nvPicPr>
+        <p:blipFill>
+          <a:blip r:embed="rId5"/>
+          <a:stretch>
+            <a:fillRect/>
+          </a:stretch>
+        </p:blipFill>
+        <p:spPr>
+          <a:xfrm>
+            <a:off x="2591272" y="7195058"/>
+            <a:ext cx="776488" cy="829777"/>
+          </a:xfrm>
+          <a:prstGeom prst="rect">
+            <a:avLst/>
+          </a:prstGeom>
+        </p:spPr>
+      </p:pic>
+      <p:cxnSp>
+        <p:nvCxnSpPr>
+          <p:cNvPr id="139" name="직선 화살표 연결선 138">
+            <a:extLst>
+              <a:ext uri="{FF2B5EF4-FFF2-40B4-BE49-F238E27FC236}">
+                <a16:creationId xmlns:a16="http://schemas.microsoft.com/office/drawing/2014/main" id="{960BB2C9-98BD-46C0-B99F-552099D9F855}"/>
+              </a:ext>
+            </a:extLst>
+          </p:cNvPr>
+          <p:cNvCxnSpPr>
+            <a:cxnSpLocks/>
+            <a:stCxn id="137" idx="3"/>
+          </p:cNvCxnSpPr>
+          <p:nvPr/>
+        </p:nvCxnSpPr>
+        <p:spPr>
+          <a:xfrm>
+            <a:off x="3367760" y="7609947"/>
+            <a:ext cx="738198" cy="1"/>
+          </a:xfrm>
+          <a:prstGeom prst="straightConnector1">
+            <a:avLst/>
+          </a:prstGeom>
+          <a:noFill/>
+          <a:ln w="38100">
+            <a:headEnd type="triangle"/>
+            <a:tailEnd type="triangle"/>
+          </a:ln>
+        </p:spPr>
+        <p:style>
+          <a:lnRef idx="2">
+            <a:schemeClr val="accent1">
+              <a:shade val="50000"/>
+            </a:schemeClr>
+          </a:lnRef>
+          <a:fillRef idx="1">
+            <a:schemeClr val="accent1"/>
+          </a:fillRef>
+          <a:effectRef idx="0">
+            <a:schemeClr val="accent1"/>
+          </a:effectRef>
+          <a:fontRef idx="minor">
+            <a:schemeClr val="lt1"/>
+          </a:fontRef>
+        </p:style>
+      </p:cxnSp>
+      <p:grpSp>
+        <p:nvGrpSpPr>
+          <p:cNvPr id="140" name="그룹 139"/>
+          <p:cNvGrpSpPr>
+            <a:grpSpLocks noChangeAspect="1"/>
+          </p:cNvGrpSpPr>
+          <p:nvPr/>
+        </p:nvGrpSpPr>
+        <p:grpSpPr>
+          <a:xfrm>
+            <a:off x="6025144" y="7433630"/>
+            <a:ext cx="631385" cy="660655"/>
+            <a:chOff x="9180004" y="6066840"/>
+            <a:chExt cx="1341946" cy="1404156"/>
+          </a:xfrm>
+        </p:grpSpPr>
+        <p:sp>
+          <p:nvSpPr>
+            <p:cNvPr id="141" name="원호 140"/>
+            <p:cNvSpPr/>
+            <p:nvPr/>
+          </p:nvSpPr>
+          <p:spPr>
+            <a:xfrm>
+              <a:off x="9180004" y="6066840"/>
+              <a:ext cx="1341946" cy="1404156"/>
+            </a:xfrm>
+            <a:prstGeom prst="arc">
+              <a:avLst>
+                <a:gd name="adj1" fmla="val 11222804"/>
+                <a:gd name="adj2" fmla="val 0"/>
+              </a:avLst>
+            </a:prstGeom>
+            <a:noFill/>
+            <a:ln w="50800">
+              <a:tailEnd type="none"/>
+            </a:ln>
+          </p:spPr>
+          <p:style>
+            <a:lnRef idx="2">
+              <a:schemeClr val="accent1">
+                <a:shade val="50000"/>
+              </a:schemeClr>
+            </a:lnRef>
+            <a:fillRef idx="1">
+              <a:schemeClr val="accent1"/>
+            </a:fillRef>
+            <a:effectRef idx="0">
+              <a:schemeClr val="accent1"/>
+            </a:effectRef>
+            <a:fontRef idx="minor">
+              <a:schemeClr val="lt1"/>
+            </a:fontRef>
+          </p:style>
+          <p:txBody>
+            <a:bodyPr rtlCol="0" anchor="ctr"/>
+            <a:lstStyle/>
+            <a:p>
+              <a:pPr algn="ctr"/>
+              <a:endParaRPr lang="ko-KR" altLang="en-US"/>
+            </a:p>
+          </p:txBody>
+        </p:sp>
+        <p:grpSp>
+          <p:nvGrpSpPr>
+            <p:cNvPr id="142" name="그룹 141"/>
+            <p:cNvGrpSpPr/>
+            <p:nvPr/>
+          </p:nvGrpSpPr>
+          <p:grpSpPr>
+            <a:xfrm>
+              <a:off x="9330951" y="6212468"/>
+              <a:ext cx="1040052" cy="1013130"/>
+              <a:chOff x="9330951" y="6212468"/>
+              <a:chExt cx="1040052" cy="1013130"/>
+            </a:xfrm>
+          </p:grpSpPr>
+          <p:sp>
+            <p:nvSpPr>
+              <p:cNvPr id="143" name="원호 142"/>
+              <p:cNvSpPr/>
+              <p:nvPr/>
+            </p:nvSpPr>
+            <p:spPr>
+              <a:xfrm>
+                <a:off x="9330951" y="6212468"/>
+                <a:ext cx="1040052" cy="1013130"/>
+              </a:xfrm>
+              <a:prstGeom prst="arc">
+                <a:avLst>
+                  <a:gd name="adj1" fmla="val 11222804"/>
+                  <a:gd name="adj2" fmla="val 0"/>
+                </a:avLst>
+              </a:prstGeom>
+              <a:noFill/>
+              <a:ln w="50800">
+                <a:tailEnd type="none"/>
+              </a:ln>
+            </p:spPr>
+            <p:style>
+              <a:lnRef idx="2">
+                <a:schemeClr val="accent1">
+                  <a:shade val="50000"/>
+                </a:schemeClr>
+              </a:lnRef>
+              <a:fillRef idx="1">
+                <a:schemeClr val="accent1"/>
+              </a:fillRef>
+              <a:effectRef idx="0">
+                <a:schemeClr val="accent1"/>
+              </a:effectRef>
+              <a:fontRef idx="minor">
+                <a:schemeClr val="lt1"/>
+              </a:fontRef>
+            </p:style>
+            <p:txBody>
+              <a:bodyPr rtlCol="0" anchor="ctr"/>
+              <a:lstStyle/>
+              <a:p>
+                <a:pPr algn="ctr"/>
+                <a:endParaRPr lang="ko-KR" altLang="en-US"/>
+              </a:p>
+            </p:txBody>
+          </p:sp>
+          <p:sp>
+            <p:nvSpPr>
+              <p:cNvPr id="144" name="원호 143"/>
+              <p:cNvSpPr/>
+              <p:nvPr/>
+            </p:nvSpPr>
+            <p:spPr>
+              <a:xfrm>
+                <a:off x="9435266" y="6389206"/>
+                <a:ext cx="831422" cy="759423"/>
+              </a:xfrm>
+              <a:prstGeom prst="arc">
+                <a:avLst>
+                  <a:gd name="adj1" fmla="val 11222804"/>
+                  <a:gd name="adj2" fmla="val 0"/>
+                </a:avLst>
+              </a:prstGeom>
+              <a:noFill/>
+              <a:ln w="50800">
+                <a:tailEnd type="none"/>
+              </a:ln>
+            </p:spPr>
+            <p:style>
+              <a:lnRef idx="2">
+                <a:schemeClr val="accent1">
+                  <a:shade val="50000"/>
+                </a:schemeClr>
+              </a:lnRef>
+              <a:fillRef idx="1">
+                <a:schemeClr val="accent1"/>
+              </a:fillRef>
+              <a:effectRef idx="0">
+                <a:schemeClr val="accent1"/>
+              </a:effectRef>
+              <a:fontRef idx="minor">
+                <a:schemeClr val="lt1"/>
+              </a:fontRef>
+            </p:style>
+            <p:txBody>
+              <a:bodyPr rtlCol="0" anchor="ctr"/>
+              <a:lstStyle/>
+              <a:p>
+                <a:pPr algn="ctr"/>
+                <a:endParaRPr lang="ko-KR" altLang="en-US"/>
+              </a:p>
+            </p:txBody>
+          </p:sp>
+        </p:grpSp>
+      </p:grpSp>
+      <p:sp>
+        <p:nvSpPr>
+          <p:cNvPr id="145" name="번개 144"/>
+          <p:cNvSpPr/>
+          <p:nvPr/>
+        </p:nvSpPr>
+        <p:spPr>
+          <a:xfrm flipH="1">
+            <a:off x="6461023" y="7001597"/>
+            <a:ext cx="557607" cy="432033"/>
+          </a:xfrm>
+          <a:prstGeom prst="lightningBolt">
+            <a:avLst/>
+          </a:prstGeom>
+        </p:spPr>
+        <p:style>
+          <a:lnRef idx="2">
+            <a:schemeClr val="accent1">
+              <a:shade val="50000"/>
+            </a:schemeClr>
+          </a:lnRef>
+          <a:fillRef idx="1">
+            <a:schemeClr val="accent1"/>
+          </a:fillRef>
+          <a:effectRef idx="0">
+            <a:schemeClr val="accent1"/>
+          </a:effectRef>
+          <a:fontRef idx="minor">
+            <a:schemeClr val="lt1"/>
+          </a:fontRef>
+        </p:style>
+        <p:txBody>
+          <a:bodyPr rtlCol="0" anchor="ctr"/>
+          <a:lstStyle/>
+          <a:p>
+            <a:pPr algn="ctr"/>
+            <a:endParaRPr lang="ko-KR" altLang="en-US"/>
+          </a:p>
+        </p:txBody>
+      </p:sp>
+      <p:sp>
+        <p:nvSpPr>
+          <p:cNvPr id="2" name="TextBox 1"/>
+          <p:cNvSpPr txBox="1"/>
+          <p:nvPr/>
+        </p:nvSpPr>
+        <p:spPr>
+          <a:xfrm>
+            <a:off x="4350382" y="6206315"/>
+            <a:ext cx="889365" cy="196786"/>
+          </a:xfrm>
+          <a:prstGeom prst="rect">
+            <a:avLst/>
+          </a:prstGeom>
+          <a:noFill/>
+        </p:spPr>
+        <p:txBody>
+          <a:bodyPr wrap="square" lIns="0" tIns="0" rIns="0" bIns="0" rtlCol="0">
+            <a:spAutoFit/>
+          </a:bodyPr>
+          <a:lstStyle/>
+          <a:p>
+            <a:pPr algn="ctr"/>
+            <a:r>
+              <a:rPr lang="ko-KR" altLang="en-US" sz="1600" b="1"/>
+              <a:t>근거리</a:t>
+            </a:r>
+          </a:p>
+        </p:txBody>
+      </p:sp>
+      <p:sp>
+        <p:nvSpPr>
+          <p:cNvPr id="146" name="TextBox 145"/>
+          <p:cNvSpPr txBox="1"/>
+          <p:nvPr/>
+        </p:nvSpPr>
+        <p:spPr>
+          <a:xfrm>
+            <a:off x="4399260" y="8258585"/>
+            <a:ext cx="1458342" cy="246221"/>
+          </a:xfrm>
+          <a:prstGeom prst="rect">
+            <a:avLst/>
+          </a:prstGeom>
+          <a:noFill/>
+        </p:spPr>
+        <p:txBody>
+          <a:bodyPr wrap="square" lIns="0" tIns="0" rIns="0" bIns="0" rtlCol="0">
+            <a:spAutoFit/>
+          </a:bodyPr>
+          <a:lstStyle/>
+          <a:p>
+            <a:pPr algn="ctr"/>
+            <a:r>
+              <a:rPr lang="ko-KR" altLang="en-US" sz="1600" b="1"/>
+              <a:t>원격지</a:t>
+            </a:r>
+            <a:r>
+              <a:rPr lang="en-US" altLang="ko-KR" sz="1600" b="1"/>
+              <a:t>(</a:t>
+            </a:r>
+            <a:r>
+              <a:rPr lang="ko-KR" altLang="en-US" sz="1600" b="1"/>
+              <a:t>원거리</a:t>
+            </a:r>
+            <a:r>
+              <a:rPr lang="en-US" altLang="ko-KR" sz="1600" b="1"/>
+              <a:t>)</a:t>
+            </a:r>
+            <a:endParaRPr lang="ko-KR" altLang="en-US" sz="1600" b="1"/>
+          </a:p>
+        </p:txBody>
+      </p:sp>
+      <p:sp>
+        <p:nvSpPr>
+          <p:cNvPr id="149" name="직사각형 148">
+            <a:extLst>
+              <a:ext uri="{FF2B5EF4-FFF2-40B4-BE49-F238E27FC236}">
+                <a16:creationId xmlns:a16="http://schemas.microsoft.com/office/drawing/2014/main" id="{02FB78D4-135D-4A55-8CB8-04C547A50278}"/>
+              </a:ext>
+            </a:extLst>
+          </p:cNvPr>
+          <p:cNvSpPr/>
+          <p:nvPr/>
+        </p:nvSpPr>
+        <p:spPr>
+          <a:xfrm>
+            <a:off x="9639267" y="7555991"/>
+            <a:ext cx="752330" cy="446063"/>
+          </a:xfrm>
+          <a:prstGeom prst="rect">
+            <a:avLst/>
+          </a:prstGeom>
+          <a:noFill/>
+        </p:spPr>
+        <p:style>
+          <a:lnRef idx="2">
+            <a:schemeClr val="accent1">
+              <a:shade val="50000"/>
+            </a:schemeClr>
+          </a:lnRef>
+          <a:fillRef idx="1">
+            <a:schemeClr val="accent1"/>
+          </a:fillRef>
+          <a:effectRef idx="0">
+            <a:schemeClr val="accent1"/>
+          </a:effectRef>
+          <a:fontRef idx="minor">
+            <a:schemeClr val="lt1"/>
+          </a:fontRef>
+        </p:style>
+        <p:txBody>
+          <a:bodyPr lIns="18000" tIns="36000" rIns="18000" bIns="36000" rtlCol="0" anchor="ctr" anchorCtr="0"/>
+          <a:lstStyle/>
+          <a:p>
+            <a:pPr algn="ctr"/>
+            <a:r>
+              <a:rPr lang="en-US" altLang="ko-KR" sz="1600" b="1">
+                <a:solidFill>
+                  <a:schemeClr val="tx1">
+                    <a:lumMod val="65000"/>
+                    <a:lumOff val="35000"/>
+                  </a:schemeClr>
+                </a:solidFill>
+              </a:rPr>
+              <a:t>ESP32</a:t>
+            </a:r>
+            <a:endParaRPr lang="ko-KR" altLang="en-US" sz="1600" b="1">
+              <a:solidFill>
+                <a:schemeClr val="tx1">
+                  <a:lumMod val="65000"/>
+                  <a:lumOff val="35000"/>
+                </a:schemeClr>
+              </a:solidFill>
+            </a:endParaRPr>
+          </a:p>
+        </p:txBody>
+      </p:sp>
+      <p:sp>
+        <p:nvSpPr>
+          <p:cNvPr id="151" name="직사각형 150">
+            <a:extLst>
+              <a:ext uri="{FF2B5EF4-FFF2-40B4-BE49-F238E27FC236}">
+                <a16:creationId xmlns:a16="http://schemas.microsoft.com/office/drawing/2014/main" id="{02FB78D4-135D-4A55-8CB8-04C547A50278}"/>
+              </a:ext>
+            </a:extLst>
+          </p:cNvPr>
+          <p:cNvSpPr/>
+          <p:nvPr/>
+        </p:nvSpPr>
+        <p:spPr>
+          <a:xfrm>
+            <a:off x="11470090" y="7451282"/>
+            <a:ext cx="898290" cy="655481"/>
+          </a:xfrm>
+          <a:prstGeom prst="rect">
+            <a:avLst/>
+          </a:prstGeom>
+          <a:noFill/>
+        </p:spPr>
+        <p:style>
+          <a:lnRef idx="2">
+            <a:schemeClr val="accent1">
+              <a:shade val="50000"/>
+            </a:schemeClr>
+          </a:lnRef>
+          <a:fillRef idx="1">
+            <a:schemeClr val="accent1"/>
+          </a:fillRef>
+          <a:effectRef idx="0">
+            <a:schemeClr val="accent1"/>
+          </a:effectRef>
+          <a:fontRef idx="minor">
+            <a:schemeClr val="lt1"/>
+          </a:fontRef>
+        </p:style>
+        <p:txBody>
+          <a:bodyPr lIns="18000" tIns="36000" rIns="18000" bIns="36000" rtlCol="0" anchor="t" anchorCtr="0"/>
+          <a:lstStyle/>
+          <a:p>
+            <a:pPr algn="ctr"/>
+            <a:r>
+              <a:rPr lang="ko-KR" altLang="en-US" sz="1600" b="1">
+                <a:solidFill>
+                  <a:schemeClr val="tx1">
+                    <a:lumMod val="65000"/>
+                    <a:lumOff val="35000"/>
+                  </a:schemeClr>
+                </a:solidFill>
+              </a:rPr>
+              <a:t>모니터링</a:t>
+            </a:r>
+            <a:endParaRPr lang="en-US" altLang="ko-KR" sz="1600" b="1">
+              <a:solidFill>
+                <a:schemeClr val="tx1">
+                  <a:lumMod val="65000"/>
+                  <a:lumOff val="35000"/>
+                </a:schemeClr>
+              </a:solidFill>
+            </a:endParaRPr>
+          </a:p>
+          <a:p>
+            <a:pPr algn="ctr"/>
+            <a:r>
+              <a:rPr lang="ko-KR" altLang="en-US" sz="1600" b="1">
+                <a:solidFill>
+                  <a:schemeClr val="tx1">
+                    <a:lumMod val="65000"/>
+                    <a:lumOff val="35000"/>
+                  </a:schemeClr>
+                </a:solidFill>
+              </a:rPr>
+              <a:t>시스템</a:t>
+            </a:r>
+          </a:p>
+        </p:txBody>
+      </p:sp>
+      <p:cxnSp>
+        <p:nvCxnSpPr>
+          <p:cNvPr id="153" name="직선 화살표 연결선 152">
+            <a:extLst>
+              <a:ext uri="{FF2B5EF4-FFF2-40B4-BE49-F238E27FC236}">
+                <a16:creationId xmlns:a16="http://schemas.microsoft.com/office/drawing/2014/main" id="{960BB2C9-98BD-46C0-B99F-552099D9F855}"/>
+              </a:ext>
+            </a:extLst>
+          </p:cNvPr>
+          <p:cNvCxnSpPr>
+            <a:cxnSpLocks/>
+          </p:cNvCxnSpPr>
+          <p:nvPr/>
+        </p:nvCxnSpPr>
+        <p:spPr>
+          <a:xfrm>
+            <a:off x="10391597" y="7779022"/>
+            <a:ext cx="1078494" cy="1"/>
+          </a:xfrm>
+          <a:prstGeom prst="straightConnector1">
+            <a:avLst/>
+          </a:prstGeom>
+          <a:noFill/>
+          <a:ln w="38100">
+            <a:headEnd type="triangle"/>
+            <a:tailEnd type="triangle"/>
+          </a:ln>
+        </p:spPr>
+        <p:style>
+          <a:lnRef idx="2">
+            <a:schemeClr val="accent1">
+              <a:shade val="50000"/>
+            </a:schemeClr>
+          </a:lnRef>
+          <a:fillRef idx="1">
+            <a:schemeClr val="accent1"/>
+          </a:fillRef>
+          <a:effectRef idx="0">
+            <a:schemeClr val="accent1"/>
+          </a:effectRef>
+          <a:fontRef idx="minor">
+            <a:schemeClr val="lt1"/>
+          </a:fontRef>
+        </p:style>
+      </p:cxnSp>
+      <p:grpSp>
+        <p:nvGrpSpPr>
+          <p:cNvPr id="155" name="그룹 154"/>
+          <p:cNvGrpSpPr>
+            <a:grpSpLocks noChangeAspect="1"/>
+          </p:cNvGrpSpPr>
+          <p:nvPr/>
+        </p:nvGrpSpPr>
+        <p:grpSpPr>
+          <a:xfrm>
+            <a:off x="8861921" y="7582360"/>
+            <a:ext cx="631385" cy="660655"/>
+            <a:chOff x="9180004" y="6066840"/>
+            <a:chExt cx="1341946" cy="1404156"/>
+          </a:xfrm>
+        </p:grpSpPr>
+        <p:sp>
+          <p:nvSpPr>
+            <p:cNvPr id="156" name="원호 155"/>
+            <p:cNvSpPr/>
+            <p:nvPr/>
+          </p:nvSpPr>
+          <p:spPr>
+            <a:xfrm>
+              <a:off x="9180004" y="6066840"/>
+              <a:ext cx="1341946" cy="1404156"/>
+            </a:xfrm>
+            <a:prstGeom prst="arc">
+              <a:avLst>
+                <a:gd name="adj1" fmla="val 11222804"/>
+                <a:gd name="adj2" fmla="val 0"/>
+              </a:avLst>
+            </a:prstGeom>
+            <a:noFill/>
+            <a:ln w="50800">
+              <a:tailEnd type="none"/>
+            </a:ln>
+          </p:spPr>
+          <p:style>
+            <a:lnRef idx="2">
+              <a:schemeClr val="accent1">
+                <a:shade val="50000"/>
+              </a:schemeClr>
+            </a:lnRef>
+            <a:fillRef idx="1">
+              <a:schemeClr val="accent1"/>
+            </a:fillRef>
+            <a:effectRef idx="0">
+              <a:schemeClr val="accent1"/>
+            </a:effectRef>
+            <a:fontRef idx="minor">
+              <a:schemeClr val="lt1"/>
+            </a:fontRef>
+          </p:style>
+          <p:txBody>
+            <a:bodyPr rtlCol="0" anchor="ctr"/>
+            <a:lstStyle/>
+            <a:p>
+              <a:pPr algn="ctr"/>
+              <a:endParaRPr lang="ko-KR" altLang="en-US"/>
+            </a:p>
+          </p:txBody>
+        </p:sp>
+        <p:grpSp>
+          <p:nvGrpSpPr>
+            <p:cNvPr id="157" name="그룹 156"/>
+            <p:cNvGrpSpPr/>
+            <p:nvPr/>
+          </p:nvGrpSpPr>
+          <p:grpSpPr>
+            <a:xfrm>
+              <a:off x="9330951" y="6212468"/>
+              <a:ext cx="1040052" cy="1013130"/>
+              <a:chOff x="9330951" y="6212468"/>
+              <a:chExt cx="1040052" cy="1013130"/>
+            </a:xfrm>
+          </p:grpSpPr>
+          <p:sp>
+            <p:nvSpPr>
+              <p:cNvPr id="158" name="원호 157"/>
+              <p:cNvSpPr/>
+              <p:nvPr/>
+            </p:nvSpPr>
+            <p:spPr>
+              <a:xfrm>
+                <a:off x="9330951" y="6212468"/>
+                <a:ext cx="1040052" cy="1013130"/>
+              </a:xfrm>
+              <a:prstGeom prst="arc">
+                <a:avLst>
+                  <a:gd name="adj1" fmla="val 11222804"/>
+                  <a:gd name="adj2" fmla="val 0"/>
+                </a:avLst>
+              </a:prstGeom>
+              <a:noFill/>
+              <a:ln w="50800">
+                <a:tailEnd type="none"/>
+              </a:ln>
+            </p:spPr>
+            <p:style>
+              <a:lnRef idx="2">
+                <a:schemeClr val="accent1">
+                  <a:shade val="50000"/>
+                </a:schemeClr>
+              </a:lnRef>
+              <a:fillRef idx="1">
+                <a:schemeClr val="accent1"/>
+              </a:fillRef>
+              <a:effectRef idx="0">
+                <a:schemeClr val="accent1"/>
+              </a:effectRef>
+              <a:fontRef idx="minor">
+                <a:schemeClr val="lt1"/>
+              </a:fontRef>
+            </p:style>
+            <p:txBody>
+              <a:bodyPr rtlCol="0" anchor="ctr"/>
+              <a:lstStyle/>
+              <a:p>
+                <a:pPr algn="ctr"/>
+                <a:endParaRPr lang="ko-KR" altLang="en-US"/>
+              </a:p>
+            </p:txBody>
+          </p:sp>
+          <p:sp>
+            <p:nvSpPr>
+              <p:cNvPr id="159" name="원호 158"/>
+              <p:cNvSpPr/>
+              <p:nvPr/>
+            </p:nvSpPr>
+            <p:spPr>
+              <a:xfrm>
+                <a:off x="9435266" y="6389206"/>
+                <a:ext cx="831422" cy="759423"/>
+              </a:xfrm>
+              <a:prstGeom prst="arc">
+                <a:avLst>
+                  <a:gd name="adj1" fmla="val 11222804"/>
+                  <a:gd name="adj2" fmla="val 0"/>
+                </a:avLst>
+              </a:prstGeom>
+              <a:noFill/>
+              <a:ln w="50800">
+                <a:tailEnd type="none"/>
+              </a:ln>
+            </p:spPr>
+            <p:style>
+              <a:lnRef idx="2">
+                <a:schemeClr val="accent1">
+                  <a:shade val="50000"/>
+                </a:schemeClr>
+              </a:lnRef>
+              <a:fillRef idx="1">
+                <a:schemeClr val="accent1"/>
+              </a:fillRef>
+              <a:effectRef idx="0">
+                <a:schemeClr val="accent1"/>
+              </a:effectRef>
+              <a:fontRef idx="minor">
+                <a:schemeClr val="lt1"/>
+              </a:fontRef>
+            </p:style>
+            <p:txBody>
+              <a:bodyPr rtlCol="0" anchor="ctr"/>
+              <a:lstStyle/>
+              <a:p>
+                <a:pPr algn="ctr"/>
+                <a:endParaRPr lang="ko-KR" altLang="en-US"/>
+              </a:p>
+            </p:txBody>
+          </p:sp>
+        </p:grpSp>
+      </p:grpSp>
+      <p:sp>
+        <p:nvSpPr>
+          <p:cNvPr id="160" name="번개 159"/>
+          <p:cNvSpPr/>
+          <p:nvPr/>
+        </p:nvSpPr>
+        <p:spPr>
+          <a:xfrm>
+            <a:off x="8562730" y="7095910"/>
+            <a:ext cx="557607" cy="432033"/>
+          </a:xfrm>
+          <a:prstGeom prst="lightningBolt">
+            <a:avLst/>
+          </a:prstGeom>
+        </p:spPr>
+        <p:style>
+          <a:lnRef idx="2">
+            <a:schemeClr val="accent1">
+              <a:shade val="50000"/>
+            </a:schemeClr>
+          </a:lnRef>
+          <a:fillRef idx="1">
+            <a:schemeClr val="accent1"/>
+          </a:fillRef>
+          <a:effectRef idx="0">
+            <a:schemeClr val="accent1"/>
+          </a:effectRef>
+          <a:fontRef idx="minor">
+            <a:schemeClr val="lt1"/>
+          </a:fontRef>
+        </p:style>
+        <p:txBody>
+          <a:bodyPr rtlCol="0" anchor="ctr"/>
+          <a:lstStyle/>
+          <a:p>
+            <a:pPr algn="ctr"/>
+            <a:endParaRPr lang="ko-KR" altLang="en-US"/>
+          </a:p>
+        </p:txBody>
+      </p:sp>
+      <p:cxnSp>
+        <p:nvCxnSpPr>
+          <p:cNvPr id="161" name="꺾인 연결선 160"/>
+          <p:cNvCxnSpPr>
+            <a:stCxn id="67" idx="3"/>
+            <a:endCxn id="97" idx="1"/>
+          </p:cNvCxnSpPr>
+          <p:nvPr/>
+        </p:nvCxnSpPr>
+        <p:spPr>
+          <a:xfrm flipV="1">
+            <a:off x="12234509" y="4439687"/>
+            <a:ext cx="616072" cy="278415"/>
+          </a:xfrm>
+          <a:prstGeom prst="bentConnector3">
+            <a:avLst>
+              <a:gd name="adj1" fmla="val 50000"/>
+            </a:avLst>
+          </a:prstGeom>
+          <a:noFill/>
+          <a:ln w="50800">
+            <a:headEnd type="triangle"/>
+            <a:tailEnd type="triangle"/>
+          </a:ln>
+        </p:spPr>
+        <p:style>
+          <a:lnRef idx="2">
+            <a:schemeClr val="accent1">
+              <a:shade val="50000"/>
+            </a:schemeClr>
+          </a:lnRef>
+          <a:fillRef idx="1">
+            <a:schemeClr val="accent1"/>
+          </a:fillRef>
+          <a:effectRef idx="0">
+            <a:schemeClr val="accent1"/>
+          </a:effectRef>
+          <a:fontRef idx="minor">
+            <a:schemeClr val="lt1"/>
+          </a:fontRef>
+        </p:style>
+      </p:cxnSp>
+      <p:sp>
+        <p:nvSpPr>
+          <p:cNvPr id="162" name="직사각형 161">
+            <a:extLst>
+              <a:ext uri="{FF2B5EF4-FFF2-40B4-BE49-F238E27FC236}">
+                <a16:creationId xmlns:a16="http://schemas.microsoft.com/office/drawing/2014/main" id="{02FB78D4-135D-4A55-8CB8-04C547A50278}"/>
+              </a:ext>
+            </a:extLst>
+          </p:cNvPr>
+          <p:cNvSpPr/>
+          <p:nvPr/>
+        </p:nvSpPr>
+        <p:spPr>
+          <a:xfrm>
+            <a:off x="8333009" y="3312098"/>
+            <a:ext cx="5553485" cy="2633446"/>
+          </a:xfrm>
+          <a:prstGeom prst="rect">
+            <a:avLst/>
+          </a:prstGeom>
+          <a:noFill/>
+        </p:spPr>
+        <p:style>
+          <a:lnRef idx="2">
+            <a:schemeClr val="accent1">
+              <a:shade val="50000"/>
+            </a:schemeClr>
+          </a:lnRef>
+          <a:fillRef idx="1">
+            <a:schemeClr val="accent1"/>
+          </a:fillRef>
+          <a:effectRef idx="0">
+            <a:schemeClr val="accent1"/>
+          </a:effectRef>
+          <a:fontRef idx="minor">
+            <a:schemeClr val="lt1"/>
+          </a:fontRef>
+        </p:style>
+        <p:txBody>
+          <a:bodyPr lIns="18000" tIns="36000" rIns="18000" bIns="36000" rtlCol="0" anchor="t" anchorCtr="0"/>
+          <a:lstStyle/>
+          <a:p>
+            <a:pPr algn="ctr"/>
+            <a:r>
+              <a:rPr lang="ko-KR" altLang="en-US" sz="1600" b="1">
+                <a:solidFill>
+                  <a:schemeClr val="tx1">
+                    <a:lumMod val="65000"/>
+                    <a:lumOff val="35000"/>
+                  </a:schemeClr>
+                </a:solidFill>
+              </a:rPr>
+              <a:t>시스템제어</a:t>
+            </a:r>
+          </a:p>
+        </p:txBody>
+      </p:sp>
+      <p:sp>
+        <p:nvSpPr>
+          <p:cNvPr id="163" name="직사각형 162">
+            <a:extLst>
+              <a:ext uri="{FF2B5EF4-FFF2-40B4-BE49-F238E27FC236}">
+                <a16:creationId xmlns:a16="http://schemas.microsoft.com/office/drawing/2014/main" id="{02FB78D4-135D-4A55-8CB8-04C547A50278}"/>
+              </a:ext>
+            </a:extLst>
+          </p:cNvPr>
+          <p:cNvSpPr/>
+          <p:nvPr/>
+        </p:nvSpPr>
+        <p:spPr>
+          <a:xfrm>
+            <a:off x="8333009" y="6895337"/>
+            <a:ext cx="5553485" cy="1450493"/>
+          </a:xfrm>
+          <a:prstGeom prst="rect">
+            <a:avLst/>
+          </a:prstGeom>
+          <a:noFill/>
+        </p:spPr>
+        <p:style>
+          <a:lnRef idx="2">
+            <a:schemeClr val="accent1">
+              <a:shade val="50000"/>
+            </a:schemeClr>
+          </a:lnRef>
+          <a:fillRef idx="1">
+            <a:schemeClr val="accent1"/>
+          </a:fillRef>
+          <a:effectRef idx="0">
+            <a:schemeClr val="accent1"/>
+          </a:effectRef>
+          <a:fontRef idx="minor">
+            <a:schemeClr val="lt1"/>
+          </a:fontRef>
+        </p:style>
+        <p:txBody>
+          <a:bodyPr lIns="18000" tIns="36000" rIns="18000" bIns="36000" rtlCol="0" anchor="t" anchorCtr="0"/>
+          <a:lstStyle/>
+          <a:p>
+            <a:pPr algn="ctr"/>
+            <a:r>
+              <a:rPr lang="ko-KR" altLang="en-US" sz="1600" b="1">
+                <a:solidFill>
+                  <a:schemeClr val="tx1">
+                    <a:lumMod val="65000"/>
+                    <a:lumOff val="35000"/>
+                  </a:schemeClr>
+                </a:solidFill>
+              </a:rPr>
+              <a:t>모니터링</a:t>
+            </a:r>
+          </a:p>
+        </p:txBody>
+      </p:sp>
+    </p:spTree>
+    <p:extLst>
+      <p:ext uri="{BB962C8B-B14F-4D97-AF65-F5344CB8AC3E}">
+        <p14:creationId xmlns:p14="http://schemas.microsoft.com/office/powerpoint/2010/main" val="3521742891"/>
+      </p:ext>
+    </p:extLst>
+  </p:cSld>
+  <p:clrMapOvr>
+    <a:masterClrMapping/>
+  </p:clrMapOvr>
+</p:sld>
+</file>
+
+<file path=ppt/slides/slide5.xml><?xml version="1.0" encoding="utf-8"?>
+<p:sld xmlns:a="http://schemas.openxmlformats.org/drawingml/2006/main" xmlns:r="http://schemas.openxmlformats.org/officeDocument/2006/relationships" xmlns:p="http://schemas.openxmlformats.org/presentationml/2006/main">
+  <p:cSld>
+    <p:spTree>
+      <p:nvGrpSpPr>
+        <p:cNvPr id="1" name=""/>
+        <p:cNvGrpSpPr/>
+        <p:nvPr/>
+      </p:nvGrpSpPr>
+      <p:grpSpPr>
+        <a:xfrm>
+          <a:off x="0" y="0"/>
+          <a:ext cx="0" cy="0"/>
+          <a:chOff x="0" y="0"/>
+          <a:chExt cx="0" cy="0"/>
+        </a:xfrm>
+      </p:grpSpPr>
+      <p:sp>
+        <p:nvSpPr>
+          <p:cNvPr id="3" name="슬라이드 번호 개체 틀 2">
+            <a:extLst>
+              <a:ext uri="{FF2B5EF4-FFF2-40B4-BE49-F238E27FC236}">
+                <a16:creationId xmlns:a16="http://schemas.microsoft.com/office/drawing/2014/main" id="{9BD94DA3-C306-4E39-B8BC-9650ACB1EC97}"/>
+              </a:ext>
+            </a:extLst>
+          </p:cNvPr>
+          <p:cNvSpPr>
+            <a:spLocks noGrp="1"/>
+          </p:cNvSpPr>
+          <p:nvPr>
+            <p:ph type="sldNum" sz="quarter" idx="12"/>
+          </p:nvPr>
+        </p:nvSpPr>
+        <p:spPr/>
+        <p:txBody>
+          <a:bodyPr/>
+          <a:lstStyle/>
+          <a:p>
+            <a:fld id="{83FD6675-1775-473F-B12B-1A4033AC630B}" type="slidenum">
+              <a:rPr lang="ko-KR" altLang="en-US" smtClean="0"/>
+              <a:t>5</a:t>
+            </a:fld>
+            <a:endParaRPr lang="ko-KR" altLang="en-US"/>
+          </a:p>
+        </p:txBody>
+      </p:sp>
+      <p:sp>
+        <p:nvSpPr>
+          <p:cNvPr id="4" name="제목 3">
+            <a:extLst>
+              <a:ext uri="{FF2B5EF4-FFF2-40B4-BE49-F238E27FC236}">
+                <a16:creationId xmlns:a16="http://schemas.microsoft.com/office/drawing/2014/main" id="{B53B3B9E-B8D7-48BD-98C1-CBE1373D88DF}"/>
+              </a:ext>
+            </a:extLst>
+          </p:cNvPr>
+          <p:cNvSpPr>
+            <a:spLocks noGrp="1"/>
+          </p:cNvSpPr>
+          <p:nvPr>
+            <p:ph type="title"/>
+          </p:nvPr>
+        </p:nvSpPr>
+        <p:spPr/>
+        <p:txBody>
+          <a:bodyPr/>
+          <a:lstStyle/>
+          <a:p>
+            <a:endParaRPr lang="ko-KR" altLang="en-US"/>
+          </a:p>
+        </p:txBody>
+      </p:sp>
+      <p:grpSp>
+        <p:nvGrpSpPr>
+          <p:cNvPr id="16" name="그룹 15">
+            <a:extLst>
+              <a:ext uri="{FF2B5EF4-FFF2-40B4-BE49-F238E27FC236}">
+                <a16:creationId xmlns:a16="http://schemas.microsoft.com/office/drawing/2014/main" id="{87F80209-D4FA-4D3E-BA7A-F381E903883B}"/>
+              </a:ext>
+            </a:extLst>
+          </p:cNvPr>
+          <p:cNvGrpSpPr>
+            <a:grpSpLocks noChangeAspect="1"/>
+          </p:cNvGrpSpPr>
+          <p:nvPr/>
+        </p:nvGrpSpPr>
+        <p:grpSpPr>
+          <a:xfrm>
+            <a:off x="539044" y="1763341"/>
+            <a:ext cx="8366803" cy="4200525"/>
+            <a:chOff x="2726480" y="718371"/>
+            <a:chExt cx="10697228" cy="5370507"/>
+          </a:xfrm>
+        </p:grpSpPr>
+        <p:pic>
+          <p:nvPicPr>
+            <p:cNvPr id="17" name="그림 16">
+              <a:extLst>
+                <a:ext uri="{FF2B5EF4-FFF2-40B4-BE49-F238E27FC236}">
+                  <a16:creationId xmlns:a16="http://schemas.microsoft.com/office/drawing/2014/main" id="{C378E0B3-20C0-4DB9-8A9D-333F312195B8}"/>
+                </a:ext>
+              </a:extLst>
+            </p:cNvPr>
+            <p:cNvPicPr>
+              <a:picLocks noChangeAspect="1"/>
+            </p:cNvPicPr>
+            <p:nvPr/>
+          </p:nvPicPr>
+          <p:blipFill rotWithShape="1">
+            <a:blip r:embed="rId2"/>
+            <a:srcRect l="29130"/>
+            <a:stretch/>
+          </p:blipFill>
+          <p:spPr>
+            <a:xfrm>
+              <a:off x="2726480" y="718371"/>
+              <a:ext cx="5299173" cy="5370507"/>
+            </a:xfrm>
+            <a:prstGeom prst="rect">
+              <a:avLst/>
+            </a:prstGeom>
+          </p:spPr>
+        </p:pic>
+        <p:pic>
+          <p:nvPicPr>
+            <p:cNvPr id="18" name="그림 17">
+              <a:extLst>
+                <a:ext uri="{FF2B5EF4-FFF2-40B4-BE49-F238E27FC236}">
+                  <a16:creationId xmlns:a16="http://schemas.microsoft.com/office/drawing/2014/main" id="{9E7C5909-93F7-4619-BD03-5B859D3F40FC}"/>
+                </a:ext>
+              </a:extLst>
+            </p:cNvPr>
+            <p:cNvPicPr>
+              <a:picLocks noChangeAspect="1"/>
+            </p:cNvPicPr>
+            <p:nvPr/>
+          </p:nvPicPr>
+          <p:blipFill>
+            <a:blip r:embed="rId3"/>
+            <a:stretch>
+              <a:fillRect/>
+            </a:stretch>
+          </p:blipFill>
+          <p:spPr>
+            <a:xfrm>
+              <a:off x="8124536" y="718371"/>
+              <a:ext cx="5299172" cy="5370507"/>
+            </a:xfrm>
+            <a:prstGeom prst="rect">
+              <a:avLst/>
+            </a:prstGeom>
+          </p:spPr>
+        </p:pic>
+      </p:grpSp>
+      <p:grpSp>
+        <p:nvGrpSpPr>
+          <p:cNvPr id="19" name="그룹 18">
+            <a:extLst>
+              <a:ext uri="{FF2B5EF4-FFF2-40B4-BE49-F238E27FC236}">
+                <a16:creationId xmlns:a16="http://schemas.microsoft.com/office/drawing/2014/main" id="{95F0333C-21EB-413F-A3F8-976FE40D9BB3}"/>
+              </a:ext>
+            </a:extLst>
+          </p:cNvPr>
+          <p:cNvGrpSpPr/>
+          <p:nvPr/>
+        </p:nvGrpSpPr>
+        <p:grpSpPr>
+          <a:xfrm>
+            <a:off x="4283460" y="6723064"/>
+            <a:ext cx="10161782" cy="3590386"/>
+            <a:chOff x="690652" y="813382"/>
+            <a:chExt cx="10161782" cy="3590386"/>
+          </a:xfrm>
+        </p:grpSpPr>
+        <p:pic>
+          <p:nvPicPr>
+            <p:cNvPr id="20" name="그림 19">
+              <a:extLst>
+                <a:ext uri="{FF2B5EF4-FFF2-40B4-BE49-F238E27FC236}">
+                  <a16:creationId xmlns:a16="http://schemas.microsoft.com/office/drawing/2014/main" id="{D19D2634-9112-4C64-BCB7-54A222C784F2}"/>
+                </a:ext>
+              </a:extLst>
+            </p:cNvPr>
+            <p:cNvPicPr>
+              <a:picLocks noChangeAspect="1"/>
+            </p:cNvPicPr>
+            <p:nvPr/>
+          </p:nvPicPr>
+          <p:blipFill>
+            <a:blip r:embed="rId4"/>
+            <a:stretch>
+              <a:fillRect/>
+            </a:stretch>
+          </p:blipFill>
+          <p:spPr>
+            <a:xfrm>
+              <a:off x="690652" y="1846853"/>
+              <a:ext cx="5945549" cy="1523444"/>
+            </a:xfrm>
+            <a:prstGeom prst="rect">
+              <a:avLst/>
+            </a:prstGeom>
+          </p:spPr>
+        </p:pic>
+        <p:pic>
+          <p:nvPicPr>
+            <p:cNvPr id="21" name="그림 20">
+              <a:extLst>
+                <a:ext uri="{FF2B5EF4-FFF2-40B4-BE49-F238E27FC236}">
+                  <a16:creationId xmlns:a16="http://schemas.microsoft.com/office/drawing/2014/main" id="{BA8CDB48-8E37-47D3-A3D5-E93B9D2A906B}"/>
+                </a:ext>
+              </a:extLst>
+            </p:cNvPr>
+            <p:cNvPicPr>
+              <a:picLocks noChangeAspect="1"/>
+            </p:cNvPicPr>
+            <p:nvPr/>
+          </p:nvPicPr>
+          <p:blipFill>
+            <a:blip r:embed="rId5"/>
+            <a:stretch>
+              <a:fillRect/>
+            </a:stretch>
+          </p:blipFill>
+          <p:spPr>
+            <a:xfrm>
+              <a:off x="6636201" y="813382"/>
+              <a:ext cx="4216233" cy="3590386"/>
+            </a:xfrm>
+            <a:prstGeom prst="rect">
+              <a:avLst/>
+            </a:prstGeom>
+          </p:spPr>
+        </p:pic>
+      </p:grpSp>
+      <p:grpSp>
+        <p:nvGrpSpPr>
+          <p:cNvPr id="22" name="그룹 21">
+            <a:extLst>
+              <a:ext uri="{FF2B5EF4-FFF2-40B4-BE49-F238E27FC236}">
+                <a16:creationId xmlns:a16="http://schemas.microsoft.com/office/drawing/2014/main" id="{2BEBAB9D-4A80-452B-9503-A59414ED33E2}"/>
+              </a:ext>
+            </a:extLst>
+          </p:cNvPr>
+          <p:cNvGrpSpPr/>
+          <p:nvPr/>
+        </p:nvGrpSpPr>
+        <p:grpSpPr>
+          <a:xfrm>
+            <a:off x="9648056" y="1690057"/>
+            <a:ext cx="7620000" cy="3724275"/>
+            <a:chOff x="1949569" y="1290800"/>
+            <a:chExt cx="7620000" cy="3724275"/>
+          </a:xfrm>
+        </p:grpSpPr>
+        <p:pic>
+          <p:nvPicPr>
+            <p:cNvPr id="23" name="그림 22">
+              <a:extLst>
+                <a:ext uri="{FF2B5EF4-FFF2-40B4-BE49-F238E27FC236}">
+                  <a16:creationId xmlns:a16="http://schemas.microsoft.com/office/drawing/2014/main" id="{50B53A81-B1C4-4F5B-88E0-8FC583F51C30}"/>
+                </a:ext>
+              </a:extLst>
+            </p:cNvPr>
+            <p:cNvPicPr>
+              <a:picLocks noChangeAspect="1"/>
+            </p:cNvPicPr>
+            <p:nvPr/>
+          </p:nvPicPr>
+          <p:blipFill>
+            <a:blip r:embed="rId6"/>
+            <a:stretch>
+              <a:fillRect/>
+            </a:stretch>
+          </p:blipFill>
+          <p:spPr>
+            <a:xfrm>
+              <a:off x="1949569" y="1290800"/>
+              <a:ext cx="7620000" cy="3724275"/>
+            </a:xfrm>
+            <a:prstGeom prst="rect">
+              <a:avLst/>
+            </a:prstGeom>
+          </p:spPr>
+        </p:pic>
+        <p:sp>
+          <p:nvSpPr>
+            <p:cNvPr id="24" name="직사각형 23">
+              <a:extLst>
+                <a:ext uri="{FF2B5EF4-FFF2-40B4-BE49-F238E27FC236}">
+                  <a16:creationId xmlns:a16="http://schemas.microsoft.com/office/drawing/2014/main" id="{02429518-17DB-4DB5-9DFB-6AAC886DCC41}"/>
+                </a:ext>
+              </a:extLst>
+            </p:cNvPr>
+            <p:cNvSpPr/>
+            <p:nvPr/>
+          </p:nvSpPr>
+          <p:spPr>
+            <a:xfrm>
+              <a:off x="2009955" y="1751163"/>
+              <a:ext cx="301924" cy="225276"/>
+            </a:xfrm>
+            <a:prstGeom prst="rect">
+              <a:avLst/>
+            </a:prstGeom>
+            <a:noFill/>
+            <a:ln w="28575">
+              <a:solidFill>
+                <a:srgbClr val="FF0000"/>
+              </a:solidFill>
+            </a:ln>
+          </p:spPr>
+          <p:style>
+            <a:lnRef idx="2">
+              <a:schemeClr val="accent1">
+                <a:shade val="50000"/>
+              </a:schemeClr>
+            </a:lnRef>
+            <a:fillRef idx="1">
+              <a:schemeClr val="accent1"/>
+            </a:fillRef>
+            <a:effectRef idx="0">
+              <a:schemeClr val="accent1"/>
+            </a:effectRef>
+            <a:fontRef idx="minor">
+              <a:schemeClr val="lt1"/>
+            </a:fontRef>
+          </p:style>
+          <p:txBody>
+            <a:bodyPr rtlCol="0" anchor="ctr"/>
+            <a:lstStyle/>
+            <a:p>
+              <a:pPr algn="ctr"/>
+              <a:endParaRPr lang="ko-KR" altLang="en-US"/>
+            </a:p>
+          </p:txBody>
+        </p:sp>
+        <p:sp>
+          <p:nvSpPr>
+            <p:cNvPr id="25" name="직사각형 24">
+              <a:extLst>
+                <a:ext uri="{FF2B5EF4-FFF2-40B4-BE49-F238E27FC236}">
+                  <a16:creationId xmlns:a16="http://schemas.microsoft.com/office/drawing/2014/main" id="{219A1349-94E9-4A10-A465-34DF9F9C2D3B}"/>
+                </a:ext>
+              </a:extLst>
+            </p:cNvPr>
+            <p:cNvSpPr/>
+            <p:nvPr/>
+          </p:nvSpPr>
+          <p:spPr>
+            <a:xfrm>
+              <a:off x="2379094" y="1751163"/>
+              <a:ext cx="301924" cy="225276"/>
+            </a:xfrm>
+            <a:prstGeom prst="rect">
+              <a:avLst/>
+            </a:prstGeom>
+            <a:noFill/>
+            <a:ln w="28575">
+              <a:solidFill>
+                <a:srgbClr val="FF0000"/>
+              </a:solidFill>
+            </a:ln>
+          </p:spPr>
+          <p:style>
+            <a:lnRef idx="2">
+              <a:schemeClr val="accent1">
+                <a:shade val="50000"/>
+              </a:schemeClr>
+            </a:lnRef>
+            <a:fillRef idx="1">
+              <a:schemeClr val="accent1"/>
+            </a:fillRef>
+            <a:effectRef idx="0">
+              <a:schemeClr val="accent1"/>
+            </a:effectRef>
+            <a:fontRef idx="minor">
+              <a:schemeClr val="lt1"/>
+            </a:fontRef>
+          </p:style>
+          <p:txBody>
+            <a:bodyPr rtlCol="0" anchor="ctr"/>
+            <a:lstStyle/>
+            <a:p>
+              <a:pPr algn="ctr"/>
+              <a:endParaRPr lang="ko-KR" altLang="en-US"/>
+            </a:p>
+          </p:txBody>
+        </p:sp>
+        <p:sp>
+          <p:nvSpPr>
+            <p:cNvPr id="26" name="직사각형 25">
+              <a:extLst>
+                <a:ext uri="{FF2B5EF4-FFF2-40B4-BE49-F238E27FC236}">
+                  <a16:creationId xmlns:a16="http://schemas.microsoft.com/office/drawing/2014/main" id="{7F32C655-8CCB-4C96-92C9-8FE13EDD9FCA}"/>
+                </a:ext>
+              </a:extLst>
+            </p:cNvPr>
+            <p:cNvSpPr/>
+            <p:nvPr/>
+          </p:nvSpPr>
+          <p:spPr>
+            <a:xfrm>
+              <a:off x="7244392" y="1751163"/>
+              <a:ext cx="1899608" cy="225276"/>
+            </a:xfrm>
+            <a:prstGeom prst="rect">
+              <a:avLst/>
+            </a:prstGeom>
+            <a:noFill/>
+            <a:ln w="28575">
+              <a:solidFill>
+                <a:srgbClr val="FF0000"/>
+              </a:solidFill>
+            </a:ln>
+          </p:spPr>
+          <p:style>
+            <a:lnRef idx="2">
+              <a:schemeClr val="accent1">
+                <a:shade val="50000"/>
+              </a:schemeClr>
+            </a:lnRef>
+            <a:fillRef idx="1">
+              <a:schemeClr val="accent1"/>
+            </a:fillRef>
+            <a:effectRef idx="0">
+              <a:schemeClr val="accent1"/>
+            </a:effectRef>
+            <a:fontRef idx="minor">
+              <a:schemeClr val="lt1"/>
+            </a:fontRef>
+          </p:style>
+          <p:txBody>
+            <a:bodyPr rtlCol="0" anchor="ctr"/>
+            <a:lstStyle/>
+            <a:p>
+              <a:pPr algn="ctr"/>
+              <a:endParaRPr lang="ko-KR" altLang="en-US"/>
+            </a:p>
+          </p:txBody>
+        </p:sp>
+        <p:sp>
+          <p:nvSpPr>
+            <p:cNvPr id="27" name="TextBox 26">
+              <a:extLst>
+                <a:ext uri="{FF2B5EF4-FFF2-40B4-BE49-F238E27FC236}">
+                  <a16:creationId xmlns:a16="http://schemas.microsoft.com/office/drawing/2014/main" id="{1D3A4399-56C2-426C-AFFD-AE8A56B6CAF5}"/>
+                </a:ext>
+              </a:extLst>
+            </p:cNvPr>
+            <p:cNvSpPr txBox="1"/>
+            <p:nvPr/>
+          </p:nvSpPr>
+          <p:spPr>
+            <a:xfrm>
+              <a:off x="7077074" y="1950211"/>
+              <a:ext cx="2389517" cy="369332"/>
+            </a:xfrm>
+            <a:prstGeom prst="rect">
+              <a:avLst/>
+            </a:prstGeom>
+            <a:solidFill>
+              <a:schemeClr val="bg1"/>
+            </a:solidFill>
+            <a:ln w="28575">
+              <a:solidFill>
+                <a:srgbClr val="FF0000"/>
+              </a:solidFill>
+            </a:ln>
+          </p:spPr>
+          <p:txBody>
+            <a:bodyPr wrap="square" rtlCol="0">
+              <a:spAutoFit/>
+            </a:bodyPr>
+            <a:lstStyle/>
+            <a:p>
+              <a:r>
+                <a:rPr lang="ko-KR" altLang="en-US" sz="1800">
+                  <a:solidFill>
+                    <a:srgbClr val="0000FF"/>
+                  </a:solidFill>
+                </a:rPr>
+                <a:t>타겟을 </a:t>
+              </a:r>
+              <a:r>
+                <a:rPr lang="en-US" altLang="ko-KR" sz="1800">
+                  <a:solidFill>
+                    <a:srgbClr val="0000FF"/>
+                  </a:solidFill>
+                </a:rPr>
+                <a:t>esp32</a:t>
+              </a:r>
+              <a:r>
+                <a:rPr lang="ko-KR" altLang="en-US" sz="1800">
+                  <a:solidFill>
+                    <a:srgbClr val="0000FF"/>
+                  </a:solidFill>
+                </a:rPr>
+                <a:t>로 선택</a:t>
+              </a:r>
+            </a:p>
+          </p:txBody>
+        </p:sp>
+        <p:sp>
+          <p:nvSpPr>
+            <p:cNvPr id="28" name="TextBox 27">
+              <a:extLst>
+                <a:ext uri="{FF2B5EF4-FFF2-40B4-BE49-F238E27FC236}">
+                  <a16:creationId xmlns:a16="http://schemas.microsoft.com/office/drawing/2014/main" id="{78B87D06-25E0-4539-B386-763548FB4B3E}"/>
+                </a:ext>
+              </a:extLst>
+            </p:cNvPr>
+            <p:cNvSpPr txBox="1"/>
+            <p:nvPr/>
+          </p:nvSpPr>
+          <p:spPr>
+            <a:xfrm>
+              <a:off x="2153996" y="1958837"/>
+              <a:ext cx="1287943" cy="369332"/>
+            </a:xfrm>
+            <a:prstGeom prst="rect">
+              <a:avLst/>
+            </a:prstGeom>
+            <a:solidFill>
+              <a:schemeClr val="bg1"/>
+            </a:solidFill>
+            <a:ln w="28575">
+              <a:solidFill>
+                <a:srgbClr val="FF0000"/>
+              </a:solidFill>
+            </a:ln>
+          </p:spPr>
+          <p:txBody>
+            <a:bodyPr wrap="square" rtlCol="0">
+              <a:spAutoFit/>
+            </a:bodyPr>
+            <a:lstStyle/>
+            <a:p>
+              <a:r>
+                <a:rPr lang="ko-KR" altLang="en-US" sz="1800">
+                  <a:solidFill>
+                    <a:srgbClr val="0000FF"/>
+                  </a:solidFill>
+                </a:rPr>
+                <a:t>빌드</a:t>
+              </a:r>
+              <a:r>
+                <a:rPr lang="en-US" altLang="ko-KR" sz="1800">
+                  <a:solidFill>
+                    <a:srgbClr val="0000FF"/>
+                  </a:solidFill>
+                </a:rPr>
+                <a:t>&amp;</a:t>
+              </a:r>
+              <a:r>
+                <a:rPr lang="ko-KR" altLang="en-US" sz="1800">
+                  <a:solidFill>
+                    <a:srgbClr val="0000FF"/>
+                  </a:solidFill>
+                </a:rPr>
+                <a:t>실행</a:t>
+              </a:r>
+            </a:p>
+          </p:txBody>
+        </p:sp>
+      </p:grpSp>
+    </p:spTree>
+    <p:extLst>
+      <p:ext uri="{BB962C8B-B14F-4D97-AF65-F5344CB8AC3E}">
+        <p14:creationId xmlns:p14="http://schemas.microsoft.com/office/powerpoint/2010/main" val="1620397729"/>
+      </p:ext>
+    </p:extLst>
+  </p:cSld>
+  <p:clrMapOvr>
+    <a:masterClrMapping/>
+  </p:clrMapOvr>
+</p:sld>
+</file>
+
+<file path=ppt/slides/slide6.xml><?xml version="1.0" encoding="utf-8"?>
+<p:sld xmlns:a="http://schemas.openxmlformats.org/drawingml/2006/main" xmlns:r="http://schemas.openxmlformats.org/officeDocument/2006/relationships" xmlns:p="http://schemas.openxmlformats.org/presentationml/2006/main">
+  <p:cSld>
+    <p:spTree>
+      <p:nvGrpSpPr>
+        <p:cNvPr id="1" name=""/>
+        <p:cNvGrpSpPr/>
+        <p:nvPr/>
+      </p:nvGrpSpPr>
+      <p:grpSpPr>
+        <a:xfrm>
+          <a:off x="0" y="0"/>
+          <a:ext cx="0" cy="0"/>
+          <a:chOff x="0" y="0"/>
+          <a:chExt cx="0" cy="0"/>
+        </a:xfrm>
+      </p:grpSpPr>
+      <p:sp>
+        <p:nvSpPr>
+          <p:cNvPr id="3" name="슬라이드 번호 개체 틀 2">
+            <a:extLst>
+              <a:ext uri="{FF2B5EF4-FFF2-40B4-BE49-F238E27FC236}">
+                <a16:creationId xmlns:a16="http://schemas.microsoft.com/office/drawing/2014/main" id="{CD2973B3-C28C-4B59-9FCD-C9EFFB2608F5}"/>
+              </a:ext>
+            </a:extLst>
+          </p:cNvPr>
+          <p:cNvSpPr>
+            <a:spLocks noGrp="1"/>
+          </p:cNvSpPr>
+          <p:nvPr>
+            <p:ph type="sldNum" sz="quarter" idx="12"/>
+          </p:nvPr>
+        </p:nvSpPr>
+        <p:spPr/>
+        <p:txBody>
+          <a:bodyPr/>
+          <a:lstStyle/>
+          <a:p>
+            <a:fld id="{83FD6675-1775-473F-B12B-1A4033AC630B}" type="slidenum">
+              <a:rPr lang="ko-KR" altLang="en-US" smtClean="0"/>
+              <a:t>6</a:t>
+            </a:fld>
+            <a:endParaRPr lang="ko-KR" altLang="en-US"/>
+          </a:p>
+        </p:txBody>
+      </p:sp>
+      <p:sp>
+        <p:nvSpPr>
+          <p:cNvPr id="4" name="제목 3">
+            <a:extLst>
+              <a:ext uri="{FF2B5EF4-FFF2-40B4-BE49-F238E27FC236}">
+                <a16:creationId xmlns:a16="http://schemas.microsoft.com/office/drawing/2014/main" id="{154D781D-E0AB-4CF3-B642-B401C2A9C9CC}"/>
+              </a:ext>
+            </a:extLst>
+          </p:cNvPr>
+          <p:cNvSpPr>
+            <a:spLocks noGrp="1"/>
+          </p:cNvSpPr>
+          <p:nvPr>
+            <p:ph type="title"/>
+          </p:nvPr>
+        </p:nvSpPr>
+        <p:spPr/>
+        <p:txBody>
+          <a:bodyPr/>
+          <a:lstStyle/>
+          <a:p>
+            <a:r>
+              <a:rPr lang="en-US" altLang="ko-KR"/>
+              <a:t>GPIO</a:t>
+            </a:r>
+            <a:endParaRPr lang="ko-KR" altLang="en-US"/>
+          </a:p>
+        </p:txBody>
+      </p:sp>
+      <p:grpSp>
+        <p:nvGrpSpPr>
+          <p:cNvPr id="5" name="그룹 4">
+            <a:extLst>
+              <a:ext uri="{FF2B5EF4-FFF2-40B4-BE49-F238E27FC236}">
+                <a16:creationId xmlns:a16="http://schemas.microsoft.com/office/drawing/2014/main" id="{5FCD1301-8257-4EC4-874B-DD6A20BFD28A}"/>
+              </a:ext>
+            </a:extLst>
+          </p:cNvPr>
+          <p:cNvGrpSpPr/>
+          <p:nvPr/>
+        </p:nvGrpSpPr>
+        <p:grpSpPr>
+          <a:xfrm>
+            <a:off x="3429150" y="2231393"/>
+            <a:ext cx="9918400" cy="6763109"/>
+            <a:chOff x="1136800" y="47445"/>
+            <a:chExt cx="9918400" cy="6763109"/>
+          </a:xfrm>
+        </p:grpSpPr>
+        <p:pic>
+          <p:nvPicPr>
+            <p:cNvPr id="6" name="그림 5">
+              <a:extLst>
+                <a:ext uri="{FF2B5EF4-FFF2-40B4-BE49-F238E27FC236}">
+                  <a16:creationId xmlns:a16="http://schemas.microsoft.com/office/drawing/2014/main" id="{1B3C377C-E879-44F1-B637-EB9337100CC2}"/>
+                </a:ext>
+              </a:extLst>
+            </p:cNvPr>
+            <p:cNvPicPr>
+              <a:picLocks noChangeAspect="1"/>
+            </p:cNvPicPr>
+            <p:nvPr/>
+          </p:nvPicPr>
+          <p:blipFill>
+            <a:blip r:embed="rId2">
+              <a:extLst>
+                <a:ext uri="{28A0092B-C50C-407E-A947-70E740481C1C}">
+                  <a14:useLocalDpi xmlns:a14="http://schemas.microsoft.com/office/drawing/2010/main" val="0"/>
+                </a:ext>
+              </a:extLst>
+            </a:blip>
+            <a:stretch>
+              <a:fillRect/>
+            </a:stretch>
+          </p:blipFill>
+          <p:spPr>
+            <a:xfrm>
+              <a:off x="1136800" y="47445"/>
+              <a:ext cx="9918400" cy="6763109"/>
+            </a:xfrm>
+            <a:prstGeom prst="rect">
+              <a:avLst/>
+            </a:prstGeom>
+          </p:spPr>
+        </p:pic>
+        <p:sp>
+          <p:nvSpPr>
+            <p:cNvPr id="7" name="직사각형 6">
+              <a:extLst>
+                <a:ext uri="{FF2B5EF4-FFF2-40B4-BE49-F238E27FC236}">
+                  <a16:creationId xmlns:a16="http://schemas.microsoft.com/office/drawing/2014/main" id="{150F924C-20EF-4F0D-9986-796F9ABDF399}"/>
+                </a:ext>
+              </a:extLst>
+            </p:cNvPr>
+            <p:cNvSpPr/>
+            <p:nvPr/>
+          </p:nvSpPr>
+          <p:spPr>
+            <a:xfrm>
+              <a:off x="6851650" y="2800350"/>
+              <a:ext cx="2831642" cy="349250"/>
+            </a:xfrm>
+            <a:prstGeom prst="rect">
+              <a:avLst/>
+            </a:prstGeom>
+            <a:solidFill>
+              <a:schemeClr val="accent1">
+                <a:alpha val="50000"/>
+              </a:schemeClr>
+            </a:solidFill>
+            <a:ln w="25400"/>
+          </p:spPr>
+          <p:style>
+            <a:lnRef idx="2">
+              <a:schemeClr val="accent1">
+                <a:shade val="50000"/>
+              </a:schemeClr>
+            </a:lnRef>
+            <a:fillRef idx="1">
+              <a:schemeClr val="accent1"/>
+            </a:fillRef>
+            <a:effectRef idx="0">
+              <a:schemeClr val="accent1"/>
+            </a:effectRef>
+            <a:fontRef idx="minor">
+              <a:schemeClr val="lt1"/>
+            </a:fontRef>
+          </p:style>
+          <p:txBody>
+            <a:bodyPr rtlCol="0" anchor="ctr"/>
+            <a:lstStyle/>
+            <a:p>
+              <a:pPr algn="ctr"/>
+              <a:endParaRPr lang="ko-KR" altLang="en-US"/>
+            </a:p>
+          </p:txBody>
+        </p:sp>
+        <p:sp>
+          <p:nvSpPr>
+            <p:cNvPr id="8" name="직사각형 7">
+              <a:extLst>
+                <a:ext uri="{FF2B5EF4-FFF2-40B4-BE49-F238E27FC236}">
+                  <a16:creationId xmlns:a16="http://schemas.microsoft.com/office/drawing/2014/main" id="{2047BD29-5B95-4907-AB24-27AF11A2A3C5}"/>
+                </a:ext>
+              </a:extLst>
+            </p:cNvPr>
+            <p:cNvSpPr/>
+            <p:nvPr/>
+          </p:nvSpPr>
+          <p:spPr>
+            <a:xfrm>
+              <a:off x="6851650" y="3149600"/>
+              <a:ext cx="2838450" cy="184150"/>
+            </a:xfrm>
+            <a:prstGeom prst="rect">
+              <a:avLst/>
+            </a:prstGeom>
+            <a:solidFill>
+              <a:schemeClr val="accent2">
+                <a:alpha val="50000"/>
+              </a:schemeClr>
+            </a:solidFill>
+            <a:ln w="25400">
+              <a:solidFill>
+                <a:schemeClr val="accent2"/>
+              </a:solidFill>
+            </a:ln>
+          </p:spPr>
+          <p:style>
+            <a:lnRef idx="2">
+              <a:schemeClr val="accent1">
+                <a:shade val="50000"/>
+              </a:schemeClr>
+            </a:lnRef>
+            <a:fillRef idx="1">
+              <a:schemeClr val="accent1"/>
+            </a:fillRef>
+            <a:effectRef idx="0">
+              <a:schemeClr val="accent1"/>
+            </a:effectRef>
+            <a:fontRef idx="minor">
+              <a:schemeClr val="lt1"/>
+            </a:fontRef>
+          </p:style>
+          <p:txBody>
+            <a:bodyPr rtlCol="0" anchor="ctr"/>
+            <a:lstStyle/>
+            <a:p>
+              <a:pPr algn="ctr"/>
+              <a:endParaRPr lang="ko-KR" altLang="en-US"/>
+            </a:p>
+          </p:txBody>
+        </p:sp>
+        <p:sp>
+          <p:nvSpPr>
+            <p:cNvPr id="9" name="직사각형 8">
+              <a:extLst>
+                <a:ext uri="{FF2B5EF4-FFF2-40B4-BE49-F238E27FC236}">
+                  <a16:creationId xmlns:a16="http://schemas.microsoft.com/office/drawing/2014/main" id="{4B32C31F-D502-4A10-9F9C-6696ED5DB83F}"/>
+                </a:ext>
+              </a:extLst>
+            </p:cNvPr>
+            <p:cNvSpPr/>
+            <p:nvPr/>
+          </p:nvSpPr>
+          <p:spPr>
+            <a:xfrm>
+              <a:off x="6851649" y="3663950"/>
+              <a:ext cx="2831643" cy="184150"/>
+            </a:xfrm>
+            <a:prstGeom prst="rect">
+              <a:avLst/>
+            </a:prstGeom>
+            <a:solidFill>
+              <a:schemeClr val="accent2">
+                <a:alpha val="50000"/>
+              </a:schemeClr>
+            </a:solidFill>
+            <a:ln w="25400">
+              <a:solidFill>
+                <a:schemeClr val="accent2"/>
+              </a:solidFill>
+            </a:ln>
+          </p:spPr>
+          <p:style>
+            <a:lnRef idx="2">
+              <a:schemeClr val="accent1">
+                <a:shade val="50000"/>
+              </a:schemeClr>
+            </a:lnRef>
+            <a:fillRef idx="1">
+              <a:schemeClr val="accent1"/>
+            </a:fillRef>
+            <a:effectRef idx="0">
+              <a:schemeClr val="accent1"/>
+            </a:effectRef>
+            <a:fontRef idx="minor">
+              <a:schemeClr val="lt1"/>
+            </a:fontRef>
+          </p:style>
+          <p:txBody>
+            <a:bodyPr rtlCol="0" anchor="ctr"/>
+            <a:lstStyle/>
+            <a:p>
+              <a:pPr algn="ctr"/>
+              <a:endParaRPr lang="ko-KR" altLang="en-US"/>
+            </a:p>
+          </p:txBody>
+        </p:sp>
+        <p:sp>
+          <p:nvSpPr>
+            <p:cNvPr id="10" name="TextBox 9">
+              <a:extLst>
+                <a:ext uri="{FF2B5EF4-FFF2-40B4-BE49-F238E27FC236}">
+                  <a16:creationId xmlns:a16="http://schemas.microsoft.com/office/drawing/2014/main" id="{6DAE9B04-460E-4656-B03F-EDBDDBF62CC4}"/>
+                </a:ext>
+              </a:extLst>
+            </p:cNvPr>
+            <p:cNvSpPr txBox="1"/>
+            <p:nvPr/>
+          </p:nvSpPr>
+          <p:spPr>
+            <a:xfrm>
+              <a:off x="10129827" y="2990851"/>
+              <a:ext cx="915315" cy="138499"/>
+            </a:xfrm>
+            <a:prstGeom prst="rect">
+              <a:avLst/>
+            </a:prstGeom>
+            <a:noFill/>
+          </p:spPr>
+          <p:txBody>
+            <a:bodyPr wrap="none" lIns="0" tIns="0" rIns="0" bIns="0" rtlCol="0">
+              <a:spAutoFit/>
+            </a:bodyPr>
+            <a:lstStyle/>
+            <a:p>
+              <a:r>
+                <a:rPr lang="en-US" altLang="ko-KR" sz="900" b="1">
+                  <a:solidFill>
+                    <a:srgbClr val="0000FF"/>
+                  </a:solidFill>
+                </a:rPr>
+                <a:t>GPIO18 </a:t>
+              </a:r>
+              <a:r>
+                <a:rPr lang="ko-KR" altLang="en-US" sz="900" b="1">
+                  <a:solidFill>
+                    <a:srgbClr val="0000FF"/>
+                  </a:solidFill>
+                </a:rPr>
+                <a:t>출력포트</a:t>
+              </a:r>
+            </a:p>
+          </p:txBody>
+        </p:sp>
+        <p:sp>
+          <p:nvSpPr>
+            <p:cNvPr id="11" name="TextBox 10">
+              <a:extLst>
+                <a:ext uri="{FF2B5EF4-FFF2-40B4-BE49-F238E27FC236}">
+                  <a16:creationId xmlns:a16="http://schemas.microsoft.com/office/drawing/2014/main" id="{97020E15-0572-4D36-B9C2-66A1339F388B}"/>
+                </a:ext>
+              </a:extLst>
+            </p:cNvPr>
+            <p:cNvSpPr txBox="1"/>
+            <p:nvPr/>
+          </p:nvSpPr>
+          <p:spPr>
+            <a:xfrm>
+              <a:off x="10129827" y="3207951"/>
+              <a:ext cx="847989" cy="138499"/>
+            </a:xfrm>
+            <a:prstGeom prst="rect">
+              <a:avLst/>
+            </a:prstGeom>
+            <a:noFill/>
+          </p:spPr>
+          <p:txBody>
+            <a:bodyPr wrap="none" lIns="0" tIns="0" rIns="0" bIns="0" rtlCol="0">
+              <a:spAutoFit/>
+            </a:bodyPr>
+            <a:lstStyle/>
+            <a:p>
+              <a:r>
+                <a:rPr lang="en-US" altLang="ko-KR" sz="900" b="1">
+                  <a:solidFill>
+                    <a:srgbClr val="FF0000"/>
+                  </a:solidFill>
+                </a:rPr>
+                <a:t>GPIO5 </a:t>
+              </a:r>
+              <a:r>
+                <a:rPr lang="ko-KR" altLang="en-US" sz="900" b="1">
+                  <a:solidFill>
+                    <a:srgbClr val="FF0000"/>
+                  </a:solidFill>
+                </a:rPr>
+                <a:t>입력포트</a:t>
+              </a:r>
+            </a:p>
+          </p:txBody>
+        </p:sp>
+        <p:sp>
+          <p:nvSpPr>
+            <p:cNvPr id="12" name="TextBox 11">
+              <a:extLst>
+                <a:ext uri="{FF2B5EF4-FFF2-40B4-BE49-F238E27FC236}">
+                  <a16:creationId xmlns:a16="http://schemas.microsoft.com/office/drawing/2014/main" id="{6DC13C81-C84F-47FB-98F9-BC18DEC3B451}"/>
+                </a:ext>
+              </a:extLst>
+            </p:cNvPr>
+            <p:cNvSpPr txBox="1"/>
+            <p:nvPr/>
+          </p:nvSpPr>
+          <p:spPr>
+            <a:xfrm>
+              <a:off x="10129827" y="3674075"/>
+              <a:ext cx="847989" cy="138499"/>
+            </a:xfrm>
+            <a:prstGeom prst="rect">
+              <a:avLst/>
+            </a:prstGeom>
+            <a:noFill/>
+          </p:spPr>
+          <p:txBody>
+            <a:bodyPr wrap="none" lIns="0" tIns="0" rIns="0" bIns="0" rtlCol="0">
+              <a:spAutoFit/>
+            </a:bodyPr>
+            <a:lstStyle/>
+            <a:p>
+              <a:r>
+                <a:rPr lang="en-US" altLang="ko-KR" sz="900" b="1">
+                  <a:solidFill>
+                    <a:srgbClr val="FF0000"/>
+                  </a:solidFill>
+                </a:rPr>
+                <a:t>GPIO4 </a:t>
+              </a:r>
+              <a:r>
+                <a:rPr lang="ko-KR" altLang="en-US" sz="900" b="1">
+                  <a:solidFill>
+                    <a:srgbClr val="FF0000"/>
+                  </a:solidFill>
+                </a:rPr>
+                <a:t>출력포트</a:t>
+              </a:r>
+            </a:p>
+          </p:txBody>
+        </p:sp>
+        <p:sp>
+          <p:nvSpPr>
+            <p:cNvPr id="13" name="TextBox 12">
+              <a:extLst>
+                <a:ext uri="{FF2B5EF4-FFF2-40B4-BE49-F238E27FC236}">
+                  <a16:creationId xmlns:a16="http://schemas.microsoft.com/office/drawing/2014/main" id="{EBF2F8AD-AB4F-4AF9-8487-7CD6B0304840}"/>
+                </a:ext>
+              </a:extLst>
+            </p:cNvPr>
+            <p:cNvSpPr txBox="1"/>
+            <p:nvPr/>
+          </p:nvSpPr>
+          <p:spPr>
+            <a:xfrm>
+              <a:off x="10129827" y="2814852"/>
+              <a:ext cx="915315" cy="138499"/>
+            </a:xfrm>
+            <a:prstGeom prst="rect">
+              <a:avLst/>
+            </a:prstGeom>
+            <a:noFill/>
+          </p:spPr>
+          <p:txBody>
+            <a:bodyPr wrap="none" lIns="0" tIns="0" rIns="0" bIns="0" rtlCol="0">
+              <a:spAutoFit/>
+            </a:bodyPr>
+            <a:lstStyle/>
+            <a:p>
+              <a:r>
+                <a:rPr lang="en-US" altLang="ko-KR" sz="900" b="1">
+                  <a:solidFill>
+                    <a:srgbClr val="0000FF"/>
+                  </a:solidFill>
+                </a:rPr>
+                <a:t>GPIO19 </a:t>
+              </a:r>
+              <a:r>
+                <a:rPr lang="ko-KR" altLang="en-US" sz="900" b="1">
+                  <a:solidFill>
+                    <a:srgbClr val="0000FF"/>
+                  </a:solidFill>
+                </a:rPr>
+                <a:t>출력포트</a:t>
+              </a:r>
+            </a:p>
+          </p:txBody>
+        </p:sp>
+        <p:cxnSp>
+          <p:nvCxnSpPr>
+            <p:cNvPr id="14" name="직선 화살표 연결선 13">
+              <a:extLst>
+                <a:ext uri="{FF2B5EF4-FFF2-40B4-BE49-F238E27FC236}">
+                  <a16:creationId xmlns:a16="http://schemas.microsoft.com/office/drawing/2014/main" id="{9D720742-4AD3-4CE9-BE4A-AEEDFB0F3093}"/>
+                </a:ext>
+              </a:extLst>
+            </p:cNvPr>
+            <p:cNvCxnSpPr/>
+            <p:nvPr/>
+          </p:nvCxnSpPr>
+          <p:spPr>
+            <a:xfrm>
+              <a:off x="9683292" y="2895600"/>
+              <a:ext cx="446535" cy="0"/>
+            </a:xfrm>
+            <a:prstGeom prst="straightConnector1">
+              <a:avLst/>
+            </a:prstGeom>
+            <a:ln w="38100">
+              <a:solidFill>
+                <a:srgbClr val="0000FF"/>
+              </a:solidFill>
+              <a:tailEnd type="triangle"/>
+            </a:ln>
+          </p:spPr>
+          <p:style>
+            <a:lnRef idx="1">
+              <a:schemeClr val="accent1"/>
+            </a:lnRef>
+            <a:fillRef idx="0">
+              <a:schemeClr val="accent1"/>
+            </a:fillRef>
+            <a:effectRef idx="0">
+              <a:schemeClr val="accent1"/>
+            </a:effectRef>
+            <a:fontRef idx="minor">
+              <a:schemeClr val="tx1"/>
+            </a:fontRef>
+          </p:style>
+        </p:cxnSp>
+        <p:cxnSp>
+          <p:nvCxnSpPr>
+            <p:cNvPr id="15" name="직선 화살표 연결선 14">
+              <a:extLst>
+                <a:ext uri="{FF2B5EF4-FFF2-40B4-BE49-F238E27FC236}">
+                  <a16:creationId xmlns:a16="http://schemas.microsoft.com/office/drawing/2014/main" id="{678E7CEA-6EBA-4715-9791-B0DECBA22FE9}"/>
+                </a:ext>
+              </a:extLst>
+            </p:cNvPr>
+            <p:cNvCxnSpPr/>
+            <p:nvPr/>
+          </p:nvCxnSpPr>
+          <p:spPr>
+            <a:xfrm>
+              <a:off x="9683292" y="3054350"/>
+              <a:ext cx="446535" cy="0"/>
+            </a:xfrm>
+            <a:prstGeom prst="straightConnector1">
+              <a:avLst/>
+            </a:prstGeom>
+            <a:ln w="38100">
+              <a:solidFill>
+                <a:srgbClr val="0000FF"/>
+              </a:solidFill>
+              <a:tailEnd type="triangle"/>
+            </a:ln>
+          </p:spPr>
+          <p:style>
+            <a:lnRef idx="1">
+              <a:schemeClr val="accent1"/>
+            </a:lnRef>
+            <a:fillRef idx="0">
+              <a:schemeClr val="accent1"/>
+            </a:fillRef>
+            <a:effectRef idx="0">
+              <a:schemeClr val="accent1"/>
+            </a:effectRef>
+            <a:fontRef idx="minor">
+              <a:schemeClr val="tx1"/>
+            </a:fontRef>
+          </p:style>
+        </p:cxnSp>
+        <p:grpSp>
+          <p:nvGrpSpPr>
+            <p:cNvPr id="16" name="그룹 15">
+              <a:extLst>
+                <a:ext uri="{FF2B5EF4-FFF2-40B4-BE49-F238E27FC236}">
+                  <a16:creationId xmlns:a16="http://schemas.microsoft.com/office/drawing/2014/main" id="{E94A6B89-39FB-4102-BB3D-BF5DE6F28779}"/>
+                </a:ext>
+              </a:extLst>
+            </p:cNvPr>
+            <p:cNvGrpSpPr/>
+            <p:nvPr/>
+          </p:nvGrpSpPr>
+          <p:grpSpPr>
+            <a:xfrm>
+              <a:off x="9683292" y="3227001"/>
+              <a:ext cx="446535" cy="516324"/>
+              <a:chOff x="8915400" y="3227001"/>
+              <a:chExt cx="1214427" cy="516324"/>
+            </a:xfrm>
+          </p:grpSpPr>
+          <p:cxnSp>
+            <p:nvCxnSpPr>
+              <p:cNvPr id="17" name="직선 화살표 연결선 16">
+                <a:extLst>
+                  <a:ext uri="{FF2B5EF4-FFF2-40B4-BE49-F238E27FC236}">
+                    <a16:creationId xmlns:a16="http://schemas.microsoft.com/office/drawing/2014/main" id="{79C4B938-EB7B-4FD2-930F-4A0FBE2CE4C3}"/>
+                  </a:ext>
+                </a:extLst>
+              </p:cNvPr>
+              <p:cNvCxnSpPr/>
+              <p:nvPr/>
+            </p:nvCxnSpPr>
+            <p:spPr>
+              <a:xfrm>
+                <a:off x="8915400" y="3227001"/>
+                <a:ext cx="1214427" cy="0"/>
+              </a:xfrm>
+              <a:prstGeom prst="straightConnector1">
+                <a:avLst/>
+              </a:prstGeom>
+              <a:ln w="38100">
+                <a:solidFill>
+                  <a:srgbClr val="FF0000"/>
+                </a:solidFill>
+                <a:tailEnd type="triangle"/>
+              </a:ln>
+            </p:spPr>
+            <p:style>
+              <a:lnRef idx="1">
+                <a:schemeClr val="accent1"/>
+              </a:lnRef>
+              <a:fillRef idx="0">
+                <a:schemeClr val="accent1"/>
+              </a:fillRef>
+              <a:effectRef idx="0">
+                <a:schemeClr val="accent1"/>
+              </a:effectRef>
+              <a:fontRef idx="minor">
+                <a:schemeClr val="tx1"/>
+              </a:fontRef>
+            </p:style>
+          </p:cxnSp>
+          <p:cxnSp>
+            <p:nvCxnSpPr>
+              <p:cNvPr id="18" name="직선 화살표 연결선 17">
+                <a:extLst>
+                  <a:ext uri="{FF2B5EF4-FFF2-40B4-BE49-F238E27FC236}">
+                    <a16:creationId xmlns:a16="http://schemas.microsoft.com/office/drawing/2014/main" id="{B0E70A5E-7ACC-4877-8A4C-DE8A8A5D12D1}"/>
+                  </a:ext>
+                </a:extLst>
+              </p:cNvPr>
+              <p:cNvCxnSpPr/>
+              <p:nvPr/>
+            </p:nvCxnSpPr>
+            <p:spPr>
+              <a:xfrm>
+                <a:off x="8915400" y="3743325"/>
+                <a:ext cx="1214427" cy="0"/>
+              </a:xfrm>
+              <a:prstGeom prst="straightConnector1">
+                <a:avLst/>
+              </a:prstGeom>
+              <a:ln w="38100">
+                <a:solidFill>
+                  <a:srgbClr val="FF0000"/>
+                </a:solidFill>
+                <a:tailEnd type="triangle"/>
+              </a:ln>
+            </p:spPr>
+            <p:style>
+              <a:lnRef idx="1">
+                <a:schemeClr val="accent1"/>
+              </a:lnRef>
+              <a:fillRef idx="0">
+                <a:schemeClr val="accent1"/>
+              </a:fillRef>
+              <a:effectRef idx="0">
+                <a:schemeClr val="accent1"/>
+              </a:effectRef>
+              <a:fontRef idx="minor">
+                <a:schemeClr val="tx1"/>
+              </a:fontRef>
+            </p:style>
+          </p:cxnSp>
+        </p:grpSp>
+      </p:grpSp>
+      <p:sp>
+        <p:nvSpPr>
+          <p:cNvPr id="19" name="TextBox 18">
+            <a:extLst>
+              <a:ext uri="{FF2B5EF4-FFF2-40B4-BE49-F238E27FC236}">
+                <a16:creationId xmlns:a16="http://schemas.microsoft.com/office/drawing/2014/main" id="{411E2C3D-0174-4E7A-A10A-BD05E0BCAE17}"/>
+              </a:ext>
+            </a:extLst>
+          </p:cNvPr>
+          <p:cNvSpPr txBox="1"/>
+          <p:nvPr/>
+        </p:nvSpPr>
+        <p:spPr>
+          <a:xfrm>
+            <a:off x="5343747" y="1901193"/>
+            <a:ext cx="3800252" cy="246221"/>
+          </a:xfrm>
+          <a:prstGeom prst="rect">
+            <a:avLst/>
+          </a:prstGeom>
+          <a:noFill/>
+        </p:spPr>
+        <p:txBody>
+          <a:bodyPr wrap="square" lIns="0" tIns="0" rIns="0" bIns="0" rtlCol="0">
+            <a:spAutoFit/>
+          </a:bodyPr>
+          <a:lstStyle/>
+          <a:p>
+            <a:pPr algn="ctr"/>
+            <a:r>
+              <a:rPr lang="ko-KR" altLang="en-US" sz="1600" b="1"/>
+              <a:t>전체화면 </a:t>
+            </a:r>
+            <a:r>
+              <a:rPr lang="en-US" altLang="ko-KR" sz="1600" b="1">
+                <a:sym typeface="Wingdings" panose="05000000000000000000" pitchFamily="2" charset="2"/>
+              </a:rPr>
+              <a:t> </a:t>
+            </a:r>
+            <a:r>
+              <a:rPr lang="ko-KR" altLang="en-US" sz="1600" b="1">
+                <a:sym typeface="Wingdings" panose="05000000000000000000" pitchFamily="2" charset="2"/>
+              </a:rPr>
+              <a:t>스크롤로 </a:t>
+            </a:r>
+            <a:r>
+              <a:rPr lang="en-US" altLang="ko-KR" sz="1600" b="1">
+                <a:sym typeface="Wingdings" panose="05000000000000000000" pitchFamily="2" charset="2"/>
+              </a:rPr>
+              <a:t>2</a:t>
+            </a:r>
+            <a:r>
+              <a:rPr lang="ko-KR" altLang="en-US" sz="1600" b="1">
+                <a:sym typeface="Wingdings" panose="05000000000000000000" pitchFamily="2" charset="2"/>
+              </a:rPr>
+              <a:t>번 확대 후 캡처</a:t>
+            </a:r>
+            <a:endParaRPr lang="ko-KR" altLang="en-US" sz="1600" b="1"/>
+          </a:p>
+        </p:txBody>
+      </p:sp>
+    </p:spTree>
+    <p:extLst>
+      <p:ext uri="{BB962C8B-B14F-4D97-AF65-F5344CB8AC3E}">
+        <p14:creationId xmlns:p14="http://schemas.microsoft.com/office/powerpoint/2010/main" val="965994333"/>
+      </p:ext>
+    </p:extLst>
+  </p:cSld>
+  <p:clrMapOvr>
+    <a:masterClrMapping/>
+  </p:clrMapOvr>
+</p:sld>
+</file>
+
+<file path=ppt/slides/slide7.xml><?xml version="1.0" encoding="utf-8"?>
+<p:sld xmlns:a="http://schemas.openxmlformats.org/drawingml/2006/main" xmlns:r="http://schemas.openxmlformats.org/officeDocument/2006/relationships" xmlns:p="http://schemas.openxmlformats.org/presentationml/2006/main">
+  <p:cSld>
+    <p:spTree>
+      <p:nvGrpSpPr>
+        <p:cNvPr id="1" name=""/>
+        <p:cNvGrpSpPr/>
+        <p:nvPr/>
+      </p:nvGrpSpPr>
+      <p:grpSpPr>
+        <a:xfrm>
+          <a:off x="0" y="0"/>
+          <a:ext cx="0" cy="0"/>
+          <a:chOff x="0" y="0"/>
+          <a:chExt cx="0" cy="0"/>
+        </a:xfrm>
+      </p:grpSpPr>
+      <p:sp>
+        <p:nvSpPr>
+          <p:cNvPr id="3" name="슬라이드 번호 개체 틀 2">
+            <a:extLst>
+              <a:ext uri="{FF2B5EF4-FFF2-40B4-BE49-F238E27FC236}">
+                <a16:creationId xmlns:a16="http://schemas.microsoft.com/office/drawing/2014/main" id="{7AFBCACE-AA96-4D43-AE7E-6C31C349700E}"/>
+              </a:ext>
+            </a:extLst>
+          </p:cNvPr>
+          <p:cNvSpPr>
+            <a:spLocks noGrp="1"/>
+          </p:cNvSpPr>
+          <p:nvPr>
+            <p:ph type="sldNum" sz="quarter" idx="12"/>
+          </p:nvPr>
+        </p:nvSpPr>
+        <p:spPr/>
+        <p:txBody>
+          <a:bodyPr/>
+          <a:lstStyle/>
+          <a:p>
+            <a:fld id="{83FD6675-1775-473F-B12B-1A4033AC630B}" type="slidenum">
+              <a:rPr lang="ko-KR" altLang="en-US" smtClean="0"/>
+              <a:t>7</a:t>
+            </a:fld>
+            <a:endParaRPr lang="ko-KR" altLang="en-US"/>
+          </a:p>
+        </p:txBody>
+      </p:sp>
+      <p:sp>
+        <p:nvSpPr>
+          <p:cNvPr id="4" name="제목 3">
+            <a:extLst>
+              <a:ext uri="{FF2B5EF4-FFF2-40B4-BE49-F238E27FC236}">
+                <a16:creationId xmlns:a16="http://schemas.microsoft.com/office/drawing/2014/main" id="{FAD9238A-4E6F-4B5D-A187-E07C672E17B9}"/>
+              </a:ext>
+            </a:extLst>
+          </p:cNvPr>
+          <p:cNvSpPr>
+            <a:spLocks noGrp="1"/>
+          </p:cNvSpPr>
+          <p:nvPr>
+            <p:ph type="title"/>
+          </p:nvPr>
+        </p:nvSpPr>
+        <p:spPr/>
+        <p:txBody>
+          <a:bodyPr/>
+          <a:lstStyle/>
+          <a:p>
+            <a:r>
+              <a:rPr lang="en-US" altLang="ko-KR"/>
+              <a:t>UART</a:t>
+            </a:r>
+            <a:endParaRPr lang="ko-KR" altLang="en-US"/>
+          </a:p>
+        </p:txBody>
+      </p:sp>
+      <p:pic>
+        <p:nvPicPr>
+          <p:cNvPr id="7" name="그림 6">
+            <a:extLst>
+              <a:ext uri="{FF2B5EF4-FFF2-40B4-BE49-F238E27FC236}">
+                <a16:creationId xmlns:a16="http://schemas.microsoft.com/office/drawing/2014/main" id="{8A9C6B4A-417D-4EC7-9520-F7E935F7CB68}"/>
+              </a:ext>
+            </a:extLst>
+          </p:cNvPr>
+          <p:cNvPicPr>
+            <a:picLocks noChangeAspect="1"/>
+          </p:cNvPicPr>
+          <p:nvPr/>
+        </p:nvPicPr>
+        <p:blipFill>
+          <a:blip r:embed="rId2">
+            <a:extLst>
+              <a:ext uri="{28A0092B-C50C-407E-A947-70E740481C1C}">
+                <a14:useLocalDpi xmlns:a14="http://schemas.microsoft.com/office/drawing/2010/main" val="0"/>
+              </a:ext>
+            </a:extLst>
+          </a:blip>
+          <a:stretch>
+            <a:fillRect/>
+          </a:stretch>
+        </p:blipFill>
+        <p:spPr>
+          <a:xfrm>
+            <a:off x="1547156" y="2375409"/>
+            <a:ext cx="9918400" cy="6763109"/>
+          </a:xfrm>
+          <a:prstGeom prst="rect">
+            <a:avLst/>
+          </a:prstGeom>
+        </p:spPr>
+      </p:pic>
+      <p:sp>
+        <p:nvSpPr>
+          <p:cNvPr id="9" name="직사각형 8">
+            <a:extLst>
+              <a:ext uri="{FF2B5EF4-FFF2-40B4-BE49-F238E27FC236}">
+                <a16:creationId xmlns:a16="http://schemas.microsoft.com/office/drawing/2014/main" id="{4FD19941-E043-42B8-8765-8D3E3E7D648B}"/>
+              </a:ext>
+            </a:extLst>
+          </p:cNvPr>
+          <p:cNvSpPr/>
+          <p:nvPr/>
+        </p:nvSpPr>
+        <p:spPr>
+          <a:xfrm>
+            <a:off x="7262006" y="5477564"/>
+            <a:ext cx="2838450" cy="184150"/>
+          </a:xfrm>
+          <a:prstGeom prst="rect">
+            <a:avLst/>
+          </a:prstGeom>
+          <a:solidFill>
+            <a:schemeClr val="accent1">
+              <a:alpha val="50000"/>
+            </a:schemeClr>
+          </a:solidFill>
+          <a:ln w="25400"/>
+        </p:spPr>
+        <p:style>
+          <a:lnRef idx="2">
+            <a:schemeClr val="accent1">
+              <a:shade val="50000"/>
+            </a:schemeClr>
+          </a:lnRef>
+          <a:fillRef idx="1">
+            <a:schemeClr val="accent1"/>
+          </a:fillRef>
+          <a:effectRef idx="0">
+            <a:schemeClr val="accent1"/>
+          </a:effectRef>
+          <a:fontRef idx="minor">
+            <a:schemeClr val="lt1"/>
+          </a:fontRef>
+        </p:style>
+        <p:txBody>
+          <a:bodyPr rtlCol="0" anchor="ctr"/>
+          <a:lstStyle/>
+          <a:p>
+            <a:pPr algn="ctr"/>
+            <a:endParaRPr lang="ko-KR" altLang="en-US"/>
+          </a:p>
+        </p:txBody>
+      </p:sp>
+      <p:sp>
+        <p:nvSpPr>
+          <p:cNvPr id="12" name="TextBox 11">
+            <a:extLst>
+              <a:ext uri="{FF2B5EF4-FFF2-40B4-BE49-F238E27FC236}">
+                <a16:creationId xmlns:a16="http://schemas.microsoft.com/office/drawing/2014/main" id="{B7B62BDF-9A27-41D5-AF4B-C55E5B550FE8}"/>
+              </a:ext>
+            </a:extLst>
+          </p:cNvPr>
+          <p:cNvSpPr txBox="1"/>
+          <p:nvPr/>
+        </p:nvSpPr>
+        <p:spPr>
+          <a:xfrm>
+            <a:off x="10228789" y="5295303"/>
+            <a:ext cx="525785" cy="246221"/>
+          </a:xfrm>
+          <a:prstGeom prst="rect">
+            <a:avLst/>
+          </a:prstGeom>
+        </p:spPr>
+        <p:txBody>
+          <a:bodyPr wrap="none" lIns="0" tIns="0" rIns="0" bIns="0" rtlCol="0">
+            <a:spAutoFit/>
+          </a:bodyPr>
+          <a:lstStyle/>
+          <a:p>
+            <a:pPr algn="ctr"/>
+            <a:r>
+              <a:rPr lang="en-US" altLang="ko-KR" sz="800" b="1">
+                <a:solidFill>
+                  <a:srgbClr val="0000FF"/>
+                </a:solidFill>
+              </a:rPr>
+              <a:t>ESP32</a:t>
+            </a:r>
+          </a:p>
+          <a:p>
+            <a:pPr algn="ctr"/>
+            <a:r>
+              <a:rPr lang="en-US" altLang="ko-KR" sz="800" b="1">
+                <a:solidFill>
+                  <a:srgbClr val="0000FF"/>
+                </a:solidFill>
+              </a:rPr>
+              <a:t>GPIO5 Rx2</a:t>
+            </a:r>
+            <a:endParaRPr lang="ko-KR" altLang="en-US" sz="800" b="1">
+              <a:solidFill>
+                <a:srgbClr val="0000FF"/>
+              </a:solidFill>
+            </a:endParaRPr>
+          </a:p>
+        </p:txBody>
+      </p:sp>
+      <p:sp>
+        <p:nvSpPr>
+          <p:cNvPr id="10" name="직사각형 9">
+            <a:extLst>
+              <a:ext uri="{FF2B5EF4-FFF2-40B4-BE49-F238E27FC236}">
+                <a16:creationId xmlns:a16="http://schemas.microsoft.com/office/drawing/2014/main" id="{B606D574-D99B-4F9C-BE9E-EE11F47C6E3D}"/>
+              </a:ext>
+            </a:extLst>
+          </p:cNvPr>
+          <p:cNvSpPr/>
+          <p:nvPr/>
+        </p:nvSpPr>
+        <p:spPr>
+          <a:xfrm>
+            <a:off x="7262005" y="5991914"/>
+            <a:ext cx="2831643" cy="184150"/>
+          </a:xfrm>
+          <a:prstGeom prst="rect">
+            <a:avLst/>
+          </a:prstGeom>
+          <a:solidFill>
+            <a:schemeClr val="accent2">
+              <a:alpha val="50000"/>
+            </a:schemeClr>
+          </a:solidFill>
+          <a:ln w="25400">
+            <a:solidFill>
+              <a:schemeClr val="accent2"/>
+            </a:solidFill>
+          </a:ln>
+        </p:spPr>
+        <p:style>
+          <a:lnRef idx="2">
+            <a:schemeClr val="accent1">
+              <a:shade val="50000"/>
+            </a:schemeClr>
+          </a:lnRef>
+          <a:fillRef idx="1">
+            <a:schemeClr val="accent1"/>
+          </a:fillRef>
+          <a:effectRef idx="0">
+            <a:schemeClr val="accent1"/>
+          </a:effectRef>
+          <a:fontRef idx="minor">
+            <a:schemeClr val="lt1"/>
+          </a:fontRef>
+        </p:style>
+        <p:txBody>
+          <a:bodyPr rtlCol="0" anchor="ctr"/>
+          <a:lstStyle/>
+          <a:p>
+            <a:pPr algn="ctr"/>
+            <a:endParaRPr lang="ko-KR" altLang="en-US"/>
+          </a:p>
+        </p:txBody>
+      </p:sp>
+      <p:sp>
+        <p:nvSpPr>
+          <p:cNvPr id="13" name="TextBox 12">
+            <a:extLst>
+              <a:ext uri="{FF2B5EF4-FFF2-40B4-BE49-F238E27FC236}">
+                <a16:creationId xmlns:a16="http://schemas.microsoft.com/office/drawing/2014/main" id="{E49F0D4A-208C-44E3-8460-D508258DD74E}"/>
+              </a:ext>
+            </a:extLst>
+          </p:cNvPr>
+          <p:cNvSpPr txBox="1"/>
+          <p:nvPr/>
+        </p:nvSpPr>
+        <p:spPr>
+          <a:xfrm>
+            <a:off x="10159512" y="5819880"/>
+            <a:ext cx="517770" cy="246221"/>
+          </a:xfrm>
+          <a:prstGeom prst="rect">
+            <a:avLst/>
+          </a:prstGeom>
+          <a:noFill/>
+        </p:spPr>
+        <p:txBody>
+          <a:bodyPr wrap="none" lIns="0" tIns="0" rIns="0" bIns="0" rtlCol="0">
+            <a:spAutoFit/>
+          </a:bodyPr>
+          <a:lstStyle/>
+          <a:p>
+            <a:pPr algn="ctr"/>
+            <a:r>
+              <a:rPr lang="en-US" altLang="ko-KR" sz="800" b="1">
+                <a:solidFill>
+                  <a:srgbClr val="FF0000"/>
+                </a:solidFill>
+              </a:rPr>
+              <a:t>ESP32</a:t>
+            </a:r>
+          </a:p>
+          <a:p>
+            <a:pPr algn="ctr"/>
+            <a:r>
+              <a:rPr lang="en-US" altLang="ko-KR" sz="800" b="1">
+                <a:solidFill>
+                  <a:srgbClr val="FF0000"/>
+                </a:solidFill>
+              </a:rPr>
+              <a:t>GPIO4 Tx2</a:t>
+            </a:r>
+            <a:endParaRPr lang="ko-KR" altLang="en-US" sz="800" b="1">
+              <a:solidFill>
+                <a:srgbClr val="FF0000"/>
+              </a:solidFill>
+            </a:endParaRPr>
+          </a:p>
+        </p:txBody>
+      </p:sp>
+      <p:sp>
+        <p:nvSpPr>
+          <p:cNvPr id="23" name="직사각형 22">
+            <a:extLst>
+              <a:ext uri="{FF2B5EF4-FFF2-40B4-BE49-F238E27FC236}">
+                <a16:creationId xmlns:a16="http://schemas.microsoft.com/office/drawing/2014/main" id="{CF535638-ED6C-45FA-85B5-E2D63604F75F}"/>
+              </a:ext>
+            </a:extLst>
+          </p:cNvPr>
+          <p:cNvSpPr/>
+          <p:nvPr/>
+        </p:nvSpPr>
+        <p:spPr>
+          <a:xfrm>
+            <a:off x="7262006" y="4619573"/>
+            <a:ext cx="2838450" cy="184150"/>
+          </a:xfrm>
+          <a:prstGeom prst="rect">
+            <a:avLst/>
+          </a:prstGeom>
+          <a:solidFill>
+            <a:schemeClr val="accent1">
+              <a:alpha val="50000"/>
+            </a:schemeClr>
+          </a:solidFill>
+          <a:ln w="25400"/>
+        </p:spPr>
+        <p:style>
+          <a:lnRef idx="2">
+            <a:schemeClr val="accent1">
+              <a:shade val="50000"/>
+            </a:schemeClr>
+          </a:lnRef>
+          <a:fillRef idx="1">
+            <a:schemeClr val="accent1"/>
+          </a:fillRef>
+          <a:effectRef idx="0">
+            <a:schemeClr val="accent1"/>
+          </a:effectRef>
+          <a:fontRef idx="minor">
+            <a:schemeClr val="lt1"/>
+          </a:fontRef>
+        </p:style>
+        <p:txBody>
+          <a:bodyPr rtlCol="0" anchor="ctr"/>
+          <a:lstStyle/>
+          <a:p>
+            <a:pPr algn="ctr"/>
+            <a:endParaRPr lang="ko-KR" altLang="en-US"/>
+          </a:p>
+        </p:txBody>
+      </p:sp>
+      <p:sp>
+        <p:nvSpPr>
+          <p:cNvPr id="24" name="TextBox 23">
+            <a:extLst>
+              <a:ext uri="{FF2B5EF4-FFF2-40B4-BE49-F238E27FC236}">
+                <a16:creationId xmlns:a16="http://schemas.microsoft.com/office/drawing/2014/main" id="{EE387BA3-F11B-41EF-8F6C-CCA48978635A}"/>
+              </a:ext>
+            </a:extLst>
+          </p:cNvPr>
+          <p:cNvSpPr txBox="1"/>
+          <p:nvPr/>
+        </p:nvSpPr>
+        <p:spPr>
+          <a:xfrm>
+            <a:off x="6686853" y="4937916"/>
+            <a:ext cx="346249" cy="276999"/>
+          </a:xfrm>
+          <a:prstGeom prst="rect">
+            <a:avLst/>
+          </a:prstGeom>
+        </p:spPr>
+        <p:txBody>
+          <a:bodyPr wrap="none" lIns="0" tIns="0" rIns="0" bIns="0" rtlCol="0">
+            <a:spAutoFit/>
+          </a:bodyPr>
+          <a:lstStyle/>
+          <a:p>
+            <a:pPr algn="ctr"/>
+            <a:r>
+              <a:rPr lang="en-US" altLang="ko-KR" sz="900" b="1">
+                <a:solidFill>
+                  <a:srgbClr val="0000FF"/>
+                </a:solidFill>
+              </a:rPr>
+              <a:t>GPIO3</a:t>
+            </a:r>
+          </a:p>
+          <a:p>
+            <a:pPr algn="ctr"/>
+            <a:r>
+              <a:rPr lang="en-US" altLang="ko-KR" sz="900" b="1">
+                <a:solidFill>
+                  <a:srgbClr val="0000FF"/>
+                </a:solidFill>
+              </a:rPr>
+              <a:t>Rx0</a:t>
+            </a:r>
+            <a:endParaRPr lang="ko-KR" altLang="en-US" sz="900" b="1">
+              <a:solidFill>
+                <a:srgbClr val="0000FF"/>
+              </a:solidFill>
+            </a:endParaRPr>
+          </a:p>
+        </p:txBody>
+      </p:sp>
+      <p:sp>
+        <p:nvSpPr>
+          <p:cNvPr id="27" name="직사각형 26">
+            <a:extLst>
+              <a:ext uri="{FF2B5EF4-FFF2-40B4-BE49-F238E27FC236}">
+                <a16:creationId xmlns:a16="http://schemas.microsoft.com/office/drawing/2014/main" id="{D16A995C-1195-4E04-AAA3-0D02440409D5}"/>
+              </a:ext>
+            </a:extLst>
+          </p:cNvPr>
+          <p:cNvSpPr/>
+          <p:nvPr/>
+        </p:nvSpPr>
+        <p:spPr>
+          <a:xfrm>
+            <a:off x="7262005" y="4428335"/>
+            <a:ext cx="2831643" cy="184150"/>
+          </a:xfrm>
+          <a:prstGeom prst="rect">
+            <a:avLst/>
+          </a:prstGeom>
+          <a:solidFill>
+            <a:schemeClr val="accent2">
+              <a:alpha val="50000"/>
+            </a:schemeClr>
+          </a:solidFill>
+          <a:ln w="25400">
+            <a:solidFill>
+              <a:schemeClr val="accent2"/>
+            </a:solidFill>
+          </a:ln>
+        </p:spPr>
+        <p:style>
+          <a:lnRef idx="2">
+            <a:schemeClr val="accent1">
+              <a:shade val="50000"/>
+            </a:schemeClr>
+          </a:lnRef>
+          <a:fillRef idx="1">
+            <a:schemeClr val="accent1"/>
+          </a:fillRef>
+          <a:effectRef idx="0">
+            <a:schemeClr val="accent1"/>
+          </a:effectRef>
+          <a:fontRef idx="minor">
+            <a:schemeClr val="lt1"/>
+          </a:fontRef>
+        </p:style>
+        <p:txBody>
+          <a:bodyPr rtlCol="0" anchor="ctr"/>
+          <a:lstStyle/>
+          <a:p>
+            <a:pPr algn="ctr"/>
+            <a:endParaRPr lang="ko-KR" altLang="en-US"/>
+          </a:p>
+        </p:txBody>
+      </p:sp>
+      <p:sp>
+        <p:nvSpPr>
+          <p:cNvPr id="28" name="TextBox 27">
+            <a:extLst>
+              <a:ext uri="{FF2B5EF4-FFF2-40B4-BE49-F238E27FC236}">
+                <a16:creationId xmlns:a16="http://schemas.microsoft.com/office/drawing/2014/main" id="{035AE8D7-7CB7-47C9-8A44-994DDCD5E349}"/>
+              </a:ext>
+            </a:extLst>
+          </p:cNvPr>
+          <p:cNvSpPr txBox="1"/>
+          <p:nvPr/>
+        </p:nvSpPr>
+        <p:spPr>
+          <a:xfrm>
+            <a:off x="6061564" y="4950517"/>
+            <a:ext cx="346249" cy="276999"/>
+          </a:xfrm>
+          <a:prstGeom prst="rect">
+            <a:avLst/>
+          </a:prstGeom>
+          <a:noFill/>
+        </p:spPr>
+        <p:txBody>
+          <a:bodyPr wrap="none" lIns="0" tIns="0" rIns="0" bIns="0" rtlCol="0">
+            <a:spAutoFit/>
+          </a:bodyPr>
+          <a:lstStyle/>
+          <a:p>
+            <a:pPr algn="ctr"/>
+            <a:r>
+              <a:rPr lang="en-US" altLang="ko-KR" sz="900" b="1">
+                <a:solidFill>
+                  <a:srgbClr val="FF0000"/>
+                </a:solidFill>
+              </a:rPr>
+              <a:t>GPIO1</a:t>
+            </a:r>
+          </a:p>
+          <a:p>
+            <a:pPr algn="ctr"/>
+            <a:r>
+              <a:rPr lang="en-US" altLang="ko-KR" sz="900" b="1">
+                <a:solidFill>
+                  <a:srgbClr val="FF0000"/>
+                </a:solidFill>
+              </a:rPr>
+              <a:t>Tx0</a:t>
+            </a:r>
+            <a:endParaRPr lang="ko-KR" altLang="en-US" sz="900" b="1">
+              <a:solidFill>
+                <a:srgbClr val="FF0000"/>
+              </a:solidFill>
+            </a:endParaRPr>
+          </a:p>
+        </p:txBody>
+      </p:sp>
+      <p:pic>
+        <p:nvPicPr>
+          <p:cNvPr id="5" name="그림 4">
+            <a:extLst>
+              <a:ext uri="{FF2B5EF4-FFF2-40B4-BE49-F238E27FC236}">
+                <a16:creationId xmlns:a16="http://schemas.microsoft.com/office/drawing/2014/main" id="{868E57F9-EF5C-4041-B631-75C83FBD73DD}"/>
+              </a:ext>
+            </a:extLst>
+          </p:cNvPr>
+          <p:cNvPicPr>
+            <a:picLocks noChangeAspect="1"/>
+          </p:cNvPicPr>
+          <p:nvPr/>
+        </p:nvPicPr>
+        <p:blipFill>
+          <a:blip r:embed="rId3"/>
+          <a:stretch>
+            <a:fillRect/>
+          </a:stretch>
+        </p:blipFill>
+        <p:spPr>
+          <a:xfrm flipH="1">
+            <a:off x="14724620" y="4731658"/>
+            <a:ext cx="3450649" cy="1147596"/>
+          </a:xfrm>
+          <a:prstGeom prst="rect">
+            <a:avLst/>
+          </a:prstGeom>
+        </p:spPr>
+      </p:pic>
+      <p:cxnSp>
+        <p:nvCxnSpPr>
+          <p:cNvPr id="8" name="연결선: 꺾임 7">
+            <a:extLst>
+              <a:ext uri="{FF2B5EF4-FFF2-40B4-BE49-F238E27FC236}">
+                <a16:creationId xmlns:a16="http://schemas.microsoft.com/office/drawing/2014/main" id="{354D556C-BFD4-4533-B3A1-11F9D8AC414B}"/>
+              </a:ext>
+            </a:extLst>
+          </p:cNvPr>
+          <p:cNvCxnSpPr>
+            <a:cxnSpLocks/>
+            <a:stCxn id="23" idx="1"/>
+          </p:cNvCxnSpPr>
+          <p:nvPr/>
+        </p:nvCxnSpPr>
+        <p:spPr>
+          <a:xfrm rot="10800000" flipV="1">
+            <a:off x="6623720" y="4711647"/>
+            <a:ext cx="638286" cy="1423191"/>
+          </a:xfrm>
+          <a:prstGeom prst="bentConnector2">
+            <a:avLst/>
+          </a:prstGeom>
+          <a:ln w="38100">
+            <a:solidFill>
+              <a:srgbClr val="0000FF"/>
+            </a:solidFill>
+            <a:headEnd type="triangle"/>
+            <a:tailEnd type="none"/>
+          </a:ln>
+        </p:spPr>
+        <p:style>
+          <a:lnRef idx="1">
+            <a:schemeClr val="accent1"/>
+          </a:lnRef>
+          <a:fillRef idx="0">
+            <a:schemeClr val="accent1"/>
+          </a:fillRef>
+          <a:effectRef idx="0">
+            <a:schemeClr val="accent1"/>
+          </a:effectRef>
+          <a:fontRef idx="minor">
+            <a:schemeClr val="tx1"/>
+          </a:fontRef>
+        </p:style>
+      </p:cxnSp>
+      <p:cxnSp>
+        <p:nvCxnSpPr>
+          <p:cNvPr id="31" name="연결선: 꺾임 30">
+            <a:extLst>
+              <a:ext uri="{FF2B5EF4-FFF2-40B4-BE49-F238E27FC236}">
+                <a16:creationId xmlns:a16="http://schemas.microsoft.com/office/drawing/2014/main" id="{573C3CE0-89D1-4A64-8B09-6EEA228518C0}"/>
+              </a:ext>
+            </a:extLst>
+          </p:cNvPr>
+          <p:cNvCxnSpPr>
+            <a:cxnSpLocks/>
+            <a:stCxn id="27" idx="1"/>
+          </p:cNvCxnSpPr>
+          <p:nvPr/>
+        </p:nvCxnSpPr>
+        <p:spPr>
+          <a:xfrm rot="10800000" flipV="1">
+            <a:off x="6457951" y="4520410"/>
+            <a:ext cx="804055" cy="1607340"/>
+          </a:xfrm>
+          <a:prstGeom prst="bentConnector2">
+            <a:avLst/>
+          </a:prstGeom>
+          <a:ln w="38100">
+            <a:solidFill>
+              <a:srgbClr val="FF0000"/>
+            </a:solidFill>
+            <a:tailEnd type="triangle"/>
+          </a:ln>
+        </p:spPr>
+        <p:style>
+          <a:lnRef idx="1">
+            <a:schemeClr val="accent1"/>
+          </a:lnRef>
+          <a:fillRef idx="0">
+            <a:schemeClr val="accent1"/>
+          </a:fillRef>
+          <a:effectRef idx="0">
+            <a:schemeClr val="accent1"/>
+          </a:effectRef>
+          <a:fontRef idx="minor">
+            <a:schemeClr val="tx1"/>
+          </a:fontRef>
+        </p:style>
+      </p:cxnSp>
+      <p:sp>
+        <p:nvSpPr>
+          <p:cNvPr id="35" name="TextBox 34">
+            <a:extLst>
+              <a:ext uri="{FF2B5EF4-FFF2-40B4-BE49-F238E27FC236}">
+                <a16:creationId xmlns:a16="http://schemas.microsoft.com/office/drawing/2014/main" id="{3B0F23EE-7D15-48C4-BE3C-D73E0D39A3FE}"/>
+              </a:ext>
+            </a:extLst>
+          </p:cNvPr>
+          <p:cNvSpPr txBox="1"/>
+          <p:nvPr/>
+        </p:nvSpPr>
+        <p:spPr>
+          <a:xfrm>
+            <a:off x="6558796" y="6109936"/>
+            <a:ext cx="129844" cy="138499"/>
+          </a:xfrm>
+          <a:prstGeom prst="rect">
+            <a:avLst/>
+          </a:prstGeom>
+          <a:noFill/>
+        </p:spPr>
+        <p:txBody>
+          <a:bodyPr wrap="none" lIns="0" tIns="0" rIns="0" bIns="0" rtlCol="0">
+            <a:spAutoFit/>
+          </a:bodyPr>
+          <a:lstStyle/>
+          <a:p>
+            <a:pPr algn="ctr"/>
+            <a:r>
+              <a:rPr lang="en-US" altLang="ko-KR" sz="900" b="1">
+                <a:solidFill>
+                  <a:srgbClr val="FF0000"/>
+                </a:solidFill>
+              </a:rPr>
+              <a:t>Tx</a:t>
+            </a:r>
+            <a:endParaRPr lang="ko-KR" altLang="en-US" sz="900" b="1">
+              <a:solidFill>
+                <a:srgbClr val="FF0000"/>
+              </a:solidFill>
+            </a:endParaRPr>
+          </a:p>
+        </p:txBody>
+      </p:sp>
+      <p:sp>
+        <p:nvSpPr>
+          <p:cNvPr id="36" name="TextBox 35">
+            <a:extLst>
+              <a:ext uri="{FF2B5EF4-FFF2-40B4-BE49-F238E27FC236}">
+                <a16:creationId xmlns:a16="http://schemas.microsoft.com/office/drawing/2014/main" id="{8E6FAEEA-DE7A-4C27-BCB5-ED952A7ABC7F}"/>
+              </a:ext>
+            </a:extLst>
+          </p:cNvPr>
+          <p:cNvSpPr txBox="1"/>
+          <p:nvPr/>
+        </p:nvSpPr>
+        <p:spPr>
+          <a:xfrm>
+            <a:off x="6380258" y="6109936"/>
+            <a:ext cx="137859" cy="138499"/>
+          </a:xfrm>
+          <a:prstGeom prst="rect">
+            <a:avLst/>
+          </a:prstGeom>
+        </p:spPr>
+        <p:txBody>
+          <a:bodyPr wrap="none" lIns="0" tIns="0" rIns="0" bIns="0" rtlCol="0">
+            <a:spAutoFit/>
+          </a:bodyPr>
+          <a:lstStyle/>
+          <a:p>
+            <a:pPr algn="ctr"/>
+            <a:r>
+              <a:rPr lang="en-US" altLang="ko-KR" sz="900" b="1">
+                <a:solidFill>
+                  <a:srgbClr val="0000FF"/>
+                </a:solidFill>
+              </a:rPr>
+              <a:t>Rx</a:t>
+            </a:r>
+            <a:endParaRPr lang="ko-KR" altLang="en-US" sz="900" b="1">
+              <a:solidFill>
+                <a:srgbClr val="0000FF"/>
+              </a:solidFill>
+            </a:endParaRPr>
+          </a:p>
+        </p:txBody>
+      </p:sp>
+      <p:grpSp>
+        <p:nvGrpSpPr>
+          <p:cNvPr id="40" name="그룹 39">
+            <a:extLst>
+              <a:ext uri="{FF2B5EF4-FFF2-40B4-BE49-F238E27FC236}">
+                <a16:creationId xmlns:a16="http://schemas.microsoft.com/office/drawing/2014/main" id="{3265E68B-A84D-40B7-AB20-8658C5A8968A}"/>
+              </a:ext>
+            </a:extLst>
+          </p:cNvPr>
+          <p:cNvGrpSpPr/>
+          <p:nvPr/>
+        </p:nvGrpSpPr>
+        <p:grpSpPr>
+          <a:xfrm>
+            <a:off x="6457950" y="6515868"/>
+            <a:ext cx="165768" cy="822987"/>
+            <a:chOff x="6457950" y="6275226"/>
+            <a:chExt cx="165768" cy="1063630"/>
+          </a:xfrm>
+        </p:grpSpPr>
+        <p:cxnSp>
+          <p:nvCxnSpPr>
+            <p:cNvPr id="38" name="직선 화살표 연결선 37">
+              <a:extLst>
+                <a:ext uri="{FF2B5EF4-FFF2-40B4-BE49-F238E27FC236}">
+                  <a16:creationId xmlns:a16="http://schemas.microsoft.com/office/drawing/2014/main" id="{AA6BFE8F-1E67-475E-B981-33D7498FCCCB}"/>
+                </a:ext>
+              </a:extLst>
+            </p:cNvPr>
+            <p:cNvCxnSpPr/>
+            <p:nvPr/>
+          </p:nvCxnSpPr>
+          <p:spPr>
+            <a:xfrm>
+              <a:off x="6457950" y="6275226"/>
+              <a:ext cx="0" cy="1063630"/>
+            </a:xfrm>
+            <a:prstGeom prst="straightConnector1">
+              <a:avLst/>
+            </a:prstGeom>
+            <a:ln w="38100">
+              <a:solidFill>
+                <a:srgbClr val="FF0000"/>
+              </a:solidFill>
+              <a:tailEnd type="triangle"/>
+            </a:ln>
+          </p:spPr>
+          <p:style>
+            <a:lnRef idx="1">
+              <a:schemeClr val="accent1"/>
+            </a:lnRef>
+            <a:fillRef idx="0">
+              <a:schemeClr val="accent1"/>
+            </a:fillRef>
+            <a:effectRef idx="0">
+              <a:schemeClr val="accent1"/>
+            </a:effectRef>
+            <a:fontRef idx="minor">
+              <a:schemeClr val="tx1"/>
+            </a:fontRef>
+          </p:style>
+        </p:cxnSp>
+        <p:cxnSp>
+          <p:nvCxnSpPr>
+            <p:cNvPr id="39" name="직선 화살표 연결선 38">
+              <a:extLst>
+                <a:ext uri="{FF2B5EF4-FFF2-40B4-BE49-F238E27FC236}">
+                  <a16:creationId xmlns:a16="http://schemas.microsoft.com/office/drawing/2014/main" id="{EB9F711A-CEB4-4CCB-863F-65E874D8CEFE}"/>
+                </a:ext>
+              </a:extLst>
+            </p:cNvPr>
+            <p:cNvCxnSpPr/>
+            <p:nvPr/>
+          </p:nvCxnSpPr>
+          <p:spPr>
+            <a:xfrm>
+              <a:off x="6623718" y="6275226"/>
+              <a:ext cx="0" cy="1063630"/>
+            </a:xfrm>
+            <a:prstGeom prst="straightConnector1">
+              <a:avLst/>
+            </a:prstGeom>
+            <a:ln w="38100">
+              <a:solidFill>
+                <a:srgbClr val="0000FF"/>
+              </a:solidFill>
+              <a:headEnd type="triangle"/>
+              <a:tailEnd type="none"/>
+            </a:ln>
+          </p:spPr>
+          <p:style>
+            <a:lnRef idx="1">
+              <a:schemeClr val="accent1"/>
+            </a:lnRef>
+            <a:fillRef idx="0">
+              <a:schemeClr val="accent1"/>
+            </a:fillRef>
+            <a:effectRef idx="0">
+              <a:schemeClr val="accent1"/>
+            </a:effectRef>
+            <a:fontRef idx="minor">
+              <a:schemeClr val="tx1"/>
+            </a:fontRef>
+          </p:style>
+        </p:cxnSp>
+      </p:grpSp>
+      <p:sp>
+        <p:nvSpPr>
+          <p:cNvPr id="41" name="TextBox 40">
+            <a:extLst>
+              <a:ext uri="{FF2B5EF4-FFF2-40B4-BE49-F238E27FC236}">
+                <a16:creationId xmlns:a16="http://schemas.microsoft.com/office/drawing/2014/main" id="{1B4874D9-9A60-464E-A557-DA3CCCC95D91}"/>
+              </a:ext>
+            </a:extLst>
+          </p:cNvPr>
+          <p:cNvSpPr txBox="1"/>
+          <p:nvPr/>
+        </p:nvSpPr>
+        <p:spPr>
+          <a:xfrm>
+            <a:off x="6554789" y="6368300"/>
+            <a:ext cx="137858" cy="138499"/>
+          </a:xfrm>
+          <a:prstGeom prst="rect">
+            <a:avLst/>
+          </a:prstGeom>
+        </p:spPr>
+        <p:txBody>
+          <a:bodyPr wrap="none" lIns="0" tIns="0" rIns="0" bIns="0" rtlCol="0">
+            <a:spAutoFit/>
+          </a:bodyPr>
+          <a:lstStyle>
+            <a:defPPr>
+              <a:defRPr lang="ko-KR"/>
+            </a:defPPr>
+            <a:lvl1pPr algn="ctr">
+              <a:defRPr sz="900" b="1">
+                <a:solidFill>
+                  <a:srgbClr val="0000FF"/>
+                </a:solidFill>
+              </a:defRPr>
+            </a:lvl1pPr>
+          </a:lstStyle>
+          <a:p>
+            <a:r>
+              <a:rPr lang="en-US" altLang="ko-KR"/>
+              <a:t>Rx</a:t>
+            </a:r>
+            <a:endParaRPr lang="ko-KR" altLang="en-US"/>
+          </a:p>
+        </p:txBody>
+      </p:sp>
+      <p:sp>
+        <p:nvSpPr>
+          <p:cNvPr id="42" name="TextBox 41">
+            <a:extLst>
+              <a:ext uri="{FF2B5EF4-FFF2-40B4-BE49-F238E27FC236}">
+                <a16:creationId xmlns:a16="http://schemas.microsoft.com/office/drawing/2014/main" id="{27FF0DCE-F2C9-4AEA-A9C3-5463725466C4}"/>
+              </a:ext>
+            </a:extLst>
+          </p:cNvPr>
+          <p:cNvSpPr txBox="1"/>
+          <p:nvPr/>
+        </p:nvSpPr>
+        <p:spPr>
+          <a:xfrm>
+            <a:off x="6384266" y="6368300"/>
+            <a:ext cx="129844" cy="138499"/>
+          </a:xfrm>
+          <a:prstGeom prst="rect">
+            <a:avLst/>
+          </a:prstGeom>
+          <a:noFill/>
+        </p:spPr>
+        <p:txBody>
+          <a:bodyPr wrap="none" lIns="0" tIns="0" rIns="0" bIns="0" rtlCol="0">
+            <a:spAutoFit/>
+          </a:bodyPr>
+          <a:lstStyle>
+            <a:defPPr>
+              <a:defRPr lang="ko-KR"/>
+            </a:defPPr>
+            <a:lvl1pPr algn="ctr">
+              <a:defRPr sz="900" b="1">
+                <a:solidFill>
+                  <a:srgbClr val="FF0000"/>
+                </a:solidFill>
+              </a:defRPr>
+            </a:lvl1pPr>
+          </a:lstStyle>
+          <a:p>
+            <a:r>
+              <a:rPr lang="en-US" altLang="ko-KR"/>
+              <a:t>Tx</a:t>
+            </a:r>
+            <a:endParaRPr lang="ko-KR" altLang="en-US"/>
+          </a:p>
+        </p:txBody>
+      </p:sp>
+      <p:grpSp>
+        <p:nvGrpSpPr>
+          <p:cNvPr id="43" name="그룹 42">
+            <a:extLst>
+              <a:ext uri="{FF2B5EF4-FFF2-40B4-BE49-F238E27FC236}">
+                <a16:creationId xmlns:a16="http://schemas.microsoft.com/office/drawing/2014/main" id="{D9AE38B6-1C47-42A7-BFF0-1A9A0F8F6C0F}"/>
+              </a:ext>
+            </a:extLst>
+          </p:cNvPr>
+          <p:cNvGrpSpPr/>
+          <p:nvPr/>
+        </p:nvGrpSpPr>
+        <p:grpSpPr>
+          <a:xfrm>
+            <a:off x="6457950" y="6249390"/>
+            <a:ext cx="165768" cy="138499"/>
+            <a:chOff x="6457950" y="6275226"/>
+            <a:chExt cx="165768" cy="1063630"/>
+          </a:xfrm>
+        </p:grpSpPr>
+        <p:cxnSp>
+          <p:nvCxnSpPr>
+            <p:cNvPr id="44" name="직선 화살표 연결선 43">
+              <a:extLst>
+                <a:ext uri="{FF2B5EF4-FFF2-40B4-BE49-F238E27FC236}">
+                  <a16:creationId xmlns:a16="http://schemas.microsoft.com/office/drawing/2014/main" id="{2C9303D1-AF05-400B-A345-B855AFF6A670}"/>
+                </a:ext>
+              </a:extLst>
+            </p:cNvPr>
+            <p:cNvCxnSpPr/>
+            <p:nvPr/>
+          </p:nvCxnSpPr>
+          <p:spPr>
+            <a:xfrm>
+              <a:off x="6457950" y="6275226"/>
+              <a:ext cx="0" cy="1063630"/>
+            </a:xfrm>
+            <a:prstGeom prst="straightConnector1">
+              <a:avLst/>
+            </a:prstGeom>
+            <a:ln w="12700">
+              <a:solidFill>
+                <a:schemeClr val="bg1"/>
+              </a:solidFill>
+              <a:tailEnd type="triangle"/>
+            </a:ln>
+          </p:spPr>
+          <p:style>
+            <a:lnRef idx="1">
+              <a:schemeClr val="accent1"/>
+            </a:lnRef>
+            <a:fillRef idx="0">
+              <a:schemeClr val="accent1"/>
+            </a:fillRef>
+            <a:effectRef idx="0">
+              <a:schemeClr val="accent1"/>
+            </a:effectRef>
+            <a:fontRef idx="minor">
+              <a:schemeClr val="tx1"/>
+            </a:fontRef>
+          </p:style>
+        </p:cxnSp>
+        <p:cxnSp>
+          <p:nvCxnSpPr>
+            <p:cNvPr id="45" name="직선 화살표 연결선 44">
+              <a:extLst>
+                <a:ext uri="{FF2B5EF4-FFF2-40B4-BE49-F238E27FC236}">
+                  <a16:creationId xmlns:a16="http://schemas.microsoft.com/office/drawing/2014/main" id="{41E02D62-7425-4FE6-96E3-7D7846827F73}"/>
+                </a:ext>
+              </a:extLst>
+            </p:cNvPr>
+            <p:cNvCxnSpPr/>
+            <p:nvPr/>
+          </p:nvCxnSpPr>
+          <p:spPr>
+            <a:xfrm>
+              <a:off x="6623718" y="6275226"/>
+              <a:ext cx="0" cy="1063630"/>
+            </a:xfrm>
+            <a:prstGeom prst="straightConnector1">
+              <a:avLst/>
+            </a:prstGeom>
+            <a:ln w="12700">
+              <a:solidFill>
+                <a:schemeClr val="bg1"/>
+              </a:solidFill>
+              <a:headEnd type="triangle"/>
+              <a:tailEnd type="none"/>
+            </a:ln>
+          </p:spPr>
+          <p:style>
+            <a:lnRef idx="1">
+              <a:schemeClr val="accent1"/>
+            </a:lnRef>
+            <a:fillRef idx="0">
+              <a:schemeClr val="accent1"/>
+            </a:fillRef>
+            <a:effectRef idx="0">
+              <a:schemeClr val="accent1"/>
+            </a:effectRef>
+            <a:fontRef idx="minor">
+              <a:schemeClr val="tx1"/>
+            </a:fontRef>
+          </p:style>
+        </p:cxnSp>
+      </p:grpSp>
+      <p:sp>
+        <p:nvSpPr>
+          <p:cNvPr id="61" name="TextBox 60">
+            <a:extLst>
+              <a:ext uri="{FF2B5EF4-FFF2-40B4-BE49-F238E27FC236}">
+                <a16:creationId xmlns:a16="http://schemas.microsoft.com/office/drawing/2014/main" id="{D50FD28D-2F11-430D-B834-08364F33C8D8}"/>
+              </a:ext>
+            </a:extLst>
+          </p:cNvPr>
+          <p:cNvSpPr txBox="1"/>
+          <p:nvPr/>
+        </p:nvSpPr>
+        <p:spPr>
+          <a:xfrm>
+            <a:off x="1691172" y="1655329"/>
+            <a:ext cx="3800252" cy="246221"/>
+          </a:xfrm>
+          <a:prstGeom prst="rect">
+            <a:avLst/>
+          </a:prstGeom>
+          <a:noFill/>
+        </p:spPr>
+        <p:txBody>
+          <a:bodyPr wrap="square" lIns="0" tIns="0" rIns="0" bIns="0" rtlCol="0">
+            <a:spAutoFit/>
+          </a:bodyPr>
+          <a:lstStyle/>
+          <a:p>
+            <a:pPr algn="ctr"/>
+            <a:r>
+              <a:rPr lang="ko-KR" altLang="en-US" sz="1600" b="1"/>
+              <a:t>전체화면 </a:t>
+            </a:r>
+            <a:r>
+              <a:rPr lang="en-US" altLang="ko-KR" sz="1600" b="1">
+                <a:sym typeface="Wingdings" panose="05000000000000000000" pitchFamily="2" charset="2"/>
+              </a:rPr>
+              <a:t> </a:t>
+            </a:r>
+            <a:r>
+              <a:rPr lang="ko-KR" altLang="en-US" sz="1600" b="1">
+                <a:sym typeface="Wingdings" panose="05000000000000000000" pitchFamily="2" charset="2"/>
+              </a:rPr>
+              <a:t>스크롤로 </a:t>
+            </a:r>
+            <a:r>
+              <a:rPr lang="en-US" altLang="ko-KR" sz="1600" b="1">
+                <a:sym typeface="Wingdings" panose="05000000000000000000" pitchFamily="2" charset="2"/>
+              </a:rPr>
+              <a:t>2</a:t>
+            </a:r>
+            <a:r>
+              <a:rPr lang="ko-KR" altLang="en-US" sz="1600" b="1">
+                <a:sym typeface="Wingdings" panose="05000000000000000000" pitchFamily="2" charset="2"/>
+              </a:rPr>
+              <a:t>번 확대 후 캡처</a:t>
+            </a:r>
+            <a:endParaRPr lang="ko-KR" altLang="en-US" sz="1600" b="1"/>
+          </a:p>
+        </p:txBody>
+      </p:sp>
+      <p:pic>
+        <p:nvPicPr>
+          <p:cNvPr id="68" name="그림 67">
+            <a:extLst>
+              <a:ext uri="{FF2B5EF4-FFF2-40B4-BE49-F238E27FC236}">
+                <a16:creationId xmlns:a16="http://schemas.microsoft.com/office/drawing/2014/main" id="{2746635A-65FB-4498-9B8A-8D2E6506D8A3}"/>
+              </a:ext>
+            </a:extLst>
+          </p:cNvPr>
+          <p:cNvPicPr>
+            <a:picLocks noChangeAspect="1"/>
+          </p:cNvPicPr>
+          <p:nvPr/>
+        </p:nvPicPr>
+        <p:blipFill>
+          <a:blip r:embed="rId4"/>
+          <a:stretch>
+            <a:fillRect/>
+          </a:stretch>
+        </p:blipFill>
+        <p:spPr>
+          <a:xfrm>
+            <a:off x="10801402" y="5150694"/>
+            <a:ext cx="2475037" cy="929868"/>
+          </a:xfrm>
+          <a:prstGeom prst="rect">
+            <a:avLst/>
+          </a:prstGeom>
+        </p:spPr>
+      </p:pic>
+      <p:cxnSp>
+        <p:nvCxnSpPr>
+          <p:cNvPr id="48" name="연결선: 꺾임 47">
+            <a:extLst>
+              <a:ext uri="{FF2B5EF4-FFF2-40B4-BE49-F238E27FC236}">
+                <a16:creationId xmlns:a16="http://schemas.microsoft.com/office/drawing/2014/main" id="{137DC378-EA7E-4508-95B8-E54636F577FB}"/>
+              </a:ext>
+            </a:extLst>
+          </p:cNvPr>
+          <p:cNvCxnSpPr>
+            <a:cxnSpLocks/>
+            <a:stCxn id="10" idx="3"/>
+          </p:cNvCxnSpPr>
+          <p:nvPr/>
+        </p:nvCxnSpPr>
+        <p:spPr>
+          <a:xfrm flipV="1">
+            <a:off x="10093648" y="5674519"/>
+            <a:ext cx="933921" cy="409470"/>
+          </a:xfrm>
+          <a:prstGeom prst="bentConnector3">
+            <a:avLst>
+              <a:gd name="adj1" fmla="val 69633"/>
+            </a:avLst>
+          </a:prstGeom>
+          <a:ln w="38100">
+            <a:solidFill>
+              <a:srgbClr val="FF0000"/>
+            </a:solidFill>
+            <a:tailEnd type="triangle"/>
+          </a:ln>
+        </p:spPr>
+        <p:style>
+          <a:lnRef idx="1">
+            <a:schemeClr val="accent1"/>
+          </a:lnRef>
+          <a:fillRef idx="0">
+            <a:schemeClr val="accent1"/>
+          </a:fillRef>
+          <a:effectRef idx="0">
+            <a:schemeClr val="accent1"/>
+          </a:effectRef>
+          <a:fontRef idx="minor">
+            <a:schemeClr val="tx1"/>
+          </a:fontRef>
+        </p:style>
+      </p:cxnSp>
+      <p:cxnSp>
+        <p:nvCxnSpPr>
+          <p:cNvPr id="54" name="직선 화살표 연결선 53">
+            <a:extLst>
+              <a:ext uri="{FF2B5EF4-FFF2-40B4-BE49-F238E27FC236}">
+                <a16:creationId xmlns:a16="http://schemas.microsoft.com/office/drawing/2014/main" id="{776D8F90-CDFD-4DD5-B7A0-70EC3D462559}"/>
+              </a:ext>
+            </a:extLst>
+          </p:cNvPr>
+          <p:cNvCxnSpPr>
+            <a:cxnSpLocks/>
+          </p:cNvCxnSpPr>
+          <p:nvPr/>
+        </p:nvCxnSpPr>
+        <p:spPr>
+          <a:xfrm>
+            <a:off x="10093648" y="5554965"/>
+            <a:ext cx="739934" cy="0"/>
+          </a:xfrm>
+          <a:prstGeom prst="straightConnector1">
+            <a:avLst/>
+          </a:prstGeom>
+          <a:ln w="38100">
+            <a:solidFill>
+              <a:srgbClr val="0000FF"/>
+            </a:solidFill>
+            <a:headEnd type="triangle"/>
+            <a:tailEnd type="none"/>
+          </a:ln>
+        </p:spPr>
+        <p:style>
+          <a:lnRef idx="1">
+            <a:schemeClr val="accent1"/>
+          </a:lnRef>
+          <a:fillRef idx="0">
+            <a:schemeClr val="accent1"/>
+          </a:fillRef>
+          <a:effectRef idx="0">
+            <a:schemeClr val="accent1"/>
+          </a:effectRef>
+          <a:fontRef idx="minor">
+            <a:schemeClr val="tx1"/>
+          </a:fontRef>
+        </p:style>
+      </p:cxnSp>
+      <p:cxnSp>
+        <p:nvCxnSpPr>
+          <p:cNvPr id="62" name="연결선: 꺾임 61">
+            <a:extLst>
+              <a:ext uri="{FF2B5EF4-FFF2-40B4-BE49-F238E27FC236}">
+                <a16:creationId xmlns:a16="http://schemas.microsoft.com/office/drawing/2014/main" id="{D1124CA9-FB72-414C-85EF-E06DBFDF52A5}"/>
+              </a:ext>
+            </a:extLst>
+          </p:cNvPr>
+          <p:cNvCxnSpPr>
+            <a:cxnSpLocks/>
+          </p:cNvCxnSpPr>
+          <p:nvPr/>
+        </p:nvCxnSpPr>
+        <p:spPr>
+          <a:xfrm>
+            <a:off x="8115300" y="4008121"/>
+            <a:ext cx="2881313" cy="1430654"/>
+          </a:xfrm>
+          <a:prstGeom prst="bentConnector3">
+            <a:avLst>
+              <a:gd name="adj1" fmla="val 92231"/>
+            </a:avLst>
+          </a:prstGeom>
+          <a:ln w="38100">
+            <a:solidFill>
+              <a:schemeClr val="tx1"/>
+            </a:solidFill>
+            <a:tailEnd type="triangle"/>
+          </a:ln>
+        </p:spPr>
+        <p:style>
+          <a:lnRef idx="1">
+            <a:schemeClr val="accent1"/>
+          </a:lnRef>
+          <a:fillRef idx="0">
+            <a:schemeClr val="accent1"/>
+          </a:fillRef>
+          <a:effectRef idx="0">
+            <a:schemeClr val="accent1"/>
+          </a:effectRef>
+          <a:fontRef idx="minor">
+            <a:schemeClr val="tx1"/>
+          </a:fontRef>
+        </p:style>
+      </p:cxnSp>
+      <p:sp>
+        <p:nvSpPr>
+          <p:cNvPr id="81" name="TextBox 80">
+            <a:extLst>
+              <a:ext uri="{FF2B5EF4-FFF2-40B4-BE49-F238E27FC236}">
+                <a16:creationId xmlns:a16="http://schemas.microsoft.com/office/drawing/2014/main" id="{472A70F7-7430-4DFB-B3EA-27138C4397CF}"/>
+              </a:ext>
+            </a:extLst>
+          </p:cNvPr>
+          <p:cNvSpPr txBox="1"/>
+          <p:nvPr/>
+        </p:nvSpPr>
+        <p:spPr>
+          <a:xfrm>
+            <a:off x="11479844" y="6077472"/>
+            <a:ext cx="1490793" cy="123111"/>
+          </a:xfrm>
+          <a:prstGeom prst="rect">
+            <a:avLst/>
+          </a:prstGeom>
+        </p:spPr>
+        <p:txBody>
+          <a:bodyPr wrap="none" lIns="0" tIns="0" rIns="0" bIns="0" rtlCol="0">
+            <a:spAutoFit/>
+          </a:bodyPr>
+          <a:lstStyle/>
+          <a:p>
+            <a:pPr algn="ctr"/>
+            <a:r>
+              <a:rPr lang="en-US" altLang="ko-KR" sz="800" b="1"/>
+              <a:t>FT232 USB UART Board (mini)</a:t>
+            </a:r>
+            <a:endParaRPr lang="ko-KR" altLang="en-US" sz="800" b="1"/>
+          </a:p>
+        </p:txBody>
+      </p:sp>
+    </p:spTree>
+    <p:extLst>
+      <p:ext uri="{BB962C8B-B14F-4D97-AF65-F5344CB8AC3E}">
+        <p14:creationId xmlns:p14="http://schemas.microsoft.com/office/powerpoint/2010/main" val="1212281239"/>
+      </p:ext>
+    </p:extLst>
+  </p:cSld>
+  <p:clrMapOvr>
+    <a:masterClrMapping/>
+  </p:clrMapOvr>
+</p:sld>
+</file>
+
+<file path=ppt/slides/slide8.xml><?xml version="1.0" encoding="utf-8"?>
+<p:sld xmlns:a="http://schemas.openxmlformats.org/drawingml/2006/main" xmlns:r="http://schemas.openxmlformats.org/officeDocument/2006/relationships" xmlns:p="http://schemas.openxmlformats.org/presentationml/2006/main">
+  <p:cSld>
+    <p:spTree>
+      <p:nvGrpSpPr>
+        <p:cNvPr id="1" name=""/>
+        <p:cNvGrpSpPr/>
+        <p:nvPr/>
+      </p:nvGrpSpPr>
+      <p:grpSpPr>
+        <a:xfrm>
+          <a:off x="0" y="0"/>
+          <a:ext cx="0" cy="0"/>
+          <a:chOff x="0" y="0"/>
+          <a:chExt cx="0" cy="0"/>
+        </a:xfrm>
+      </p:grpSpPr>
+      <p:sp>
+        <p:nvSpPr>
+          <p:cNvPr id="3" name="슬라이드 번호 개체 틀 2">
+            <a:extLst>
+              <a:ext uri="{FF2B5EF4-FFF2-40B4-BE49-F238E27FC236}">
+                <a16:creationId xmlns:a16="http://schemas.microsoft.com/office/drawing/2014/main" id="{D7011FB6-5623-49E1-96EA-CC5D5C8FBFEA}"/>
+              </a:ext>
+            </a:extLst>
+          </p:cNvPr>
+          <p:cNvSpPr>
+            <a:spLocks noGrp="1"/>
+          </p:cNvSpPr>
+          <p:nvPr>
+            <p:ph type="sldNum" sz="quarter" idx="12"/>
+          </p:nvPr>
+        </p:nvSpPr>
+        <p:spPr/>
+        <p:txBody>
+          <a:bodyPr/>
+          <a:lstStyle/>
+          <a:p>
+            <a:fld id="{83FD6675-1775-473F-B12B-1A4033AC630B}" type="slidenum">
+              <a:rPr lang="ko-KR" altLang="en-US" smtClean="0"/>
+              <a:t>8</a:t>
+            </a:fld>
+            <a:endParaRPr lang="ko-KR" altLang="en-US"/>
+          </a:p>
+        </p:txBody>
+      </p:sp>
+      <p:sp>
+        <p:nvSpPr>
+          <p:cNvPr id="4" name="제목 3">
+            <a:extLst>
+              <a:ext uri="{FF2B5EF4-FFF2-40B4-BE49-F238E27FC236}">
+                <a16:creationId xmlns:a16="http://schemas.microsoft.com/office/drawing/2014/main" id="{383EDE3D-E144-4314-AD29-B4844EF41A7D}"/>
+              </a:ext>
+            </a:extLst>
+          </p:cNvPr>
+          <p:cNvSpPr>
+            <a:spLocks noGrp="1"/>
+          </p:cNvSpPr>
+          <p:nvPr>
+            <p:ph type="title"/>
+          </p:nvPr>
+        </p:nvSpPr>
+        <p:spPr/>
+        <p:txBody>
+          <a:bodyPr/>
+          <a:lstStyle/>
+          <a:p>
+            <a:endParaRPr lang="ko-KR" altLang="en-US"/>
+          </a:p>
+        </p:txBody>
+      </p:sp>
+      <p:grpSp>
+        <p:nvGrpSpPr>
+          <p:cNvPr id="2" name="그룹 1">
+            <a:extLst>
+              <a:ext uri="{FF2B5EF4-FFF2-40B4-BE49-F238E27FC236}">
+                <a16:creationId xmlns:a16="http://schemas.microsoft.com/office/drawing/2014/main" id="{633E7370-F806-4579-9613-C9B77B5BC35F}"/>
+              </a:ext>
+            </a:extLst>
+          </p:cNvPr>
+          <p:cNvGrpSpPr/>
+          <p:nvPr/>
+        </p:nvGrpSpPr>
+        <p:grpSpPr>
+          <a:xfrm>
+            <a:off x="1295128" y="1798991"/>
+            <a:ext cx="4048052" cy="4750188"/>
+            <a:chOff x="5416860" y="3887577"/>
+            <a:chExt cx="4048052" cy="4750188"/>
+          </a:xfrm>
+        </p:grpSpPr>
+        <p:sp>
+          <p:nvSpPr>
+            <p:cNvPr id="5" name="직사각형 4">
+              <a:extLst>
+                <a:ext uri="{FF2B5EF4-FFF2-40B4-BE49-F238E27FC236}">
+                  <a16:creationId xmlns:a16="http://schemas.microsoft.com/office/drawing/2014/main" id="{6DEC53C5-BB98-4E67-AF75-F12EB461856A}"/>
+                </a:ext>
+              </a:extLst>
+            </p:cNvPr>
+            <p:cNvSpPr/>
+            <p:nvPr/>
+          </p:nvSpPr>
+          <p:spPr>
+            <a:xfrm>
+              <a:off x="5416860" y="3887577"/>
+              <a:ext cx="1351051" cy="1187547"/>
+            </a:xfrm>
+            <a:prstGeom prst="rect">
+              <a:avLst/>
+            </a:prstGeom>
+            <a:solidFill>
+              <a:schemeClr val="accent2">
+                <a:lumMod val="20000"/>
+                <a:lumOff val="80000"/>
+              </a:schemeClr>
+            </a:solidFill>
+          </p:spPr>
+          <p:style>
+            <a:lnRef idx="2">
+              <a:schemeClr val="accent1">
+                <a:shade val="50000"/>
+              </a:schemeClr>
+            </a:lnRef>
+            <a:fillRef idx="1">
+              <a:schemeClr val="accent1"/>
+            </a:fillRef>
+            <a:effectRef idx="0">
+              <a:schemeClr val="accent1"/>
+            </a:effectRef>
+            <a:fontRef idx="minor">
+              <a:schemeClr val="lt1"/>
+            </a:fontRef>
+          </p:style>
+          <p:txBody>
+            <a:bodyPr lIns="18000" tIns="36000" rIns="18000" bIns="36000" rtlCol="0" anchor="ctr" anchorCtr="0"/>
+            <a:lstStyle/>
+            <a:p>
+              <a:pPr algn="ctr"/>
+              <a:r>
+                <a:rPr lang="en-US" altLang="ko-KR" sz="1600" b="1">
+                  <a:solidFill>
+                    <a:schemeClr val="tx1">
+                      <a:lumMod val="65000"/>
+                      <a:lumOff val="35000"/>
+                    </a:schemeClr>
+                  </a:solidFill>
+                </a:rPr>
+                <a:t>Mirror</a:t>
+              </a:r>
+            </a:p>
+            <a:p>
+              <a:pPr algn="ctr"/>
+              <a:r>
+                <a:rPr lang="en-US" altLang="ko-KR" sz="1600" b="1">
+                  <a:solidFill>
+                    <a:schemeClr val="tx1">
+                      <a:lumMod val="65000"/>
+                      <a:lumOff val="35000"/>
+                    </a:schemeClr>
+                  </a:solidFill>
+                </a:rPr>
+                <a:t>Fold</a:t>
+              </a:r>
+              <a:endParaRPr lang="ko-KR" altLang="en-US" sz="1600" b="1">
+                <a:solidFill>
+                  <a:schemeClr val="tx1">
+                    <a:lumMod val="65000"/>
+                    <a:lumOff val="35000"/>
+                  </a:schemeClr>
+                </a:solidFill>
+              </a:endParaRPr>
+            </a:p>
+          </p:txBody>
+        </p:sp>
+        <p:sp>
+          <p:nvSpPr>
+            <p:cNvPr id="6" name="직사각형 5">
+              <a:extLst>
+                <a:ext uri="{FF2B5EF4-FFF2-40B4-BE49-F238E27FC236}">
+                  <a16:creationId xmlns:a16="http://schemas.microsoft.com/office/drawing/2014/main" id="{C98237CC-537B-4E1F-9F0F-AFAFD97D3B05}"/>
+                </a:ext>
+              </a:extLst>
+            </p:cNvPr>
+            <p:cNvSpPr/>
+            <p:nvPr/>
+          </p:nvSpPr>
+          <p:spPr>
+            <a:xfrm>
+              <a:off x="6767911" y="3887577"/>
+              <a:ext cx="1351051" cy="1187547"/>
+            </a:xfrm>
+            <a:prstGeom prst="rect">
+              <a:avLst/>
+            </a:prstGeom>
+            <a:noFill/>
+          </p:spPr>
+          <p:style>
+            <a:lnRef idx="2">
+              <a:schemeClr val="accent1">
+                <a:shade val="50000"/>
+              </a:schemeClr>
+            </a:lnRef>
+            <a:fillRef idx="1">
+              <a:schemeClr val="accent1"/>
+            </a:fillRef>
+            <a:effectRef idx="0">
+              <a:schemeClr val="accent1"/>
+            </a:effectRef>
+            <a:fontRef idx="minor">
+              <a:schemeClr val="lt1"/>
+            </a:fontRef>
+          </p:style>
+          <p:txBody>
+            <a:bodyPr lIns="18000" tIns="36000" rIns="18000" bIns="36000" rtlCol="0" anchor="ctr" anchorCtr="0"/>
+            <a:lstStyle/>
+            <a:p>
+              <a:pPr algn="ctr"/>
+              <a:endParaRPr lang="ko-KR" altLang="en-US" sz="1600" b="1">
+                <a:solidFill>
+                  <a:schemeClr val="tx1">
+                    <a:lumMod val="65000"/>
+                    <a:lumOff val="35000"/>
+                  </a:schemeClr>
+                </a:solidFill>
+              </a:endParaRPr>
+            </a:p>
+          </p:txBody>
+        </p:sp>
+        <p:sp>
+          <p:nvSpPr>
+            <p:cNvPr id="7" name="직사각형 6">
+              <a:extLst>
+                <a:ext uri="{FF2B5EF4-FFF2-40B4-BE49-F238E27FC236}">
+                  <a16:creationId xmlns:a16="http://schemas.microsoft.com/office/drawing/2014/main" id="{350C7EFC-0A6A-4FD6-BAB8-6A3E5253B3EA}"/>
+                </a:ext>
+              </a:extLst>
+            </p:cNvPr>
+            <p:cNvSpPr/>
+            <p:nvPr/>
+          </p:nvSpPr>
+          <p:spPr>
+            <a:xfrm>
+              <a:off x="8113861" y="3887577"/>
+              <a:ext cx="1351051" cy="1187547"/>
+            </a:xfrm>
+            <a:prstGeom prst="rect">
+              <a:avLst/>
+            </a:prstGeom>
+            <a:solidFill>
+              <a:schemeClr val="accent2">
+                <a:lumMod val="20000"/>
+                <a:lumOff val="80000"/>
+              </a:schemeClr>
+            </a:solidFill>
+          </p:spPr>
+          <p:style>
+            <a:lnRef idx="2">
+              <a:schemeClr val="accent1">
+                <a:shade val="50000"/>
+              </a:schemeClr>
+            </a:lnRef>
+            <a:fillRef idx="1">
+              <a:schemeClr val="accent1"/>
+            </a:fillRef>
+            <a:effectRef idx="0">
+              <a:schemeClr val="accent1"/>
+            </a:effectRef>
+            <a:fontRef idx="minor">
+              <a:schemeClr val="lt1"/>
+            </a:fontRef>
+          </p:style>
+          <p:txBody>
+            <a:bodyPr lIns="18000" tIns="36000" rIns="18000" bIns="36000" rtlCol="0" anchor="ctr" anchorCtr="0"/>
+            <a:lstStyle/>
+            <a:p>
+              <a:pPr algn="ctr"/>
+              <a:r>
+                <a:rPr lang="en-US" altLang="ko-KR" sz="1600" b="1">
+                  <a:solidFill>
+                    <a:schemeClr val="tx1">
+                      <a:lumMod val="65000"/>
+                      <a:lumOff val="35000"/>
+                    </a:schemeClr>
+                  </a:solidFill>
+                </a:rPr>
+                <a:t>Mirror</a:t>
+              </a:r>
+            </a:p>
+            <a:p>
+              <a:pPr algn="ctr"/>
+              <a:r>
+                <a:rPr lang="en-US" altLang="ko-KR" sz="1600" b="1">
+                  <a:solidFill>
+                    <a:schemeClr val="tx1">
+                      <a:lumMod val="65000"/>
+                      <a:lumOff val="35000"/>
+                    </a:schemeClr>
+                  </a:solidFill>
+                </a:rPr>
+                <a:t>UnFold</a:t>
+              </a:r>
+              <a:endParaRPr lang="ko-KR" altLang="en-US" sz="1600" b="1">
+                <a:solidFill>
+                  <a:schemeClr val="tx1">
+                    <a:lumMod val="65000"/>
+                    <a:lumOff val="35000"/>
+                  </a:schemeClr>
+                </a:solidFill>
+              </a:endParaRPr>
+            </a:p>
+          </p:txBody>
+        </p:sp>
+        <p:sp>
+          <p:nvSpPr>
+            <p:cNvPr id="8" name="직사각형 7">
+              <a:extLst>
+                <a:ext uri="{FF2B5EF4-FFF2-40B4-BE49-F238E27FC236}">
+                  <a16:creationId xmlns:a16="http://schemas.microsoft.com/office/drawing/2014/main" id="{9D1335A3-086D-41D1-9B1F-AE98B11F0057}"/>
+                </a:ext>
+              </a:extLst>
+            </p:cNvPr>
+            <p:cNvSpPr/>
+            <p:nvPr/>
+          </p:nvSpPr>
+          <p:spPr>
+            <a:xfrm>
+              <a:off x="5416860" y="5075124"/>
+              <a:ext cx="1351051" cy="1187547"/>
+            </a:xfrm>
+            <a:prstGeom prst="rect">
+              <a:avLst/>
+            </a:prstGeom>
+            <a:solidFill>
+              <a:schemeClr val="accent1">
+                <a:lumMod val="20000"/>
+                <a:lumOff val="80000"/>
+              </a:schemeClr>
+            </a:solidFill>
+          </p:spPr>
+          <p:style>
+            <a:lnRef idx="2">
+              <a:schemeClr val="accent1">
+                <a:shade val="50000"/>
+              </a:schemeClr>
+            </a:lnRef>
+            <a:fillRef idx="1">
+              <a:schemeClr val="accent1"/>
+            </a:fillRef>
+            <a:effectRef idx="0">
+              <a:schemeClr val="accent1"/>
+            </a:effectRef>
+            <a:fontRef idx="minor">
+              <a:schemeClr val="lt1"/>
+            </a:fontRef>
+          </p:style>
+          <p:txBody>
+            <a:bodyPr lIns="18000" tIns="36000" rIns="18000" bIns="36000" rtlCol="0" anchor="ctr" anchorCtr="0"/>
+            <a:lstStyle/>
+            <a:p>
+              <a:pPr algn="ctr"/>
+              <a:r>
+                <a:rPr lang="en-US" altLang="ko-KR" sz="1600" b="1">
+                  <a:solidFill>
+                    <a:schemeClr val="tx1">
+                      <a:lumMod val="65000"/>
+                      <a:lumOff val="35000"/>
+                    </a:schemeClr>
+                  </a:solidFill>
+                </a:rPr>
+                <a:t>Window</a:t>
+              </a:r>
+            </a:p>
+            <a:p>
+              <a:pPr algn="ctr"/>
+              <a:r>
+                <a:rPr lang="en-US" altLang="ko-KR" sz="1600" b="1">
+                  <a:solidFill>
+                    <a:schemeClr val="tx1">
+                      <a:lumMod val="65000"/>
+                      <a:lumOff val="35000"/>
+                    </a:schemeClr>
+                  </a:solidFill>
+                </a:rPr>
+                <a:t>Auto Up</a:t>
+              </a:r>
+            </a:p>
+          </p:txBody>
+        </p:sp>
+        <p:sp>
+          <p:nvSpPr>
+            <p:cNvPr id="9" name="직사각형 8">
+              <a:extLst>
+                <a:ext uri="{FF2B5EF4-FFF2-40B4-BE49-F238E27FC236}">
+                  <a16:creationId xmlns:a16="http://schemas.microsoft.com/office/drawing/2014/main" id="{D5CDED1E-4E41-4E02-8535-22ED40BD3B40}"/>
+                </a:ext>
+              </a:extLst>
+            </p:cNvPr>
+            <p:cNvSpPr/>
+            <p:nvPr/>
+          </p:nvSpPr>
+          <p:spPr>
+            <a:xfrm>
+              <a:off x="6767911" y="5075124"/>
+              <a:ext cx="1351051" cy="1187547"/>
+            </a:xfrm>
+            <a:prstGeom prst="rect">
+              <a:avLst/>
+            </a:prstGeom>
+            <a:solidFill>
+              <a:schemeClr val="accent2">
+                <a:lumMod val="20000"/>
+                <a:lumOff val="80000"/>
+              </a:schemeClr>
+            </a:solidFill>
+          </p:spPr>
+          <p:style>
+            <a:lnRef idx="2">
+              <a:schemeClr val="accent1">
+                <a:shade val="50000"/>
+              </a:schemeClr>
+            </a:lnRef>
+            <a:fillRef idx="1">
+              <a:schemeClr val="accent1"/>
+            </a:fillRef>
+            <a:effectRef idx="0">
+              <a:schemeClr val="accent1"/>
+            </a:effectRef>
+            <a:fontRef idx="minor">
+              <a:schemeClr val="lt1"/>
+            </a:fontRef>
+          </p:style>
+          <p:txBody>
+            <a:bodyPr lIns="18000" tIns="36000" rIns="18000" bIns="36000" rtlCol="0" anchor="ctr" anchorCtr="0"/>
+            <a:lstStyle/>
+            <a:p>
+              <a:pPr algn="ctr"/>
+              <a:r>
+                <a:rPr lang="en-US" altLang="ko-KR" sz="1600" b="1">
+                  <a:solidFill>
+                    <a:schemeClr val="tx1">
+                      <a:lumMod val="65000"/>
+                      <a:lumOff val="35000"/>
+                    </a:schemeClr>
+                  </a:solidFill>
+                </a:rPr>
+                <a:t>Mirror</a:t>
+              </a:r>
+            </a:p>
+            <a:p>
+              <a:pPr algn="ctr"/>
+              <a:r>
+                <a:rPr lang="en-US" altLang="ko-KR" sz="1600" b="1">
+                  <a:solidFill>
+                    <a:schemeClr val="tx1">
+                      <a:lumMod val="65000"/>
+                      <a:lumOff val="35000"/>
+                    </a:schemeClr>
+                  </a:solidFill>
+                </a:rPr>
+                <a:t>Up</a:t>
+              </a:r>
+            </a:p>
+          </p:txBody>
+        </p:sp>
+        <p:sp>
+          <p:nvSpPr>
+            <p:cNvPr id="10" name="직사각형 9">
+              <a:extLst>
+                <a:ext uri="{FF2B5EF4-FFF2-40B4-BE49-F238E27FC236}">
+                  <a16:creationId xmlns:a16="http://schemas.microsoft.com/office/drawing/2014/main" id="{58F3B703-8FCF-4926-A47C-734F5278F1C7}"/>
+                </a:ext>
+              </a:extLst>
+            </p:cNvPr>
+            <p:cNvSpPr/>
+            <p:nvPr/>
+          </p:nvSpPr>
+          <p:spPr>
+            <a:xfrm>
+              <a:off x="8113861" y="5075124"/>
+              <a:ext cx="1351051" cy="1187547"/>
+            </a:xfrm>
+            <a:prstGeom prst="rect">
+              <a:avLst/>
+            </a:prstGeom>
+            <a:solidFill>
+              <a:schemeClr val="accent1">
+                <a:lumMod val="20000"/>
+                <a:lumOff val="80000"/>
+              </a:schemeClr>
+            </a:solidFill>
+          </p:spPr>
+          <p:style>
+            <a:lnRef idx="2">
+              <a:schemeClr val="accent1">
+                <a:shade val="50000"/>
+              </a:schemeClr>
+            </a:lnRef>
+            <a:fillRef idx="1">
+              <a:schemeClr val="accent1"/>
+            </a:fillRef>
+            <a:effectRef idx="0">
+              <a:schemeClr val="accent1"/>
+            </a:effectRef>
+            <a:fontRef idx="minor">
+              <a:schemeClr val="lt1"/>
+            </a:fontRef>
+          </p:style>
+          <p:txBody>
+            <a:bodyPr lIns="18000" tIns="36000" rIns="18000" bIns="36000" rtlCol="0" anchor="ctr" anchorCtr="0"/>
+            <a:lstStyle/>
+            <a:p>
+              <a:pPr algn="ctr"/>
+              <a:r>
+                <a:rPr lang="en-US" altLang="ko-KR" sz="1600" b="1">
+                  <a:solidFill>
+                    <a:schemeClr val="tx1">
+                      <a:lumMod val="65000"/>
+                      <a:lumOff val="35000"/>
+                    </a:schemeClr>
+                  </a:solidFill>
+                </a:rPr>
+                <a:t>Window</a:t>
+              </a:r>
+            </a:p>
+            <a:p>
+              <a:pPr algn="ctr"/>
+              <a:r>
+                <a:rPr lang="en-US" altLang="ko-KR" sz="1600" b="1">
+                  <a:solidFill>
+                    <a:schemeClr val="tx1">
+                      <a:lumMod val="65000"/>
+                      <a:lumOff val="35000"/>
+                    </a:schemeClr>
+                  </a:solidFill>
+                </a:rPr>
+                <a:t>Manual Up</a:t>
+              </a:r>
+            </a:p>
+          </p:txBody>
+        </p:sp>
+        <p:sp>
+          <p:nvSpPr>
+            <p:cNvPr id="11" name="직사각형 10">
+              <a:extLst>
+                <a:ext uri="{FF2B5EF4-FFF2-40B4-BE49-F238E27FC236}">
+                  <a16:creationId xmlns:a16="http://schemas.microsoft.com/office/drawing/2014/main" id="{C3D882AC-6CA3-4F7A-824A-6626FB33A20D}"/>
+                </a:ext>
+              </a:extLst>
+            </p:cNvPr>
+            <p:cNvSpPr/>
+            <p:nvPr/>
+          </p:nvSpPr>
+          <p:spPr>
+            <a:xfrm>
+              <a:off x="5416860" y="6262671"/>
+              <a:ext cx="1351051" cy="1187547"/>
+            </a:xfrm>
+            <a:prstGeom prst="rect">
+              <a:avLst/>
+            </a:prstGeom>
+            <a:solidFill>
+              <a:schemeClr val="accent2">
+                <a:lumMod val="20000"/>
+                <a:lumOff val="80000"/>
+              </a:schemeClr>
+            </a:solidFill>
+          </p:spPr>
+          <p:style>
+            <a:lnRef idx="2">
+              <a:schemeClr val="accent1">
+                <a:shade val="50000"/>
+              </a:schemeClr>
+            </a:lnRef>
+            <a:fillRef idx="1">
+              <a:schemeClr val="accent1"/>
+            </a:fillRef>
+            <a:effectRef idx="0">
+              <a:schemeClr val="accent1"/>
+            </a:effectRef>
+            <a:fontRef idx="minor">
+              <a:schemeClr val="lt1"/>
+            </a:fontRef>
+          </p:style>
+          <p:txBody>
+            <a:bodyPr lIns="18000" tIns="36000" rIns="18000" bIns="36000" rtlCol="0" anchor="ctr" anchorCtr="0"/>
+            <a:lstStyle/>
+            <a:p>
+              <a:pPr algn="ctr"/>
+              <a:r>
+                <a:rPr lang="en-US" altLang="ko-KR" sz="1600" b="1">
+                  <a:solidFill>
+                    <a:schemeClr val="tx1">
+                      <a:lumMod val="65000"/>
+                      <a:lumOff val="35000"/>
+                    </a:schemeClr>
+                  </a:solidFill>
+                </a:rPr>
+                <a:t>Mirror</a:t>
+              </a:r>
+            </a:p>
+            <a:p>
+              <a:pPr algn="ctr"/>
+              <a:r>
+                <a:rPr lang="en-US" altLang="ko-KR" sz="1600" b="1">
+                  <a:solidFill>
+                    <a:schemeClr val="tx1">
+                      <a:lumMod val="65000"/>
+                      <a:lumOff val="35000"/>
+                    </a:schemeClr>
+                  </a:solidFill>
+                </a:rPr>
+                <a:t>Left</a:t>
+              </a:r>
+            </a:p>
+          </p:txBody>
+        </p:sp>
+        <p:sp>
+          <p:nvSpPr>
+            <p:cNvPr id="12" name="직사각형 11">
+              <a:extLst>
+                <a:ext uri="{FF2B5EF4-FFF2-40B4-BE49-F238E27FC236}">
+                  <a16:creationId xmlns:a16="http://schemas.microsoft.com/office/drawing/2014/main" id="{59A713B9-2717-41B1-A4CA-9E5DDF72727F}"/>
+                </a:ext>
+              </a:extLst>
+            </p:cNvPr>
+            <p:cNvSpPr/>
+            <p:nvPr/>
+          </p:nvSpPr>
+          <p:spPr>
+            <a:xfrm>
+              <a:off x="6767911" y="6262671"/>
+              <a:ext cx="1351051" cy="1187547"/>
+            </a:xfrm>
+            <a:prstGeom prst="rect">
+              <a:avLst/>
+            </a:prstGeom>
+            <a:noFill/>
+          </p:spPr>
+          <p:style>
+            <a:lnRef idx="2">
+              <a:schemeClr val="accent1">
+                <a:shade val="50000"/>
+              </a:schemeClr>
+            </a:lnRef>
+            <a:fillRef idx="1">
+              <a:schemeClr val="accent1"/>
+            </a:fillRef>
+            <a:effectRef idx="0">
+              <a:schemeClr val="accent1"/>
+            </a:effectRef>
+            <a:fontRef idx="minor">
+              <a:schemeClr val="lt1"/>
+            </a:fontRef>
+          </p:style>
+          <p:txBody>
+            <a:bodyPr lIns="18000" tIns="36000" rIns="18000" bIns="36000" rtlCol="0" anchor="ctr" anchorCtr="0"/>
+            <a:lstStyle/>
+            <a:p>
+              <a:pPr algn="ctr"/>
+              <a:endParaRPr lang="ko-KR" altLang="en-US" sz="1600" b="1">
+                <a:solidFill>
+                  <a:schemeClr val="tx1">
+                    <a:lumMod val="65000"/>
+                    <a:lumOff val="35000"/>
+                  </a:schemeClr>
+                </a:solidFill>
+              </a:endParaRPr>
+            </a:p>
+          </p:txBody>
+        </p:sp>
+        <p:sp>
+          <p:nvSpPr>
+            <p:cNvPr id="13" name="직사각형 12">
+              <a:extLst>
+                <a:ext uri="{FF2B5EF4-FFF2-40B4-BE49-F238E27FC236}">
+                  <a16:creationId xmlns:a16="http://schemas.microsoft.com/office/drawing/2014/main" id="{24DB66F4-3C01-49D0-97B7-117103D910FF}"/>
+                </a:ext>
+              </a:extLst>
+            </p:cNvPr>
+            <p:cNvSpPr/>
+            <p:nvPr/>
+          </p:nvSpPr>
+          <p:spPr>
+            <a:xfrm>
+              <a:off x="8113861" y="6262671"/>
+              <a:ext cx="1351051" cy="1187547"/>
+            </a:xfrm>
+            <a:prstGeom prst="rect">
+              <a:avLst/>
+            </a:prstGeom>
+            <a:solidFill>
+              <a:schemeClr val="accent2">
+                <a:lumMod val="20000"/>
+                <a:lumOff val="80000"/>
+              </a:schemeClr>
+            </a:solidFill>
+          </p:spPr>
+          <p:style>
+            <a:lnRef idx="2">
+              <a:schemeClr val="accent1">
+                <a:shade val="50000"/>
+              </a:schemeClr>
+            </a:lnRef>
+            <a:fillRef idx="1">
+              <a:schemeClr val="accent1"/>
+            </a:fillRef>
+            <a:effectRef idx="0">
+              <a:schemeClr val="accent1"/>
+            </a:effectRef>
+            <a:fontRef idx="minor">
+              <a:schemeClr val="lt1"/>
+            </a:fontRef>
+          </p:style>
+          <p:txBody>
+            <a:bodyPr lIns="18000" tIns="36000" rIns="18000" bIns="36000" rtlCol="0" anchor="ctr" anchorCtr="0"/>
+            <a:lstStyle/>
+            <a:p>
+              <a:pPr algn="ctr"/>
+              <a:r>
+                <a:rPr lang="en-US" altLang="ko-KR" sz="1600" b="1">
+                  <a:solidFill>
+                    <a:schemeClr val="tx1">
+                      <a:lumMod val="65000"/>
+                      <a:lumOff val="35000"/>
+                    </a:schemeClr>
+                  </a:solidFill>
+                </a:rPr>
+                <a:t>Mirror</a:t>
+              </a:r>
+            </a:p>
+            <a:p>
+              <a:pPr algn="ctr"/>
+              <a:r>
+                <a:rPr lang="en-US" altLang="ko-KR" sz="1600" b="1">
+                  <a:solidFill>
+                    <a:schemeClr val="tx1">
+                      <a:lumMod val="65000"/>
+                      <a:lumOff val="35000"/>
+                    </a:schemeClr>
+                  </a:solidFill>
+                </a:rPr>
+                <a:t>Right</a:t>
+              </a:r>
+            </a:p>
+          </p:txBody>
+        </p:sp>
+        <p:sp>
+          <p:nvSpPr>
+            <p:cNvPr id="14" name="직사각형 13">
+              <a:extLst>
+                <a:ext uri="{FF2B5EF4-FFF2-40B4-BE49-F238E27FC236}">
+                  <a16:creationId xmlns:a16="http://schemas.microsoft.com/office/drawing/2014/main" id="{096C9DD7-B054-41CA-953F-9DD95F2135E4}"/>
+                </a:ext>
+              </a:extLst>
+            </p:cNvPr>
+            <p:cNvSpPr/>
+            <p:nvPr/>
+          </p:nvSpPr>
+          <p:spPr>
+            <a:xfrm>
+              <a:off x="5416860" y="7450218"/>
+              <a:ext cx="1351051" cy="1187547"/>
+            </a:xfrm>
+            <a:prstGeom prst="rect">
+              <a:avLst/>
+            </a:prstGeom>
+            <a:solidFill>
+              <a:schemeClr val="accent1">
+                <a:lumMod val="20000"/>
+                <a:lumOff val="80000"/>
+              </a:schemeClr>
+            </a:solidFill>
+          </p:spPr>
+          <p:style>
+            <a:lnRef idx="2">
+              <a:schemeClr val="accent1">
+                <a:shade val="50000"/>
+              </a:schemeClr>
+            </a:lnRef>
+            <a:fillRef idx="1">
+              <a:schemeClr val="accent1"/>
+            </a:fillRef>
+            <a:effectRef idx="0">
+              <a:schemeClr val="accent1"/>
+            </a:effectRef>
+            <a:fontRef idx="minor">
+              <a:schemeClr val="lt1"/>
+            </a:fontRef>
+          </p:style>
+          <p:txBody>
+            <a:bodyPr lIns="18000" tIns="36000" rIns="18000" bIns="36000" rtlCol="0" anchor="ctr" anchorCtr="0"/>
+            <a:lstStyle/>
+            <a:p>
+              <a:pPr algn="ctr"/>
+              <a:r>
+                <a:rPr lang="en-US" altLang="ko-KR" sz="1600" b="1">
+                  <a:solidFill>
+                    <a:schemeClr val="tx1">
+                      <a:lumMod val="65000"/>
+                      <a:lumOff val="35000"/>
+                    </a:schemeClr>
+                  </a:solidFill>
+                </a:rPr>
+                <a:t>Window</a:t>
+              </a:r>
+            </a:p>
+            <a:p>
+              <a:pPr algn="ctr"/>
+              <a:r>
+                <a:rPr lang="en-US" altLang="ko-KR" sz="1600" b="1">
+                  <a:solidFill>
+                    <a:schemeClr val="tx1">
+                      <a:lumMod val="65000"/>
+                      <a:lumOff val="35000"/>
+                    </a:schemeClr>
+                  </a:solidFill>
+                </a:rPr>
+                <a:t>Auto Dn</a:t>
+              </a:r>
+              <a:endParaRPr lang="ko-KR" altLang="en-US" sz="1600" b="1">
+                <a:solidFill>
+                  <a:schemeClr val="tx1">
+                    <a:lumMod val="65000"/>
+                    <a:lumOff val="35000"/>
+                  </a:schemeClr>
+                </a:solidFill>
+              </a:endParaRPr>
+            </a:p>
+          </p:txBody>
+        </p:sp>
+        <p:sp>
+          <p:nvSpPr>
+            <p:cNvPr id="15" name="직사각형 14">
+              <a:extLst>
+                <a:ext uri="{FF2B5EF4-FFF2-40B4-BE49-F238E27FC236}">
+                  <a16:creationId xmlns:a16="http://schemas.microsoft.com/office/drawing/2014/main" id="{44AAB454-A185-47C0-A1A3-5E0DD9C152FD}"/>
+                </a:ext>
+              </a:extLst>
+            </p:cNvPr>
+            <p:cNvSpPr/>
+            <p:nvPr/>
+          </p:nvSpPr>
+          <p:spPr>
+            <a:xfrm>
+              <a:off x="6767911" y="7450218"/>
+              <a:ext cx="1351051" cy="1187547"/>
+            </a:xfrm>
+            <a:prstGeom prst="rect">
+              <a:avLst/>
+            </a:prstGeom>
+            <a:solidFill>
+              <a:schemeClr val="accent2">
+                <a:lumMod val="20000"/>
+                <a:lumOff val="80000"/>
+              </a:schemeClr>
+            </a:solidFill>
+          </p:spPr>
+          <p:style>
+            <a:lnRef idx="2">
+              <a:schemeClr val="accent1">
+                <a:shade val="50000"/>
+              </a:schemeClr>
+            </a:lnRef>
+            <a:fillRef idx="1">
+              <a:schemeClr val="accent1"/>
+            </a:fillRef>
+            <a:effectRef idx="0">
+              <a:schemeClr val="accent1"/>
+            </a:effectRef>
+            <a:fontRef idx="minor">
+              <a:schemeClr val="lt1"/>
+            </a:fontRef>
+          </p:style>
+          <p:txBody>
+            <a:bodyPr lIns="18000" tIns="36000" rIns="18000" bIns="36000" rtlCol="0" anchor="ctr" anchorCtr="0"/>
+            <a:lstStyle/>
+            <a:p>
+              <a:pPr algn="ctr"/>
+              <a:r>
+                <a:rPr lang="en-US" altLang="ko-KR" sz="1600" b="1">
+                  <a:solidFill>
+                    <a:schemeClr val="tx1">
+                      <a:lumMod val="65000"/>
+                      <a:lumOff val="35000"/>
+                    </a:schemeClr>
+                  </a:solidFill>
+                </a:rPr>
+                <a:t>Mirror</a:t>
+              </a:r>
+            </a:p>
+            <a:p>
+              <a:pPr algn="ctr"/>
+              <a:r>
+                <a:rPr lang="en-US" altLang="ko-KR" sz="1600" b="1">
+                  <a:solidFill>
+                    <a:schemeClr val="tx1">
+                      <a:lumMod val="65000"/>
+                      <a:lumOff val="35000"/>
+                    </a:schemeClr>
+                  </a:solidFill>
+                </a:rPr>
+                <a:t>Down</a:t>
+              </a:r>
+              <a:endParaRPr lang="ko-KR" altLang="en-US" sz="1600" b="1">
+                <a:solidFill>
+                  <a:schemeClr val="tx1">
+                    <a:lumMod val="65000"/>
+                    <a:lumOff val="35000"/>
+                  </a:schemeClr>
+                </a:solidFill>
+              </a:endParaRPr>
+            </a:p>
+          </p:txBody>
+        </p:sp>
+        <p:sp>
+          <p:nvSpPr>
+            <p:cNvPr id="16" name="직사각형 15">
+              <a:extLst>
+                <a:ext uri="{FF2B5EF4-FFF2-40B4-BE49-F238E27FC236}">
+                  <a16:creationId xmlns:a16="http://schemas.microsoft.com/office/drawing/2014/main" id="{F4B1B62D-82C6-4C87-AB2A-732169E6E5ED}"/>
+                </a:ext>
+              </a:extLst>
+            </p:cNvPr>
+            <p:cNvSpPr/>
+            <p:nvPr/>
+          </p:nvSpPr>
+          <p:spPr>
+            <a:xfrm>
+              <a:off x="8113861" y="7450218"/>
+              <a:ext cx="1351051" cy="1187547"/>
+            </a:xfrm>
+            <a:prstGeom prst="rect">
+              <a:avLst/>
+            </a:prstGeom>
+            <a:solidFill>
+              <a:schemeClr val="accent1">
+                <a:lumMod val="20000"/>
+                <a:lumOff val="80000"/>
+              </a:schemeClr>
+            </a:solidFill>
+          </p:spPr>
+          <p:style>
+            <a:lnRef idx="2">
+              <a:schemeClr val="accent1">
+                <a:shade val="50000"/>
+              </a:schemeClr>
+            </a:lnRef>
+            <a:fillRef idx="1">
+              <a:schemeClr val="accent1"/>
+            </a:fillRef>
+            <a:effectRef idx="0">
+              <a:schemeClr val="accent1"/>
+            </a:effectRef>
+            <a:fontRef idx="minor">
+              <a:schemeClr val="lt1"/>
+            </a:fontRef>
+          </p:style>
+          <p:txBody>
+            <a:bodyPr lIns="18000" tIns="36000" rIns="18000" bIns="36000" rtlCol="0" anchor="ctr" anchorCtr="0"/>
+            <a:lstStyle/>
+            <a:p>
+              <a:pPr algn="ctr"/>
+              <a:r>
+                <a:rPr lang="en-US" altLang="ko-KR" sz="1600" b="1">
+                  <a:solidFill>
+                    <a:schemeClr val="tx1">
+                      <a:lumMod val="65000"/>
+                      <a:lumOff val="35000"/>
+                    </a:schemeClr>
+                  </a:solidFill>
+                </a:rPr>
+                <a:t>Window</a:t>
+              </a:r>
+            </a:p>
+            <a:p>
+              <a:pPr algn="ctr"/>
+              <a:r>
+                <a:rPr lang="en-US" altLang="ko-KR" sz="1600" b="1">
+                  <a:solidFill>
+                    <a:schemeClr val="tx1">
+                      <a:lumMod val="65000"/>
+                      <a:lumOff val="35000"/>
+                    </a:schemeClr>
+                  </a:solidFill>
+                </a:rPr>
+                <a:t>Manual Dn</a:t>
+              </a:r>
+              <a:endParaRPr lang="ko-KR" altLang="en-US" sz="1600" b="1">
+                <a:solidFill>
+                  <a:schemeClr val="tx1">
+                    <a:lumMod val="65000"/>
+                    <a:lumOff val="35000"/>
+                  </a:schemeClr>
+                </a:solidFill>
+              </a:endParaRPr>
+            </a:p>
+          </p:txBody>
+        </p:sp>
+      </p:grpSp>
+      <p:grpSp>
+        <p:nvGrpSpPr>
+          <p:cNvPr id="44" name="그룹 43"/>
+          <p:cNvGrpSpPr/>
+          <p:nvPr/>
+        </p:nvGrpSpPr>
+        <p:grpSpPr>
+          <a:xfrm>
+            <a:off x="6704554" y="5183721"/>
+            <a:ext cx="4169446" cy="3228811"/>
+            <a:chOff x="6704554" y="5183721"/>
+            <a:chExt cx="4169446" cy="3228811"/>
+          </a:xfrm>
+        </p:grpSpPr>
+        <p:grpSp>
+          <p:nvGrpSpPr>
+            <p:cNvPr id="41" name="그룹 40"/>
+            <p:cNvGrpSpPr>
+              <a:grpSpLocks noChangeAspect="1"/>
+            </p:cNvGrpSpPr>
+            <p:nvPr/>
+          </p:nvGrpSpPr>
+          <p:grpSpPr>
+            <a:xfrm>
+              <a:off x="6704554" y="5183721"/>
+              <a:ext cx="4169446" cy="3228811"/>
+              <a:chOff x="6704553" y="5079033"/>
+              <a:chExt cx="8559204" cy="6628231"/>
+            </a:xfrm>
+          </p:grpSpPr>
+          <p:grpSp>
+            <p:nvGrpSpPr>
+              <p:cNvPr id="40" name="그룹 39"/>
+              <p:cNvGrpSpPr/>
+              <p:nvPr/>
+            </p:nvGrpSpPr>
+            <p:grpSpPr>
+              <a:xfrm>
+                <a:off x="6704553" y="5079033"/>
+                <a:ext cx="8559204" cy="5267317"/>
+                <a:chOff x="6704553" y="5079033"/>
+                <a:chExt cx="8559204" cy="5267317"/>
+              </a:xfrm>
+            </p:grpSpPr>
+            <p:pic>
+              <p:nvPicPr>
+                <p:cNvPr id="38" name="그림 37">
+                  <a:extLst>
+                    <a:ext uri="{FF2B5EF4-FFF2-40B4-BE49-F238E27FC236}">
+                      <a16:creationId xmlns:a16="http://schemas.microsoft.com/office/drawing/2014/main" id="{6D8ECECD-9898-4939-8106-C8F80990C495}"/>
+                    </a:ext>
+                  </a:extLst>
+                </p:cNvPr>
+                <p:cNvPicPr>
+                  <a:picLocks noChangeAspect="1"/>
+                </p:cNvPicPr>
+                <p:nvPr/>
+              </p:nvPicPr>
+              <p:blipFill>
+                <a:blip r:embed="rId2"/>
+                <a:stretch>
+                  <a:fillRect/>
+                </a:stretch>
+              </p:blipFill>
+              <p:spPr>
+                <a:xfrm>
+                  <a:off x="6704553" y="5079033"/>
+                  <a:ext cx="6061876" cy="5267317"/>
+                </a:xfrm>
+                <a:prstGeom prst="rect">
+                  <a:avLst/>
+                </a:prstGeom>
+              </p:spPr>
+            </p:pic>
+            <p:pic>
+              <p:nvPicPr>
+                <p:cNvPr id="39" name="그림 38">
+                  <a:extLst>
+                    <a:ext uri="{FF2B5EF4-FFF2-40B4-BE49-F238E27FC236}">
+                      <a16:creationId xmlns:a16="http://schemas.microsoft.com/office/drawing/2014/main" id="{5EE38CE3-EF3F-4EF6-8830-D0C6A0DE1D66}"/>
+                    </a:ext>
+                  </a:extLst>
+                </p:cNvPr>
+                <p:cNvPicPr>
+                  <a:picLocks noChangeAspect="1"/>
+                </p:cNvPicPr>
+                <p:nvPr/>
+              </p:nvPicPr>
+              <p:blipFill>
+                <a:blip r:embed="rId3"/>
+                <a:stretch>
+                  <a:fillRect/>
+                </a:stretch>
+              </p:blipFill>
+              <p:spPr>
+                <a:xfrm>
+                  <a:off x="12766429" y="5079033"/>
+                  <a:ext cx="2497328" cy="5267317"/>
+                </a:xfrm>
+                <a:prstGeom prst="rect">
+                  <a:avLst/>
+                </a:prstGeom>
+              </p:spPr>
+            </p:pic>
+          </p:grpSp>
+          <p:pic>
+            <p:nvPicPr>
+              <p:cNvPr id="18" name="그림 17"/>
+              <p:cNvPicPr>
+                <a:picLocks noChangeAspect="1"/>
+              </p:cNvPicPr>
+              <p:nvPr/>
+            </p:nvPicPr>
+            <p:blipFill>
+              <a:blip r:embed="rId4"/>
+              <a:stretch>
+                <a:fillRect/>
+              </a:stretch>
+            </p:blipFill>
+            <p:spPr>
+              <a:xfrm>
+                <a:off x="6704553" y="8478913"/>
+                <a:ext cx="8559204" cy="3228351"/>
+              </a:xfrm>
+              <a:prstGeom prst="rect">
+                <a:avLst/>
+              </a:prstGeom>
+            </p:spPr>
+          </p:pic>
+        </p:grpSp>
+        <p:sp>
+          <p:nvSpPr>
+            <p:cNvPr id="42" name="직사각형 41">
+              <a:extLst>
+                <a:ext uri="{FF2B5EF4-FFF2-40B4-BE49-F238E27FC236}">
+                  <a16:creationId xmlns:a16="http://schemas.microsoft.com/office/drawing/2014/main" id="{A9E92B43-A7B2-4502-87E9-BAA30D66651B}"/>
+                </a:ext>
+              </a:extLst>
+            </p:cNvPr>
+            <p:cNvSpPr/>
+            <p:nvPr/>
+          </p:nvSpPr>
+          <p:spPr>
+            <a:xfrm>
+              <a:off x="9753543" y="6277169"/>
+              <a:ext cx="998989" cy="432048"/>
+            </a:xfrm>
+            <a:prstGeom prst="rect">
+              <a:avLst/>
+            </a:prstGeom>
+            <a:noFill/>
+            <a:ln>
+              <a:noFill/>
+            </a:ln>
+          </p:spPr>
+          <p:style>
+            <a:lnRef idx="2">
+              <a:schemeClr val="accent1">
+                <a:shade val="50000"/>
+              </a:schemeClr>
+            </a:lnRef>
+            <a:fillRef idx="1">
+              <a:schemeClr val="accent1"/>
+            </a:fillRef>
+            <a:effectRef idx="0">
+              <a:schemeClr val="accent1"/>
+            </a:effectRef>
+            <a:fontRef idx="minor">
+              <a:schemeClr val="lt1"/>
+            </a:fontRef>
+          </p:style>
+          <p:txBody>
+            <a:bodyPr lIns="0" tIns="0" rIns="0" bIns="0" rtlCol="0" anchor="ctr"/>
+            <a:lstStyle/>
+            <a:p>
+              <a:pPr algn="ctr"/>
+              <a:r>
+                <a:rPr lang="ko-KR" altLang="en-US" sz="1400" b="1" smtClean="0">
+                  <a:solidFill>
+                    <a:schemeClr val="bg1"/>
+                  </a:solidFill>
+                </a:rPr>
+                <a:t>휴대폰</a:t>
+              </a:r>
+              <a:endParaRPr lang="en-US" altLang="ko-KR" sz="1400" b="1" smtClean="0">
+                <a:solidFill>
+                  <a:schemeClr val="bg1"/>
+                </a:solidFill>
+              </a:endParaRPr>
+            </a:p>
+            <a:p>
+              <a:pPr algn="ctr"/>
+              <a:r>
+                <a:rPr lang="ko-KR" altLang="en-US" sz="1400" b="1" smtClean="0">
+                  <a:solidFill>
+                    <a:schemeClr val="bg1"/>
+                  </a:solidFill>
+                </a:rPr>
+                <a:t>로그인</a:t>
+              </a:r>
+              <a:endParaRPr lang="ko-KR" altLang="en-US" sz="1400" b="1">
+                <a:solidFill>
+                  <a:schemeClr val="bg1"/>
+                </a:solidFill>
+              </a:endParaRPr>
+            </a:p>
+          </p:txBody>
+        </p:sp>
+        <p:sp>
+          <p:nvSpPr>
+            <p:cNvPr id="43" name="직사각형 42">
+              <a:extLst>
+                <a:ext uri="{FF2B5EF4-FFF2-40B4-BE49-F238E27FC236}">
+                  <a16:creationId xmlns:a16="http://schemas.microsoft.com/office/drawing/2014/main" id="{A9E92B43-A7B2-4502-87E9-BAA30D66651B}"/>
+                </a:ext>
+              </a:extLst>
+            </p:cNvPr>
+            <p:cNvSpPr/>
+            <p:nvPr/>
+          </p:nvSpPr>
+          <p:spPr>
+            <a:xfrm>
+              <a:off x="8893252" y="5499927"/>
+              <a:ext cx="731369" cy="432048"/>
+            </a:xfrm>
+            <a:prstGeom prst="rect">
+              <a:avLst/>
+            </a:prstGeom>
+            <a:noFill/>
+            <a:ln>
+              <a:noFill/>
+            </a:ln>
+          </p:spPr>
+          <p:style>
+            <a:lnRef idx="2">
+              <a:schemeClr val="accent1">
+                <a:shade val="50000"/>
+              </a:schemeClr>
+            </a:lnRef>
+            <a:fillRef idx="1">
+              <a:schemeClr val="accent1"/>
+            </a:fillRef>
+            <a:effectRef idx="0">
+              <a:schemeClr val="accent1"/>
+            </a:effectRef>
+            <a:fontRef idx="minor">
+              <a:schemeClr val="lt1"/>
+            </a:fontRef>
+          </p:style>
+          <p:txBody>
+            <a:bodyPr lIns="0" tIns="0" rIns="0" bIns="0" rtlCol="0" anchor="ctr"/>
+            <a:lstStyle/>
+            <a:p>
+              <a:pPr algn="ctr"/>
+              <a:r>
+                <a:rPr lang="en-US" altLang="ko-KR" sz="1400" b="1" smtClean="0">
+                  <a:solidFill>
+                    <a:schemeClr val="bg1"/>
+                  </a:solidFill>
+                </a:rPr>
+                <a:t>PC</a:t>
+              </a:r>
+            </a:p>
+            <a:p>
+              <a:pPr algn="ctr"/>
+              <a:r>
+                <a:rPr lang="ko-KR" altLang="en-US" sz="1400" b="1" smtClean="0">
+                  <a:solidFill>
+                    <a:schemeClr val="bg1"/>
+                  </a:solidFill>
+                </a:rPr>
+                <a:t>로그인</a:t>
+              </a:r>
+              <a:endParaRPr lang="ko-KR" altLang="en-US" sz="1400" b="1">
+                <a:solidFill>
+                  <a:schemeClr val="bg1"/>
+                </a:solidFill>
+              </a:endParaRPr>
+            </a:p>
+          </p:txBody>
+        </p:sp>
+      </p:grpSp>
+    </p:spTree>
+    <p:extLst>
+      <p:ext uri="{BB962C8B-B14F-4D97-AF65-F5344CB8AC3E}">
+        <p14:creationId xmlns:p14="http://schemas.microsoft.com/office/powerpoint/2010/main" val="1669083667"/>
+      </p:ext>
+    </p:extLst>
+  </p:cSld>
+  <p:clrMapOvr>
+    <a:masterClrMapping/>
+  </p:clrMapOvr>
+</p:sld>
+</file>
+
 <file path=ppt/theme/theme1.xml><?xml version="1.0" encoding="utf-8"?>
 <a:theme xmlns:a="http://schemas.openxmlformats.org/drawingml/2006/main" name="Office 테마">
   <a:themeElements>

--- a/static/assets/3_embedded_img.pptx
+++ b/static/assets/3_embedded_img.pptx
@@ -6,7 +6,7 @@
     <p:sldMasterId id="2147483660" r:id="rId2"/>
   </p:sldMasterIdLst>
   <p:notesMasterIdLst>
-    <p:notesMasterId r:id="rId11"/>
+    <p:notesMasterId r:id="rId12"/>
   </p:notesMasterIdLst>
   <p:sldIdLst>
     <p:sldId id="365" r:id="rId3"/>
@@ -17,6 +17,7 @@
     <p:sldId id="362" r:id="rId8"/>
     <p:sldId id="363" r:id="rId9"/>
     <p:sldId id="364" r:id="rId10"/>
+    <p:sldId id="366" r:id="rId11"/>
   </p:sldIdLst>
   <p:sldSz cx="18288000" cy="14039850"/>
   <p:notesSz cx="6858000" cy="9144000"/>
@@ -117,23 +118,7 @@
   </p:defaultTextStyle>
   <p:extLst>
     <p:ext uri="{EFAFB233-063F-42B5-8137-9DF3F51BA10A}">
-      <p15:sldGuideLst xmlns:p15="http://schemas.microsoft.com/office/powerpoint/2012/main">
-        <p15:guide id="3" pos="317" userDrawn="1">
-          <p15:clr>
-            <a:srgbClr val="A4A3A4"/>
-          </p15:clr>
-        </p15:guide>
-        <p15:guide id="5" pos="11135" userDrawn="1">
-          <p15:clr>
-            <a:srgbClr val="A4A3A4"/>
-          </p15:clr>
-        </p15:guide>
-        <p15:guide id="6" orient="horz" pos="4422">
-          <p15:clr>
-            <a:srgbClr val="A4A3A4"/>
-          </p15:clr>
-        </p15:guide>
-      </p15:sldGuideLst>
+      <p15:sldGuideLst xmlns:p15="http://schemas.microsoft.com/office/powerpoint/2012/main"/>
     </p:ext>
     <p:ext uri="{2D200454-40CA-4A62-9FC3-DE9A4176ACB9}">
       <p15:notesGuideLst xmlns:p15="http://schemas.microsoft.com/office/powerpoint/2012/main"/>
@@ -224,7 +209,7 @@
           <a:p>
             <a:fld id="{CABFA58B-201B-41D2-AA3E-28483B84FD7B}" type="datetimeFigureOut">
               <a:rPr lang="ko-KR" altLang="en-US" smtClean="0"/>
-              <a:t>2022-11-24</a:t>
+              <a:t>2022-11-27</a:t>
             </a:fld>
             <a:endParaRPr lang="ko-KR" altLang="en-US"/>
           </a:p>
@@ -923,7 +908,7 @@
           <a:p>
             <a:fld id="{C33163C4-65CF-48D2-8124-E2CEDBD7A0C5}" type="datetimeFigureOut">
               <a:rPr lang="ko-KR" altLang="en-US" smtClean="0"/>
-              <a:t>2022-11-24</a:t>
+              <a:t>2022-11-27</a:t>
             </a:fld>
             <a:endParaRPr lang="ko-KR" altLang="en-US"/>
           </a:p>
@@ -1245,7 +1230,7 @@
           <a:p>
             <a:fld id="{C33163C4-65CF-48D2-8124-E2CEDBD7A0C5}" type="datetimeFigureOut">
               <a:rPr lang="ko-KR" altLang="en-US" smtClean="0"/>
-              <a:t>2022-11-24</a:t>
+              <a:t>2022-11-27</a:t>
             </a:fld>
             <a:endParaRPr lang="ko-KR" altLang="en-US"/>
           </a:p>
@@ -1423,7 +1408,7 @@
           <a:p>
             <a:fld id="{C33163C4-65CF-48D2-8124-E2CEDBD7A0C5}" type="datetimeFigureOut">
               <a:rPr lang="ko-KR" altLang="en-US" smtClean="0"/>
-              <a:t>2022-11-24</a:t>
+              <a:t>2022-11-27</a:t>
             </a:fld>
             <a:endParaRPr lang="ko-KR" altLang="en-US"/>
           </a:p>
@@ -1663,7 +1648,7 @@
           <a:p>
             <a:fld id="{29936F60-83FB-4643-B7D2-F169DF4090A4}" type="datetimeFigureOut">
               <a:rPr lang="ko-KR" altLang="en-US" smtClean="0"/>
-              <a:t>2022-11-24</a:t>
+              <a:t>2022-11-27</a:t>
             </a:fld>
             <a:endParaRPr lang="ko-KR" altLang="en-US"/>
           </a:p>
@@ -1831,7 +1816,7 @@
           <a:p>
             <a:fld id="{29936F60-83FB-4643-B7D2-F169DF4090A4}" type="datetimeFigureOut">
               <a:rPr lang="ko-KR" altLang="en-US" smtClean="0"/>
-              <a:t>2022-11-24</a:t>
+              <a:t>2022-11-27</a:t>
             </a:fld>
             <a:endParaRPr lang="ko-KR" altLang="en-US"/>
           </a:p>
@@ -2076,7 +2061,7 @@
           <a:p>
             <a:fld id="{29936F60-83FB-4643-B7D2-F169DF4090A4}" type="datetimeFigureOut">
               <a:rPr lang="ko-KR" altLang="en-US" smtClean="0"/>
-              <a:t>2022-11-24</a:t>
+              <a:t>2022-11-27</a:t>
             </a:fld>
             <a:endParaRPr lang="ko-KR" altLang="en-US"/>
           </a:p>
@@ -2361,7 +2346,7 @@
           <a:p>
             <a:fld id="{29936F60-83FB-4643-B7D2-F169DF4090A4}" type="datetimeFigureOut">
               <a:rPr lang="ko-KR" altLang="en-US" smtClean="0"/>
-              <a:t>2022-11-24</a:t>
+              <a:t>2022-11-27</a:t>
             </a:fld>
             <a:endParaRPr lang="ko-KR" altLang="en-US"/>
           </a:p>
@@ -2780,7 +2765,7 @@
           <a:p>
             <a:fld id="{29936F60-83FB-4643-B7D2-F169DF4090A4}" type="datetimeFigureOut">
               <a:rPr lang="ko-KR" altLang="en-US" smtClean="0"/>
-              <a:t>2022-11-24</a:t>
+              <a:t>2022-11-27</a:t>
             </a:fld>
             <a:endParaRPr lang="ko-KR" altLang="en-US"/>
           </a:p>
@@ -2897,7 +2882,7 @@
           <a:p>
             <a:fld id="{29936F60-83FB-4643-B7D2-F169DF4090A4}" type="datetimeFigureOut">
               <a:rPr lang="ko-KR" altLang="en-US" smtClean="0"/>
-              <a:t>2022-11-24</a:t>
+              <a:t>2022-11-27</a:t>
             </a:fld>
             <a:endParaRPr lang="ko-KR" altLang="en-US"/>
           </a:p>
@@ -2992,7 +2977,7 @@
           <a:p>
             <a:fld id="{29936F60-83FB-4643-B7D2-F169DF4090A4}" type="datetimeFigureOut">
               <a:rPr lang="ko-KR" altLang="en-US" smtClean="0"/>
-              <a:t>2022-11-24</a:t>
+              <a:t>2022-11-27</a:t>
             </a:fld>
             <a:endParaRPr lang="ko-KR" altLang="en-US"/>
           </a:p>
@@ -3267,7 +3252,7 @@
           <a:p>
             <a:fld id="{29936F60-83FB-4643-B7D2-F169DF4090A4}" type="datetimeFigureOut">
               <a:rPr lang="ko-KR" altLang="en-US" smtClean="0"/>
-              <a:t>2022-11-24</a:t>
+              <a:t>2022-11-27</a:t>
             </a:fld>
             <a:endParaRPr lang="ko-KR" altLang="en-US"/>
           </a:p>
@@ -3457,7 +3442,7 @@
           <a:p>
             <a:fld id="{C33163C4-65CF-48D2-8124-E2CEDBD7A0C5}" type="datetimeFigureOut">
               <a:rPr lang="ko-KR" altLang="en-US" smtClean="0"/>
-              <a:t>2022-11-24</a:t>
+              <a:t>2022-11-27</a:t>
             </a:fld>
             <a:endParaRPr lang="ko-KR" altLang="en-US"/>
           </a:p>
@@ -4070,7 +4055,7 @@
           <a:p>
             <a:fld id="{29936F60-83FB-4643-B7D2-F169DF4090A4}" type="datetimeFigureOut">
               <a:rPr lang="ko-KR" altLang="en-US" smtClean="0"/>
-              <a:t>2022-11-24</a:t>
+              <a:t>2022-11-27</a:t>
             </a:fld>
             <a:endParaRPr lang="ko-KR" altLang="en-US"/>
           </a:p>
@@ -4238,7 +4223,7 @@
           <a:p>
             <a:fld id="{29936F60-83FB-4643-B7D2-F169DF4090A4}" type="datetimeFigureOut">
               <a:rPr lang="ko-KR" altLang="en-US" smtClean="0"/>
-              <a:t>2022-11-24</a:t>
+              <a:t>2022-11-27</a:t>
             </a:fld>
             <a:endParaRPr lang="ko-KR" altLang="en-US"/>
           </a:p>
@@ -4416,7 +4401,7 @@
           <a:p>
             <a:fld id="{29936F60-83FB-4643-B7D2-F169DF4090A4}" type="datetimeFigureOut">
               <a:rPr lang="ko-KR" altLang="en-US" smtClean="0"/>
-              <a:t>2022-11-24</a:t>
+              <a:t>2022-11-27</a:t>
             </a:fld>
             <a:endParaRPr lang="ko-KR" altLang="en-US"/>
           </a:p>
@@ -4661,7 +4646,7 @@
           <a:p>
             <a:fld id="{C33163C4-65CF-48D2-8124-E2CEDBD7A0C5}" type="datetimeFigureOut">
               <a:rPr lang="ko-KR" altLang="en-US" smtClean="0"/>
-              <a:t>2022-11-24</a:t>
+              <a:t>2022-11-27</a:t>
             </a:fld>
             <a:endParaRPr lang="ko-KR" altLang="en-US"/>
           </a:p>
@@ -4787,7 +4772,7 @@
           <a:p>
             <a:fld id="{C33163C4-65CF-48D2-8124-E2CEDBD7A0C5}" type="datetimeFigureOut">
               <a:rPr lang="ko-KR" altLang="en-US" smtClean="0"/>
-              <a:t>2022-11-24</a:t>
+              <a:t>2022-11-27</a:t>
             </a:fld>
             <a:endParaRPr lang="ko-KR" altLang="en-US"/>
           </a:p>
@@ -5690,7 +5675,7 @@
           <a:p>
             <a:fld id="{C33163C4-65CF-48D2-8124-E2CEDBD7A0C5}" type="datetimeFigureOut">
               <a:rPr lang="ko-KR" altLang="en-US" smtClean="0"/>
-              <a:t>2022-11-24</a:t>
+              <a:t>2022-11-27</a:t>
             </a:fld>
             <a:endParaRPr lang="ko-KR" altLang="en-US"/>
           </a:p>
@@ -5807,7 +5792,7 @@
           <a:p>
             <a:fld id="{C33163C4-65CF-48D2-8124-E2CEDBD7A0C5}" type="datetimeFigureOut">
               <a:rPr lang="ko-KR" altLang="en-US" smtClean="0"/>
-              <a:t>2022-11-24</a:t>
+              <a:t>2022-11-27</a:t>
             </a:fld>
             <a:endParaRPr lang="ko-KR" altLang="en-US"/>
           </a:p>
@@ -5902,7 +5887,7 @@
           <a:p>
             <a:fld id="{C33163C4-65CF-48D2-8124-E2CEDBD7A0C5}" type="datetimeFigureOut">
               <a:rPr lang="ko-KR" altLang="en-US" smtClean="0"/>
-              <a:t>2022-11-24</a:t>
+              <a:t>2022-11-27</a:t>
             </a:fld>
             <a:endParaRPr lang="ko-KR" altLang="en-US"/>
           </a:p>
@@ -6177,7 +6162,7 @@
           <a:p>
             <a:fld id="{C33163C4-65CF-48D2-8124-E2CEDBD7A0C5}" type="datetimeFigureOut">
               <a:rPr lang="ko-KR" altLang="en-US" smtClean="0"/>
-              <a:t>2022-11-24</a:t>
+              <a:t>2022-11-27</a:t>
             </a:fld>
             <a:endParaRPr lang="ko-KR" altLang="en-US"/>
           </a:p>
@@ -6429,7 +6414,7 @@
           <a:p>
             <a:fld id="{C33163C4-65CF-48D2-8124-E2CEDBD7A0C5}" type="datetimeFigureOut">
               <a:rPr lang="ko-KR" altLang="en-US" smtClean="0"/>
-              <a:t>2022-11-24</a:t>
+              <a:t>2022-11-27</a:t>
             </a:fld>
             <a:endParaRPr lang="ko-KR" altLang="en-US"/>
           </a:p>
@@ -6664,7 +6649,7 @@
           <a:p>
             <a:fld id="{C33163C4-65CF-48D2-8124-E2CEDBD7A0C5}" type="datetimeFigureOut">
               <a:rPr lang="ko-KR" altLang="en-US" smtClean="0"/>
-              <a:t>2022-11-24</a:t>
+              <a:t>2022-11-27</a:t>
             </a:fld>
             <a:endParaRPr lang="ko-KR" altLang="en-US"/>
           </a:p>
@@ -7174,7 +7159,7 @@
           <a:p>
             <a:fld id="{29936F60-83FB-4643-B7D2-F169DF4090A4}" type="datetimeFigureOut">
               <a:rPr lang="ko-KR" altLang="en-US" smtClean="0"/>
-              <a:t>2022-11-24</a:t>
+              <a:t>2022-11-27</a:t>
             </a:fld>
             <a:endParaRPr lang="ko-KR" altLang="en-US"/>
           </a:p>
@@ -8072,13 +8057,6 @@
   <p:clrMapOvr>
     <a:masterClrMapping/>
   </p:clrMapOvr>
-  <p:timing>
-    <p:tnLst>
-      <p:par>
-        <p:cTn id="1" dur="indefinite" restart="never" nodeType="tmRoot"/>
-      </p:par>
-    </p:tnLst>
-  </p:timing>
 </p:sld>
 </file>
 
@@ -8347,10 +8325,9 @@
             <a:p>
               <a:pPr algn="ctr"/>
               <a:r>
-                <a:rPr lang="ko-KR" altLang="en-US" b="1" smtClean="0"/>
+                <a:rPr lang="ko-KR" altLang="en-US" b="1"/>
                 <a:t>분석</a:t>
               </a:r>
-              <a:endParaRPr lang="ko-KR" altLang="en-US" b="1"/>
             </a:p>
           </p:txBody>
         </p:sp>
@@ -8466,7 +8443,7 @@
               <a:p>
                 <a:pPr algn="ctr"/>
                 <a:r>
-                  <a:rPr lang="en-US" altLang="ko-KR" sz="2800" smtClean="0"/>
+                  <a:rPr lang="en-US" altLang="ko-KR" sz="2800"/>
                   <a:t>Updater</a:t>
                 </a:r>
                 <a:endParaRPr lang="ko-KR" altLang="en-US" sz="2800"/>
@@ -8510,7 +8487,7 @@
               <a:p>
                 <a:pPr algn="ctr"/>
                 <a:r>
-                  <a:rPr lang="en-US" altLang="ko-KR" sz="2800" smtClean="0"/>
+                  <a:rPr lang="en-US" altLang="ko-KR" sz="2800"/>
                   <a:t>BL</a:t>
                 </a:r>
                 <a:endParaRPr lang="ko-KR" altLang="en-US" sz="2800"/>
@@ -8632,7 +8609,7 @@
                 <a:p>
                   <a:pPr algn="ctr"/>
                   <a:r>
-                    <a:rPr lang="en-US" altLang="ko-KR" sz="1600" b="1" smtClean="0"/>
+                    <a:rPr lang="en-US" altLang="ko-KR" sz="1600" b="1"/>
                     <a:t>0x53 0x04</a:t>
                   </a:r>
                 </a:p>
@@ -8700,7 +8677,7 @@
                   </a:lnSpc>
                 </a:pPr>
                 <a:r>
-                  <a:rPr lang="en-US" altLang="ko-KR" sz="1600" b="1" smtClean="0"/>
+                  <a:rPr lang="en-US" altLang="ko-KR" sz="1600" b="1"/>
                   <a:t>Erase App Sector</a:t>
                 </a:r>
               </a:p>
@@ -8711,7 +8688,7 @@
                   </a:lnSpc>
                 </a:pPr>
                 <a:r>
-                  <a:rPr lang="en-US" altLang="ko-KR" sz="1600" b="1" smtClean="0"/>
+                  <a:rPr lang="en-US" altLang="ko-KR" sz="1600" b="1"/>
                   <a:t>Erase Finished</a:t>
                 </a:r>
                 <a:endParaRPr lang="ko-KR" altLang="en-US" sz="1600" b="1"/>
@@ -8789,7 +8766,7 @@
                 <a:p>
                   <a:pPr algn="ctr"/>
                   <a:r>
-                    <a:rPr lang="en-US" altLang="ko-KR" sz="1600" b="1" smtClean="0"/>
+                    <a:rPr lang="en-US" altLang="ko-KR" sz="1600" b="1"/>
                     <a:t>0x41 0x31 0x31 (ACK)</a:t>
                   </a:r>
                 </a:p>
@@ -8834,7 +8811,7 @@
                 <a:p>
                   <a:pPr algn="ctr"/>
                   <a:r>
-                    <a:rPr lang="en-US" altLang="ko-KR" sz="1600" b="1" smtClean="0"/>
+                    <a:rPr lang="en-US" altLang="ko-KR" sz="1600" b="1"/>
                     <a:t>Tx App Binary</a:t>
                   </a:r>
                 </a:p>
@@ -9042,7 +9019,7 @@
                 <a:p>
                   <a:pPr algn="ctr"/>
                   <a:r>
-                    <a:rPr lang="en-US" altLang="ko-KR" sz="1600" b="1" smtClean="0"/>
+                    <a:rPr lang="en-US" altLang="ko-KR" sz="1600" b="1"/>
                     <a:t>Tx Vector Binary</a:t>
                   </a:r>
                 </a:p>
@@ -9116,48 +9093,19 @@
               <a:p>
                 <a:r>
                   <a:rPr lang="en-US" altLang="ko-KR"/>
-                  <a:t>Write </a:t>
-                </a:r>
-                <a:r>
-                  <a:rPr lang="en-US" altLang="ko-KR" smtClean="0"/>
-                  <a:t>Vector</a:t>
-                </a:r>
-                <a:endParaRPr lang="en-US" altLang="ko-KR"/>
-              </a:p>
-              <a:p>
-                <a:r>
-                  <a:rPr lang="en-US" altLang="ko-KR"/>
-                  <a:t>Restore </a:t>
-                </a:r>
-                <a:r>
-                  <a:rPr lang="en-US" altLang="ko-KR" smtClean="0"/>
-                  <a:t>Reset Vector </a:t>
-                </a:r>
-                <a:r>
-                  <a:rPr lang="en-US" altLang="ko-KR"/>
-                  <a:t>when write </a:t>
-                </a:r>
-                <a:r>
-                  <a:rPr lang="en-US" altLang="ko-KR" smtClean="0"/>
-                  <a:t>vector </a:t>
-                </a:r>
-                <a:r>
-                  <a:rPr lang="en-US" altLang="ko-KR"/>
-                  <a:t>finished</a:t>
+                  <a:t>Write Vector</a:t>
                 </a:r>
               </a:p>
               <a:p>
                 <a:r>
                   <a:rPr lang="en-US" altLang="ko-KR"/>
-                  <a:t>Write </a:t>
+                  <a:t>Restore Reset Vector when write vector finished</a:t>
                 </a:r>
-                <a:r>
-                  <a:rPr lang="en-US" altLang="ko-KR" smtClean="0"/>
-                  <a:t>Vector </a:t>
-                </a:r>
+              </a:p>
+              <a:p>
                 <a:r>
                   <a:rPr lang="en-US" altLang="ko-KR"/>
-                  <a:t>Finished</a:t>
+                  <a:t>Write Vector Finished</a:t>
                 </a:r>
                 <a:endParaRPr lang="ko-KR" altLang="en-US"/>
               </a:p>
@@ -9266,15 +9214,7 @@
                 <a:pPr algn="ctr"/>
                 <a:r>
                   <a:rPr lang="en-US" altLang="ko-KR" sz="1600" b="1"/>
-                  <a:t>Erase </a:t>
-                </a:r>
-                <a:r>
-                  <a:rPr lang="en-US" altLang="ko-KR" sz="1600" b="1" smtClean="0"/>
-                  <a:t>App </a:t>
-                </a:r>
-                <a:r>
-                  <a:rPr lang="en-US" altLang="ko-KR" sz="1600" b="1"/>
-                  <a:t>Sector Command</a:t>
+                  <a:t>Erase App Sector Command</a:t>
                 </a:r>
               </a:p>
             </p:txBody>
@@ -15149,14 +15089,14 @@
             <a:p>
               <a:pPr algn="ctr"/>
               <a:r>
-                <a:rPr lang="ko-KR" altLang="en-US" sz="1400" b="1" smtClean="0">
+                <a:rPr lang="ko-KR" altLang="en-US" sz="1400" b="1">
                   <a:solidFill>
                     <a:schemeClr val="bg1"/>
                   </a:solidFill>
                 </a:rPr>
                 <a:t>휴대폰</a:t>
               </a:r>
-              <a:endParaRPr lang="en-US" altLang="ko-KR" sz="1400" b="1" smtClean="0">
+              <a:endParaRPr lang="en-US" altLang="ko-KR" sz="1400" b="1">
                 <a:solidFill>
                   <a:schemeClr val="bg1"/>
                 </a:solidFill>
@@ -15165,18 +15105,13 @@
             <a:p>
               <a:pPr algn="ctr"/>
               <a:r>
-                <a:rPr lang="ko-KR" altLang="en-US" sz="1400" b="1" smtClean="0">
+                <a:rPr lang="ko-KR" altLang="en-US" sz="1400" b="1">
                   <a:solidFill>
                     <a:schemeClr val="bg1"/>
                   </a:solidFill>
                 </a:rPr>
                 <a:t>로그인</a:t>
               </a:r>
-              <a:endParaRPr lang="ko-KR" altLang="en-US" sz="1400" b="1">
-                <a:solidFill>
-                  <a:schemeClr val="bg1"/>
-                </a:solidFill>
-              </a:endParaRPr>
             </a:p>
           </p:txBody>
         </p:sp>
@@ -15227,7 +15162,7 @@
             <a:p>
               <a:pPr algn="ctr"/>
               <a:r>
-                <a:rPr lang="en-US" altLang="ko-KR" sz="1400" b="1" smtClean="0">
+                <a:rPr lang="en-US" altLang="ko-KR" sz="1400" b="1">
                   <a:solidFill>
                     <a:schemeClr val="bg1"/>
                   </a:solidFill>
@@ -15238,18 +15173,13 @@
             <a:p>
               <a:pPr algn="ctr"/>
               <a:r>
-                <a:rPr lang="ko-KR" altLang="en-US" sz="1400" b="1" smtClean="0">
+                <a:rPr lang="ko-KR" altLang="en-US" sz="1400" b="1">
                   <a:solidFill>
                     <a:schemeClr val="bg1"/>
                   </a:solidFill>
                 </a:rPr>
                 <a:t>로그인</a:t>
               </a:r>
-              <a:endParaRPr lang="ko-KR" altLang="en-US" sz="1400" b="1">
-                <a:solidFill>
-                  <a:schemeClr val="bg1"/>
-                </a:solidFill>
-              </a:endParaRPr>
             </a:p>
           </p:txBody>
         </p:sp>
@@ -15258,6 +15188,243 @@
     <p:extLst>
       <p:ext uri="{BB962C8B-B14F-4D97-AF65-F5344CB8AC3E}">
         <p14:creationId xmlns:p14="http://schemas.microsoft.com/office/powerpoint/2010/main" val="1669083667"/>
+      </p:ext>
+    </p:extLst>
+  </p:cSld>
+  <p:clrMapOvr>
+    <a:masterClrMapping/>
+  </p:clrMapOvr>
+</p:sld>
+</file>
+
+<file path=ppt/slides/slide9.xml><?xml version="1.0" encoding="utf-8"?>
+<p:sld xmlns:a="http://schemas.openxmlformats.org/drawingml/2006/main" xmlns:r="http://schemas.openxmlformats.org/officeDocument/2006/relationships" xmlns:p="http://schemas.openxmlformats.org/presentationml/2006/main">
+  <p:cSld>
+    <p:spTree>
+      <p:nvGrpSpPr>
+        <p:cNvPr id="1" name=""/>
+        <p:cNvGrpSpPr/>
+        <p:nvPr/>
+      </p:nvGrpSpPr>
+      <p:grpSpPr>
+        <a:xfrm>
+          <a:off x="0" y="0"/>
+          <a:ext cx="0" cy="0"/>
+          <a:chOff x="0" y="0"/>
+          <a:chExt cx="0" cy="0"/>
+        </a:xfrm>
+      </p:grpSpPr>
+      <p:sp>
+        <p:nvSpPr>
+          <p:cNvPr id="3" name="슬라이드 번호 개체 틀 2">
+            <a:extLst>
+              <a:ext uri="{FF2B5EF4-FFF2-40B4-BE49-F238E27FC236}">
+                <a16:creationId xmlns:a16="http://schemas.microsoft.com/office/drawing/2014/main" id="{B92FCA93-7299-4837-BFA6-BFCE77DE4757}"/>
+              </a:ext>
+            </a:extLst>
+          </p:cNvPr>
+          <p:cNvSpPr>
+            <a:spLocks noGrp="1"/>
+          </p:cNvSpPr>
+          <p:nvPr>
+            <p:ph type="sldNum" sz="quarter" idx="12"/>
+          </p:nvPr>
+        </p:nvSpPr>
+        <p:spPr/>
+        <p:txBody>
+          <a:bodyPr/>
+          <a:lstStyle/>
+          <a:p>
+            <a:fld id="{83FD6675-1775-473F-B12B-1A4033AC630B}" type="slidenum">
+              <a:rPr lang="ko-KR" altLang="en-US" smtClean="0"/>
+              <a:t>9</a:t>
+            </a:fld>
+            <a:endParaRPr lang="ko-KR" altLang="en-US"/>
+          </a:p>
+        </p:txBody>
+      </p:sp>
+      <p:sp>
+        <p:nvSpPr>
+          <p:cNvPr id="4" name="제목 3">
+            <a:extLst>
+              <a:ext uri="{FF2B5EF4-FFF2-40B4-BE49-F238E27FC236}">
+                <a16:creationId xmlns:a16="http://schemas.microsoft.com/office/drawing/2014/main" id="{DAA1ADCB-2D2C-4B06-8209-B14707DE0362}"/>
+              </a:ext>
+            </a:extLst>
+          </p:cNvPr>
+          <p:cNvSpPr>
+            <a:spLocks noGrp="1"/>
+          </p:cNvSpPr>
+          <p:nvPr>
+            <p:ph type="title"/>
+          </p:nvPr>
+        </p:nvSpPr>
+        <p:spPr/>
+        <p:txBody>
+          <a:bodyPr/>
+          <a:lstStyle/>
+          <a:p>
+            <a:endParaRPr lang="ko-KR" altLang="en-US"/>
+          </a:p>
+        </p:txBody>
+      </p:sp>
+      <p:grpSp>
+        <p:nvGrpSpPr>
+          <p:cNvPr id="10" name="그룹 9">
+            <a:extLst>
+              <a:ext uri="{FF2B5EF4-FFF2-40B4-BE49-F238E27FC236}">
+                <a16:creationId xmlns:a16="http://schemas.microsoft.com/office/drawing/2014/main" id="{10569B07-5D9F-4D7F-92D0-4F0DB2136E1A}"/>
+              </a:ext>
+            </a:extLst>
+          </p:cNvPr>
+          <p:cNvGrpSpPr>
+            <a:grpSpLocks noChangeAspect="1"/>
+          </p:cNvGrpSpPr>
+          <p:nvPr/>
+        </p:nvGrpSpPr>
+        <p:grpSpPr>
+          <a:xfrm>
+            <a:off x="3095756" y="3671553"/>
+            <a:ext cx="12528964" cy="6116166"/>
+            <a:chOff x="3095756" y="3671553"/>
+            <a:chExt cx="8244488" cy="4024647"/>
+          </a:xfrm>
+        </p:grpSpPr>
+        <p:grpSp>
+          <p:nvGrpSpPr>
+            <p:cNvPr id="8" name="그룹 7">
+              <a:extLst>
+                <a:ext uri="{FF2B5EF4-FFF2-40B4-BE49-F238E27FC236}">
+                  <a16:creationId xmlns:a16="http://schemas.microsoft.com/office/drawing/2014/main" id="{32CDE8C2-B7C0-473F-9D0C-415CFFAA67AF}"/>
+                </a:ext>
+              </a:extLst>
+            </p:cNvPr>
+            <p:cNvGrpSpPr/>
+            <p:nvPr/>
+          </p:nvGrpSpPr>
+          <p:grpSpPr>
+            <a:xfrm>
+              <a:off x="3095756" y="3671553"/>
+              <a:ext cx="8244488" cy="4024647"/>
+              <a:chOff x="3095756" y="3671553"/>
+              <a:chExt cx="8244488" cy="4024647"/>
+            </a:xfrm>
+          </p:grpSpPr>
+          <p:pic>
+            <p:nvPicPr>
+              <p:cNvPr id="5" name="그림 4">
+                <a:extLst>
+                  <a:ext uri="{FF2B5EF4-FFF2-40B4-BE49-F238E27FC236}">
+                    <a16:creationId xmlns:a16="http://schemas.microsoft.com/office/drawing/2014/main" id="{80016445-9BF6-4519-9BB7-3E1F4BDF225C}"/>
+                  </a:ext>
+                </a:extLst>
+              </p:cNvPr>
+              <p:cNvPicPr>
+                <a:picLocks noChangeAspect="1"/>
+              </p:cNvPicPr>
+              <p:nvPr/>
+            </p:nvPicPr>
+            <p:blipFill rotWithShape="1">
+              <a:blip r:embed="rId2"/>
+              <a:srcRect r="20358"/>
+              <a:stretch/>
+            </p:blipFill>
+            <p:spPr>
+              <a:xfrm>
+                <a:off x="6515708" y="3671553"/>
+                <a:ext cx="4824536" cy="4019550"/>
+              </a:xfrm>
+              <a:prstGeom prst="rect">
+                <a:avLst/>
+              </a:prstGeom>
+            </p:spPr>
+          </p:pic>
+          <p:pic>
+            <p:nvPicPr>
+              <p:cNvPr id="7" name="그림 6">
+                <a:extLst>
+                  <a:ext uri="{FF2B5EF4-FFF2-40B4-BE49-F238E27FC236}">
+                    <a16:creationId xmlns:a16="http://schemas.microsoft.com/office/drawing/2014/main" id="{E6240E67-9D42-415A-B6D8-7B6860D1EE41}"/>
+                  </a:ext>
+                </a:extLst>
+              </p:cNvPr>
+              <p:cNvPicPr>
+                <a:picLocks noChangeAspect="1"/>
+              </p:cNvPicPr>
+              <p:nvPr/>
+            </p:nvPicPr>
+            <p:blipFill>
+              <a:blip r:embed="rId3">
+                <a:extLst>
+                  <a:ext uri="{28A0092B-C50C-407E-A947-70E740481C1C}">
+                    <a14:useLocalDpi xmlns:a14="http://schemas.microsoft.com/office/drawing/2010/main" val="0"/>
+                  </a:ext>
+                </a:extLst>
+              </a:blip>
+              <a:stretch>
+                <a:fillRect/>
+              </a:stretch>
+            </p:blipFill>
+            <p:spPr>
+              <a:xfrm>
+                <a:off x="3095756" y="3671553"/>
+                <a:ext cx="3419952" cy="4024647"/>
+              </a:xfrm>
+              <a:prstGeom prst="rect">
+                <a:avLst/>
+              </a:prstGeom>
+            </p:spPr>
+          </p:pic>
+        </p:grpSp>
+        <p:sp>
+          <p:nvSpPr>
+            <p:cNvPr id="9" name="TextBox 8">
+              <a:extLst>
+                <a:ext uri="{FF2B5EF4-FFF2-40B4-BE49-F238E27FC236}">
+                  <a16:creationId xmlns:a16="http://schemas.microsoft.com/office/drawing/2014/main" id="{C70886B8-67FD-4F30-BB53-96C403E8A650}"/>
+                </a:ext>
+              </a:extLst>
+            </p:cNvPr>
+            <p:cNvSpPr txBox="1"/>
+            <p:nvPr/>
+          </p:nvSpPr>
+          <p:spPr>
+            <a:xfrm>
+              <a:off x="3264677" y="7181639"/>
+              <a:ext cx="972108" cy="430887"/>
+            </a:xfrm>
+            <a:prstGeom prst="rect">
+              <a:avLst/>
+            </a:prstGeom>
+            <a:noFill/>
+          </p:spPr>
+          <p:txBody>
+            <a:bodyPr wrap="square" lIns="0" tIns="0" rIns="0" bIns="0" rtlCol="0">
+              <a:spAutoFit/>
+            </a:bodyPr>
+            <a:lstStyle/>
+            <a:p>
+              <a:pPr algn="ctr"/>
+              <a:r>
+                <a:rPr lang="ko-KR" altLang="en-US" sz="1400" b="1"/>
+                <a:t>차량</a:t>
+              </a:r>
+              <a:endParaRPr lang="en-US" altLang="ko-KR" sz="1400" b="1"/>
+            </a:p>
+            <a:p>
+              <a:pPr algn="ctr"/>
+              <a:r>
+                <a:rPr lang="ko-KR" altLang="en-US" sz="1400" b="1"/>
+                <a:t>속도제어</a:t>
+              </a:r>
+            </a:p>
+          </p:txBody>
+        </p:sp>
+      </p:grpSp>
+    </p:spTree>
+    <p:extLst>
+      <p:ext uri="{BB962C8B-B14F-4D97-AF65-F5344CB8AC3E}">
+        <p14:creationId xmlns:p14="http://schemas.microsoft.com/office/powerpoint/2010/main" val="1827169094"/>
       </p:ext>
     </p:extLst>
   </p:cSld>
